--- a/chalice2sil/doc/initial-project-presentation.pptx
+++ b/chalice2sil/doc/initial-project-presentation.pptx
@@ -4,9 +4,6 @@
   <p:sldMasterIdLst>
     <p:sldMasterId id="2147483648" r:id="rId1"/>
   </p:sldMasterIdLst>
-  <p:sldIdLst>
-    <p:sldId id="256" r:id="rId2"/>
-  </p:sldIdLst>
   <p:sldSz cx="9144000" cy="6858000" type="screen4x3"/>
   <p:notesSz cx="6858000" cy="9144000"/>
   <p:defaultTextStyle>
@@ -2572,9 +2569,28 @@
 <p:sldMaster xmlns:a="http://schemas.openxmlformats.org/drawingml/2006/main" xmlns:r="http://schemas.openxmlformats.org/officeDocument/2006/relationships" xmlns:p="http://schemas.openxmlformats.org/presentationml/2006/main">
   <p:cSld>
     <p:bg>
-      <p:bgRef idx="1001">
-        <a:schemeClr val="bg1"/>
-      </p:bgRef>
+      <p:bgPr>
+        <a:gradFill flip="none" rotWithShape="1">
+          <a:gsLst>
+            <a:gs pos="81000">
+              <a:schemeClr val="bg1">
+                <a:lumMod val="85000"/>
+              </a:schemeClr>
+            </a:gs>
+            <a:gs pos="0">
+              <a:schemeClr val="bg1"/>
+            </a:gs>
+            <a:gs pos="100000">
+              <a:schemeClr val="bg1">
+                <a:lumMod val="65000"/>
+              </a:schemeClr>
+            </a:gs>
+          </a:gsLst>
+          <a:lin ang="2700000" scaled="1"/>
+          <a:tileRect/>
+        </a:gradFill>
+        <a:effectLst/>
+      </p:bgPr>
     </p:bg>
     <p:spTree>
       <p:nvGrpSpPr>
@@ -2592,6 +2608,53 @@
       </p:grpSpPr>
       <p:sp>
         <p:nvSpPr>
+          <p:cNvPr id="9" name="Snip Diagonal Corner Rectangle 8"/>
+          <p:cNvSpPr/>
+          <p:nvPr userDrawn="1"/>
+        </p:nvSpPr>
+        <p:spPr>
+          <a:xfrm>
+            <a:off x="5292080" y="-790303"/>
+            <a:ext cx="2736304" cy="1266975"/>
+          </a:xfrm>
+          <a:prstGeom prst="snip2DiagRect">
+            <a:avLst>
+              <a:gd name="adj1" fmla="val 0"/>
+              <a:gd name="adj2" fmla="val 23649"/>
+            </a:avLst>
+          </a:prstGeom>
+        </p:spPr>
+        <p:style>
+          <a:lnRef idx="2">
+            <a:schemeClr val="accent5">
+              <a:shade val="50000"/>
+            </a:schemeClr>
+          </a:lnRef>
+          <a:fillRef idx="1">
+            <a:schemeClr val="accent5"/>
+          </a:fillRef>
+          <a:effectRef idx="0">
+            <a:schemeClr val="accent5"/>
+          </a:effectRef>
+          <a:fontRef idx="minor">
+            <a:schemeClr val="lt1"/>
+          </a:fontRef>
+        </p:style>
+        <p:txBody>
+          <a:bodyPr lIns="0" tIns="1224000" rIns="288000" bIns="0" rtlCol="0" anchor="b" anchorCtr="1"/>
+          <a:lstStyle/>
+          <a:p>
+            <a:pPr algn="ctr"/>
+            <a:r>
+              <a:rPr lang="de-CH" sz="2800" dirty="0" smtClean="0"/>
+              <a:t>Chalice2SIL</a:t>
+            </a:r>
+            <a:endParaRPr lang="en-GB" sz="2800" dirty="0"/>
+          </a:p>
+        </p:txBody>
+      </p:sp>
+      <p:sp>
+        <p:nvSpPr>
           <p:cNvPr id="2" name="Title Placeholder 1"/>
           <p:cNvSpPr>
             <a:spLocks noGrp="1"/>
@@ -2801,6 +2864,60 @@
               <a:t>‹#›</a:t>
             </a:fld>
             <a:endParaRPr lang="de-CH"/>
+          </a:p>
+        </p:txBody>
+      </p:sp>
+      <p:sp>
+        <p:nvSpPr>
+          <p:cNvPr id="8" name="Snip Diagonal Corner Rectangle 7"/>
+          <p:cNvSpPr/>
+          <p:nvPr userDrawn="1"/>
+        </p:nvSpPr>
+        <p:spPr>
+          <a:xfrm>
+            <a:off x="7524328" y="-790303"/>
+            <a:ext cx="2160240" cy="1266975"/>
+          </a:xfrm>
+          <a:prstGeom prst="snip2DiagRect">
+            <a:avLst>
+              <a:gd name="adj1" fmla="val 0"/>
+              <a:gd name="adj2" fmla="val 23649"/>
+            </a:avLst>
+          </a:prstGeom>
+          <a:effectLst>
+            <a:outerShdw blurRad="50800" dist="38100" dir="10800000" algn="r" rotWithShape="0">
+              <a:prstClr val="black">
+                <a:alpha val="40000"/>
+              </a:prstClr>
+            </a:outerShdw>
+          </a:effectLst>
+        </p:spPr>
+        <p:style>
+          <a:lnRef idx="2">
+            <a:schemeClr val="accent6">
+              <a:shade val="50000"/>
+            </a:schemeClr>
+          </a:lnRef>
+          <a:fillRef idx="1">
+            <a:schemeClr val="accent6"/>
+          </a:fillRef>
+          <a:effectRef idx="0">
+            <a:schemeClr val="accent6"/>
+          </a:effectRef>
+          <a:fontRef idx="minor">
+            <a:schemeClr val="lt1"/>
+          </a:fontRef>
+        </p:style>
+        <p:txBody>
+          <a:bodyPr lIns="0" tIns="1224000" rIns="288000" bIns="0" rtlCol="0" anchor="b" anchorCtr="1"/>
+          <a:lstStyle/>
+          <a:p>
+            <a:pPr algn="ctr"/>
+            <a:r>
+              <a:rPr lang="de-CH" sz="2800" dirty="0" smtClean="0"/>
+              <a:t>Semper  </a:t>
+            </a:r>
+            <a:endParaRPr lang="en-GB" sz="2800" dirty="0"/>
           </a:p>
         </p:txBody>
       </p:sp>
@@ -2825,6 +2942,13 @@
     <p:sldLayoutId id="2147483658" r:id="rId10"/>
     <p:sldLayoutId id="2147483659" r:id="rId11"/>
   </p:sldLayoutIdLst>
+  <p:timing>
+    <p:tnLst>
+      <p:par>
+        <p:cTn id="1" dur="indefinite" restart="never" nodeType="tmRoot"/>
+      </p:par>
+    </p:tnLst>
+  </p:timing>
   <p:txStyles>
     <p:titleStyle>
       <a:lvl1pPr algn="ctr" defTabSz="914400" rtl="0" eaLnBrk="1" latinLnBrk="0" hangingPunct="1">
@@ -3078,82 +3202,6 @@
 </p:sldMaster>
 </file>
 
-<file path=ppt/slides/slide1.xml><?xml version="1.0" encoding="utf-8"?>
-<p:sld xmlns:a="http://schemas.openxmlformats.org/drawingml/2006/main" xmlns:r="http://schemas.openxmlformats.org/officeDocument/2006/relationships" xmlns:p="http://schemas.openxmlformats.org/presentationml/2006/main">
-  <p:cSld>
-    <p:spTree>
-      <p:nvGrpSpPr>
-        <p:cNvPr id="1" name=""/>
-        <p:cNvGrpSpPr/>
-        <p:nvPr/>
-      </p:nvGrpSpPr>
-      <p:grpSpPr>
-        <a:xfrm>
-          <a:off x="0" y="0"/>
-          <a:ext cx="0" cy="0"/>
-          <a:chOff x="0" y="0"/>
-          <a:chExt cx="0" cy="0"/>
-        </a:xfrm>
-      </p:grpSpPr>
-      <p:sp>
-        <p:nvSpPr>
-          <p:cNvPr id="2" name="Title 1"/>
-          <p:cNvSpPr>
-            <a:spLocks noGrp="1"/>
-          </p:cNvSpPr>
-          <p:nvPr>
-            <p:ph type="ctrTitle"/>
-          </p:nvPr>
-        </p:nvSpPr>
-        <p:spPr/>
-        <p:txBody>
-          <a:bodyPr/>
-          <a:lstStyle/>
-          <a:p>
-            <a:r>
-              <a:rPr lang="en-US" dirty="0" smtClean="0"/>
-              <a:t>Translating Chalice to SIL</a:t>
-            </a:r>
-            <a:endParaRPr lang="de-CH" dirty="0"/>
-          </a:p>
-        </p:txBody>
-      </p:sp>
-      <p:sp>
-        <p:nvSpPr>
-          <p:cNvPr id="3" name="Subtitle 2"/>
-          <p:cNvSpPr>
-            <a:spLocks noGrp="1"/>
-          </p:cNvSpPr>
-          <p:nvPr>
-            <p:ph type="subTitle" idx="1"/>
-          </p:nvPr>
-        </p:nvSpPr>
-        <p:spPr/>
-        <p:txBody>
-          <a:bodyPr/>
-          <a:lstStyle/>
-          <a:p>
-            <a:r>
-              <a:rPr lang="en-US" smtClean="0"/>
-              <a:t>Chalice2SIL</a:t>
-            </a:r>
-            <a:endParaRPr lang="de-CH"/>
-          </a:p>
-        </p:txBody>
-      </p:sp>
-    </p:spTree>
-    <p:extLst>
-      <p:ext uri="{BB962C8B-B14F-4D97-AF65-F5344CB8AC3E}">
-        <p14:creationId xmlns:p14="http://schemas.microsoft.com/office/powerpoint/2010/main" val="122982392"/>
-      </p:ext>
-    </p:extLst>
-  </p:cSld>
-  <p:clrMapOvr>
-    <a:masterClrMapping/>
-  </p:clrMapOvr>
-</p:sld>
-</file>
-
 <file path=ppt/theme/theme1.xml><?xml version="1.0" encoding="utf-8"?>
 <a:theme xmlns:a="http://schemas.openxmlformats.org/drawingml/2006/main" name="Office Theme">
   <a:themeElements>
@@ -3195,76 +3243,16 @@
         <a:srgbClr val="800080"/>
       </a:folHlink>
     </a:clrScheme>
-    <a:fontScheme name="Office">
+    <a:fontScheme name="Kozuka Gothic">
       <a:majorFont>
-        <a:latin typeface="Calibri"/>
+        <a:latin typeface="Kozuka Gothic Pro H"/>
         <a:ea typeface=""/>
         <a:cs typeface=""/>
-        <a:font script="Jpan" typeface="ＭＳ Ｐゴシック"/>
-        <a:font script="Hang" typeface="맑은 고딕"/>
-        <a:font script="Hans" typeface="宋体"/>
-        <a:font script="Hant" typeface="新細明體"/>
-        <a:font script="Arab" typeface="Times New Roman"/>
-        <a:font script="Hebr" typeface="Times New Roman"/>
-        <a:font script="Thai" typeface="Angsana New"/>
-        <a:font script="Ethi" typeface="Nyala"/>
-        <a:font script="Beng" typeface="Vrinda"/>
-        <a:font script="Gujr" typeface="Shruti"/>
-        <a:font script="Khmr" typeface="MoolBoran"/>
-        <a:font script="Knda" typeface="Tunga"/>
-        <a:font script="Guru" typeface="Raavi"/>
-        <a:font script="Cans" typeface="Euphemia"/>
-        <a:font script="Cher" typeface="Plantagenet Cherokee"/>
-        <a:font script="Yiii" typeface="Microsoft Yi Baiti"/>
-        <a:font script="Tibt" typeface="Microsoft Himalaya"/>
-        <a:font script="Thaa" typeface="MV Boli"/>
-        <a:font script="Deva" typeface="Mangal"/>
-        <a:font script="Telu" typeface="Gautami"/>
-        <a:font script="Taml" typeface="Latha"/>
-        <a:font script="Syrc" typeface="Estrangelo Edessa"/>
-        <a:font script="Orya" typeface="Kalinga"/>
-        <a:font script="Mlym" typeface="Kartika"/>
-        <a:font script="Laoo" typeface="DokChampa"/>
-        <a:font script="Sinh" typeface="Iskoola Pota"/>
-        <a:font script="Mong" typeface="Mongolian Baiti"/>
-        <a:font script="Viet" typeface="Times New Roman"/>
-        <a:font script="Uigh" typeface="Microsoft Uighur"/>
-        <a:font script="Geor" typeface="Sylfaen"/>
       </a:majorFont>
       <a:minorFont>
-        <a:latin typeface="Calibri"/>
+        <a:latin typeface="Kozuka Gothic Pro M"/>
         <a:ea typeface=""/>
         <a:cs typeface=""/>
-        <a:font script="Jpan" typeface="ＭＳ Ｐゴシック"/>
-        <a:font script="Hang" typeface="맑은 고딕"/>
-        <a:font script="Hans" typeface="宋体"/>
-        <a:font script="Hant" typeface="新細明體"/>
-        <a:font script="Arab" typeface="Arial"/>
-        <a:font script="Hebr" typeface="Arial"/>
-        <a:font script="Thai" typeface="Cordia New"/>
-        <a:font script="Ethi" typeface="Nyala"/>
-        <a:font script="Beng" typeface="Vrinda"/>
-        <a:font script="Gujr" typeface="Shruti"/>
-        <a:font script="Khmr" typeface="DaunPenh"/>
-        <a:font script="Knda" typeface="Tunga"/>
-        <a:font script="Guru" typeface="Raavi"/>
-        <a:font script="Cans" typeface="Euphemia"/>
-        <a:font script="Cher" typeface="Plantagenet Cherokee"/>
-        <a:font script="Yiii" typeface="Microsoft Yi Baiti"/>
-        <a:font script="Tibt" typeface="Microsoft Himalaya"/>
-        <a:font script="Thaa" typeface="MV Boli"/>
-        <a:font script="Deva" typeface="Mangal"/>
-        <a:font script="Telu" typeface="Gautami"/>
-        <a:font script="Taml" typeface="Latha"/>
-        <a:font script="Syrc" typeface="Estrangelo Edessa"/>
-        <a:font script="Orya" typeface="Kalinga"/>
-        <a:font script="Mlym" typeface="Kartika"/>
-        <a:font script="Laoo" typeface="DokChampa"/>
-        <a:font script="Sinh" typeface="Iskoola Pota"/>
-        <a:font script="Mong" typeface="Mongolian Baiti"/>
-        <a:font script="Viet" typeface="Arial"/>
-        <a:font script="Uigh" typeface="Microsoft Uighur"/>
-        <a:font script="Geor" typeface="Sylfaen"/>
       </a:minorFont>
     </a:fontScheme>
     <a:fmtScheme name="Office">

--- a/chalice2sil/doc/initial-project-presentation.pptx
+++ b/chalice2sil/doc/initial-project-presentation.pptx
@@ -3,6 +3,7 @@
 <p:presentation xmlns:a="http://schemas.openxmlformats.org/drawingml/2006/main" xmlns:r="http://schemas.openxmlformats.org/officeDocument/2006/relationships" xmlns:p="http://schemas.openxmlformats.org/presentationml/2006/main" saveSubsetFonts="1">
   <p:sldMasterIdLst>
     <p:sldMasterId id="2147483648" r:id="rId1"/>
+    <p:sldMasterId id="2147483660" r:id="rId2"/>
   </p:sldMasterIdLst>
   <p:sldSz cx="9144000" cy="6858000" type="screen4x3"/>
   <p:notesSz cx="6858000" cy="9144000"/>
@@ -343,6 +344,13 @@
   <p:clrMapOvr>
     <a:masterClrMapping/>
   </p:clrMapOvr>
+  <p:timing>
+    <p:tnLst>
+      <p:par>
+        <p:cTn id="1" dur="indefinite" restart="never" nodeType="tmRoot"/>
+      </p:par>
+    </p:tnLst>
+  </p:timing>
 </p:sldLayout>
 </file>
 
@@ -696,6 +704,1864 @@
 </p:sldLayout>
 </file>
 
+<file path=ppt/slideLayouts/slideLayout12.xml><?xml version="1.0" encoding="utf-8"?>
+<p:sldLayout xmlns:a="http://schemas.openxmlformats.org/drawingml/2006/main" xmlns:r="http://schemas.openxmlformats.org/officeDocument/2006/relationships" xmlns:p="http://schemas.openxmlformats.org/presentationml/2006/main" type="title" preserve="1">
+  <p:cSld name="Title Slide">
+    <p:spTree>
+      <p:nvGrpSpPr>
+        <p:cNvPr id="1" name=""/>
+        <p:cNvGrpSpPr/>
+        <p:nvPr/>
+      </p:nvGrpSpPr>
+      <p:grpSpPr>
+        <a:xfrm>
+          <a:off x="0" y="0"/>
+          <a:ext cx="0" cy="0"/>
+          <a:chOff x="0" y="0"/>
+          <a:chExt cx="0" cy="0"/>
+        </a:xfrm>
+      </p:grpSpPr>
+      <p:sp>
+        <p:nvSpPr>
+          <p:cNvPr id="2" name="Title 1"/>
+          <p:cNvSpPr>
+            <a:spLocks noGrp="1"/>
+          </p:cNvSpPr>
+          <p:nvPr>
+            <p:ph type="ctrTitle"/>
+          </p:nvPr>
+        </p:nvSpPr>
+        <p:spPr>
+          <a:xfrm>
+            <a:off x="685800" y="2130425"/>
+            <a:ext cx="7772400" cy="1470025"/>
+          </a:xfrm>
+        </p:spPr>
+        <p:txBody>
+          <a:bodyPr/>
+          <a:lstStyle/>
+          <a:p>
+            <a:r>
+              <a:rPr lang="en-US" smtClean="0"/>
+              <a:t>Click to edit Master title style</a:t>
+            </a:r>
+            <a:endParaRPr lang="en-GB"/>
+          </a:p>
+        </p:txBody>
+      </p:sp>
+      <p:sp>
+        <p:nvSpPr>
+          <p:cNvPr id="3" name="Subtitle 2"/>
+          <p:cNvSpPr>
+            <a:spLocks noGrp="1"/>
+          </p:cNvSpPr>
+          <p:nvPr>
+            <p:ph type="subTitle" idx="1"/>
+          </p:nvPr>
+        </p:nvSpPr>
+        <p:spPr>
+          <a:xfrm>
+            <a:off x="1371600" y="3886200"/>
+            <a:ext cx="6400800" cy="1752600"/>
+          </a:xfrm>
+        </p:spPr>
+        <p:txBody>
+          <a:bodyPr/>
+          <a:lstStyle>
+            <a:lvl1pPr marL="0" indent="0" algn="ctr">
+              <a:buNone/>
+              <a:defRPr>
+                <a:solidFill>
+                  <a:schemeClr val="tx1">
+                    <a:tint val="75000"/>
+                  </a:schemeClr>
+                </a:solidFill>
+              </a:defRPr>
+            </a:lvl1pPr>
+            <a:lvl2pPr marL="457200" indent="0" algn="ctr">
+              <a:buNone/>
+              <a:defRPr>
+                <a:solidFill>
+                  <a:schemeClr val="tx1">
+                    <a:tint val="75000"/>
+                  </a:schemeClr>
+                </a:solidFill>
+              </a:defRPr>
+            </a:lvl2pPr>
+            <a:lvl3pPr marL="914400" indent="0" algn="ctr">
+              <a:buNone/>
+              <a:defRPr>
+                <a:solidFill>
+                  <a:schemeClr val="tx1">
+                    <a:tint val="75000"/>
+                  </a:schemeClr>
+                </a:solidFill>
+              </a:defRPr>
+            </a:lvl3pPr>
+            <a:lvl4pPr marL="1371600" indent="0" algn="ctr">
+              <a:buNone/>
+              <a:defRPr>
+                <a:solidFill>
+                  <a:schemeClr val="tx1">
+                    <a:tint val="75000"/>
+                  </a:schemeClr>
+                </a:solidFill>
+              </a:defRPr>
+            </a:lvl4pPr>
+            <a:lvl5pPr marL="1828800" indent="0" algn="ctr">
+              <a:buNone/>
+              <a:defRPr>
+                <a:solidFill>
+                  <a:schemeClr val="tx1">
+                    <a:tint val="75000"/>
+                  </a:schemeClr>
+                </a:solidFill>
+              </a:defRPr>
+            </a:lvl5pPr>
+            <a:lvl6pPr marL="2286000" indent="0" algn="ctr">
+              <a:buNone/>
+              <a:defRPr>
+                <a:solidFill>
+                  <a:schemeClr val="tx1">
+                    <a:tint val="75000"/>
+                  </a:schemeClr>
+                </a:solidFill>
+              </a:defRPr>
+            </a:lvl6pPr>
+            <a:lvl7pPr marL="2743200" indent="0" algn="ctr">
+              <a:buNone/>
+              <a:defRPr>
+                <a:solidFill>
+                  <a:schemeClr val="tx1">
+                    <a:tint val="75000"/>
+                  </a:schemeClr>
+                </a:solidFill>
+              </a:defRPr>
+            </a:lvl7pPr>
+            <a:lvl8pPr marL="3200400" indent="0" algn="ctr">
+              <a:buNone/>
+              <a:defRPr>
+                <a:solidFill>
+                  <a:schemeClr val="tx1">
+                    <a:tint val="75000"/>
+                  </a:schemeClr>
+                </a:solidFill>
+              </a:defRPr>
+            </a:lvl8pPr>
+            <a:lvl9pPr marL="3657600" indent="0" algn="ctr">
+              <a:buNone/>
+              <a:defRPr>
+                <a:solidFill>
+                  <a:schemeClr val="tx1">
+                    <a:tint val="75000"/>
+                  </a:schemeClr>
+                </a:solidFill>
+              </a:defRPr>
+            </a:lvl9pPr>
+          </a:lstStyle>
+          <a:p>
+            <a:r>
+              <a:rPr lang="en-US" smtClean="0"/>
+              <a:t>Click to edit Master subtitle style</a:t>
+            </a:r>
+            <a:endParaRPr lang="en-GB"/>
+          </a:p>
+        </p:txBody>
+      </p:sp>
+      <p:sp>
+        <p:nvSpPr>
+          <p:cNvPr id="4" name="Date Placeholder 3"/>
+          <p:cNvSpPr>
+            <a:spLocks noGrp="1"/>
+          </p:cNvSpPr>
+          <p:nvPr>
+            <p:ph type="dt" sz="half" idx="10"/>
+          </p:nvPr>
+        </p:nvSpPr>
+        <p:spPr/>
+        <p:txBody>
+          <a:bodyPr/>
+          <a:lstStyle/>
+          <a:p>
+            <a:fld id="{86642A0F-B730-4E28-B731-7E298DDE1A66}" type="datetimeFigureOut">
+              <a:rPr lang="en-GB" smtClean="0"/>
+              <a:t>16/11/2011</a:t>
+            </a:fld>
+            <a:endParaRPr lang="en-GB"/>
+          </a:p>
+        </p:txBody>
+      </p:sp>
+      <p:sp>
+        <p:nvSpPr>
+          <p:cNvPr id="5" name="Footer Placeholder 4"/>
+          <p:cNvSpPr>
+            <a:spLocks noGrp="1"/>
+          </p:cNvSpPr>
+          <p:nvPr>
+            <p:ph type="ftr" sz="quarter" idx="11"/>
+          </p:nvPr>
+        </p:nvSpPr>
+        <p:spPr/>
+        <p:txBody>
+          <a:bodyPr/>
+          <a:lstStyle/>
+          <a:p>
+            <a:endParaRPr lang="en-GB"/>
+          </a:p>
+        </p:txBody>
+      </p:sp>
+      <p:sp>
+        <p:nvSpPr>
+          <p:cNvPr id="6" name="Slide Number Placeholder 5"/>
+          <p:cNvSpPr>
+            <a:spLocks noGrp="1"/>
+          </p:cNvSpPr>
+          <p:nvPr>
+            <p:ph type="sldNum" sz="quarter" idx="12"/>
+          </p:nvPr>
+        </p:nvSpPr>
+        <p:spPr/>
+        <p:txBody>
+          <a:bodyPr/>
+          <a:lstStyle/>
+          <a:p>
+            <a:fld id="{4D2DA8B8-9780-4A8A-B22C-644F1551F876}" type="slidenum">
+              <a:rPr lang="en-GB" smtClean="0"/>
+              <a:t>‹#›</a:t>
+            </a:fld>
+            <a:endParaRPr lang="en-GB"/>
+          </a:p>
+        </p:txBody>
+      </p:sp>
+    </p:spTree>
+    <p:extLst>
+      <p:ext uri="{BB962C8B-B14F-4D97-AF65-F5344CB8AC3E}">
+        <p14:creationId xmlns:p14="http://schemas.microsoft.com/office/powerpoint/2010/main" val="177888918"/>
+      </p:ext>
+    </p:extLst>
+  </p:cSld>
+  <p:clrMapOvr>
+    <a:masterClrMapping/>
+  </p:clrMapOvr>
+</p:sldLayout>
+</file>
+
+<file path=ppt/slideLayouts/slideLayout13.xml><?xml version="1.0" encoding="utf-8"?>
+<p:sldLayout xmlns:a="http://schemas.openxmlformats.org/drawingml/2006/main" xmlns:r="http://schemas.openxmlformats.org/officeDocument/2006/relationships" xmlns:p="http://schemas.openxmlformats.org/presentationml/2006/main" type="obj" preserve="1">
+  <p:cSld name="Title and Content">
+    <p:spTree>
+      <p:nvGrpSpPr>
+        <p:cNvPr id="1" name=""/>
+        <p:cNvGrpSpPr/>
+        <p:nvPr/>
+      </p:nvGrpSpPr>
+      <p:grpSpPr>
+        <a:xfrm>
+          <a:off x="0" y="0"/>
+          <a:ext cx="0" cy="0"/>
+          <a:chOff x="0" y="0"/>
+          <a:chExt cx="0" cy="0"/>
+        </a:xfrm>
+      </p:grpSpPr>
+      <p:sp>
+        <p:nvSpPr>
+          <p:cNvPr id="2" name="Title 1"/>
+          <p:cNvSpPr>
+            <a:spLocks noGrp="1"/>
+          </p:cNvSpPr>
+          <p:nvPr>
+            <p:ph type="title"/>
+          </p:nvPr>
+        </p:nvSpPr>
+        <p:spPr/>
+        <p:txBody>
+          <a:bodyPr/>
+          <a:lstStyle/>
+          <a:p>
+            <a:r>
+              <a:rPr lang="en-US" smtClean="0"/>
+              <a:t>Click to edit Master title style</a:t>
+            </a:r>
+            <a:endParaRPr lang="en-GB"/>
+          </a:p>
+        </p:txBody>
+      </p:sp>
+      <p:sp>
+        <p:nvSpPr>
+          <p:cNvPr id="3" name="Content Placeholder 2"/>
+          <p:cNvSpPr>
+            <a:spLocks noGrp="1"/>
+          </p:cNvSpPr>
+          <p:nvPr>
+            <p:ph idx="1"/>
+          </p:nvPr>
+        </p:nvSpPr>
+        <p:spPr/>
+        <p:txBody>
+          <a:bodyPr/>
+          <a:lstStyle/>
+          <a:p>
+            <a:pPr lvl="0"/>
+            <a:r>
+              <a:rPr lang="en-US" smtClean="0"/>
+              <a:t>Click to edit Master text styles</a:t>
+            </a:r>
+          </a:p>
+          <a:p>
+            <a:pPr lvl="1"/>
+            <a:r>
+              <a:rPr lang="en-US" smtClean="0"/>
+              <a:t>Second level</a:t>
+            </a:r>
+          </a:p>
+          <a:p>
+            <a:pPr lvl="2"/>
+            <a:r>
+              <a:rPr lang="en-US" smtClean="0"/>
+              <a:t>Third level</a:t>
+            </a:r>
+          </a:p>
+          <a:p>
+            <a:pPr lvl="3"/>
+            <a:r>
+              <a:rPr lang="en-US" smtClean="0"/>
+              <a:t>Fourth level</a:t>
+            </a:r>
+          </a:p>
+          <a:p>
+            <a:pPr lvl="4"/>
+            <a:r>
+              <a:rPr lang="en-US" smtClean="0"/>
+              <a:t>Fifth level</a:t>
+            </a:r>
+            <a:endParaRPr lang="en-GB"/>
+          </a:p>
+        </p:txBody>
+      </p:sp>
+      <p:sp>
+        <p:nvSpPr>
+          <p:cNvPr id="4" name="Date Placeholder 3"/>
+          <p:cNvSpPr>
+            <a:spLocks noGrp="1"/>
+          </p:cNvSpPr>
+          <p:nvPr>
+            <p:ph type="dt" sz="half" idx="10"/>
+          </p:nvPr>
+        </p:nvSpPr>
+        <p:spPr/>
+        <p:txBody>
+          <a:bodyPr/>
+          <a:lstStyle/>
+          <a:p>
+            <a:fld id="{86642A0F-B730-4E28-B731-7E298DDE1A66}" type="datetimeFigureOut">
+              <a:rPr lang="en-GB" smtClean="0"/>
+              <a:t>16/11/2011</a:t>
+            </a:fld>
+            <a:endParaRPr lang="en-GB"/>
+          </a:p>
+        </p:txBody>
+      </p:sp>
+      <p:sp>
+        <p:nvSpPr>
+          <p:cNvPr id="5" name="Footer Placeholder 4"/>
+          <p:cNvSpPr>
+            <a:spLocks noGrp="1"/>
+          </p:cNvSpPr>
+          <p:nvPr>
+            <p:ph type="ftr" sz="quarter" idx="11"/>
+          </p:nvPr>
+        </p:nvSpPr>
+        <p:spPr/>
+        <p:txBody>
+          <a:bodyPr/>
+          <a:lstStyle/>
+          <a:p>
+            <a:endParaRPr lang="en-GB"/>
+          </a:p>
+        </p:txBody>
+      </p:sp>
+      <p:sp>
+        <p:nvSpPr>
+          <p:cNvPr id="6" name="Slide Number Placeholder 5"/>
+          <p:cNvSpPr>
+            <a:spLocks noGrp="1"/>
+          </p:cNvSpPr>
+          <p:nvPr>
+            <p:ph type="sldNum" sz="quarter" idx="12"/>
+          </p:nvPr>
+        </p:nvSpPr>
+        <p:spPr/>
+        <p:txBody>
+          <a:bodyPr/>
+          <a:lstStyle/>
+          <a:p>
+            <a:fld id="{4D2DA8B8-9780-4A8A-B22C-644F1551F876}" type="slidenum">
+              <a:rPr lang="en-GB" smtClean="0"/>
+              <a:t>‹#›</a:t>
+            </a:fld>
+            <a:endParaRPr lang="en-GB"/>
+          </a:p>
+        </p:txBody>
+      </p:sp>
+    </p:spTree>
+    <p:extLst>
+      <p:ext uri="{BB962C8B-B14F-4D97-AF65-F5344CB8AC3E}">
+        <p14:creationId xmlns:p14="http://schemas.microsoft.com/office/powerpoint/2010/main" val="788248568"/>
+      </p:ext>
+    </p:extLst>
+  </p:cSld>
+  <p:clrMapOvr>
+    <a:masterClrMapping/>
+  </p:clrMapOvr>
+</p:sldLayout>
+</file>
+
+<file path=ppt/slideLayouts/slideLayout14.xml><?xml version="1.0" encoding="utf-8"?>
+<p:sldLayout xmlns:a="http://schemas.openxmlformats.org/drawingml/2006/main" xmlns:r="http://schemas.openxmlformats.org/officeDocument/2006/relationships" xmlns:p="http://schemas.openxmlformats.org/presentationml/2006/main" type="secHead" preserve="1">
+  <p:cSld name="Section Header">
+    <p:spTree>
+      <p:nvGrpSpPr>
+        <p:cNvPr id="1" name=""/>
+        <p:cNvGrpSpPr/>
+        <p:nvPr/>
+      </p:nvGrpSpPr>
+      <p:grpSpPr>
+        <a:xfrm>
+          <a:off x="0" y="0"/>
+          <a:ext cx="0" cy="0"/>
+          <a:chOff x="0" y="0"/>
+          <a:chExt cx="0" cy="0"/>
+        </a:xfrm>
+      </p:grpSpPr>
+      <p:sp>
+        <p:nvSpPr>
+          <p:cNvPr id="2" name="Title 1"/>
+          <p:cNvSpPr>
+            <a:spLocks noGrp="1"/>
+          </p:cNvSpPr>
+          <p:nvPr>
+            <p:ph type="title"/>
+          </p:nvPr>
+        </p:nvSpPr>
+        <p:spPr>
+          <a:xfrm>
+            <a:off x="722313" y="4406900"/>
+            <a:ext cx="7772400" cy="1362075"/>
+          </a:xfrm>
+        </p:spPr>
+        <p:txBody>
+          <a:bodyPr anchor="t"/>
+          <a:lstStyle>
+            <a:lvl1pPr algn="l">
+              <a:defRPr sz="4000" b="1" cap="all"/>
+            </a:lvl1pPr>
+          </a:lstStyle>
+          <a:p>
+            <a:r>
+              <a:rPr lang="en-US" smtClean="0"/>
+              <a:t>Click to edit Master title style</a:t>
+            </a:r>
+            <a:endParaRPr lang="en-GB"/>
+          </a:p>
+        </p:txBody>
+      </p:sp>
+      <p:sp>
+        <p:nvSpPr>
+          <p:cNvPr id="3" name="Text Placeholder 2"/>
+          <p:cNvSpPr>
+            <a:spLocks noGrp="1"/>
+          </p:cNvSpPr>
+          <p:nvPr>
+            <p:ph type="body" idx="1"/>
+          </p:nvPr>
+        </p:nvSpPr>
+        <p:spPr>
+          <a:xfrm>
+            <a:off x="722313" y="2906713"/>
+            <a:ext cx="7772400" cy="1500187"/>
+          </a:xfrm>
+        </p:spPr>
+        <p:txBody>
+          <a:bodyPr anchor="b"/>
+          <a:lstStyle>
+            <a:lvl1pPr marL="0" indent="0">
+              <a:buNone/>
+              <a:defRPr sz="2000">
+                <a:solidFill>
+                  <a:schemeClr val="tx1">
+                    <a:tint val="75000"/>
+                  </a:schemeClr>
+                </a:solidFill>
+              </a:defRPr>
+            </a:lvl1pPr>
+            <a:lvl2pPr marL="457200" indent="0">
+              <a:buNone/>
+              <a:defRPr sz="1800">
+                <a:solidFill>
+                  <a:schemeClr val="tx1">
+                    <a:tint val="75000"/>
+                  </a:schemeClr>
+                </a:solidFill>
+              </a:defRPr>
+            </a:lvl2pPr>
+            <a:lvl3pPr marL="914400" indent="0">
+              <a:buNone/>
+              <a:defRPr sz="1600">
+                <a:solidFill>
+                  <a:schemeClr val="tx1">
+                    <a:tint val="75000"/>
+                  </a:schemeClr>
+                </a:solidFill>
+              </a:defRPr>
+            </a:lvl3pPr>
+            <a:lvl4pPr marL="1371600" indent="0">
+              <a:buNone/>
+              <a:defRPr sz="1400">
+                <a:solidFill>
+                  <a:schemeClr val="tx1">
+                    <a:tint val="75000"/>
+                  </a:schemeClr>
+                </a:solidFill>
+              </a:defRPr>
+            </a:lvl4pPr>
+            <a:lvl5pPr marL="1828800" indent="0">
+              <a:buNone/>
+              <a:defRPr sz="1400">
+                <a:solidFill>
+                  <a:schemeClr val="tx1">
+                    <a:tint val="75000"/>
+                  </a:schemeClr>
+                </a:solidFill>
+              </a:defRPr>
+            </a:lvl5pPr>
+            <a:lvl6pPr marL="2286000" indent="0">
+              <a:buNone/>
+              <a:defRPr sz="1400">
+                <a:solidFill>
+                  <a:schemeClr val="tx1">
+                    <a:tint val="75000"/>
+                  </a:schemeClr>
+                </a:solidFill>
+              </a:defRPr>
+            </a:lvl6pPr>
+            <a:lvl7pPr marL="2743200" indent="0">
+              <a:buNone/>
+              <a:defRPr sz="1400">
+                <a:solidFill>
+                  <a:schemeClr val="tx1">
+                    <a:tint val="75000"/>
+                  </a:schemeClr>
+                </a:solidFill>
+              </a:defRPr>
+            </a:lvl7pPr>
+            <a:lvl8pPr marL="3200400" indent="0">
+              <a:buNone/>
+              <a:defRPr sz="1400">
+                <a:solidFill>
+                  <a:schemeClr val="tx1">
+                    <a:tint val="75000"/>
+                  </a:schemeClr>
+                </a:solidFill>
+              </a:defRPr>
+            </a:lvl8pPr>
+            <a:lvl9pPr marL="3657600" indent="0">
+              <a:buNone/>
+              <a:defRPr sz="1400">
+                <a:solidFill>
+                  <a:schemeClr val="tx1">
+                    <a:tint val="75000"/>
+                  </a:schemeClr>
+                </a:solidFill>
+              </a:defRPr>
+            </a:lvl9pPr>
+          </a:lstStyle>
+          <a:p>
+            <a:pPr lvl="0"/>
+            <a:r>
+              <a:rPr lang="en-US" smtClean="0"/>
+              <a:t>Click to edit Master text styles</a:t>
+            </a:r>
+          </a:p>
+        </p:txBody>
+      </p:sp>
+      <p:sp>
+        <p:nvSpPr>
+          <p:cNvPr id="4" name="Date Placeholder 3"/>
+          <p:cNvSpPr>
+            <a:spLocks noGrp="1"/>
+          </p:cNvSpPr>
+          <p:nvPr>
+            <p:ph type="dt" sz="half" idx="10"/>
+          </p:nvPr>
+        </p:nvSpPr>
+        <p:spPr/>
+        <p:txBody>
+          <a:bodyPr/>
+          <a:lstStyle/>
+          <a:p>
+            <a:fld id="{86642A0F-B730-4E28-B731-7E298DDE1A66}" type="datetimeFigureOut">
+              <a:rPr lang="en-GB" smtClean="0"/>
+              <a:t>16/11/2011</a:t>
+            </a:fld>
+            <a:endParaRPr lang="en-GB"/>
+          </a:p>
+        </p:txBody>
+      </p:sp>
+      <p:sp>
+        <p:nvSpPr>
+          <p:cNvPr id="5" name="Footer Placeholder 4"/>
+          <p:cNvSpPr>
+            <a:spLocks noGrp="1"/>
+          </p:cNvSpPr>
+          <p:nvPr>
+            <p:ph type="ftr" sz="quarter" idx="11"/>
+          </p:nvPr>
+        </p:nvSpPr>
+        <p:spPr/>
+        <p:txBody>
+          <a:bodyPr/>
+          <a:lstStyle/>
+          <a:p>
+            <a:endParaRPr lang="en-GB"/>
+          </a:p>
+        </p:txBody>
+      </p:sp>
+      <p:sp>
+        <p:nvSpPr>
+          <p:cNvPr id="6" name="Slide Number Placeholder 5"/>
+          <p:cNvSpPr>
+            <a:spLocks noGrp="1"/>
+          </p:cNvSpPr>
+          <p:nvPr>
+            <p:ph type="sldNum" sz="quarter" idx="12"/>
+          </p:nvPr>
+        </p:nvSpPr>
+        <p:spPr/>
+        <p:txBody>
+          <a:bodyPr/>
+          <a:lstStyle/>
+          <a:p>
+            <a:fld id="{4D2DA8B8-9780-4A8A-B22C-644F1551F876}" type="slidenum">
+              <a:rPr lang="en-GB" smtClean="0"/>
+              <a:t>‹#›</a:t>
+            </a:fld>
+            <a:endParaRPr lang="en-GB"/>
+          </a:p>
+        </p:txBody>
+      </p:sp>
+    </p:spTree>
+    <p:extLst>
+      <p:ext uri="{BB962C8B-B14F-4D97-AF65-F5344CB8AC3E}">
+        <p14:creationId xmlns:p14="http://schemas.microsoft.com/office/powerpoint/2010/main" val="1667498001"/>
+      </p:ext>
+    </p:extLst>
+  </p:cSld>
+  <p:clrMapOvr>
+    <a:masterClrMapping/>
+  </p:clrMapOvr>
+</p:sldLayout>
+</file>
+
+<file path=ppt/slideLayouts/slideLayout15.xml><?xml version="1.0" encoding="utf-8"?>
+<p:sldLayout xmlns:a="http://schemas.openxmlformats.org/drawingml/2006/main" xmlns:r="http://schemas.openxmlformats.org/officeDocument/2006/relationships" xmlns:p="http://schemas.openxmlformats.org/presentationml/2006/main" type="twoObj" preserve="1">
+  <p:cSld name="Two Content">
+    <p:spTree>
+      <p:nvGrpSpPr>
+        <p:cNvPr id="1" name=""/>
+        <p:cNvGrpSpPr/>
+        <p:nvPr/>
+      </p:nvGrpSpPr>
+      <p:grpSpPr>
+        <a:xfrm>
+          <a:off x="0" y="0"/>
+          <a:ext cx="0" cy="0"/>
+          <a:chOff x="0" y="0"/>
+          <a:chExt cx="0" cy="0"/>
+        </a:xfrm>
+      </p:grpSpPr>
+      <p:sp>
+        <p:nvSpPr>
+          <p:cNvPr id="2" name="Title 1"/>
+          <p:cNvSpPr>
+            <a:spLocks noGrp="1"/>
+          </p:cNvSpPr>
+          <p:nvPr>
+            <p:ph type="title"/>
+          </p:nvPr>
+        </p:nvSpPr>
+        <p:spPr/>
+        <p:txBody>
+          <a:bodyPr/>
+          <a:lstStyle/>
+          <a:p>
+            <a:r>
+              <a:rPr lang="en-US" smtClean="0"/>
+              <a:t>Click to edit Master title style</a:t>
+            </a:r>
+            <a:endParaRPr lang="en-GB"/>
+          </a:p>
+        </p:txBody>
+      </p:sp>
+      <p:sp>
+        <p:nvSpPr>
+          <p:cNvPr id="3" name="Content Placeholder 2"/>
+          <p:cNvSpPr>
+            <a:spLocks noGrp="1"/>
+          </p:cNvSpPr>
+          <p:nvPr>
+            <p:ph sz="half" idx="1"/>
+          </p:nvPr>
+        </p:nvSpPr>
+        <p:spPr>
+          <a:xfrm>
+            <a:off x="457200" y="1600200"/>
+            <a:ext cx="4038600" cy="4525963"/>
+          </a:xfrm>
+        </p:spPr>
+        <p:txBody>
+          <a:bodyPr/>
+          <a:lstStyle>
+            <a:lvl1pPr>
+              <a:defRPr sz="2800"/>
+            </a:lvl1pPr>
+            <a:lvl2pPr>
+              <a:defRPr sz="2400"/>
+            </a:lvl2pPr>
+            <a:lvl3pPr>
+              <a:defRPr sz="2000"/>
+            </a:lvl3pPr>
+            <a:lvl4pPr>
+              <a:defRPr sz="1800"/>
+            </a:lvl4pPr>
+            <a:lvl5pPr>
+              <a:defRPr sz="1800"/>
+            </a:lvl5pPr>
+            <a:lvl6pPr>
+              <a:defRPr sz="1800"/>
+            </a:lvl6pPr>
+            <a:lvl7pPr>
+              <a:defRPr sz="1800"/>
+            </a:lvl7pPr>
+            <a:lvl8pPr>
+              <a:defRPr sz="1800"/>
+            </a:lvl8pPr>
+            <a:lvl9pPr>
+              <a:defRPr sz="1800"/>
+            </a:lvl9pPr>
+          </a:lstStyle>
+          <a:p>
+            <a:pPr lvl="0"/>
+            <a:r>
+              <a:rPr lang="en-US" smtClean="0"/>
+              <a:t>Click to edit Master text styles</a:t>
+            </a:r>
+          </a:p>
+          <a:p>
+            <a:pPr lvl="1"/>
+            <a:r>
+              <a:rPr lang="en-US" smtClean="0"/>
+              <a:t>Second level</a:t>
+            </a:r>
+          </a:p>
+          <a:p>
+            <a:pPr lvl="2"/>
+            <a:r>
+              <a:rPr lang="en-US" smtClean="0"/>
+              <a:t>Third level</a:t>
+            </a:r>
+          </a:p>
+          <a:p>
+            <a:pPr lvl="3"/>
+            <a:r>
+              <a:rPr lang="en-US" smtClean="0"/>
+              <a:t>Fourth level</a:t>
+            </a:r>
+          </a:p>
+          <a:p>
+            <a:pPr lvl="4"/>
+            <a:r>
+              <a:rPr lang="en-US" smtClean="0"/>
+              <a:t>Fifth level</a:t>
+            </a:r>
+            <a:endParaRPr lang="en-GB"/>
+          </a:p>
+        </p:txBody>
+      </p:sp>
+      <p:sp>
+        <p:nvSpPr>
+          <p:cNvPr id="4" name="Content Placeholder 3"/>
+          <p:cNvSpPr>
+            <a:spLocks noGrp="1"/>
+          </p:cNvSpPr>
+          <p:nvPr>
+            <p:ph sz="half" idx="2"/>
+          </p:nvPr>
+        </p:nvSpPr>
+        <p:spPr>
+          <a:xfrm>
+            <a:off x="4648200" y="1600200"/>
+            <a:ext cx="4038600" cy="4525963"/>
+          </a:xfrm>
+        </p:spPr>
+        <p:txBody>
+          <a:bodyPr/>
+          <a:lstStyle>
+            <a:lvl1pPr>
+              <a:defRPr sz="2800"/>
+            </a:lvl1pPr>
+            <a:lvl2pPr>
+              <a:defRPr sz="2400"/>
+            </a:lvl2pPr>
+            <a:lvl3pPr>
+              <a:defRPr sz="2000"/>
+            </a:lvl3pPr>
+            <a:lvl4pPr>
+              <a:defRPr sz="1800"/>
+            </a:lvl4pPr>
+            <a:lvl5pPr>
+              <a:defRPr sz="1800"/>
+            </a:lvl5pPr>
+            <a:lvl6pPr>
+              <a:defRPr sz="1800"/>
+            </a:lvl6pPr>
+            <a:lvl7pPr>
+              <a:defRPr sz="1800"/>
+            </a:lvl7pPr>
+            <a:lvl8pPr>
+              <a:defRPr sz="1800"/>
+            </a:lvl8pPr>
+            <a:lvl9pPr>
+              <a:defRPr sz="1800"/>
+            </a:lvl9pPr>
+          </a:lstStyle>
+          <a:p>
+            <a:pPr lvl="0"/>
+            <a:r>
+              <a:rPr lang="en-US" smtClean="0"/>
+              <a:t>Click to edit Master text styles</a:t>
+            </a:r>
+          </a:p>
+          <a:p>
+            <a:pPr lvl="1"/>
+            <a:r>
+              <a:rPr lang="en-US" smtClean="0"/>
+              <a:t>Second level</a:t>
+            </a:r>
+          </a:p>
+          <a:p>
+            <a:pPr lvl="2"/>
+            <a:r>
+              <a:rPr lang="en-US" smtClean="0"/>
+              <a:t>Third level</a:t>
+            </a:r>
+          </a:p>
+          <a:p>
+            <a:pPr lvl="3"/>
+            <a:r>
+              <a:rPr lang="en-US" smtClean="0"/>
+              <a:t>Fourth level</a:t>
+            </a:r>
+          </a:p>
+          <a:p>
+            <a:pPr lvl="4"/>
+            <a:r>
+              <a:rPr lang="en-US" smtClean="0"/>
+              <a:t>Fifth level</a:t>
+            </a:r>
+            <a:endParaRPr lang="en-GB"/>
+          </a:p>
+        </p:txBody>
+      </p:sp>
+      <p:sp>
+        <p:nvSpPr>
+          <p:cNvPr id="5" name="Date Placeholder 4"/>
+          <p:cNvSpPr>
+            <a:spLocks noGrp="1"/>
+          </p:cNvSpPr>
+          <p:nvPr>
+            <p:ph type="dt" sz="half" idx="10"/>
+          </p:nvPr>
+        </p:nvSpPr>
+        <p:spPr/>
+        <p:txBody>
+          <a:bodyPr/>
+          <a:lstStyle/>
+          <a:p>
+            <a:fld id="{86642A0F-B730-4E28-B731-7E298DDE1A66}" type="datetimeFigureOut">
+              <a:rPr lang="en-GB" smtClean="0"/>
+              <a:t>16/11/2011</a:t>
+            </a:fld>
+            <a:endParaRPr lang="en-GB"/>
+          </a:p>
+        </p:txBody>
+      </p:sp>
+      <p:sp>
+        <p:nvSpPr>
+          <p:cNvPr id="6" name="Footer Placeholder 5"/>
+          <p:cNvSpPr>
+            <a:spLocks noGrp="1"/>
+          </p:cNvSpPr>
+          <p:nvPr>
+            <p:ph type="ftr" sz="quarter" idx="11"/>
+          </p:nvPr>
+        </p:nvSpPr>
+        <p:spPr/>
+        <p:txBody>
+          <a:bodyPr/>
+          <a:lstStyle/>
+          <a:p>
+            <a:endParaRPr lang="en-GB"/>
+          </a:p>
+        </p:txBody>
+      </p:sp>
+      <p:sp>
+        <p:nvSpPr>
+          <p:cNvPr id="7" name="Slide Number Placeholder 6"/>
+          <p:cNvSpPr>
+            <a:spLocks noGrp="1"/>
+          </p:cNvSpPr>
+          <p:nvPr>
+            <p:ph type="sldNum" sz="quarter" idx="12"/>
+          </p:nvPr>
+        </p:nvSpPr>
+        <p:spPr/>
+        <p:txBody>
+          <a:bodyPr/>
+          <a:lstStyle/>
+          <a:p>
+            <a:fld id="{4D2DA8B8-9780-4A8A-B22C-644F1551F876}" type="slidenum">
+              <a:rPr lang="en-GB" smtClean="0"/>
+              <a:t>‹#›</a:t>
+            </a:fld>
+            <a:endParaRPr lang="en-GB"/>
+          </a:p>
+        </p:txBody>
+      </p:sp>
+    </p:spTree>
+    <p:extLst>
+      <p:ext uri="{BB962C8B-B14F-4D97-AF65-F5344CB8AC3E}">
+        <p14:creationId xmlns:p14="http://schemas.microsoft.com/office/powerpoint/2010/main" val="678023901"/>
+      </p:ext>
+    </p:extLst>
+  </p:cSld>
+  <p:clrMapOvr>
+    <a:masterClrMapping/>
+  </p:clrMapOvr>
+</p:sldLayout>
+</file>
+
+<file path=ppt/slideLayouts/slideLayout16.xml><?xml version="1.0" encoding="utf-8"?>
+<p:sldLayout xmlns:a="http://schemas.openxmlformats.org/drawingml/2006/main" xmlns:r="http://schemas.openxmlformats.org/officeDocument/2006/relationships" xmlns:p="http://schemas.openxmlformats.org/presentationml/2006/main" type="twoTxTwoObj" preserve="1">
+  <p:cSld name="Comparison">
+    <p:spTree>
+      <p:nvGrpSpPr>
+        <p:cNvPr id="1" name=""/>
+        <p:cNvGrpSpPr/>
+        <p:nvPr/>
+      </p:nvGrpSpPr>
+      <p:grpSpPr>
+        <a:xfrm>
+          <a:off x="0" y="0"/>
+          <a:ext cx="0" cy="0"/>
+          <a:chOff x="0" y="0"/>
+          <a:chExt cx="0" cy="0"/>
+        </a:xfrm>
+      </p:grpSpPr>
+      <p:sp>
+        <p:nvSpPr>
+          <p:cNvPr id="2" name="Title 1"/>
+          <p:cNvSpPr>
+            <a:spLocks noGrp="1"/>
+          </p:cNvSpPr>
+          <p:nvPr>
+            <p:ph type="title"/>
+          </p:nvPr>
+        </p:nvSpPr>
+        <p:spPr/>
+        <p:txBody>
+          <a:bodyPr/>
+          <a:lstStyle>
+            <a:lvl1pPr>
+              <a:defRPr/>
+            </a:lvl1pPr>
+          </a:lstStyle>
+          <a:p>
+            <a:r>
+              <a:rPr lang="en-US" smtClean="0"/>
+              <a:t>Click to edit Master title style</a:t>
+            </a:r>
+            <a:endParaRPr lang="en-GB"/>
+          </a:p>
+        </p:txBody>
+      </p:sp>
+      <p:sp>
+        <p:nvSpPr>
+          <p:cNvPr id="3" name="Text Placeholder 2"/>
+          <p:cNvSpPr>
+            <a:spLocks noGrp="1"/>
+          </p:cNvSpPr>
+          <p:nvPr>
+            <p:ph type="body" idx="1"/>
+          </p:nvPr>
+        </p:nvSpPr>
+        <p:spPr>
+          <a:xfrm>
+            <a:off x="457200" y="1535113"/>
+            <a:ext cx="4040188" cy="639762"/>
+          </a:xfrm>
+        </p:spPr>
+        <p:txBody>
+          <a:bodyPr anchor="b"/>
+          <a:lstStyle>
+            <a:lvl1pPr marL="0" indent="0">
+              <a:buNone/>
+              <a:defRPr sz="2400" b="1"/>
+            </a:lvl1pPr>
+            <a:lvl2pPr marL="457200" indent="0">
+              <a:buNone/>
+              <a:defRPr sz="2000" b="1"/>
+            </a:lvl2pPr>
+            <a:lvl3pPr marL="914400" indent="0">
+              <a:buNone/>
+              <a:defRPr sz="1800" b="1"/>
+            </a:lvl3pPr>
+            <a:lvl4pPr marL="1371600" indent="0">
+              <a:buNone/>
+              <a:defRPr sz="1600" b="1"/>
+            </a:lvl4pPr>
+            <a:lvl5pPr marL="1828800" indent="0">
+              <a:buNone/>
+              <a:defRPr sz="1600" b="1"/>
+            </a:lvl5pPr>
+            <a:lvl6pPr marL="2286000" indent="0">
+              <a:buNone/>
+              <a:defRPr sz="1600" b="1"/>
+            </a:lvl6pPr>
+            <a:lvl7pPr marL="2743200" indent="0">
+              <a:buNone/>
+              <a:defRPr sz="1600" b="1"/>
+            </a:lvl7pPr>
+            <a:lvl8pPr marL="3200400" indent="0">
+              <a:buNone/>
+              <a:defRPr sz="1600" b="1"/>
+            </a:lvl8pPr>
+            <a:lvl9pPr marL="3657600" indent="0">
+              <a:buNone/>
+              <a:defRPr sz="1600" b="1"/>
+            </a:lvl9pPr>
+          </a:lstStyle>
+          <a:p>
+            <a:pPr lvl="0"/>
+            <a:r>
+              <a:rPr lang="en-US" smtClean="0"/>
+              <a:t>Click to edit Master text styles</a:t>
+            </a:r>
+          </a:p>
+        </p:txBody>
+      </p:sp>
+      <p:sp>
+        <p:nvSpPr>
+          <p:cNvPr id="4" name="Content Placeholder 3"/>
+          <p:cNvSpPr>
+            <a:spLocks noGrp="1"/>
+          </p:cNvSpPr>
+          <p:nvPr>
+            <p:ph sz="half" idx="2"/>
+          </p:nvPr>
+        </p:nvSpPr>
+        <p:spPr>
+          <a:xfrm>
+            <a:off x="457200" y="2174875"/>
+            <a:ext cx="4040188" cy="3951288"/>
+          </a:xfrm>
+        </p:spPr>
+        <p:txBody>
+          <a:bodyPr/>
+          <a:lstStyle>
+            <a:lvl1pPr>
+              <a:defRPr sz="2400"/>
+            </a:lvl1pPr>
+            <a:lvl2pPr>
+              <a:defRPr sz="2000"/>
+            </a:lvl2pPr>
+            <a:lvl3pPr>
+              <a:defRPr sz="1800"/>
+            </a:lvl3pPr>
+            <a:lvl4pPr>
+              <a:defRPr sz="1600"/>
+            </a:lvl4pPr>
+            <a:lvl5pPr>
+              <a:defRPr sz="1600"/>
+            </a:lvl5pPr>
+            <a:lvl6pPr>
+              <a:defRPr sz="1600"/>
+            </a:lvl6pPr>
+            <a:lvl7pPr>
+              <a:defRPr sz="1600"/>
+            </a:lvl7pPr>
+            <a:lvl8pPr>
+              <a:defRPr sz="1600"/>
+            </a:lvl8pPr>
+            <a:lvl9pPr>
+              <a:defRPr sz="1600"/>
+            </a:lvl9pPr>
+          </a:lstStyle>
+          <a:p>
+            <a:pPr lvl="0"/>
+            <a:r>
+              <a:rPr lang="en-US" smtClean="0"/>
+              <a:t>Click to edit Master text styles</a:t>
+            </a:r>
+          </a:p>
+          <a:p>
+            <a:pPr lvl="1"/>
+            <a:r>
+              <a:rPr lang="en-US" smtClean="0"/>
+              <a:t>Second level</a:t>
+            </a:r>
+          </a:p>
+          <a:p>
+            <a:pPr lvl="2"/>
+            <a:r>
+              <a:rPr lang="en-US" smtClean="0"/>
+              <a:t>Third level</a:t>
+            </a:r>
+          </a:p>
+          <a:p>
+            <a:pPr lvl="3"/>
+            <a:r>
+              <a:rPr lang="en-US" smtClean="0"/>
+              <a:t>Fourth level</a:t>
+            </a:r>
+          </a:p>
+          <a:p>
+            <a:pPr lvl="4"/>
+            <a:r>
+              <a:rPr lang="en-US" smtClean="0"/>
+              <a:t>Fifth level</a:t>
+            </a:r>
+            <a:endParaRPr lang="en-GB"/>
+          </a:p>
+        </p:txBody>
+      </p:sp>
+      <p:sp>
+        <p:nvSpPr>
+          <p:cNvPr id="5" name="Text Placeholder 4"/>
+          <p:cNvSpPr>
+            <a:spLocks noGrp="1"/>
+          </p:cNvSpPr>
+          <p:nvPr>
+            <p:ph type="body" sz="quarter" idx="3"/>
+          </p:nvPr>
+        </p:nvSpPr>
+        <p:spPr>
+          <a:xfrm>
+            <a:off x="4645025" y="1535113"/>
+            <a:ext cx="4041775" cy="639762"/>
+          </a:xfrm>
+        </p:spPr>
+        <p:txBody>
+          <a:bodyPr anchor="b"/>
+          <a:lstStyle>
+            <a:lvl1pPr marL="0" indent="0">
+              <a:buNone/>
+              <a:defRPr sz="2400" b="1"/>
+            </a:lvl1pPr>
+            <a:lvl2pPr marL="457200" indent="0">
+              <a:buNone/>
+              <a:defRPr sz="2000" b="1"/>
+            </a:lvl2pPr>
+            <a:lvl3pPr marL="914400" indent="0">
+              <a:buNone/>
+              <a:defRPr sz="1800" b="1"/>
+            </a:lvl3pPr>
+            <a:lvl4pPr marL="1371600" indent="0">
+              <a:buNone/>
+              <a:defRPr sz="1600" b="1"/>
+            </a:lvl4pPr>
+            <a:lvl5pPr marL="1828800" indent="0">
+              <a:buNone/>
+              <a:defRPr sz="1600" b="1"/>
+            </a:lvl5pPr>
+            <a:lvl6pPr marL="2286000" indent="0">
+              <a:buNone/>
+              <a:defRPr sz="1600" b="1"/>
+            </a:lvl6pPr>
+            <a:lvl7pPr marL="2743200" indent="0">
+              <a:buNone/>
+              <a:defRPr sz="1600" b="1"/>
+            </a:lvl7pPr>
+            <a:lvl8pPr marL="3200400" indent="0">
+              <a:buNone/>
+              <a:defRPr sz="1600" b="1"/>
+            </a:lvl8pPr>
+            <a:lvl9pPr marL="3657600" indent="0">
+              <a:buNone/>
+              <a:defRPr sz="1600" b="1"/>
+            </a:lvl9pPr>
+          </a:lstStyle>
+          <a:p>
+            <a:pPr lvl="0"/>
+            <a:r>
+              <a:rPr lang="en-US" smtClean="0"/>
+              <a:t>Click to edit Master text styles</a:t>
+            </a:r>
+          </a:p>
+        </p:txBody>
+      </p:sp>
+      <p:sp>
+        <p:nvSpPr>
+          <p:cNvPr id="6" name="Content Placeholder 5"/>
+          <p:cNvSpPr>
+            <a:spLocks noGrp="1"/>
+          </p:cNvSpPr>
+          <p:nvPr>
+            <p:ph sz="quarter" idx="4"/>
+          </p:nvPr>
+        </p:nvSpPr>
+        <p:spPr>
+          <a:xfrm>
+            <a:off x="4645025" y="2174875"/>
+            <a:ext cx="4041775" cy="3951288"/>
+          </a:xfrm>
+        </p:spPr>
+        <p:txBody>
+          <a:bodyPr/>
+          <a:lstStyle>
+            <a:lvl1pPr>
+              <a:defRPr sz="2400"/>
+            </a:lvl1pPr>
+            <a:lvl2pPr>
+              <a:defRPr sz="2000"/>
+            </a:lvl2pPr>
+            <a:lvl3pPr>
+              <a:defRPr sz="1800"/>
+            </a:lvl3pPr>
+            <a:lvl4pPr>
+              <a:defRPr sz="1600"/>
+            </a:lvl4pPr>
+            <a:lvl5pPr>
+              <a:defRPr sz="1600"/>
+            </a:lvl5pPr>
+            <a:lvl6pPr>
+              <a:defRPr sz="1600"/>
+            </a:lvl6pPr>
+            <a:lvl7pPr>
+              <a:defRPr sz="1600"/>
+            </a:lvl7pPr>
+            <a:lvl8pPr>
+              <a:defRPr sz="1600"/>
+            </a:lvl8pPr>
+            <a:lvl9pPr>
+              <a:defRPr sz="1600"/>
+            </a:lvl9pPr>
+          </a:lstStyle>
+          <a:p>
+            <a:pPr lvl="0"/>
+            <a:r>
+              <a:rPr lang="en-US" smtClean="0"/>
+              <a:t>Click to edit Master text styles</a:t>
+            </a:r>
+          </a:p>
+          <a:p>
+            <a:pPr lvl="1"/>
+            <a:r>
+              <a:rPr lang="en-US" smtClean="0"/>
+              <a:t>Second level</a:t>
+            </a:r>
+          </a:p>
+          <a:p>
+            <a:pPr lvl="2"/>
+            <a:r>
+              <a:rPr lang="en-US" smtClean="0"/>
+              <a:t>Third level</a:t>
+            </a:r>
+          </a:p>
+          <a:p>
+            <a:pPr lvl="3"/>
+            <a:r>
+              <a:rPr lang="en-US" smtClean="0"/>
+              <a:t>Fourth level</a:t>
+            </a:r>
+          </a:p>
+          <a:p>
+            <a:pPr lvl="4"/>
+            <a:r>
+              <a:rPr lang="en-US" smtClean="0"/>
+              <a:t>Fifth level</a:t>
+            </a:r>
+            <a:endParaRPr lang="en-GB"/>
+          </a:p>
+        </p:txBody>
+      </p:sp>
+      <p:sp>
+        <p:nvSpPr>
+          <p:cNvPr id="7" name="Date Placeholder 6"/>
+          <p:cNvSpPr>
+            <a:spLocks noGrp="1"/>
+          </p:cNvSpPr>
+          <p:nvPr>
+            <p:ph type="dt" sz="half" idx="10"/>
+          </p:nvPr>
+        </p:nvSpPr>
+        <p:spPr/>
+        <p:txBody>
+          <a:bodyPr/>
+          <a:lstStyle/>
+          <a:p>
+            <a:fld id="{86642A0F-B730-4E28-B731-7E298DDE1A66}" type="datetimeFigureOut">
+              <a:rPr lang="en-GB" smtClean="0"/>
+              <a:t>16/11/2011</a:t>
+            </a:fld>
+            <a:endParaRPr lang="en-GB"/>
+          </a:p>
+        </p:txBody>
+      </p:sp>
+      <p:sp>
+        <p:nvSpPr>
+          <p:cNvPr id="8" name="Footer Placeholder 7"/>
+          <p:cNvSpPr>
+            <a:spLocks noGrp="1"/>
+          </p:cNvSpPr>
+          <p:nvPr>
+            <p:ph type="ftr" sz="quarter" idx="11"/>
+          </p:nvPr>
+        </p:nvSpPr>
+        <p:spPr/>
+        <p:txBody>
+          <a:bodyPr/>
+          <a:lstStyle/>
+          <a:p>
+            <a:endParaRPr lang="en-GB"/>
+          </a:p>
+        </p:txBody>
+      </p:sp>
+      <p:sp>
+        <p:nvSpPr>
+          <p:cNvPr id="9" name="Slide Number Placeholder 8"/>
+          <p:cNvSpPr>
+            <a:spLocks noGrp="1"/>
+          </p:cNvSpPr>
+          <p:nvPr>
+            <p:ph type="sldNum" sz="quarter" idx="12"/>
+          </p:nvPr>
+        </p:nvSpPr>
+        <p:spPr/>
+        <p:txBody>
+          <a:bodyPr/>
+          <a:lstStyle/>
+          <a:p>
+            <a:fld id="{4D2DA8B8-9780-4A8A-B22C-644F1551F876}" type="slidenum">
+              <a:rPr lang="en-GB" smtClean="0"/>
+              <a:t>‹#›</a:t>
+            </a:fld>
+            <a:endParaRPr lang="en-GB"/>
+          </a:p>
+        </p:txBody>
+      </p:sp>
+    </p:spTree>
+    <p:extLst>
+      <p:ext uri="{BB962C8B-B14F-4D97-AF65-F5344CB8AC3E}">
+        <p14:creationId xmlns:p14="http://schemas.microsoft.com/office/powerpoint/2010/main" val="2121198154"/>
+      </p:ext>
+    </p:extLst>
+  </p:cSld>
+  <p:clrMapOvr>
+    <a:masterClrMapping/>
+  </p:clrMapOvr>
+</p:sldLayout>
+</file>
+
+<file path=ppt/slideLayouts/slideLayout17.xml><?xml version="1.0" encoding="utf-8"?>
+<p:sldLayout xmlns:a="http://schemas.openxmlformats.org/drawingml/2006/main" xmlns:r="http://schemas.openxmlformats.org/officeDocument/2006/relationships" xmlns:p="http://schemas.openxmlformats.org/presentationml/2006/main" type="titleOnly" preserve="1">
+  <p:cSld name="Title Only">
+    <p:spTree>
+      <p:nvGrpSpPr>
+        <p:cNvPr id="1" name=""/>
+        <p:cNvGrpSpPr/>
+        <p:nvPr/>
+      </p:nvGrpSpPr>
+      <p:grpSpPr>
+        <a:xfrm>
+          <a:off x="0" y="0"/>
+          <a:ext cx="0" cy="0"/>
+          <a:chOff x="0" y="0"/>
+          <a:chExt cx="0" cy="0"/>
+        </a:xfrm>
+      </p:grpSpPr>
+      <p:sp>
+        <p:nvSpPr>
+          <p:cNvPr id="2" name="Title 1"/>
+          <p:cNvSpPr>
+            <a:spLocks noGrp="1"/>
+          </p:cNvSpPr>
+          <p:nvPr>
+            <p:ph type="title"/>
+          </p:nvPr>
+        </p:nvSpPr>
+        <p:spPr/>
+        <p:txBody>
+          <a:bodyPr/>
+          <a:lstStyle/>
+          <a:p>
+            <a:r>
+              <a:rPr lang="en-US" smtClean="0"/>
+              <a:t>Click to edit Master title style</a:t>
+            </a:r>
+            <a:endParaRPr lang="en-GB"/>
+          </a:p>
+        </p:txBody>
+      </p:sp>
+      <p:sp>
+        <p:nvSpPr>
+          <p:cNvPr id="3" name="Date Placeholder 2"/>
+          <p:cNvSpPr>
+            <a:spLocks noGrp="1"/>
+          </p:cNvSpPr>
+          <p:nvPr>
+            <p:ph type="dt" sz="half" idx="10"/>
+          </p:nvPr>
+        </p:nvSpPr>
+        <p:spPr/>
+        <p:txBody>
+          <a:bodyPr/>
+          <a:lstStyle/>
+          <a:p>
+            <a:fld id="{86642A0F-B730-4E28-B731-7E298DDE1A66}" type="datetimeFigureOut">
+              <a:rPr lang="en-GB" smtClean="0"/>
+              <a:t>16/11/2011</a:t>
+            </a:fld>
+            <a:endParaRPr lang="en-GB"/>
+          </a:p>
+        </p:txBody>
+      </p:sp>
+      <p:sp>
+        <p:nvSpPr>
+          <p:cNvPr id="4" name="Footer Placeholder 3"/>
+          <p:cNvSpPr>
+            <a:spLocks noGrp="1"/>
+          </p:cNvSpPr>
+          <p:nvPr>
+            <p:ph type="ftr" sz="quarter" idx="11"/>
+          </p:nvPr>
+        </p:nvSpPr>
+        <p:spPr/>
+        <p:txBody>
+          <a:bodyPr/>
+          <a:lstStyle/>
+          <a:p>
+            <a:endParaRPr lang="en-GB"/>
+          </a:p>
+        </p:txBody>
+      </p:sp>
+      <p:sp>
+        <p:nvSpPr>
+          <p:cNvPr id="5" name="Slide Number Placeholder 4"/>
+          <p:cNvSpPr>
+            <a:spLocks noGrp="1"/>
+          </p:cNvSpPr>
+          <p:nvPr>
+            <p:ph type="sldNum" sz="quarter" idx="12"/>
+          </p:nvPr>
+        </p:nvSpPr>
+        <p:spPr/>
+        <p:txBody>
+          <a:bodyPr/>
+          <a:lstStyle/>
+          <a:p>
+            <a:fld id="{4D2DA8B8-9780-4A8A-B22C-644F1551F876}" type="slidenum">
+              <a:rPr lang="en-GB" smtClean="0"/>
+              <a:t>‹#›</a:t>
+            </a:fld>
+            <a:endParaRPr lang="en-GB"/>
+          </a:p>
+        </p:txBody>
+      </p:sp>
+    </p:spTree>
+    <p:extLst>
+      <p:ext uri="{BB962C8B-B14F-4D97-AF65-F5344CB8AC3E}">
+        <p14:creationId xmlns:p14="http://schemas.microsoft.com/office/powerpoint/2010/main" val="965289344"/>
+      </p:ext>
+    </p:extLst>
+  </p:cSld>
+  <p:clrMapOvr>
+    <a:masterClrMapping/>
+  </p:clrMapOvr>
+</p:sldLayout>
+</file>
+
+<file path=ppt/slideLayouts/slideLayout18.xml><?xml version="1.0" encoding="utf-8"?>
+<p:sldLayout xmlns:a="http://schemas.openxmlformats.org/drawingml/2006/main" xmlns:r="http://schemas.openxmlformats.org/officeDocument/2006/relationships" xmlns:p="http://schemas.openxmlformats.org/presentationml/2006/main" type="blank" preserve="1">
+  <p:cSld name="Blank">
+    <p:spTree>
+      <p:nvGrpSpPr>
+        <p:cNvPr id="1" name=""/>
+        <p:cNvGrpSpPr/>
+        <p:nvPr/>
+      </p:nvGrpSpPr>
+      <p:grpSpPr>
+        <a:xfrm>
+          <a:off x="0" y="0"/>
+          <a:ext cx="0" cy="0"/>
+          <a:chOff x="0" y="0"/>
+          <a:chExt cx="0" cy="0"/>
+        </a:xfrm>
+      </p:grpSpPr>
+      <p:sp>
+        <p:nvSpPr>
+          <p:cNvPr id="2" name="Date Placeholder 1"/>
+          <p:cNvSpPr>
+            <a:spLocks noGrp="1"/>
+          </p:cNvSpPr>
+          <p:nvPr>
+            <p:ph type="dt" sz="half" idx="10"/>
+          </p:nvPr>
+        </p:nvSpPr>
+        <p:spPr/>
+        <p:txBody>
+          <a:bodyPr/>
+          <a:lstStyle/>
+          <a:p>
+            <a:fld id="{86642A0F-B730-4E28-B731-7E298DDE1A66}" type="datetimeFigureOut">
+              <a:rPr lang="en-GB" smtClean="0"/>
+              <a:t>16/11/2011</a:t>
+            </a:fld>
+            <a:endParaRPr lang="en-GB"/>
+          </a:p>
+        </p:txBody>
+      </p:sp>
+      <p:sp>
+        <p:nvSpPr>
+          <p:cNvPr id="3" name="Footer Placeholder 2"/>
+          <p:cNvSpPr>
+            <a:spLocks noGrp="1"/>
+          </p:cNvSpPr>
+          <p:nvPr>
+            <p:ph type="ftr" sz="quarter" idx="11"/>
+          </p:nvPr>
+        </p:nvSpPr>
+        <p:spPr/>
+        <p:txBody>
+          <a:bodyPr/>
+          <a:lstStyle/>
+          <a:p>
+            <a:endParaRPr lang="en-GB"/>
+          </a:p>
+        </p:txBody>
+      </p:sp>
+      <p:sp>
+        <p:nvSpPr>
+          <p:cNvPr id="4" name="Slide Number Placeholder 3"/>
+          <p:cNvSpPr>
+            <a:spLocks noGrp="1"/>
+          </p:cNvSpPr>
+          <p:nvPr>
+            <p:ph type="sldNum" sz="quarter" idx="12"/>
+          </p:nvPr>
+        </p:nvSpPr>
+        <p:spPr/>
+        <p:txBody>
+          <a:bodyPr/>
+          <a:lstStyle/>
+          <a:p>
+            <a:fld id="{4D2DA8B8-9780-4A8A-B22C-644F1551F876}" type="slidenum">
+              <a:rPr lang="en-GB" smtClean="0"/>
+              <a:t>‹#›</a:t>
+            </a:fld>
+            <a:endParaRPr lang="en-GB"/>
+          </a:p>
+        </p:txBody>
+      </p:sp>
+    </p:spTree>
+    <p:extLst>
+      <p:ext uri="{BB962C8B-B14F-4D97-AF65-F5344CB8AC3E}">
+        <p14:creationId xmlns:p14="http://schemas.microsoft.com/office/powerpoint/2010/main" val="155944270"/>
+      </p:ext>
+    </p:extLst>
+  </p:cSld>
+  <p:clrMapOvr>
+    <a:masterClrMapping/>
+  </p:clrMapOvr>
+</p:sldLayout>
+</file>
+
+<file path=ppt/slideLayouts/slideLayout19.xml><?xml version="1.0" encoding="utf-8"?>
+<p:sldLayout xmlns:a="http://schemas.openxmlformats.org/drawingml/2006/main" xmlns:r="http://schemas.openxmlformats.org/officeDocument/2006/relationships" xmlns:p="http://schemas.openxmlformats.org/presentationml/2006/main" type="objTx" preserve="1">
+  <p:cSld name="Content with Caption">
+    <p:spTree>
+      <p:nvGrpSpPr>
+        <p:cNvPr id="1" name=""/>
+        <p:cNvGrpSpPr/>
+        <p:nvPr/>
+      </p:nvGrpSpPr>
+      <p:grpSpPr>
+        <a:xfrm>
+          <a:off x="0" y="0"/>
+          <a:ext cx="0" cy="0"/>
+          <a:chOff x="0" y="0"/>
+          <a:chExt cx="0" cy="0"/>
+        </a:xfrm>
+      </p:grpSpPr>
+      <p:sp>
+        <p:nvSpPr>
+          <p:cNvPr id="2" name="Title 1"/>
+          <p:cNvSpPr>
+            <a:spLocks noGrp="1"/>
+          </p:cNvSpPr>
+          <p:nvPr>
+            <p:ph type="title"/>
+          </p:nvPr>
+        </p:nvSpPr>
+        <p:spPr>
+          <a:xfrm>
+            <a:off x="457200" y="273050"/>
+            <a:ext cx="3008313" cy="1162050"/>
+          </a:xfrm>
+        </p:spPr>
+        <p:txBody>
+          <a:bodyPr anchor="b"/>
+          <a:lstStyle>
+            <a:lvl1pPr algn="l">
+              <a:defRPr sz="2000" b="1"/>
+            </a:lvl1pPr>
+          </a:lstStyle>
+          <a:p>
+            <a:r>
+              <a:rPr lang="en-US" smtClean="0"/>
+              <a:t>Click to edit Master title style</a:t>
+            </a:r>
+            <a:endParaRPr lang="en-GB"/>
+          </a:p>
+        </p:txBody>
+      </p:sp>
+      <p:sp>
+        <p:nvSpPr>
+          <p:cNvPr id="3" name="Content Placeholder 2"/>
+          <p:cNvSpPr>
+            <a:spLocks noGrp="1"/>
+          </p:cNvSpPr>
+          <p:nvPr>
+            <p:ph idx="1"/>
+          </p:nvPr>
+        </p:nvSpPr>
+        <p:spPr>
+          <a:xfrm>
+            <a:off x="3575050" y="273050"/>
+            <a:ext cx="5111750" cy="5853113"/>
+          </a:xfrm>
+        </p:spPr>
+        <p:txBody>
+          <a:bodyPr/>
+          <a:lstStyle>
+            <a:lvl1pPr>
+              <a:defRPr sz="3200"/>
+            </a:lvl1pPr>
+            <a:lvl2pPr>
+              <a:defRPr sz="2800"/>
+            </a:lvl2pPr>
+            <a:lvl3pPr>
+              <a:defRPr sz="2400"/>
+            </a:lvl3pPr>
+            <a:lvl4pPr>
+              <a:defRPr sz="2000"/>
+            </a:lvl4pPr>
+            <a:lvl5pPr>
+              <a:defRPr sz="2000"/>
+            </a:lvl5pPr>
+            <a:lvl6pPr>
+              <a:defRPr sz="2000"/>
+            </a:lvl6pPr>
+            <a:lvl7pPr>
+              <a:defRPr sz="2000"/>
+            </a:lvl7pPr>
+            <a:lvl8pPr>
+              <a:defRPr sz="2000"/>
+            </a:lvl8pPr>
+            <a:lvl9pPr>
+              <a:defRPr sz="2000"/>
+            </a:lvl9pPr>
+          </a:lstStyle>
+          <a:p>
+            <a:pPr lvl="0"/>
+            <a:r>
+              <a:rPr lang="en-US" smtClean="0"/>
+              <a:t>Click to edit Master text styles</a:t>
+            </a:r>
+          </a:p>
+          <a:p>
+            <a:pPr lvl="1"/>
+            <a:r>
+              <a:rPr lang="en-US" smtClean="0"/>
+              <a:t>Second level</a:t>
+            </a:r>
+          </a:p>
+          <a:p>
+            <a:pPr lvl="2"/>
+            <a:r>
+              <a:rPr lang="en-US" smtClean="0"/>
+              <a:t>Third level</a:t>
+            </a:r>
+          </a:p>
+          <a:p>
+            <a:pPr lvl="3"/>
+            <a:r>
+              <a:rPr lang="en-US" smtClean="0"/>
+              <a:t>Fourth level</a:t>
+            </a:r>
+          </a:p>
+          <a:p>
+            <a:pPr lvl="4"/>
+            <a:r>
+              <a:rPr lang="en-US" smtClean="0"/>
+              <a:t>Fifth level</a:t>
+            </a:r>
+            <a:endParaRPr lang="en-GB"/>
+          </a:p>
+        </p:txBody>
+      </p:sp>
+      <p:sp>
+        <p:nvSpPr>
+          <p:cNvPr id="4" name="Text Placeholder 3"/>
+          <p:cNvSpPr>
+            <a:spLocks noGrp="1"/>
+          </p:cNvSpPr>
+          <p:nvPr>
+            <p:ph type="body" sz="half" idx="2"/>
+          </p:nvPr>
+        </p:nvSpPr>
+        <p:spPr>
+          <a:xfrm>
+            <a:off x="457200" y="1435100"/>
+            <a:ext cx="3008313" cy="4691063"/>
+          </a:xfrm>
+        </p:spPr>
+        <p:txBody>
+          <a:bodyPr/>
+          <a:lstStyle>
+            <a:lvl1pPr marL="0" indent="0">
+              <a:buNone/>
+              <a:defRPr sz="1400"/>
+            </a:lvl1pPr>
+            <a:lvl2pPr marL="457200" indent="0">
+              <a:buNone/>
+              <a:defRPr sz="1200"/>
+            </a:lvl2pPr>
+            <a:lvl3pPr marL="914400" indent="0">
+              <a:buNone/>
+              <a:defRPr sz="1000"/>
+            </a:lvl3pPr>
+            <a:lvl4pPr marL="1371600" indent="0">
+              <a:buNone/>
+              <a:defRPr sz="900"/>
+            </a:lvl4pPr>
+            <a:lvl5pPr marL="1828800" indent="0">
+              <a:buNone/>
+              <a:defRPr sz="900"/>
+            </a:lvl5pPr>
+            <a:lvl6pPr marL="2286000" indent="0">
+              <a:buNone/>
+              <a:defRPr sz="900"/>
+            </a:lvl6pPr>
+            <a:lvl7pPr marL="2743200" indent="0">
+              <a:buNone/>
+              <a:defRPr sz="900"/>
+            </a:lvl7pPr>
+            <a:lvl8pPr marL="3200400" indent="0">
+              <a:buNone/>
+              <a:defRPr sz="900"/>
+            </a:lvl8pPr>
+            <a:lvl9pPr marL="3657600" indent="0">
+              <a:buNone/>
+              <a:defRPr sz="900"/>
+            </a:lvl9pPr>
+          </a:lstStyle>
+          <a:p>
+            <a:pPr lvl="0"/>
+            <a:r>
+              <a:rPr lang="en-US" smtClean="0"/>
+              <a:t>Click to edit Master text styles</a:t>
+            </a:r>
+          </a:p>
+        </p:txBody>
+      </p:sp>
+      <p:sp>
+        <p:nvSpPr>
+          <p:cNvPr id="5" name="Date Placeholder 4"/>
+          <p:cNvSpPr>
+            <a:spLocks noGrp="1"/>
+          </p:cNvSpPr>
+          <p:nvPr>
+            <p:ph type="dt" sz="half" idx="10"/>
+          </p:nvPr>
+        </p:nvSpPr>
+        <p:spPr/>
+        <p:txBody>
+          <a:bodyPr/>
+          <a:lstStyle/>
+          <a:p>
+            <a:fld id="{86642A0F-B730-4E28-B731-7E298DDE1A66}" type="datetimeFigureOut">
+              <a:rPr lang="en-GB" smtClean="0"/>
+              <a:t>16/11/2011</a:t>
+            </a:fld>
+            <a:endParaRPr lang="en-GB"/>
+          </a:p>
+        </p:txBody>
+      </p:sp>
+      <p:sp>
+        <p:nvSpPr>
+          <p:cNvPr id="6" name="Footer Placeholder 5"/>
+          <p:cNvSpPr>
+            <a:spLocks noGrp="1"/>
+          </p:cNvSpPr>
+          <p:nvPr>
+            <p:ph type="ftr" sz="quarter" idx="11"/>
+          </p:nvPr>
+        </p:nvSpPr>
+        <p:spPr/>
+        <p:txBody>
+          <a:bodyPr/>
+          <a:lstStyle/>
+          <a:p>
+            <a:endParaRPr lang="en-GB"/>
+          </a:p>
+        </p:txBody>
+      </p:sp>
+      <p:sp>
+        <p:nvSpPr>
+          <p:cNvPr id="7" name="Slide Number Placeholder 6"/>
+          <p:cNvSpPr>
+            <a:spLocks noGrp="1"/>
+          </p:cNvSpPr>
+          <p:nvPr>
+            <p:ph type="sldNum" sz="quarter" idx="12"/>
+          </p:nvPr>
+        </p:nvSpPr>
+        <p:spPr/>
+        <p:txBody>
+          <a:bodyPr/>
+          <a:lstStyle/>
+          <a:p>
+            <a:fld id="{4D2DA8B8-9780-4A8A-B22C-644F1551F876}" type="slidenum">
+              <a:rPr lang="en-GB" smtClean="0"/>
+              <a:t>‹#›</a:t>
+            </a:fld>
+            <a:endParaRPr lang="en-GB"/>
+          </a:p>
+        </p:txBody>
+      </p:sp>
+    </p:spTree>
+    <p:extLst>
+      <p:ext uri="{BB962C8B-B14F-4D97-AF65-F5344CB8AC3E}">
+        <p14:creationId xmlns:p14="http://schemas.microsoft.com/office/powerpoint/2010/main" val="3474571927"/>
+      </p:ext>
+    </p:extLst>
+  </p:cSld>
+  <p:clrMapOvr>
+    <a:masterClrMapping/>
+  </p:clrMapOvr>
+</p:sldLayout>
+</file>
+
 <file path=ppt/slideLayouts/slideLayout2.xml><?xml version="1.0" encoding="utf-8"?>
 <p:sldLayout xmlns:a="http://schemas.openxmlformats.org/drawingml/2006/main" xmlns:r="http://schemas.openxmlformats.org/officeDocument/2006/relationships" xmlns:p="http://schemas.openxmlformats.org/presentationml/2006/main" type="obj" preserve="1">
   <p:cSld name="Title and Content">
@@ -857,6 +2723,616 @@
     <p:extLst>
       <p:ext uri="{BB962C8B-B14F-4D97-AF65-F5344CB8AC3E}">
         <p14:creationId xmlns:p14="http://schemas.microsoft.com/office/powerpoint/2010/main" val="2951640331"/>
+      </p:ext>
+    </p:extLst>
+  </p:cSld>
+  <p:clrMapOvr>
+    <a:masterClrMapping/>
+  </p:clrMapOvr>
+  <p:timing>
+    <p:tnLst>
+      <p:par>
+        <p:cTn id="1" dur="indefinite" restart="never" nodeType="tmRoot"/>
+      </p:par>
+    </p:tnLst>
+  </p:timing>
+</p:sldLayout>
+</file>
+
+<file path=ppt/slideLayouts/slideLayout20.xml><?xml version="1.0" encoding="utf-8"?>
+<p:sldLayout xmlns:a="http://schemas.openxmlformats.org/drawingml/2006/main" xmlns:r="http://schemas.openxmlformats.org/officeDocument/2006/relationships" xmlns:p="http://schemas.openxmlformats.org/presentationml/2006/main" type="picTx" preserve="1">
+  <p:cSld name="Picture with Caption">
+    <p:spTree>
+      <p:nvGrpSpPr>
+        <p:cNvPr id="1" name=""/>
+        <p:cNvGrpSpPr/>
+        <p:nvPr/>
+      </p:nvGrpSpPr>
+      <p:grpSpPr>
+        <a:xfrm>
+          <a:off x="0" y="0"/>
+          <a:ext cx="0" cy="0"/>
+          <a:chOff x="0" y="0"/>
+          <a:chExt cx="0" cy="0"/>
+        </a:xfrm>
+      </p:grpSpPr>
+      <p:sp>
+        <p:nvSpPr>
+          <p:cNvPr id="2" name="Title 1"/>
+          <p:cNvSpPr>
+            <a:spLocks noGrp="1"/>
+          </p:cNvSpPr>
+          <p:nvPr>
+            <p:ph type="title"/>
+          </p:nvPr>
+        </p:nvSpPr>
+        <p:spPr>
+          <a:xfrm>
+            <a:off x="1792288" y="4800600"/>
+            <a:ext cx="5486400" cy="566738"/>
+          </a:xfrm>
+        </p:spPr>
+        <p:txBody>
+          <a:bodyPr anchor="b"/>
+          <a:lstStyle>
+            <a:lvl1pPr algn="l">
+              <a:defRPr sz="2000" b="1"/>
+            </a:lvl1pPr>
+          </a:lstStyle>
+          <a:p>
+            <a:r>
+              <a:rPr lang="en-US" smtClean="0"/>
+              <a:t>Click to edit Master title style</a:t>
+            </a:r>
+            <a:endParaRPr lang="en-GB"/>
+          </a:p>
+        </p:txBody>
+      </p:sp>
+      <p:sp>
+        <p:nvSpPr>
+          <p:cNvPr id="3" name="Picture Placeholder 2"/>
+          <p:cNvSpPr>
+            <a:spLocks noGrp="1"/>
+          </p:cNvSpPr>
+          <p:nvPr>
+            <p:ph type="pic" idx="1"/>
+          </p:nvPr>
+        </p:nvSpPr>
+        <p:spPr>
+          <a:xfrm>
+            <a:off x="1792288" y="612775"/>
+            <a:ext cx="5486400" cy="4114800"/>
+          </a:xfrm>
+        </p:spPr>
+        <p:txBody>
+          <a:bodyPr/>
+          <a:lstStyle>
+            <a:lvl1pPr marL="0" indent="0">
+              <a:buNone/>
+              <a:defRPr sz="3200"/>
+            </a:lvl1pPr>
+            <a:lvl2pPr marL="457200" indent="0">
+              <a:buNone/>
+              <a:defRPr sz="2800"/>
+            </a:lvl2pPr>
+            <a:lvl3pPr marL="914400" indent="0">
+              <a:buNone/>
+              <a:defRPr sz="2400"/>
+            </a:lvl3pPr>
+            <a:lvl4pPr marL="1371600" indent="0">
+              <a:buNone/>
+              <a:defRPr sz="2000"/>
+            </a:lvl4pPr>
+            <a:lvl5pPr marL="1828800" indent="0">
+              <a:buNone/>
+              <a:defRPr sz="2000"/>
+            </a:lvl5pPr>
+            <a:lvl6pPr marL="2286000" indent="0">
+              <a:buNone/>
+              <a:defRPr sz="2000"/>
+            </a:lvl6pPr>
+            <a:lvl7pPr marL="2743200" indent="0">
+              <a:buNone/>
+              <a:defRPr sz="2000"/>
+            </a:lvl7pPr>
+            <a:lvl8pPr marL="3200400" indent="0">
+              <a:buNone/>
+              <a:defRPr sz="2000"/>
+            </a:lvl8pPr>
+            <a:lvl9pPr marL="3657600" indent="0">
+              <a:buNone/>
+              <a:defRPr sz="2000"/>
+            </a:lvl9pPr>
+          </a:lstStyle>
+          <a:p>
+            <a:endParaRPr lang="en-GB"/>
+          </a:p>
+        </p:txBody>
+      </p:sp>
+      <p:sp>
+        <p:nvSpPr>
+          <p:cNvPr id="4" name="Text Placeholder 3"/>
+          <p:cNvSpPr>
+            <a:spLocks noGrp="1"/>
+          </p:cNvSpPr>
+          <p:nvPr>
+            <p:ph type="body" sz="half" idx="2"/>
+          </p:nvPr>
+        </p:nvSpPr>
+        <p:spPr>
+          <a:xfrm>
+            <a:off x="1792288" y="5367338"/>
+            <a:ext cx="5486400" cy="804862"/>
+          </a:xfrm>
+        </p:spPr>
+        <p:txBody>
+          <a:bodyPr/>
+          <a:lstStyle>
+            <a:lvl1pPr marL="0" indent="0">
+              <a:buNone/>
+              <a:defRPr sz="1400"/>
+            </a:lvl1pPr>
+            <a:lvl2pPr marL="457200" indent="0">
+              <a:buNone/>
+              <a:defRPr sz="1200"/>
+            </a:lvl2pPr>
+            <a:lvl3pPr marL="914400" indent="0">
+              <a:buNone/>
+              <a:defRPr sz="1000"/>
+            </a:lvl3pPr>
+            <a:lvl4pPr marL="1371600" indent="0">
+              <a:buNone/>
+              <a:defRPr sz="900"/>
+            </a:lvl4pPr>
+            <a:lvl5pPr marL="1828800" indent="0">
+              <a:buNone/>
+              <a:defRPr sz="900"/>
+            </a:lvl5pPr>
+            <a:lvl6pPr marL="2286000" indent="0">
+              <a:buNone/>
+              <a:defRPr sz="900"/>
+            </a:lvl6pPr>
+            <a:lvl7pPr marL="2743200" indent="0">
+              <a:buNone/>
+              <a:defRPr sz="900"/>
+            </a:lvl7pPr>
+            <a:lvl8pPr marL="3200400" indent="0">
+              <a:buNone/>
+              <a:defRPr sz="900"/>
+            </a:lvl8pPr>
+            <a:lvl9pPr marL="3657600" indent="0">
+              <a:buNone/>
+              <a:defRPr sz="900"/>
+            </a:lvl9pPr>
+          </a:lstStyle>
+          <a:p>
+            <a:pPr lvl="0"/>
+            <a:r>
+              <a:rPr lang="en-US" smtClean="0"/>
+              <a:t>Click to edit Master text styles</a:t>
+            </a:r>
+          </a:p>
+        </p:txBody>
+      </p:sp>
+      <p:sp>
+        <p:nvSpPr>
+          <p:cNvPr id="5" name="Date Placeholder 4"/>
+          <p:cNvSpPr>
+            <a:spLocks noGrp="1"/>
+          </p:cNvSpPr>
+          <p:nvPr>
+            <p:ph type="dt" sz="half" idx="10"/>
+          </p:nvPr>
+        </p:nvSpPr>
+        <p:spPr/>
+        <p:txBody>
+          <a:bodyPr/>
+          <a:lstStyle/>
+          <a:p>
+            <a:fld id="{86642A0F-B730-4E28-B731-7E298DDE1A66}" type="datetimeFigureOut">
+              <a:rPr lang="en-GB" smtClean="0"/>
+              <a:t>16/11/2011</a:t>
+            </a:fld>
+            <a:endParaRPr lang="en-GB"/>
+          </a:p>
+        </p:txBody>
+      </p:sp>
+      <p:sp>
+        <p:nvSpPr>
+          <p:cNvPr id="6" name="Footer Placeholder 5"/>
+          <p:cNvSpPr>
+            <a:spLocks noGrp="1"/>
+          </p:cNvSpPr>
+          <p:nvPr>
+            <p:ph type="ftr" sz="quarter" idx="11"/>
+          </p:nvPr>
+        </p:nvSpPr>
+        <p:spPr/>
+        <p:txBody>
+          <a:bodyPr/>
+          <a:lstStyle/>
+          <a:p>
+            <a:endParaRPr lang="en-GB"/>
+          </a:p>
+        </p:txBody>
+      </p:sp>
+      <p:sp>
+        <p:nvSpPr>
+          <p:cNvPr id="7" name="Slide Number Placeholder 6"/>
+          <p:cNvSpPr>
+            <a:spLocks noGrp="1"/>
+          </p:cNvSpPr>
+          <p:nvPr>
+            <p:ph type="sldNum" sz="quarter" idx="12"/>
+          </p:nvPr>
+        </p:nvSpPr>
+        <p:spPr/>
+        <p:txBody>
+          <a:bodyPr/>
+          <a:lstStyle/>
+          <a:p>
+            <a:fld id="{4D2DA8B8-9780-4A8A-B22C-644F1551F876}" type="slidenum">
+              <a:rPr lang="en-GB" smtClean="0"/>
+              <a:t>‹#›</a:t>
+            </a:fld>
+            <a:endParaRPr lang="en-GB"/>
+          </a:p>
+        </p:txBody>
+      </p:sp>
+    </p:spTree>
+    <p:extLst>
+      <p:ext uri="{BB962C8B-B14F-4D97-AF65-F5344CB8AC3E}">
+        <p14:creationId xmlns:p14="http://schemas.microsoft.com/office/powerpoint/2010/main" val="638263194"/>
+      </p:ext>
+    </p:extLst>
+  </p:cSld>
+  <p:clrMapOvr>
+    <a:masterClrMapping/>
+  </p:clrMapOvr>
+</p:sldLayout>
+</file>
+
+<file path=ppt/slideLayouts/slideLayout21.xml><?xml version="1.0" encoding="utf-8"?>
+<p:sldLayout xmlns:a="http://schemas.openxmlformats.org/drawingml/2006/main" xmlns:r="http://schemas.openxmlformats.org/officeDocument/2006/relationships" xmlns:p="http://schemas.openxmlformats.org/presentationml/2006/main" type="vertTx" preserve="1">
+  <p:cSld name="Title and Vertical Text">
+    <p:spTree>
+      <p:nvGrpSpPr>
+        <p:cNvPr id="1" name=""/>
+        <p:cNvGrpSpPr/>
+        <p:nvPr/>
+      </p:nvGrpSpPr>
+      <p:grpSpPr>
+        <a:xfrm>
+          <a:off x="0" y="0"/>
+          <a:ext cx="0" cy="0"/>
+          <a:chOff x="0" y="0"/>
+          <a:chExt cx="0" cy="0"/>
+        </a:xfrm>
+      </p:grpSpPr>
+      <p:sp>
+        <p:nvSpPr>
+          <p:cNvPr id="2" name="Title 1"/>
+          <p:cNvSpPr>
+            <a:spLocks noGrp="1"/>
+          </p:cNvSpPr>
+          <p:nvPr>
+            <p:ph type="title"/>
+          </p:nvPr>
+        </p:nvSpPr>
+        <p:spPr/>
+        <p:txBody>
+          <a:bodyPr/>
+          <a:lstStyle/>
+          <a:p>
+            <a:r>
+              <a:rPr lang="en-US" smtClean="0"/>
+              <a:t>Click to edit Master title style</a:t>
+            </a:r>
+            <a:endParaRPr lang="en-GB"/>
+          </a:p>
+        </p:txBody>
+      </p:sp>
+      <p:sp>
+        <p:nvSpPr>
+          <p:cNvPr id="3" name="Vertical Text Placeholder 2"/>
+          <p:cNvSpPr>
+            <a:spLocks noGrp="1"/>
+          </p:cNvSpPr>
+          <p:nvPr>
+            <p:ph type="body" orient="vert" idx="1"/>
+          </p:nvPr>
+        </p:nvSpPr>
+        <p:spPr/>
+        <p:txBody>
+          <a:bodyPr vert="eaVert"/>
+          <a:lstStyle/>
+          <a:p>
+            <a:pPr lvl="0"/>
+            <a:r>
+              <a:rPr lang="en-US" smtClean="0"/>
+              <a:t>Click to edit Master text styles</a:t>
+            </a:r>
+          </a:p>
+          <a:p>
+            <a:pPr lvl="1"/>
+            <a:r>
+              <a:rPr lang="en-US" smtClean="0"/>
+              <a:t>Second level</a:t>
+            </a:r>
+          </a:p>
+          <a:p>
+            <a:pPr lvl="2"/>
+            <a:r>
+              <a:rPr lang="en-US" smtClean="0"/>
+              <a:t>Third level</a:t>
+            </a:r>
+          </a:p>
+          <a:p>
+            <a:pPr lvl="3"/>
+            <a:r>
+              <a:rPr lang="en-US" smtClean="0"/>
+              <a:t>Fourth level</a:t>
+            </a:r>
+          </a:p>
+          <a:p>
+            <a:pPr lvl="4"/>
+            <a:r>
+              <a:rPr lang="en-US" smtClean="0"/>
+              <a:t>Fifth level</a:t>
+            </a:r>
+            <a:endParaRPr lang="en-GB"/>
+          </a:p>
+        </p:txBody>
+      </p:sp>
+      <p:sp>
+        <p:nvSpPr>
+          <p:cNvPr id="4" name="Date Placeholder 3"/>
+          <p:cNvSpPr>
+            <a:spLocks noGrp="1"/>
+          </p:cNvSpPr>
+          <p:nvPr>
+            <p:ph type="dt" sz="half" idx="10"/>
+          </p:nvPr>
+        </p:nvSpPr>
+        <p:spPr/>
+        <p:txBody>
+          <a:bodyPr/>
+          <a:lstStyle/>
+          <a:p>
+            <a:fld id="{86642A0F-B730-4E28-B731-7E298DDE1A66}" type="datetimeFigureOut">
+              <a:rPr lang="en-GB" smtClean="0"/>
+              <a:t>16/11/2011</a:t>
+            </a:fld>
+            <a:endParaRPr lang="en-GB"/>
+          </a:p>
+        </p:txBody>
+      </p:sp>
+      <p:sp>
+        <p:nvSpPr>
+          <p:cNvPr id="5" name="Footer Placeholder 4"/>
+          <p:cNvSpPr>
+            <a:spLocks noGrp="1"/>
+          </p:cNvSpPr>
+          <p:nvPr>
+            <p:ph type="ftr" sz="quarter" idx="11"/>
+          </p:nvPr>
+        </p:nvSpPr>
+        <p:spPr/>
+        <p:txBody>
+          <a:bodyPr/>
+          <a:lstStyle/>
+          <a:p>
+            <a:endParaRPr lang="en-GB"/>
+          </a:p>
+        </p:txBody>
+      </p:sp>
+      <p:sp>
+        <p:nvSpPr>
+          <p:cNvPr id="6" name="Slide Number Placeholder 5"/>
+          <p:cNvSpPr>
+            <a:spLocks noGrp="1"/>
+          </p:cNvSpPr>
+          <p:nvPr>
+            <p:ph type="sldNum" sz="quarter" idx="12"/>
+          </p:nvPr>
+        </p:nvSpPr>
+        <p:spPr/>
+        <p:txBody>
+          <a:bodyPr/>
+          <a:lstStyle/>
+          <a:p>
+            <a:fld id="{4D2DA8B8-9780-4A8A-B22C-644F1551F876}" type="slidenum">
+              <a:rPr lang="en-GB" smtClean="0"/>
+              <a:t>‹#›</a:t>
+            </a:fld>
+            <a:endParaRPr lang="en-GB"/>
+          </a:p>
+        </p:txBody>
+      </p:sp>
+    </p:spTree>
+    <p:extLst>
+      <p:ext uri="{BB962C8B-B14F-4D97-AF65-F5344CB8AC3E}">
+        <p14:creationId xmlns:p14="http://schemas.microsoft.com/office/powerpoint/2010/main" val="1290877490"/>
+      </p:ext>
+    </p:extLst>
+  </p:cSld>
+  <p:clrMapOvr>
+    <a:masterClrMapping/>
+  </p:clrMapOvr>
+</p:sldLayout>
+</file>
+
+<file path=ppt/slideLayouts/slideLayout22.xml><?xml version="1.0" encoding="utf-8"?>
+<p:sldLayout xmlns:a="http://schemas.openxmlformats.org/drawingml/2006/main" xmlns:r="http://schemas.openxmlformats.org/officeDocument/2006/relationships" xmlns:p="http://schemas.openxmlformats.org/presentationml/2006/main" type="vertTitleAndTx" preserve="1">
+  <p:cSld name="Vertical Title and Text">
+    <p:spTree>
+      <p:nvGrpSpPr>
+        <p:cNvPr id="1" name=""/>
+        <p:cNvGrpSpPr/>
+        <p:nvPr/>
+      </p:nvGrpSpPr>
+      <p:grpSpPr>
+        <a:xfrm>
+          <a:off x="0" y="0"/>
+          <a:ext cx="0" cy="0"/>
+          <a:chOff x="0" y="0"/>
+          <a:chExt cx="0" cy="0"/>
+        </a:xfrm>
+      </p:grpSpPr>
+      <p:sp>
+        <p:nvSpPr>
+          <p:cNvPr id="2" name="Vertical Title 1"/>
+          <p:cNvSpPr>
+            <a:spLocks noGrp="1"/>
+          </p:cNvSpPr>
+          <p:nvPr>
+            <p:ph type="title" orient="vert"/>
+          </p:nvPr>
+        </p:nvSpPr>
+        <p:spPr>
+          <a:xfrm>
+            <a:off x="6629400" y="274638"/>
+            <a:ext cx="2057400" cy="5851525"/>
+          </a:xfrm>
+        </p:spPr>
+        <p:txBody>
+          <a:bodyPr vert="eaVert"/>
+          <a:lstStyle/>
+          <a:p>
+            <a:r>
+              <a:rPr lang="en-US" smtClean="0"/>
+              <a:t>Click to edit Master title style</a:t>
+            </a:r>
+            <a:endParaRPr lang="en-GB"/>
+          </a:p>
+        </p:txBody>
+      </p:sp>
+      <p:sp>
+        <p:nvSpPr>
+          <p:cNvPr id="3" name="Vertical Text Placeholder 2"/>
+          <p:cNvSpPr>
+            <a:spLocks noGrp="1"/>
+          </p:cNvSpPr>
+          <p:nvPr>
+            <p:ph type="body" orient="vert" idx="1"/>
+          </p:nvPr>
+        </p:nvSpPr>
+        <p:spPr>
+          <a:xfrm>
+            <a:off x="457200" y="274638"/>
+            <a:ext cx="6019800" cy="5851525"/>
+          </a:xfrm>
+        </p:spPr>
+        <p:txBody>
+          <a:bodyPr vert="eaVert"/>
+          <a:lstStyle/>
+          <a:p>
+            <a:pPr lvl="0"/>
+            <a:r>
+              <a:rPr lang="en-US" smtClean="0"/>
+              <a:t>Click to edit Master text styles</a:t>
+            </a:r>
+          </a:p>
+          <a:p>
+            <a:pPr lvl="1"/>
+            <a:r>
+              <a:rPr lang="en-US" smtClean="0"/>
+              <a:t>Second level</a:t>
+            </a:r>
+          </a:p>
+          <a:p>
+            <a:pPr lvl="2"/>
+            <a:r>
+              <a:rPr lang="en-US" smtClean="0"/>
+              <a:t>Third level</a:t>
+            </a:r>
+          </a:p>
+          <a:p>
+            <a:pPr lvl="3"/>
+            <a:r>
+              <a:rPr lang="en-US" smtClean="0"/>
+              <a:t>Fourth level</a:t>
+            </a:r>
+          </a:p>
+          <a:p>
+            <a:pPr lvl="4"/>
+            <a:r>
+              <a:rPr lang="en-US" smtClean="0"/>
+              <a:t>Fifth level</a:t>
+            </a:r>
+            <a:endParaRPr lang="en-GB"/>
+          </a:p>
+        </p:txBody>
+      </p:sp>
+      <p:sp>
+        <p:nvSpPr>
+          <p:cNvPr id="4" name="Date Placeholder 3"/>
+          <p:cNvSpPr>
+            <a:spLocks noGrp="1"/>
+          </p:cNvSpPr>
+          <p:nvPr>
+            <p:ph type="dt" sz="half" idx="10"/>
+          </p:nvPr>
+        </p:nvSpPr>
+        <p:spPr/>
+        <p:txBody>
+          <a:bodyPr/>
+          <a:lstStyle/>
+          <a:p>
+            <a:fld id="{86642A0F-B730-4E28-B731-7E298DDE1A66}" type="datetimeFigureOut">
+              <a:rPr lang="en-GB" smtClean="0"/>
+              <a:t>16/11/2011</a:t>
+            </a:fld>
+            <a:endParaRPr lang="en-GB"/>
+          </a:p>
+        </p:txBody>
+      </p:sp>
+      <p:sp>
+        <p:nvSpPr>
+          <p:cNvPr id="5" name="Footer Placeholder 4"/>
+          <p:cNvSpPr>
+            <a:spLocks noGrp="1"/>
+          </p:cNvSpPr>
+          <p:nvPr>
+            <p:ph type="ftr" sz="quarter" idx="11"/>
+          </p:nvPr>
+        </p:nvSpPr>
+        <p:spPr/>
+        <p:txBody>
+          <a:bodyPr/>
+          <a:lstStyle/>
+          <a:p>
+            <a:endParaRPr lang="en-GB"/>
+          </a:p>
+        </p:txBody>
+      </p:sp>
+      <p:sp>
+        <p:nvSpPr>
+          <p:cNvPr id="6" name="Slide Number Placeholder 5"/>
+          <p:cNvSpPr>
+            <a:spLocks noGrp="1"/>
+          </p:cNvSpPr>
+          <p:nvPr>
+            <p:ph type="sldNum" sz="quarter" idx="12"/>
+          </p:nvPr>
+        </p:nvSpPr>
+        <p:spPr/>
+        <p:txBody>
+          <a:bodyPr/>
+          <a:lstStyle/>
+          <a:p>
+            <a:fld id="{4D2DA8B8-9780-4A8A-B22C-644F1551F876}" type="slidenum">
+              <a:rPr lang="en-GB" smtClean="0"/>
+              <a:t>‹#›</a:t>
+            </a:fld>
+            <a:endParaRPr lang="en-GB"/>
+          </a:p>
+        </p:txBody>
+      </p:sp>
+    </p:spTree>
+    <p:extLst>
+      <p:ext uri="{BB962C8B-B14F-4D97-AF65-F5344CB8AC3E}">
+        <p14:creationId xmlns:p14="http://schemas.microsoft.com/office/powerpoint/2010/main" val="2574616628"/>
       </p:ext>
     </p:extLst>
   </p:cSld>
@@ -2608,6 +5084,92 @@
       </p:grpSpPr>
       <p:sp>
         <p:nvSpPr>
+          <p:cNvPr id="11" name="Snip Diagonal Corner Rectangle 10"/>
+          <p:cNvSpPr/>
+          <p:nvPr userDrawn="1"/>
+        </p:nvSpPr>
+        <p:spPr>
+          <a:xfrm>
+            <a:off x="-324544" y="6237313"/>
+            <a:ext cx="9073008" cy="1296144"/>
+          </a:xfrm>
+          <a:prstGeom prst="snip2DiagRect">
+            <a:avLst>
+              <a:gd name="adj1" fmla="val 0"/>
+              <a:gd name="adj2" fmla="val 26048"/>
+            </a:avLst>
+          </a:prstGeom>
+        </p:spPr>
+        <p:style>
+          <a:lnRef idx="2">
+            <a:schemeClr val="accent4">
+              <a:shade val="50000"/>
+            </a:schemeClr>
+          </a:lnRef>
+          <a:fillRef idx="1">
+            <a:schemeClr val="accent4"/>
+          </a:fillRef>
+          <a:effectRef idx="0">
+            <a:schemeClr val="accent4"/>
+          </a:effectRef>
+          <a:fontRef idx="minor">
+            <a:schemeClr val="lt1"/>
+          </a:fontRef>
+        </p:style>
+        <p:txBody>
+          <a:bodyPr lIns="0" tIns="1224000" rIns="288000" bIns="0" rtlCol="0" anchor="b" anchorCtr="1"/>
+          <a:lstStyle/>
+          <a:p>
+            <a:pPr algn="ctr"/>
+            <a:endParaRPr lang="en-GB" sz="2800" dirty="0"/>
+          </a:p>
+        </p:txBody>
+      </p:sp>
+      <p:sp>
+        <p:nvSpPr>
+          <p:cNvPr id="10" name="Snip Diagonal Corner Rectangle 9"/>
+          <p:cNvSpPr/>
+          <p:nvPr userDrawn="1"/>
+        </p:nvSpPr>
+        <p:spPr>
+          <a:xfrm>
+            <a:off x="467544" y="-901617"/>
+            <a:ext cx="9073008" cy="1987055"/>
+          </a:xfrm>
+          <a:prstGeom prst="snip2DiagRect">
+            <a:avLst>
+              <a:gd name="adj1" fmla="val 0"/>
+              <a:gd name="adj2" fmla="val 16846"/>
+            </a:avLst>
+          </a:prstGeom>
+        </p:spPr>
+        <p:style>
+          <a:lnRef idx="2">
+            <a:schemeClr val="accent4">
+              <a:shade val="50000"/>
+            </a:schemeClr>
+          </a:lnRef>
+          <a:fillRef idx="1">
+            <a:schemeClr val="accent4"/>
+          </a:fillRef>
+          <a:effectRef idx="0">
+            <a:schemeClr val="accent4"/>
+          </a:effectRef>
+          <a:fontRef idx="minor">
+            <a:schemeClr val="lt1"/>
+          </a:fontRef>
+        </p:style>
+        <p:txBody>
+          <a:bodyPr lIns="0" tIns="1224000" rIns="288000" bIns="0" rtlCol="0" anchor="b" anchorCtr="1"/>
+          <a:lstStyle/>
+          <a:p>
+            <a:pPr algn="ctr"/>
+            <a:endParaRPr lang="en-GB" sz="2800" dirty="0"/>
+          </a:p>
+        </p:txBody>
+      </p:sp>
+      <p:sp>
+        <p:nvSpPr>
           <p:cNvPr id="9" name="Snip Diagonal Corner Rectangle 8"/>
           <p:cNvSpPr/>
           <p:nvPr userDrawn="1"/>
@@ -2665,8 +5227,8 @@
         </p:nvSpPr>
         <p:spPr>
           <a:xfrm>
-            <a:off x="457200" y="274638"/>
-            <a:ext cx="8229600" cy="1143000"/>
+            <a:off x="683568" y="268599"/>
+            <a:ext cx="8064896" cy="1143000"/>
           </a:xfrm>
           <a:prstGeom prst="rect">
             <a:avLst/>
@@ -2679,10 +5241,10 @@
           <a:lstStyle/>
           <a:p>
             <a:r>
-              <a:rPr lang="en-US" smtClean="0"/>
+              <a:rPr lang="en-US" dirty="0" smtClean="0"/>
               <a:t>Click to edit Master title style</a:t>
             </a:r>
-            <a:endParaRPr lang="de-CH"/>
+            <a:endParaRPr lang="de-CH" dirty="0"/>
           </a:p>
         </p:txBody>
       </p:sp>
@@ -2713,38 +5275,38 @@
           <a:p>
             <a:pPr lvl="0"/>
             <a:r>
-              <a:rPr lang="en-US" smtClean="0"/>
+              <a:rPr lang="en-US" dirty="0" smtClean="0"/>
               <a:t>Click to edit Master text styles</a:t>
             </a:r>
           </a:p>
           <a:p>
             <a:pPr lvl="1"/>
             <a:r>
-              <a:rPr lang="en-US" smtClean="0"/>
+              <a:rPr lang="en-US" dirty="0" smtClean="0"/>
               <a:t>Second level</a:t>
             </a:r>
           </a:p>
           <a:p>
             <a:pPr lvl="2"/>
             <a:r>
-              <a:rPr lang="en-US" smtClean="0"/>
+              <a:rPr lang="en-US" dirty="0" smtClean="0"/>
               <a:t>Third level</a:t>
             </a:r>
           </a:p>
           <a:p>
             <a:pPr lvl="3"/>
             <a:r>
-              <a:rPr lang="en-US" smtClean="0"/>
+              <a:rPr lang="en-US" dirty="0" smtClean="0"/>
               <a:t>Fourth level</a:t>
             </a:r>
           </a:p>
           <a:p>
             <a:pPr lvl="4"/>
             <a:r>
-              <a:rPr lang="en-US" smtClean="0"/>
+              <a:rPr lang="en-US" dirty="0" smtClean="0"/>
               <a:t>Fifth level</a:t>
             </a:r>
-            <a:endParaRPr lang="de-CH"/>
+            <a:endParaRPr lang="de-CH" dirty="0"/>
           </a:p>
         </p:txBody>
       </p:sp>
@@ -2760,7 +5322,7 @@
         </p:nvSpPr>
         <p:spPr>
           <a:xfrm>
-            <a:off x="457200" y="6356350"/>
+            <a:off x="179512" y="6381328"/>
             <a:ext cx="2133600" cy="365125"/>
           </a:xfrm>
           <a:prstGeom prst="rect">
@@ -2838,7 +5400,7 @@
         </p:nvSpPr>
         <p:spPr>
           <a:xfrm>
-            <a:off x="6553200" y="6356350"/>
+            <a:off x="6228184" y="6339786"/>
             <a:ext cx="2133600" cy="365125"/>
           </a:xfrm>
           <a:prstGeom prst="rect">
@@ -2884,13 +5446,7 @@
               <a:gd name="adj2" fmla="val 23649"/>
             </a:avLst>
           </a:prstGeom>
-          <a:effectLst>
-            <a:outerShdw blurRad="50800" dist="38100" dir="10800000" algn="r" rotWithShape="0">
-              <a:prstClr val="black">
-                <a:alpha val="40000"/>
-              </a:prstClr>
-            </a:outerShdw>
-          </a:effectLst>
+          <a:effectLst/>
         </p:spPr>
         <p:style>
           <a:lnRef idx="2">
@@ -2951,14 +5507,14 @@
   </p:timing>
   <p:txStyles>
     <p:titleStyle>
-      <a:lvl1pPr algn="ctr" defTabSz="914400" rtl="0" eaLnBrk="1" latinLnBrk="0" hangingPunct="1">
+      <a:lvl1pPr algn="l" defTabSz="914400" rtl="0" eaLnBrk="1" latinLnBrk="0" hangingPunct="1">
         <a:spcBef>
           <a:spcPct val="0"/>
         </a:spcBef>
         <a:buNone/>
-        <a:defRPr sz="4400" kern="1200">
+        <a:defRPr sz="3200" kern="1200">
           <a:solidFill>
-            <a:schemeClr val="tx1"/>
+            <a:schemeClr val="bg1"/>
           </a:solidFill>
           <a:latin typeface="+mj-lt"/>
           <a:ea typeface="+mj-ea"/>
@@ -3202,8 +5758,817 @@
 </p:sldMaster>
 </file>
 
+<file path=ppt/slideMasters/slideMaster2.xml><?xml version="1.0" encoding="utf-8"?>
+<p:sldMaster xmlns:a="http://schemas.openxmlformats.org/drawingml/2006/main" xmlns:r="http://schemas.openxmlformats.org/officeDocument/2006/relationships" xmlns:p="http://schemas.openxmlformats.org/presentationml/2006/main" preserve="1">
+  <p:cSld>
+    <p:bg>
+      <p:bgPr>
+        <a:gradFill flip="none" rotWithShape="1">
+          <a:gsLst>
+            <a:gs pos="81000">
+              <a:schemeClr val="bg1">
+                <a:lumMod val="85000"/>
+              </a:schemeClr>
+            </a:gs>
+            <a:gs pos="0">
+              <a:schemeClr val="bg1"/>
+            </a:gs>
+            <a:gs pos="100000">
+              <a:schemeClr val="bg1">
+                <a:lumMod val="65000"/>
+              </a:schemeClr>
+            </a:gs>
+          </a:gsLst>
+          <a:lin ang="2700000" scaled="1"/>
+          <a:tileRect/>
+        </a:gradFill>
+        <a:effectLst/>
+      </p:bgPr>
+    </p:bg>
+    <p:spTree>
+      <p:nvGrpSpPr>
+        <p:cNvPr id="1" name=""/>
+        <p:cNvGrpSpPr/>
+        <p:nvPr/>
+      </p:nvGrpSpPr>
+      <p:grpSpPr>
+        <a:xfrm>
+          <a:off x="0" y="0"/>
+          <a:ext cx="0" cy="0"/>
+          <a:chOff x="0" y="0"/>
+          <a:chExt cx="0" cy="0"/>
+        </a:xfrm>
+      </p:grpSpPr>
+      <p:sp>
+        <p:nvSpPr>
+          <p:cNvPr id="2" name="Title Placeholder 1"/>
+          <p:cNvSpPr>
+            <a:spLocks noGrp="1"/>
+          </p:cNvSpPr>
+          <p:nvPr>
+            <p:ph type="title"/>
+          </p:nvPr>
+        </p:nvSpPr>
+        <p:spPr>
+          <a:xfrm>
+            <a:off x="457200" y="274638"/>
+            <a:ext cx="8229600" cy="1143000"/>
+          </a:xfrm>
+          <a:prstGeom prst="rect">
+            <a:avLst/>
+          </a:prstGeom>
+        </p:spPr>
+        <p:txBody>
+          <a:bodyPr vert="horz" lIns="91440" tIns="45720" rIns="91440" bIns="45720" rtlCol="0" anchor="ctr">
+            <a:normAutofit/>
+          </a:bodyPr>
+          <a:lstStyle/>
+          <a:p>
+            <a:r>
+              <a:rPr lang="en-US" smtClean="0"/>
+              <a:t>Click to edit Master title style</a:t>
+            </a:r>
+            <a:endParaRPr lang="en-GB"/>
+          </a:p>
+        </p:txBody>
+      </p:sp>
+      <p:sp>
+        <p:nvSpPr>
+          <p:cNvPr id="3" name="Text Placeholder 2"/>
+          <p:cNvSpPr>
+            <a:spLocks noGrp="1"/>
+          </p:cNvSpPr>
+          <p:nvPr>
+            <p:ph type="body" idx="1"/>
+          </p:nvPr>
+        </p:nvSpPr>
+        <p:spPr>
+          <a:xfrm>
+            <a:off x="457200" y="1600200"/>
+            <a:ext cx="8229600" cy="4525963"/>
+          </a:xfrm>
+          <a:prstGeom prst="rect">
+            <a:avLst/>
+          </a:prstGeom>
+        </p:spPr>
+        <p:txBody>
+          <a:bodyPr vert="horz" lIns="91440" tIns="45720" rIns="91440" bIns="45720" rtlCol="0">
+            <a:normAutofit/>
+          </a:bodyPr>
+          <a:lstStyle/>
+          <a:p>
+            <a:pPr lvl="0"/>
+            <a:r>
+              <a:rPr lang="en-US" smtClean="0"/>
+              <a:t>Click to edit Master text styles</a:t>
+            </a:r>
+          </a:p>
+          <a:p>
+            <a:pPr lvl="1"/>
+            <a:r>
+              <a:rPr lang="en-US" smtClean="0"/>
+              <a:t>Second level</a:t>
+            </a:r>
+          </a:p>
+          <a:p>
+            <a:pPr lvl="2"/>
+            <a:r>
+              <a:rPr lang="en-US" smtClean="0"/>
+              <a:t>Third level</a:t>
+            </a:r>
+          </a:p>
+          <a:p>
+            <a:pPr lvl="3"/>
+            <a:r>
+              <a:rPr lang="en-US" smtClean="0"/>
+              <a:t>Fourth level</a:t>
+            </a:r>
+          </a:p>
+          <a:p>
+            <a:pPr lvl="4"/>
+            <a:r>
+              <a:rPr lang="en-US" smtClean="0"/>
+              <a:t>Fifth level</a:t>
+            </a:r>
+            <a:endParaRPr lang="en-GB"/>
+          </a:p>
+        </p:txBody>
+      </p:sp>
+      <p:sp>
+        <p:nvSpPr>
+          <p:cNvPr id="4" name="Date Placeholder 3"/>
+          <p:cNvSpPr>
+            <a:spLocks noGrp="1"/>
+          </p:cNvSpPr>
+          <p:nvPr>
+            <p:ph type="dt" sz="half" idx="2"/>
+          </p:nvPr>
+        </p:nvSpPr>
+        <p:spPr>
+          <a:xfrm>
+            <a:off x="457200" y="6356350"/>
+            <a:ext cx="2133600" cy="365125"/>
+          </a:xfrm>
+          <a:prstGeom prst="rect">
+            <a:avLst/>
+          </a:prstGeom>
+        </p:spPr>
+        <p:txBody>
+          <a:bodyPr vert="horz" lIns="91440" tIns="45720" rIns="91440" bIns="45720" rtlCol="0" anchor="ctr"/>
+          <a:lstStyle>
+            <a:lvl1pPr algn="l">
+              <a:defRPr sz="1200">
+                <a:solidFill>
+                  <a:schemeClr val="tx1">
+                    <a:tint val="75000"/>
+                  </a:schemeClr>
+                </a:solidFill>
+              </a:defRPr>
+            </a:lvl1pPr>
+          </a:lstStyle>
+          <a:p>
+            <a:fld id="{86642A0F-B730-4E28-B731-7E298DDE1A66}" type="datetimeFigureOut">
+              <a:rPr lang="en-GB" smtClean="0"/>
+              <a:t>16/11/2011</a:t>
+            </a:fld>
+            <a:endParaRPr lang="en-GB"/>
+          </a:p>
+        </p:txBody>
+      </p:sp>
+      <p:sp>
+        <p:nvSpPr>
+          <p:cNvPr id="5" name="Footer Placeholder 4"/>
+          <p:cNvSpPr>
+            <a:spLocks noGrp="1"/>
+          </p:cNvSpPr>
+          <p:nvPr>
+            <p:ph type="ftr" sz="quarter" idx="3"/>
+          </p:nvPr>
+        </p:nvSpPr>
+        <p:spPr>
+          <a:xfrm>
+            <a:off x="3124200" y="6356350"/>
+            <a:ext cx="2895600" cy="365125"/>
+          </a:xfrm>
+          <a:prstGeom prst="rect">
+            <a:avLst/>
+          </a:prstGeom>
+        </p:spPr>
+        <p:txBody>
+          <a:bodyPr vert="horz" lIns="91440" tIns="45720" rIns="91440" bIns="45720" rtlCol="0" anchor="ctr"/>
+          <a:lstStyle>
+            <a:lvl1pPr algn="ctr">
+              <a:defRPr sz="1200">
+                <a:solidFill>
+                  <a:schemeClr val="tx1">
+                    <a:tint val="75000"/>
+                  </a:schemeClr>
+                </a:solidFill>
+              </a:defRPr>
+            </a:lvl1pPr>
+          </a:lstStyle>
+          <a:p>
+            <a:endParaRPr lang="en-GB"/>
+          </a:p>
+        </p:txBody>
+      </p:sp>
+      <p:sp>
+        <p:nvSpPr>
+          <p:cNvPr id="6" name="Slide Number Placeholder 5"/>
+          <p:cNvSpPr>
+            <a:spLocks noGrp="1"/>
+          </p:cNvSpPr>
+          <p:nvPr>
+            <p:ph type="sldNum" sz="quarter" idx="4"/>
+          </p:nvPr>
+        </p:nvSpPr>
+        <p:spPr>
+          <a:xfrm>
+            <a:off x="6553200" y="6356350"/>
+            <a:ext cx="2133600" cy="365125"/>
+          </a:xfrm>
+          <a:prstGeom prst="rect">
+            <a:avLst/>
+          </a:prstGeom>
+        </p:spPr>
+        <p:txBody>
+          <a:bodyPr vert="horz" lIns="91440" tIns="45720" rIns="91440" bIns="45720" rtlCol="0" anchor="ctr"/>
+          <a:lstStyle>
+            <a:lvl1pPr algn="r">
+              <a:defRPr sz="1200">
+                <a:solidFill>
+                  <a:schemeClr val="tx1">
+                    <a:tint val="75000"/>
+                  </a:schemeClr>
+                </a:solidFill>
+              </a:defRPr>
+            </a:lvl1pPr>
+          </a:lstStyle>
+          <a:p>
+            <a:fld id="{4D2DA8B8-9780-4A8A-B22C-644F1551F876}" type="slidenum">
+              <a:rPr lang="en-GB" smtClean="0"/>
+              <a:t>‹#›</a:t>
+            </a:fld>
+            <a:endParaRPr lang="en-GB"/>
+          </a:p>
+        </p:txBody>
+      </p:sp>
+      <p:sp>
+        <p:nvSpPr>
+          <p:cNvPr id="7" name="Snip Diagonal Corner Rectangle 6"/>
+          <p:cNvSpPr/>
+          <p:nvPr userDrawn="1"/>
+        </p:nvSpPr>
+        <p:spPr>
+          <a:xfrm>
+            <a:off x="7524328" y="-790303"/>
+            <a:ext cx="2160240" cy="1266975"/>
+          </a:xfrm>
+          <a:prstGeom prst="snip2DiagRect">
+            <a:avLst>
+              <a:gd name="adj1" fmla="val 0"/>
+              <a:gd name="adj2" fmla="val 23649"/>
+            </a:avLst>
+          </a:prstGeom>
+          <a:effectLst/>
+        </p:spPr>
+        <p:style>
+          <a:lnRef idx="2">
+            <a:schemeClr val="accent6">
+              <a:shade val="50000"/>
+            </a:schemeClr>
+          </a:lnRef>
+          <a:fillRef idx="1">
+            <a:schemeClr val="accent6"/>
+          </a:fillRef>
+          <a:effectRef idx="0">
+            <a:schemeClr val="accent6"/>
+          </a:effectRef>
+          <a:fontRef idx="minor">
+            <a:schemeClr val="lt1"/>
+          </a:fontRef>
+        </p:style>
+        <p:txBody>
+          <a:bodyPr lIns="0" tIns="1224000" rIns="288000" bIns="0" rtlCol="0" anchor="b" anchorCtr="1"/>
+          <a:lstStyle/>
+          <a:p>
+            <a:pPr algn="ctr"/>
+            <a:r>
+              <a:rPr lang="de-CH" sz="2800" dirty="0" smtClean="0"/>
+              <a:t>Semper  </a:t>
+            </a:r>
+            <a:endParaRPr lang="en-GB" sz="2800" dirty="0"/>
+          </a:p>
+        </p:txBody>
+      </p:sp>
+    </p:spTree>
+    <p:extLst>
+      <p:ext uri="{BB962C8B-B14F-4D97-AF65-F5344CB8AC3E}">
+        <p14:creationId xmlns:p14="http://schemas.microsoft.com/office/powerpoint/2010/main" val="44009563"/>
+      </p:ext>
+    </p:extLst>
+  </p:cSld>
+  <p:clrMap bg1="lt1" tx1="dk1" bg2="lt2" tx2="dk2" accent1="accent1" accent2="accent2" accent3="accent3" accent4="accent4" accent5="accent5" accent6="accent6" hlink="hlink" folHlink="folHlink"/>
+  <p:sldLayoutIdLst>
+    <p:sldLayoutId id="2147483661" r:id="rId1"/>
+    <p:sldLayoutId id="2147483662" r:id="rId2"/>
+    <p:sldLayoutId id="2147483663" r:id="rId3"/>
+    <p:sldLayoutId id="2147483664" r:id="rId4"/>
+    <p:sldLayoutId id="2147483665" r:id="rId5"/>
+    <p:sldLayoutId id="2147483666" r:id="rId6"/>
+    <p:sldLayoutId id="2147483667" r:id="rId7"/>
+    <p:sldLayoutId id="2147483668" r:id="rId8"/>
+    <p:sldLayoutId id="2147483669" r:id="rId9"/>
+    <p:sldLayoutId id="2147483670" r:id="rId10"/>
+    <p:sldLayoutId id="2147483671" r:id="rId11"/>
+  </p:sldLayoutIdLst>
+  <p:timing>
+    <p:tnLst>
+      <p:par>
+        <p:cTn id="1" dur="indefinite" restart="never" nodeType="tmRoot"/>
+      </p:par>
+    </p:tnLst>
+  </p:timing>
+  <p:txStyles>
+    <p:titleStyle>
+      <a:lvl1pPr algn="ctr" defTabSz="914400" rtl="0" eaLnBrk="1" latinLnBrk="0" hangingPunct="1">
+        <a:spcBef>
+          <a:spcPct val="0"/>
+        </a:spcBef>
+        <a:buNone/>
+        <a:defRPr sz="4400" kern="1200">
+          <a:solidFill>
+            <a:schemeClr val="tx1"/>
+          </a:solidFill>
+          <a:latin typeface="+mj-lt"/>
+          <a:ea typeface="+mj-ea"/>
+          <a:cs typeface="+mj-cs"/>
+        </a:defRPr>
+      </a:lvl1pPr>
+    </p:titleStyle>
+    <p:bodyStyle>
+      <a:lvl1pPr marL="342900" indent="-342900" algn="l" defTabSz="914400" rtl="0" eaLnBrk="1" latinLnBrk="0" hangingPunct="1">
+        <a:spcBef>
+          <a:spcPct val="20000"/>
+        </a:spcBef>
+        <a:buFont typeface="Arial" pitchFamily="34" charset="0"/>
+        <a:buChar char="•"/>
+        <a:defRPr sz="3200" kern="1200">
+          <a:solidFill>
+            <a:schemeClr val="tx1"/>
+          </a:solidFill>
+          <a:latin typeface="+mn-lt"/>
+          <a:ea typeface="+mn-ea"/>
+          <a:cs typeface="+mn-cs"/>
+        </a:defRPr>
+      </a:lvl1pPr>
+      <a:lvl2pPr marL="742950" indent="-285750" algn="l" defTabSz="914400" rtl="0" eaLnBrk="1" latinLnBrk="0" hangingPunct="1">
+        <a:spcBef>
+          <a:spcPct val="20000"/>
+        </a:spcBef>
+        <a:buFont typeface="Arial" pitchFamily="34" charset="0"/>
+        <a:buChar char="–"/>
+        <a:defRPr sz="2800" kern="1200">
+          <a:solidFill>
+            <a:schemeClr val="tx1"/>
+          </a:solidFill>
+          <a:latin typeface="+mn-lt"/>
+          <a:ea typeface="+mn-ea"/>
+          <a:cs typeface="+mn-cs"/>
+        </a:defRPr>
+      </a:lvl2pPr>
+      <a:lvl3pPr marL="1143000" indent="-228600" algn="l" defTabSz="914400" rtl="0" eaLnBrk="1" latinLnBrk="0" hangingPunct="1">
+        <a:spcBef>
+          <a:spcPct val="20000"/>
+        </a:spcBef>
+        <a:buFont typeface="Arial" pitchFamily="34" charset="0"/>
+        <a:buChar char="•"/>
+        <a:defRPr sz="2400" kern="1200">
+          <a:solidFill>
+            <a:schemeClr val="tx1"/>
+          </a:solidFill>
+          <a:latin typeface="+mn-lt"/>
+          <a:ea typeface="+mn-ea"/>
+          <a:cs typeface="+mn-cs"/>
+        </a:defRPr>
+      </a:lvl3pPr>
+      <a:lvl4pPr marL="1600200" indent="-228600" algn="l" defTabSz="914400" rtl="0" eaLnBrk="1" latinLnBrk="0" hangingPunct="1">
+        <a:spcBef>
+          <a:spcPct val="20000"/>
+        </a:spcBef>
+        <a:buFont typeface="Arial" pitchFamily="34" charset="0"/>
+        <a:buChar char="–"/>
+        <a:defRPr sz="2000" kern="1200">
+          <a:solidFill>
+            <a:schemeClr val="tx1"/>
+          </a:solidFill>
+          <a:latin typeface="+mn-lt"/>
+          <a:ea typeface="+mn-ea"/>
+          <a:cs typeface="+mn-cs"/>
+        </a:defRPr>
+      </a:lvl4pPr>
+      <a:lvl5pPr marL="2057400" indent="-228600" algn="l" defTabSz="914400" rtl="0" eaLnBrk="1" latinLnBrk="0" hangingPunct="1">
+        <a:spcBef>
+          <a:spcPct val="20000"/>
+        </a:spcBef>
+        <a:buFont typeface="Arial" pitchFamily="34" charset="0"/>
+        <a:buChar char="»"/>
+        <a:defRPr sz="2000" kern="1200">
+          <a:solidFill>
+            <a:schemeClr val="tx1"/>
+          </a:solidFill>
+          <a:latin typeface="+mn-lt"/>
+          <a:ea typeface="+mn-ea"/>
+          <a:cs typeface="+mn-cs"/>
+        </a:defRPr>
+      </a:lvl5pPr>
+      <a:lvl6pPr marL="2514600" indent="-228600" algn="l" defTabSz="914400" rtl="0" eaLnBrk="1" latinLnBrk="0" hangingPunct="1">
+        <a:spcBef>
+          <a:spcPct val="20000"/>
+        </a:spcBef>
+        <a:buFont typeface="Arial" pitchFamily="34" charset="0"/>
+        <a:buChar char="•"/>
+        <a:defRPr sz="2000" kern="1200">
+          <a:solidFill>
+            <a:schemeClr val="tx1"/>
+          </a:solidFill>
+          <a:latin typeface="+mn-lt"/>
+          <a:ea typeface="+mn-ea"/>
+          <a:cs typeface="+mn-cs"/>
+        </a:defRPr>
+      </a:lvl6pPr>
+      <a:lvl7pPr marL="2971800" indent="-228600" algn="l" defTabSz="914400" rtl="0" eaLnBrk="1" latinLnBrk="0" hangingPunct="1">
+        <a:spcBef>
+          <a:spcPct val="20000"/>
+        </a:spcBef>
+        <a:buFont typeface="Arial" pitchFamily="34" charset="0"/>
+        <a:buChar char="•"/>
+        <a:defRPr sz="2000" kern="1200">
+          <a:solidFill>
+            <a:schemeClr val="tx1"/>
+          </a:solidFill>
+          <a:latin typeface="+mn-lt"/>
+          <a:ea typeface="+mn-ea"/>
+          <a:cs typeface="+mn-cs"/>
+        </a:defRPr>
+      </a:lvl7pPr>
+      <a:lvl8pPr marL="3429000" indent="-228600" algn="l" defTabSz="914400" rtl="0" eaLnBrk="1" latinLnBrk="0" hangingPunct="1">
+        <a:spcBef>
+          <a:spcPct val="20000"/>
+        </a:spcBef>
+        <a:buFont typeface="Arial" pitchFamily="34" charset="0"/>
+        <a:buChar char="•"/>
+        <a:defRPr sz="2000" kern="1200">
+          <a:solidFill>
+            <a:schemeClr val="tx1"/>
+          </a:solidFill>
+          <a:latin typeface="+mn-lt"/>
+          <a:ea typeface="+mn-ea"/>
+          <a:cs typeface="+mn-cs"/>
+        </a:defRPr>
+      </a:lvl8pPr>
+      <a:lvl9pPr marL="3886200" indent="-228600" algn="l" defTabSz="914400" rtl="0" eaLnBrk="1" latinLnBrk="0" hangingPunct="1">
+        <a:spcBef>
+          <a:spcPct val="20000"/>
+        </a:spcBef>
+        <a:buFont typeface="Arial" pitchFamily="34" charset="0"/>
+        <a:buChar char="•"/>
+        <a:defRPr sz="2000" kern="1200">
+          <a:solidFill>
+            <a:schemeClr val="tx1"/>
+          </a:solidFill>
+          <a:latin typeface="+mn-lt"/>
+          <a:ea typeface="+mn-ea"/>
+          <a:cs typeface="+mn-cs"/>
+        </a:defRPr>
+      </a:lvl9pPr>
+    </p:bodyStyle>
+    <p:otherStyle>
+      <a:defPPr>
+        <a:defRPr lang="en-US"/>
+      </a:defPPr>
+      <a:lvl1pPr marL="0" algn="l" defTabSz="914400" rtl="0" eaLnBrk="1" latinLnBrk="0" hangingPunct="1">
+        <a:defRPr sz="1800" kern="1200">
+          <a:solidFill>
+            <a:schemeClr val="tx1"/>
+          </a:solidFill>
+          <a:latin typeface="+mn-lt"/>
+          <a:ea typeface="+mn-ea"/>
+          <a:cs typeface="+mn-cs"/>
+        </a:defRPr>
+      </a:lvl1pPr>
+      <a:lvl2pPr marL="457200" algn="l" defTabSz="914400" rtl="0" eaLnBrk="1" latinLnBrk="0" hangingPunct="1">
+        <a:defRPr sz="1800" kern="1200">
+          <a:solidFill>
+            <a:schemeClr val="tx1"/>
+          </a:solidFill>
+          <a:latin typeface="+mn-lt"/>
+          <a:ea typeface="+mn-ea"/>
+          <a:cs typeface="+mn-cs"/>
+        </a:defRPr>
+      </a:lvl2pPr>
+      <a:lvl3pPr marL="914400" algn="l" defTabSz="914400" rtl="0" eaLnBrk="1" latinLnBrk="0" hangingPunct="1">
+        <a:defRPr sz="1800" kern="1200">
+          <a:solidFill>
+            <a:schemeClr val="tx1"/>
+          </a:solidFill>
+          <a:latin typeface="+mn-lt"/>
+          <a:ea typeface="+mn-ea"/>
+          <a:cs typeface="+mn-cs"/>
+        </a:defRPr>
+      </a:lvl3pPr>
+      <a:lvl4pPr marL="1371600" algn="l" defTabSz="914400" rtl="0" eaLnBrk="1" latinLnBrk="0" hangingPunct="1">
+        <a:defRPr sz="1800" kern="1200">
+          <a:solidFill>
+            <a:schemeClr val="tx1"/>
+          </a:solidFill>
+          <a:latin typeface="+mn-lt"/>
+          <a:ea typeface="+mn-ea"/>
+          <a:cs typeface="+mn-cs"/>
+        </a:defRPr>
+      </a:lvl4pPr>
+      <a:lvl5pPr marL="1828800" algn="l" defTabSz="914400" rtl="0" eaLnBrk="1" latinLnBrk="0" hangingPunct="1">
+        <a:defRPr sz="1800" kern="1200">
+          <a:solidFill>
+            <a:schemeClr val="tx1"/>
+          </a:solidFill>
+          <a:latin typeface="+mn-lt"/>
+          <a:ea typeface="+mn-ea"/>
+          <a:cs typeface="+mn-cs"/>
+        </a:defRPr>
+      </a:lvl5pPr>
+      <a:lvl6pPr marL="2286000" algn="l" defTabSz="914400" rtl="0" eaLnBrk="1" latinLnBrk="0" hangingPunct="1">
+        <a:defRPr sz="1800" kern="1200">
+          <a:solidFill>
+            <a:schemeClr val="tx1"/>
+          </a:solidFill>
+          <a:latin typeface="+mn-lt"/>
+          <a:ea typeface="+mn-ea"/>
+          <a:cs typeface="+mn-cs"/>
+        </a:defRPr>
+      </a:lvl6pPr>
+      <a:lvl7pPr marL="2743200" algn="l" defTabSz="914400" rtl="0" eaLnBrk="1" latinLnBrk="0" hangingPunct="1">
+        <a:defRPr sz="1800" kern="1200">
+          <a:solidFill>
+            <a:schemeClr val="tx1"/>
+          </a:solidFill>
+          <a:latin typeface="+mn-lt"/>
+          <a:ea typeface="+mn-ea"/>
+          <a:cs typeface="+mn-cs"/>
+        </a:defRPr>
+      </a:lvl7pPr>
+      <a:lvl8pPr marL="3200400" algn="l" defTabSz="914400" rtl="0" eaLnBrk="1" latinLnBrk="0" hangingPunct="1">
+        <a:defRPr sz="1800" kern="1200">
+          <a:solidFill>
+            <a:schemeClr val="tx1"/>
+          </a:solidFill>
+          <a:latin typeface="+mn-lt"/>
+          <a:ea typeface="+mn-ea"/>
+          <a:cs typeface="+mn-cs"/>
+        </a:defRPr>
+      </a:lvl8pPr>
+      <a:lvl9pPr marL="3657600" algn="l" defTabSz="914400" rtl="0" eaLnBrk="1" latinLnBrk="0" hangingPunct="1">
+        <a:defRPr sz="1800" kern="1200">
+          <a:solidFill>
+            <a:schemeClr val="tx1"/>
+          </a:solidFill>
+          <a:latin typeface="+mn-lt"/>
+          <a:ea typeface="+mn-ea"/>
+          <a:cs typeface="+mn-cs"/>
+        </a:defRPr>
+      </a:lvl9pPr>
+    </p:otherStyle>
+  </p:txStyles>
+</p:sldMaster>
+</file>
+
 <file path=ppt/theme/theme1.xml><?xml version="1.0" encoding="utf-8"?>
 <a:theme xmlns:a="http://schemas.openxmlformats.org/drawingml/2006/main" name="Office Theme">
+  <a:themeElements>
+    <a:clrScheme name="Semper-Chalice2SIL">
+      <a:dk1>
+        <a:sysClr val="windowText" lastClr="000000"/>
+      </a:dk1>
+      <a:lt1>
+        <a:sysClr val="window" lastClr="FFFFFF"/>
+      </a:lt1>
+      <a:dk2>
+        <a:srgbClr val="336299"/>
+      </a:dk2>
+      <a:lt2>
+        <a:srgbClr val="EEECE1"/>
+      </a:lt2>
+      <a:accent1>
+        <a:srgbClr val="4F81BD"/>
+      </a:accent1>
+      <a:accent2>
+        <a:srgbClr val="C0504D"/>
+      </a:accent2>
+      <a:accent3>
+        <a:srgbClr val="9BBB59"/>
+      </a:accent3>
+      <a:accent4>
+        <a:srgbClr val="336299"/>
+      </a:accent4>
+      <a:accent5>
+        <a:srgbClr val="E36C09"/>
+      </a:accent5>
+      <a:accent6>
+        <a:srgbClr val="C81E1E"/>
+      </a:accent6>
+      <a:hlink>
+        <a:srgbClr val="0000FF"/>
+      </a:hlink>
+      <a:folHlink>
+        <a:srgbClr val="800080"/>
+      </a:folHlink>
+    </a:clrScheme>
+    <a:fontScheme name="Kozuka Gothic">
+      <a:majorFont>
+        <a:latin typeface="Kozuka Gothic Pro H"/>
+        <a:ea typeface=""/>
+        <a:cs typeface=""/>
+      </a:majorFont>
+      <a:minorFont>
+        <a:latin typeface="Kozuka Gothic Pro M"/>
+        <a:ea typeface=""/>
+        <a:cs typeface=""/>
+      </a:minorFont>
+    </a:fontScheme>
+    <a:fmtScheme name="Office">
+      <a:fillStyleLst>
+        <a:solidFill>
+          <a:schemeClr val="phClr"/>
+        </a:solidFill>
+        <a:gradFill rotWithShape="1">
+          <a:gsLst>
+            <a:gs pos="0">
+              <a:schemeClr val="phClr">
+                <a:tint val="50000"/>
+                <a:satMod val="300000"/>
+              </a:schemeClr>
+            </a:gs>
+            <a:gs pos="35000">
+              <a:schemeClr val="phClr">
+                <a:tint val="37000"/>
+                <a:satMod val="300000"/>
+              </a:schemeClr>
+            </a:gs>
+            <a:gs pos="100000">
+              <a:schemeClr val="phClr">
+                <a:tint val="15000"/>
+                <a:satMod val="350000"/>
+              </a:schemeClr>
+            </a:gs>
+          </a:gsLst>
+          <a:lin ang="16200000" scaled="1"/>
+        </a:gradFill>
+        <a:gradFill rotWithShape="1">
+          <a:gsLst>
+            <a:gs pos="0">
+              <a:schemeClr val="phClr">
+                <a:shade val="51000"/>
+                <a:satMod val="130000"/>
+              </a:schemeClr>
+            </a:gs>
+            <a:gs pos="80000">
+              <a:schemeClr val="phClr">
+                <a:shade val="93000"/>
+                <a:satMod val="130000"/>
+              </a:schemeClr>
+            </a:gs>
+            <a:gs pos="100000">
+              <a:schemeClr val="phClr">
+                <a:shade val="94000"/>
+                <a:satMod val="135000"/>
+              </a:schemeClr>
+            </a:gs>
+          </a:gsLst>
+          <a:lin ang="16200000" scaled="0"/>
+        </a:gradFill>
+      </a:fillStyleLst>
+      <a:lnStyleLst>
+        <a:ln w="9525" cap="flat" cmpd="sng" algn="ctr">
+          <a:solidFill>
+            <a:schemeClr val="phClr">
+              <a:shade val="95000"/>
+              <a:satMod val="105000"/>
+            </a:schemeClr>
+          </a:solidFill>
+          <a:prstDash val="solid"/>
+        </a:ln>
+        <a:ln w="25400" cap="flat" cmpd="sng" algn="ctr">
+          <a:solidFill>
+            <a:schemeClr val="phClr"/>
+          </a:solidFill>
+          <a:prstDash val="solid"/>
+        </a:ln>
+        <a:ln w="38100" cap="flat" cmpd="sng" algn="ctr">
+          <a:solidFill>
+            <a:schemeClr val="phClr"/>
+          </a:solidFill>
+          <a:prstDash val="solid"/>
+        </a:ln>
+      </a:lnStyleLst>
+      <a:effectStyleLst>
+        <a:effectStyle>
+          <a:effectLst>
+            <a:outerShdw blurRad="40000" dist="20000" dir="5400000" rotWithShape="0">
+              <a:srgbClr val="000000">
+                <a:alpha val="38000"/>
+              </a:srgbClr>
+            </a:outerShdw>
+          </a:effectLst>
+        </a:effectStyle>
+        <a:effectStyle>
+          <a:effectLst>
+            <a:outerShdw blurRad="40000" dist="23000" dir="5400000" rotWithShape="0">
+              <a:srgbClr val="000000">
+                <a:alpha val="35000"/>
+              </a:srgbClr>
+            </a:outerShdw>
+          </a:effectLst>
+        </a:effectStyle>
+        <a:effectStyle>
+          <a:effectLst>
+            <a:outerShdw blurRad="40000" dist="23000" dir="5400000" rotWithShape="0">
+              <a:srgbClr val="000000">
+                <a:alpha val="35000"/>
+              </a:srgbClr>
+            </a:outerShdw>
+          </a:effectLst>
+          <a:scene3d>
+            <a:camera prst="orthographicFront">
+              <a:rot lat="0" lon="0" rev="0"/>
+            </a:camera>
+            <a:lightRig rig="threePt" dir="t">
+              <a:rot lat="0" lon="0" rev="1200000"/>
+            </a:lightRig>
+          </a:scene3d>
+          <a:sp3d>
+            <a:bevelT w="63500" h="25400"/>
+          </a:sp3d>
+        </a:effectStyle>
+      </a:effectStyleLst>
+      <a:bgFillStyleLst>
+        <a:solidFill>
+          <a:schemeClr val="phClr"/>
+        </a:solidFill>
+        <a:gradFill rotWithShape="1">
+          <a:gsLst>
+            <a:gs pos="0">
+              <a:schemeClr val="phClr">
+                <a:tint val="40000"/>
+                <a:satMod val="350000"/>
+              </a:schemeClr>
+            </a:gs>
+            <a:gs pos="40000">
+              <a:schemeClr val="phClr">
+                <a:tint val="45000"/>
+                <a:shade val="99000"/>
+                <a:satMod val="350000"/>
+              </a:schemeClr>
+            </a:gs>
+            <a:gs pos="100000">
+              <a:schemeClr val="phClr">
+                <a:shade val="20000"/>
+                <a:satMod val="255000"/>
+              </a:schemeClr>
+            </a:gs>
+          </a:gsLst>
+          <a:path path="circle">
+            <a:fillToRect l="50000" t="-80000" r="50000" b="180000"/>
+          </a:path>
+        </a:gradFill>
+        <a:gradFill rotWithShape="1">
+          <a:gsLst>
+            <a:gs pos="0">
+              <a:schemeClr val="phClr">
+                <a:tint val="80000"/>
+                <a:satMod val="300000"/>
+              </a:schemeClr>
+            </a:gs>
+            <a:gs pos="100000">
+              <a:schemeClr val="phClr">
+                <a:shade val="30000"/>
+                <a:satMod val="200000"/>
+              </a:schemeClr>
+            </a:gs>
+          </a:gsLst>
+          <a:path path="circle">
+            <a:fillToRect l="50000" t="50000" r="50000" b="50000"/>
+          </a:path>
+        </a:gradFill>
+      </a:bgFillStyleLst>
+    </a:fmtScheme>
+  </a:themeElements>
+  <a:objectDefaults/>
+  <a:extraClrSchemeLst/>
+</a:theme>
+</file>
+
+<file path=ppt/theme/theme2.xml><?xml version="1.0" encoding="utf-8"?>
+<a:theme xmlns:a="http://schemas.openxmlformats.org/drawingml/2006/main" name="Custom Design">
   <a:themeElements>
     <a:clrScheme name="Office">
       <a:dk1>

--- a/chalice2sil/doc/initial-project-presentation.pptx
+++ b/chalice2sil/doc/initial-project-presentation.pptx
@@ -5,6 +5,10 @@
     <p:sldMasterId id="2147483648" r:id="rId1"/>
     <p:sldMasterId id="2147483660" r:id="rId2"/>
   </p:sldMasterIdLst>
+  <p:sldIdLst>
+    <p:sldId id="256" r:id="rId3"/>
+    <p:sldId id="257" r:id="rId4"/>
+  </p:sldIdLst>
   <p:sldSz cx="9144000" cy="6858000" type="screen4x3"/>
   <p:notesSz cx="6858000" cy="9144000"/>
   <p:defaultTextStyle>
@@ -943,6 +947,13 @@
   <p:clrMapOvr>
     <a:masterClrMapping/>
   </p:clrMapOvr>
+  <p:timing>
+    <p:tnLst>
+      <p:par>
+        <p:cTn id="1" dur="indefinite" restart="never" nodeType="tmRoot"/>
+      </p:par>
+    </p:tnLst>
+  </p:timing>
 </p:sldLayout>
 </file>
 
@@ -5042,7 +5053,7 @@
 </file>
 
 <file path=ppt/slideMasters/slideMaster1.xml><?xml version="1.0" encoding="utf-8"?>
-<p:sldMaster xmlns:a="http://schemas.openxmlformats.org/drawingml/2006/main" xmlns:r="http://schemas.openxmlformats.org/officeDocument/2006/relationships" xmlns:p="http://schemas.openxmlformats.org/presentationml/2006/main">
+<p:sldMaster xmlns:a="http://schemas.openxmlformats.org/drawingml/2006/main" xmlns:r="http://schemas.openxmlformats.org/officeDocument/2006/relationships" xmlns:p="http://schemas.openxmlformats.org/presentationml/2006/main" preserve="1">
   <p:cSld>
     <p:bg>
       <p:bgPr>
@@ -5241,10 +5252,10 @@
           <a:lstStyle/>
           <a:p>
             <a:r>
-              <a:rPr lang="en-US" dirty="0" smtClean="0"/>
+              <a:rPr lang="en-GB" noProof="0" smtClean="0"/>
               <a:t>Click to edit Master title style</a:t>
             </a:r>
-            <a:endParaRPr lang="de-CH" dirty="0"/>
+            <a:endParaRPr lang="en-GB" noProof="0"/>
           </a:p>
         </p:txBody>
       </p:sp>
@@ -5275,38 +5286,38 @@
           <a:p>
             <a:pPr lvl="0"/>
             <a:r>
-              <a:rPr lang="en-US" dirty="0" smtClean="0"/>
+              <a:rPr lang="en-GB" noProof="0" smtClean="0"/>
               <a:t>Click to edit Master text styles</a:t>
             </a:r>
           </a:p>
           <a:p>
             <a:pPr lvl="1"/>
             <a:r>
-              <a:rPr lang="en-US" dirty="0" smtClean="0"/>
+              <a:rPr lang="en-GB" noProof="0" smtClean="0"/>
               <a:t>Second level</a:t>
             </a:r>
           </a:p>
           <a:p>
             <a:pPr lvl="2"/>
             <a:r>
-              <a:rPr lang="en-US" dirty="0" smtClean="0"/>
+              <a:rPr lang="en-GB" noProof="0" smtClean="0"/>
               <a:t>Third level</a:t>
             </a:r>
           </a:p>
           <a:p>
             <a:pPr lvl="3"/>
             <a:r>
-              <a:rPr lang="en-US" dirty="0" smtClean="0"/>
+              <a:rPr lang="en-GB" noProof="0" smtClean="0"/>
               <a:t>Fourth level</a:t>
             </a:r>
           </a:p>
           <a:p>
             <a:pPr lvl="4"/>
             <a:r>
-              <a:rPr lang="en-US" dirty="0" smtClean="0"/>
+              <a:rPr lang="en-GB" noProof="0" smtClean="0"/>
               <a:t>Fifth level</a:t>
             </a:r>
-            <a:endParaRPr lang="de-CH" dirty="0"/>
+            <a:endParaRPr lang="en-GB" noProof="0"/>
           </a:p>
         </p:txBody>
       </p:sp>
@@ -5801,6 +5812,122 @@
       </p:grpSpPr>
       <p:sp>
         <p:nvSpPr>
+          <p:cNvPr id="9" name="Snip Diagonal Corner Rectangle 8"/>
+          <p:cNvSpPr/>
+          <p:nvPr userDrawn="1"/>
+        </p:nvSpPr>
+        <p:spPr>
+          <a:xfrm>
+            <a:off x="7236296" y="-790303"/>
+            <a:ext cx="2160240" cy="1266975"/>
+          </a:xfrm>
+          <a:prstGeom prst="snip2DiagRect">
+            <a:avLst>
+              <a:gd name="adj1" fmla="val 0"/>
+              <a:gd name="adj2" fmla="val 23649"/>
+            </a:avLst>
+          </a:prstGeom>
+          <a:solidFill>
+            <a:srgbClr val="0070C0"/>
+          </a:solidFill>
+          <a:ln>
+            <a:solidFill>
+              <a:schemeClr val="accent4">
+                <a:lumMod val="75000"/>
+              </a:schemeClr>
+            </a:solidFill>
+          </a:ln>
+          <a:effectLst/>
+        </p:spPr>
+        <p:style>
+          <a:lnRef idx="2">
+            <a:schemeClr val="accent6">
+              <a:shade val="50000"/>
+            </a:schemeClr>
+          </a:lnRef>
+          <a:fillRef idx="1">
+            <a:schemeClr val="accent6"/>
+          </a:fillRef>
+          <a:effectRef idx="0">
+            <a:schemeClr val="accent6"/>
+          </a:effectRef>
+          <a:fontRef idx="minor">
+            <a:schemeClr val="lt1"/>
+          </a:fontRef>
+        </p:style>
+        <p:txBody>
+          <a:bodyPr lIns="0" tIns="1224000" rIns="288000" bIns="0" rtlCol="0" anchor="b" anchorCtr="1"/>
+          <a:lstStyle/>
+          <a:p>
+            <a:pPr algn="ctr"/>
+            <a:r>
+              <a:rPr lang="de-CH" sz="2800" dirty="0" smtClean="0"/>
+              <a:t>Semper  </a:t>
+            </a:r>
+            <a:endParaRPr lang="en-GB" sz="2800" dirty="0"/>
+          </a:p>
+        </p:txBody>
+      </p:sp>
+      <p:sp>
+        <p:nvSpPr>
+          <p:cNvPr id="8" name="Snip Diagonal Corner Rectangle 7"/>
+          <p:cNvSpPr/>
+          <p:nvPr userDrawn="1"/>
+        </p:nvSpPr>
+        <p:spPr>
+          <a:xfrm>
+            <a:off x="7364410" y="-790303"/>
+            <a:ext cx="2160241" cy="1266975"/>
+          </a:xfrm>
+          <a:prstGeom prst="snip2DiagRect">
+            <a:avLst>
+              <a:gd name="adj1" fmla="val 0"/>
+              <a:gd name="adj2" fmla="val 23649"/>
+            </a:avLst>
+          </a:prstGeom>
+          <a:solidFill>
+            <a:schemeClr val="accent5"/>
+          </a:solidFill>
+          <a:ln>
+            <a:solidFill>
+              <a:schemeClr val="accent5">
+                <a:lumMod val="50000"/>
+              </a:schemeClr>
+            </a:solidFill>
+          </a:ln>
+          <a:effectLst/>
+        </p:spPr>
+        <p:style>
+          <a:lnRef idx="2">
+            <a:schemeClr val="accent6">
+              <a:shade val="50000"/>
+            </a:schemeClr>
+          </a:lnRef>
+          <a:fillRef idx="1">
+            <a:schemeClr val="accent6"/>
+          </a:fillRef>
+          <a:effectRef idx="0">
+            <a:schemeClr val="accent6"/>
+          </a:effectRef>
+          <a:fontRef idx="minor">
+            <a:schemeClr val="lt1"/>
+          </a:fontRef>
+        </p:style>
+        <p:txBody>
+          <a:bodyPr lIns="0" tIns="1224000" rIns="288000" bIns="0" rtlCol="0" anchor="b" anchorCtr="1"/>
+          <a:lstStyle/>
+          <a:p>
+            <a:pPr algn="ctr"/>
+            <a:r>
+              <a:rPr lang="de-CH" sz="2800" dirty="0" smtClean="0"/>
+              <a:t>Semper  </a:t>
+            </a:r>
+            <a:endParaRPr lang="en-GB" sz="2800" dirty="0"/>
+          </a:p>
+        </p:txBody>
+      </p:sp>
+      <p:sp>
+        <p:nvSpPr>
           <p:cNvPr id="2" name="Title Placeholder 1"/>
           <p:cNvSpPr>
             <a:spLocks noGrp="1"/>
@@ -6342,8 +6469,350 @@
 </p:sldMaster>
 </file>
 
+<file path=ppt/slides/slide1.xml><?xml version="1.0" encoding="utf-8"?>
+<p:sld xmlns:a="http://schemas.openxmlformats.org/drawingml/2006/main" xmlns:r="http://schemas.openxmlformats.org/officeDocument/2006/relationships" xmlns:p="http://schemas.openxmlformats.org/presentationml/2006/main">
+  <p:cSld>
+    <p:spTree>
+      <p:nvGrpSpPr>
+        <p:cNvPr id="1" name=""/>
+        <p:cNvGrpSpPr/>
+        <p:nvPr/>
+      </p:nvGrpSpPr>
+      <p:grpSpPr>
+        <a:xfrm>
+          <a:off x="0" y="0"/>
+          <a:ext cx="0" cy="0"/>
+          <a:chOff x="0" y="0"/>
+          <a:chExt cx="0" cy="0"/>
+        </a:xfrm>
+      </p:grpSpPr>
+      <p:sp>
+        <p:nvSpPr>
+          <p:cNvPr id="2" name="Title 1"/>
+          <p:cNvSpPr>
+            <a:spLocks noGrp="1"/>
+          </p:cNvSpPr>
+          <p:nvPr>
+            <p:ph type="ctrTitle"/>
+          </p:nvPr>
+        </p:nvSpPr>
+        <p:spPr/>
+        <p:txBody>
+          <a:bodyPr/>
+          <a:lstStyle/>
+          <a:p>
+            <a:r>
+              <a:rPr lang="en-GB" smtClean="0"/>
+              <a:t>Translating Chalice into SIL</a:t>
+            </a:r>
+            <a:endParaRPr lang="en-GB"/>
+          </a:p>
+        </p:txBody>
+      </p:sp>
+      <p:sp>
+        <p:nvSpPr>
+          <p:cNvPr id="3" name="Subtitle 2"/>
+          <p:cNvSpPr>
+            <a:spLocks noGrp="1"/>
+          </p:cNvSpPr>
+          <p:nvPr>
+            <p:ph type="subTitle" idx="1"/>
+          </p:nvPr>
+        </p:nvSpPr>
+        <p:spPr/>
+        <p:txBody>
+          <a:bodyPr/>
+          <a:lstStyle/>
+          <a:p>
+            <a:r>
+              <a:rPr lang="en-GB" dirty="0" smtClean="0"/>
+              <a:t>Bachelor’s Thesis</a:t>
+            </a:r>
+          </a:p>
+          <a:p>
+            <a:r>
+              <a:rPr lang="de-CH" dirty="0" smtClean="0"/>
+              <a:t>Christian </a:t>
+            </a:r>
+            <a:r>
+              <a:rPr lang="de-CH" dirty="0" err="1" smtClean="0"/>
+              <a:t>Klauser</a:t>
+            </a:r>
+            <a:endParaRPr lang="en-GB" dirty="0"/>
+          </a:p>
+        </p:txBody>
+      </p:sp>
+    </p:spTree>
+    <p:extLst>
+      <p:ext uri="{BB962C8B-B14F-4D97-AF65-F5344CB8AC3E}">
+        <p14:creationId xmlns:p14="http://schemas.microsoft.com/office/powerpoint/2010/main" val="3789410205"/>
+      </p:ext>
+    </p:extLst>
+  </p:cSld>
+  <p:clrMapOvr>
+    <a:masterClrMapping/>
+  </p:clrMapOvr>
+  <p:timing>
+    <p:tnLst>
+      <p:par>
+        <p:cTn id="1" dur="indefinite" restart="never" nodeType="tmRoot"/>
+      </p:par>
+    </p:tnLst>
+  </p:timing>
+</p:sld>
+</file>
+
+<file path=ppt/slides/slide2.xml><?xml version="1.0" encoding="utf-8"?>
+<p:sld xmlns:a="http://schemas.openxmlformats.org/drawingml/2006/main" xmlns:r="http://schemas.openxmlformats.org/officeDocument/2006/relationships" xmlns:p="http://schemas.openxmlformats.org/presentationml/2006/main">
+  <p:cSld>
+    <p:spTree>
+      <p:nvGrpSpPr>
+        <p:cNvPr id="1" name=""/>
+        <p:cNvGrpSpPr/>
+        <p:nvPr/>
+      </p:nvGrpSpPr>
+      <p:grpSpPr>
+        <a:xfrm>
+          <a:off x="0" y="0"/>
+          <a:ext cx="0" cy="0"/>
+          <a:chOff x="0" y="0"/>
+          <a:chExt cx="0" cy="0"/>
+        </a:xfrm>
+      </p:grpSpPr>
+      <p:sp>
+        <p:nvSpPr>
+          <p:cNvPr id="2" name="Title 1"/>
+          <p:cNvSpPr>
+            <a:spLocks noGrp="1"/>
+          </p:cNvSpPr>
+          <p:nvPr>
+            <p:ph type="title"/>
+          </p:nvPr>
+        </p:nvSpPr>
+        <p:spPr/>
+        <p:txBody>
+          <a:bodyPr/>
+          <a:lstStyle/>
+          <a:p>
+            <a:r>
+              <a:rPr lang="de-CH" dirty="0" smtClean="0"/>
+              <a:t>The Semper Project</a:t>
+            </a:r>
+            <a:endParaRPr lang="en-GB" dirty="0"/>
+          </a:p>
+        </p:txBody>
+      </p:sp>
+      <p:sp>
+        <p:nvSpPr>
+          <p:cNvPr id="3" name="Content Placeholder 2"/>
+          <p:cNvSpPr>
+            <a:spLocks noGrp="1"/>
+          </p:cNvSpPr>
+          <p:nvPr>
+            <p:ph idx="1"/>
+          </p:nvPr>
+        </p:nvSpPr>
+        <p:spPr/>
+        <p:txBody>
+          <a:bodyPr/>
+          <a:lstStyle/>
+          <a:p>
+            <a:r>
+              <a:rPr lang="en-GB" dirty="0" smtClean="0"/>
+              <a:t>Long term project </a:t>
+            </a:r>
+          </a:p>
+          <a:p>
+            <a:r>
+              <a:rPr lang="de-CH" dirty="0" err="1" smtClean="0"/>
+              <a:t>Automatic</a:t>
+            </a:r>
+            <a:r>
+              <a:rPr lang="de-CH" dirty="0" smtClean="0"/>
+              <a:t> </a:t>
+            </a:r>
+            <a:r>
+              <a:rPr lang="de-CH" dirty="0" err="1" smtClean="0"/>
+              <a:t>program</a:t>
+            </a:r>
+            <a:r>
+              <a:rPr lang="de-CH" dirty="0" smtClean="0"/>
+              <a:t> </a:t>
+            </a:r>
+            <a:r>
+              <a:rPr lang="de-CH" dirty="0" err="1" smtClean="0"/>
+              <a:t>verifier</a:t>
+            </a:r>
+            <a:r>
+              <a:rPr lang="de-CH" dirty="0" smtClean="0"/>
+              <a:t> </a:t>
+            </a:r>
+            <a:r>
+              <a:rPr lang="de-CH" dirty="0" err="1" smtClean="0"/>
+              <a:t>for</a:t>
+            </a:r>
+            <a:r>
+              <a:rPr lang="de-CH" dirty="0" smtClean="0"/>
+              <a:t> </a:t>
+            </a:r>
+            <a:r>
+              <a:rPr lang="de-CH" b="1" dirty="0" smtClean="0"/>
+              <a:t>Scala</a:t>
+            </a:r>
+          </a:p>
+          <a:p>
+            <a:pPr lvl="1"/>
+            <a:r>
+              <a:rPr lang="de-CH" dirty="0" err="1" smtClean="0"/>
+              <a:t>verify</a:t>
+            </a:r>
+            <a:r>
+              <a:rPr lang="de-CH" dirty="0" smtClean="0"/>
+              <a:t> </a:t>
+            </a:r>
+            <a:r>
+              <a:rPr lang="de-CH" dirty="0" err="1" smtClean="0"/>
+              <a:t>concurrent</a:t>
+            </a:r>
+            <a:r>
+              <a:rPr lang="de-CH" dirty="0" smtClean="0"/>
+              <a:t> </a:t>
+            </a:r>
+            <a:r>
+              <a:rPr lang="de-CH" dirty="0" err="1" smtClean="0"/>
+              <a:t>programs</a:t>
+            </a:r>
+            <a:endParaRPr lang="de-CH" dirty="0" smtClean="0"/>
+          </a:p>
+          <a:p>
+            <a:pPr lvl="1"/>
+            <a:r>
+              <a:rPr lang="de-CH" dirty="0" err="1" smtClean="0"/>
+              <a:t>reduce</a:t>
+            </a:r>
+            <a:r>
+              <a:rPr lang="de-CH" dirty="0" smtClean="0"/>
+              <a:t> </a:t>
+            </a:r>
+            <a:r>
+              <a:rPr lang="de-CH" dirty="0" err="1" smtClean="0"/>
+              <a:t>annotation</a:t>
+            </a:r>
+            <a:r>
+              <a:rPr lang="de-CH" dirty="0" smtClean="0"/>
+              <a:t> </a:t>
+            </a:r>
+            <a:r>
+              <a:rPr lang="de-CH" dirty="0" err="1" smtClean="0"/>
+              <a:t>overhead</a:t>
+            </a:r>
+            <a:endParaRPr lang="de-CH" dirty="0" smtClean="0"/>
+          </a:p>
+          <a:p>
+            <a:pPr lvl="1"/>
+            <a:r>
+              <a:rPr lang="de-CH" dirty="0" smtClean="0"/>
+              <a:t>deal </a:t>
+            </a:r>
+            <a:r>
+              <a:rPr lang="de-CH" dirty="0" err="1" smtClean="0"/>
+              <a:t>with</a:t>
+            </a:r>
+            <a:r>
+              <a:rPr lang="de-CH" dirty="0" smtClean="0"/>
+              <a:t> </a:t>
+            </a:r>
+            <a:r>
+              <a:rPr lang="de-CH" dirty="0" err="1" smtClean="0"/>
+              <a:t>functional</a:t>
+            </a:r>
+            <a:r>
+              <a:rPr lang="de-CH" dirty="0" smtClean="0"/>
+              <a:t> </a:t>
+            </a:r>
+            <a:r>
+              <a:rPr lang="de-CH" dirty="0" err="1" smtClean="0"/>
+              <a:t>features</a:t>
+            </a:r>
+            <a:r>
+              <a:rPr lang="de-CH" dirty="0" smtClean="0"/>
+              <a:t> (e.g., </a:t>
+            </a:r>
+            <a:r>
+              <a:rPr lang="de-CH" dirty="0" err="1" smtClean="0"/>
+              <a:t>closures</a:t>
+            </a:r>
+            <a:r>
+              <a:rPr lang="de-CH" dirty="0" smtClean="0"/>
+              <a:t>)</a:t>
+            </a:r>
+            <a:endParaRPr lang="en-GB" dirty="0"/>
+          </a:p>
+        </p:txBody>
+      </p:sp>
+      <p:pic>
+        <p:nvPicPr>
+          <p:cNvPr id="1028" name="Picture 4" descr="C:\Users\Christian\ETH\HS11\Bachelor\Chalice2SIL\chalice2sil\doc\newsflash_logo.png"/>
+          <p:cNvPicPr>
+            <a:picLocks noChangeAspect="1" noChangeArrowheads="1"/>
+          </p:cNvPicPr>
+          <p:nvPr/>
+        </p:nvPicPr>
+        <p:blipFill>
+          <a:blip r:embed="rId2">
+            <a:extLst>
+              <a:ext uri="{28A0092B-C50C-407E-A947-70E740481C1C}">
+                <a14:useLocalDpi xmlns:a14="http://schemas.microsoft.com/office/drawing/2010/main" val="0"/>
+              </a:ext>
+            </a:extLst>
+          </a:blip>
+          <a:srcRect/>
+          <a:stretch>
+            <a:fillRect/>
+          </a:stretch>
+        </p:blipFill>
+        <p:spPr bwMode="auto">
+          <a:xfrm>
+            <a:off x="5122663" y="4454078"/>
+            <a:ext cx="3240360" cy="965877"/>
+          </a:xfrm>
+          <a:prstGeom prst="rect">
+            <a:avLst/>
+          </a:prstGeom>
+          <a:noFill/>
+          <a:extLst>
+            <a:ext uri="{909E8E84-426E-40DD-AFC4-6F175D3DCCD1}">
+              <a14:hiddenFill xmlns:a14="http://schemas.microsoft.com/office/drawing/2010/main">
+                <a:solidFill>
+                  <a:srgbClr val="FFFFFF"/>
+                </a:solidFill>
+              </a14:hiddenFill>
+            </a:ext>
+          </a:extLst>
+        </p:spPr>
+      </p:pic>
+    </p:spTree>
+    <p:extLst>
+      <p:ext uri="{BB962C8B-B14F-4D97-AF65-F5344CB8AC3E}">
+        <p14:creationId xmlns:p14="http://schemas.microsoft.com/office/powerpoint/2010/main" val="103057691"/>
+      </p:ext>
+    </p:extLst>
+  </p:cSld>
+  <p:clrMapOvr>
+    <a:masterClrMapping/>
+  </p:clrMapOvr>
+  <p:timing>
+    <p:tnLst>
+      <p:par>
+        <p:cTn id="1" dur="indefinite" restart="never" nodeType="tmRoot"/>
+      </p:par>
+    </p:tnLst>
+  </p:timing>
+</p:sld>
+</file>
+
 <file path=ppt/theme/theme1.xml><?xml version="1.0" encoding="utf-8"?>
-<a:theme xmlns:a="http://schemas.openxmlformats.org/drawingml/2006/main" name="Office Theme">
+<a:theme xmlns:a="http://schemas.openxmlformats.org/drawingml/2006/main" name="Chalice2SIL">
   <a:themeElements>
     <a:clrScheme name="Semper-Chalice2SIL">
       <a:dk1>
@@ -6568,9 +7037,9 @@
 </file>
 
 <file path=ppt/theme/theme2.xml><?xml version="1.0" encoding="utf-8"?>
-<a:theme xmlns:a="http://schemas.openxmlformats.org/drawingml/2006/main" name="Custom Design">
+<a:theme xmlns:a="http://schemas.openxmlformats.org/drawingml/2006/main" name="Semper">
   <a:themeElements>
-    <a:clrScheme name="Office">
+    <a:clrScheme name="Semper-Chalice2SIL">
       <a:dk1>
         <a:sysClr val="windowText" lastClr="000000"/>
       </a:dk1>
@@ -6578,7 +7047,7 @@
         <a:sysClr val="window" lastClr="FFFFFF"/>
       </a:lt1>
       <a:dk2>
-        <a:srgbClr val="1F497D"/>
+        <a:srgbClr val="336299"/>
       </a:dk2>
       <a:lt2>
         <a:srgbClr val="EEECE1"/>
@@ -6593,13 +7062,13 @@
         <a:srgbClr val="9BBB59"/>
       </a:accent3>
       <a:accent4>
-        <a:srgbClr val="8064A2"/>
+        <a:srgbClr val="336299"/>
       </a:accent4>
       <a:accent5>
-        <a:srgbClr val="4BACC6"/>
+        <a:srgbClr val="E36C09"/>
       </a:accent5>
       <a:accent6>
-        <a:srgbClr val="F79646"/>
+        <a:srgbClr val="C81E1E"/>
       </a:accent6>
       <a:hlink>
         <a:srgbClr val="0000FF"/>

--- a/chalice2sil/doc/initial-project-presentation.pptx
+++ b/chalice2sil/doc/initial-project-presentation.pptx
@@ -5,9 +5,15 @@
     <p:sldMasterId id="2147483648" r:id="rId1"/>
     <p:sldMasterId id="2147483660" r:id="rId2"/>
   </p:sldMasterIdLst>
+  <p:notesMasterIdLst>
+    <p:notesMasterId r:id="rId8"/>
+  </p:notesMasterIdLst>
   <p:sldIdLst>
     <p:sldId id="256" r:id="rId3"/>
     <p:sldId id="257" r:id="rId4"/>
+    <p:sldId id="258" r:id="rId5"/>
+    <p:sldId id="259" r:id="rId6"/>
+    <p:sldId id="260" r:id="rId7"/>
   </p:sldIdLst>
   <p:sldSz cx="9144000" cy="6858000" type="screen4x3"/>
   <p:notesSz cx="6858000" cy="9144000"/>
@@ -107,6 +113,692 @@
     </a:lvl9pPr>
   </p:defaultTextStyle>
 </p:presentation>
+</file>
+
+<file path=ppt/notesMasters/notesMaster1.xml><?xml version="1.0" encoding="utf-8"?>
+<p:notesMaster xmlns:a="http://schemas.openxmlformats.org/drawingml/2006/main" xmlns:r="http://schemas.openxmlformats.org/officeDocument/2006/relationships" xmlns:p="http://schemas.openxmlformats.org/presentationml/2006/main">
+  <p:cSld>
+    <p:bg>
+      <p:bgRef idx="1001">
+        <a:schemeClr val="bg1"/>
+      </p:bgRef>
+    </p:bg>
+    <p:spTree>
+      <p:nvGrpSpPr>
+        <p:cNvPr id="1" name=""/>
+        <p:cNvGrpSpPr/>
+        <p:nvPr/>
+      </p:nvGrpSpPr>
+      <p:grpSpPr>
+        <a:xfrm>
+          <a:off x="0" y="0"/>
+          <a:ext cx="0" cy="0"/>
+          <a:chOff x="0" y="0"/>
+          <a:chExt cx="0" cy="0"/>
+        </a:xfrm>
+      </p:grpSpPr>
+      <p:sp>
+        <p:nvSpPr>
+          <p:cNvPr id="2" name="Header Placeholder 1"/>
+          <p:cNvSpPr>
+            <a:spLocks noGrp="1"/>
+          </p:cNvSpPr>
+          <p:nvPr>
+            <p:ph type="hdr" sz="quarter"/>
+          </p:nvPr>
+        </p:nvSpPr>
+        <p:spPr>
+          <a:xfrm>
+            <a:off x="0" y="0"/>
+            <a:ext cx="2971800" cy="457200"/>
+          </a:xfrm>
+          <a:prstGeom prst="rect">
+            <a:avLst/>
+          </a:prstGeom>
+        </p:spPr>
+        <p:txBody>
+          <a:bodyPr vert="horz" lIns="91440" tIns="45720" rIns="91440" bIns="45720" rtlCol="0"/>
+          <a:lstStyle>
+            <a:lvl1pPr algn="l">
+              <a:defRPr sz="1200"/>
+            </a:lvl1pPr>
+          </a:lstStyle>
+          <a:p>
+            <a:endParaRPr lang="en-GB"/>
+          </a:p>
+        </p:txBody>
+      </p:sp>
+      <p:sp>
+        <p:nvSpPr>
+          <p:cNvPr id="3" name="Date Placeholder 2"/>
+          <p:cNvSpPr>
+            <a:spLocks noGrp="1"/>
+          </p:cNvSpPr>
+          <p:nvPr>
+            <p:ph type="dt" idx="1"/>
+          </p:nvPr>
+        </p:nvSpPr>
+        <p:spPr>
+          <a:xfrm>
+            <a:off x="3884613" y="0"/>
+            <a:ext cx="2971800" cy="457200"/>
+          </a:xfrm>
+          <a:prstGeom prst="rect">
+            <a:avLst/>
+          </a:prstGeom>
+        </p:spPr>
+        <p:txBody>
+          <a:bodyPr vert="horz" lIns="91440" tIns="45720" rIns="91440" bIns="45720" rtlCol="0"/>
+          <a:lstStyle>
+            <a:lvl1pPr algn="r">
+              <a:defRPr sz="1200"/>
+            </a:lvl1pPr>
+          </a:lstStyle>
+          <a:p>
+            <a:fld id="{6DB6AAD4-3FBA-4F1B-B7C1-5B70ABEEACFC}" type="datetimeFigureOut">
+              <a:rPr lang="en-GB" smtClean="0"/>
+              <a:t>16/11/2011</a:t>
+            </a:fld>
+            <a:endParaRPr lang="en-GB"/>
+          </a:p>
+        </p:txBody>
+      </p:sp>
+      <p:sp>
+        <p:nvSpPr>
+          <p:cNvPr id="4" name="Slide Image Placeholder 3"/>
+          <p:cNvSpPr>
+            <a:spLocks noGrp="1" noRot="1" noChangeAspect="1"/>
+          </p:cNvSpPr>
+          <p:nvPr>
+            <p:ph type="sldImg" idx="2"/>
+          </p:nvPr>
+        </p:nvSpPr>
+        <p:spPr>
+          <a:xfrm>
+            <a:off x="1143000" y="685800"/>
+            <a:ext cx="4572000" cy="3429000"/>
+          </a:xfrm>
+          <a:prstGeom prst="rect">
+            <a:avLst/>
+          </a:prstGeom>
+          <a:noFill/>
+          <a:ln w="12700">
+            <a:solidFill>
+              <a:prstClr val="black"/>
+            </a:solidFill>
+          </a:ln>
+        </p:spPr>
+        <p:txBody>
+          <a:bodyPr vert="horz" lIns="91440" tIns="45720" rIns="91440" bIns="45720" rtlCol="0" anchor="ctr"/>
+          <a:lstStyle/>
+          <a:p>
+            <a:endParaRPr lang="en-GB"/>
+          </a:p>
+        </p:txBody>
+      </p:sp>
+      <p:sp>
+        <p:nvSpPr>
+          <p:cNvPr id="5" name="Notes Placeholder 4"/>
+          <p:cNvSpPr>
+            <a:spLocks noGrp="1"/>
+          </p:cNvSpPr>
+          <p:nvPr>
+            <p:ph type="body" sz="quarter" idx="3"/>
+          </p:nvPr>
+        </p:nvSpPr>
+        <p:spPr>
+          <a:xfrm>
+            <a:off x="685800" y="4343400"/>
+            <a:ext cx="5486400" cy="4114800"/>
+          </a:xfrm>
+          <a:prstGeom prst="rect">
+            <a:avLst/>
+          </a:prstGeom>
+        </p:spPr>
+        <p:txBody>
+          <a:bodyPr vert="horz" lIns="91440" tIns="45720" rIns="91440" bIns="45720" rtlCol="0"/>
+          <a:lstStyle/>
+          <a:p>
+            <a:pPr lvl="0"/>
+            <a:r>
+              <a:rPr lang="en-US" smtClean="0"/>
+              <a:t>Click to edit Master text styles</a:t>
+            </a:r>
+          </a:p>
+          <a:p>
+            <a:pPr lvl="1"/>
+            <a:r>
+              <a:rPr lang="en-US" smtClean="0"/>
+              <a:t>Second level</a:t>
+            </a:r>
+          </a:p>
+          <a:p>
+            <a:pPr lvl="2"/>
+            <a:r>
+              <a:rPr lang="en-US" smtClean="0"/>
+              <a:t>Third level</a:t>
+            </a:r>
+          </a:p>
+          <a:p>
+            <a:pPr lvl="3"/>
+            <a:r>
+              <a:rPr lang="en-US" smtClean="0"/>
+              <a:t>Fourth level</a:t>
+            </a:r>
+          </a:p>
+          <a:p>
+            <a:pPr lvl="4"/>
+            <a:r>
+              <a:rPr lang="en-US" smtClean="0"/>
+              <a:t>Fifth level</a:t>
+            </a:r>
+            <a:endParaRPr lang="en-GB"/>
+          </a:p>
+        </p:txBody>
+      </p:sp>
+      <p:sp>
+        <p:nvSpPr>
+          <p:cNvPr id="6" name="Footer Placeholder 5"/>
+          <p:cNvSpPr>
+            <a:spLocks noGrp="1"/>
+          </p:cNvSpPr>
+          <p:nvPr>
+            <p:ph type="ftr" sz="quarter" idx="4"/>
+          </p:nvPr>
+        </p:nvSpPr>
+        <p:spPr>
+          <a:xfrm>
+            <a:off x="0" y="8685213"/>
+            <a:ext cx="2971800" cy="457200"/>
+          </a:xfrm>
+          <a:prstGeom prst="rect">
+            <a:avLst/>
+          </a:prstGeom>
+        </p:spPr>
+        <p:txBody>
+          <a:bodyPr vert="horz" lIns="91440" tIns="45720" rIns="91440" bIns="45720" rtlCol="0" anchor="b"/>
+          <a:lstStyle>
+            <a:lvl1pPr algn="l">
+              <a:defRPr sz="1200"/>
+            </a:lvl1pPr>
+          </a:lstStyle>
+          <a:p>
+            <a:endParaRPr lang="en-GB"/>
+          </a:p>
+        </p:txBody>
+      </p:sp>
+      <p:sp>
+        <p:nvSpPr>
+          <p:cNvPr id="7" name="Slide Number Placeholder 6"/>
+          <p:cNvSpPr>
+            <a:spLocks noGrp="1"/>
+          </p:cNvSpPr>
+          <p:nvPr>
+            <p:ph type="sldNum" sz="quarter" idx="5"/>
+          </p:nvPr>
+        </p:nvSpPr>
+        <p:spPr>
+          <a:xfrm>
+            <a:off x="3884613" y="8685213"/>
+            <a:ext cx="2971800" cy="457200"/>
+          </a:xfrm>
+          <a:prstGeom prst="rect">
+            <a:avLst/>
+          </a:prstGeom>
+        </p:spPr>
+        <p:txBody>
+          <a:bodyPr vert="horz" lIns="91440" tIns="45720" rIns="91440" bIns="45720" rtlCol="0" anchor="b"/>
+          <a:lstStyle>
+            <a:lvl1pPr algn="r">
+              <a:defRPr sz="1200"/>
+            </a:lvl1pPr>
+          </a:lstStyle>
+          <a:p>
+            <a:fld id="{16B1BCD3-814F-4AEE-A9E6-455F5C1EE547}" type="slidenum">
+              <a:rPr lang="en-GB" smtClean="0"/>
+              <a:t>‹#›</a:t>
+            </a:fld>
+            <a:endParaRPr lang="en-GB"/>
+          </a:p>
+        </p:txBody>
+      </p:sp>
+    </p:spTree>
+    <p:extLst>
+      <p:ext uri="{BB962C8B-B14F-4D97-AF65-F5344CB8AC3E}">
+        <p14:creationId xmlns:p14="http://schemas.microsoft.com/office/powerpoint/2010/main" val="569380232"/>
+      </p:ext>
+    </p:extLst>
+  </p:cSld>
+  <p:clrMap bg1="lt1" tx1="dk1" bg2="lt2" tx2="dk2" accent1="accent1" accent2="accent2" accent3="accent3" accent4="accent4" accent5="accent5" accent6="accent6" hlink="hlink" folHlink="folHlink"/>
+  <p:notesStyle>
+    <a:lvl1pPr marL="0" algn="l" defTabSz="914400" rtl="0" eaLnBrk="1" latinLnBrk="0" hangingPunct="1">
+      <a:defRPr sz="1200" kern="1200">
+        <a:solidFill>
+          <a:schemeClr val="tx1"/>
+        </a:solidFill>
+        <a:latin typeface="+mn-lt"/>
+        <a:ea typeface="+mn-ea"/>
+        <a:cs typeface="+mn-cs"/>
+      </a:defRPr>
+    </a:lvl1pPr>
+    <a:lvl2pPr marL="457200" algn="l" defTabSz="914400" rtl="0" eaLnBrk="1" latinLnBrk="0" hangingPunct="1">
+      <a:defRPr sz="1200" kern="1200">
+        <a:solidFill>
+          <a:schemeClr val="tx1"/>
+        </a:solidFill>
+        <a:latin typeface="+mn-lt"/>
+        <a:ea typeface="+mn-ea"/>
+        <a:cs typeface="+mn-cs"/>
+      </a:defRPr>
+    </a:lvl2pPr>
+    <a:lvl3pPr marL="914400" algn="l" defTabSz="914400" rtl="0" eaLnBrk="1" latinLnBrk="0" hangingPunct="1">
+      <a:defRPr sz="1200" kern="1200">
+        <a:solidFill>
+          <a:schemeClr val="tx1"/>
+        </a:solidFill>
+        <a:latin typeface="+mn-lt"/>
+        <a:ea typeface="+mn-ea"/>
+        <a:cs typeface="+mn-cs"/>
+      </a:defRPr>
+    </a:lvl3pPr>
+    <a:lvl4pPr marL="1371600" algn="l" defTabSz="914400" rtl="0" eaLnBrk="1" latinLnBrk="0" hangingPunct="1">
+      <a:defRPr sz="1200" kern="1200">
+        <a:solidFill>
+          <a:schemeClr val="tx1"/>
+        </a:solidFill>
+        <a:latin typeface="+mn-lt"/>
+        <a:ea typeface="+mn-ea"/>
+        <a:cs typeface="+mn-cs"/>
+      </a:defRPr>
+    </a:lvl4pPr>
+    <a:lvl5pPr marL="1828800" algn="l" defTabSz="914400" rtl="0" eaLnBrk="1" latinLnBrk="0" hangingPunct="1">
+      <a:defRPr sz="1200" kern="1200">
+        <a:solidFill>
+          <a:schemeClr val="tx1"/>
+        </a:solidFill>
+        <a:latin typeface="+mn-lt"/>
+        <a:ea typeface="+mn-ea"/>
+        <a:cs typeface="+mn-cs"/>
+      </a:defRPr>
+    </a:lvl5pPr>
+    <a:lvl6pPr marL="2286000" algn="l" defTabSz="914400" rtl="0" eaLnBrk="1" latinLnBrk="0" hangingPunct="1">
+      <a:defRPr sz="1200" kern="1200">
+        <a:solidFill>
+          <a:schemeClr val="tx1"/>
+        </a:solidFill>
+        <a:latin typeface="+mn-lt"/>
+        <a:ea typeface="+mn-ea"/>
+        <a:cs typeface="+mn-cs"/>
+      </a:defRPr>
+    </a:lvl6pPr>
+    <a:lvl7pPr marL="2743200" algn="l" defTabSz="914400" rtl="0" eaLnBrk="1" latinLnBrk="0" hangingPunct="1">
+      <a:defRPr sz="1200" kern="1200">
+        <a:solidFill>
+          <a:schemeClr val="tx1"/>
+        </a:solidFill>
+        <a:latin typeface="+mn-lt"/>
+        <a:ea typeface="+mn-ea"/>
+        <a:cs typeface="+mn-cs"/>
+      </a:defRPr>
+    </a:lvl7pPr>
+    <a:lvl8pPr marL="3200400" algn="l" defTabSz="914400" rtl="0" eaLnBrk="1" latinLnBrk="0" hangingPunct="1">
+      <a:defRPr sz="1200" kern="1200">
+        <a:solidFill>
+          <a:schemeClr val="tx1"/>
+        </a:solidFill>
+        <a:latin typeface="+mn-lt"/>
+        <a:ea typeface="+mn-ea"/>
+        <a:cs typeface="+mn-cs"/>
+      </a:defRPr>
+    </a:lvl8pPr>
+    <a:lvl9pPr marL="3657600" algn="l" defTabSz="914400" rtl="0" eaLnBrk="1" latinLnBrk="0" hangingPunct="1">
+      <a:defRPr sz="1200" kern="1200">
+        <a:solidFill>
+          <a:schemeClr val="tx1"/>
+        </a:solidFill>
+        <a:latin typeface="+mn-lt"/>
+        <a:ea typeface="+mn-ea"/>
+        <a:cs typeface="+mn-cs"/>
+      </a:defRPr>
+    </a:lvl9pPr>
+  </p:notesStyle>
+</p:notesMaster>
+</file>
+
+<file path=ppt/notesSlides/notesSlide1.xml><?xml version="1.0" encoding="utf-8"?>
+<p:notes xmlns:a="http://schemas.openxmlformats.org/drawingml/2006/main" xmlns:r="http://schemas.openxmlformats.org/officeDocument/2006/relationships" xmlns:p="http://schemas.openxmlformats.org/presentationml/2006/main">
+  <p:cSld>
+    <p:spTree>
+      <p:nvGrpSpPr>
+        <p:cNvPr id="1" name=""/>
+        <p:cNvGrpSpPr/>
+        <p:nvPr/>
+      </p:nvGrpSpPr>
+      <p:grpSpPr>
+        <a:xfrm>
+          <a:off x="0" y="0"/>
+          <a:ext cx="0" cy="0"/>
+          <a:chOff x="0" y="0"/>
+          <a:chExt cx="0" cy="0"/>
+        </a:xfrm>
+      </p:grpSpPr>
+      <p:sp>
+        <p:nvSpPr>
+          <p:cNvPr id="2" name="Slide Image Placeholder 1"/>
+          <p:cNvSpPr>
+            <a:spLocks noGrp="1" noRot="1" noChangeAspect="1"/>
+          </p:cNvSpPr>
+          <p:nvPr>
+            <p:ph type="sldImg"/>
+          </p:nvPr>
+        </p:nvSpPr>
+        <p:spPr/>
+      </p:sp>
+      <p:sp>
+        <p:nvSpPr>
+          <p:cNvPr id="3" name="Notes Placeholder 2"/>
+          <p:cNvSpPr>
+            <a:spLocks noGrp="1"/>
+          </p:cNvSpPr>
+          <p:nvPr>
+            <p:ph type="body" idx="1"/>
+          </p:nvPr>
+        </p:nvSpPr>
+        <p:spPr/>
+        <p:txBody>
+          <a:bodyPr/>
+          <a:lstStyle/>
+          <a:p>
+            <a:r>
+              <a:rPr lang="de-CH" dirty="0" err="1" smtClean="0"/>
+              <a:t>Chalice</a:t>
+            </a:r>
+            <a:r>
+              <a:rPr lang="de-CH" dirty="0" smtClean="0"/>
+              <a:t>: Experimental </a:t>
+            </a:r>
+            <a:r>
+              <a:rPr lang="de-CH" dirty="0" err="1" smtClean="0"/>
+              <a:t>programming</a:t>
+            </a:r>
+            <a:r>
+              <a:rPr lang="de-CH" dirty="0" smtClean="0"/>
+              <a:t> </a:t>
+            </a:r>
+            <a:r>
+              <a:rPr lang="de-CH" dirty="0" err="1" smtClean="0"/>
+              <a:t>language</a:t>
+            </a:r>
+            <a:r>
+              <a:rPr lang="de-CH" dirty="0" smtClean="0"/>
+              <a:t> </a:t>
+            </a:r>
+            <a:r>
+              <a:rPr lang="de-CH" dirty="0" err="1" smtClean="0"/>
+              <a:t>for</a:t>
+            </a:r>
+            <a:r>
+              <a:rPr lang="de-CH" dirty="0" smtClean="0"/>
+              <a:t> </a:t>
+            </a:r>
+            <a:r>
+              <a:rPr lang="de-CH" dirty="0" err="1" smtClean="0"/>
+              <a:t>specifying</a:t>
+            </a:r>
+            <a:r>
+              <a:rPr lang="de-CH" dirty="0" smtClean="0"/>
+              <a:t> </a:t>
+            </a:r>
+            <a:r>
+              <a:rPr lang="de-CH" dirty="0" err="1" smtClean="0"/>
+              <a:t>and</a:t>
+            </a:r>
+            <a:r>
+              <a:rPr lang="de-CH" dirty="0" smtClean="0"/>
+              <a:t> </a:t>
+            </a:r>
+            <a:r>
+              <a:rPr lang="de-CH" dirty="0" err="1" smtClean="0"/>
+              <a:t>verifying</a:t>
+            </a:r>
+            <a:r>
+              <a:rPr lang="de-CH" dirty="0" smtClean="0"/>
+              <a:t> </a:t>
+            </a:r>
+            <a:r>
+              <a:rPr lang="de-CH" dirty="0" err="1" smtClean="0"/>
+              <a:t>concurrent</a:t>
+            </a:r>
+            <a:r>
+              <a:rPr lang="de-CH" dirty="0" smtClean="0"/>
+              <a:t> </a:t>
+            </a:r>
+            <a:r>
+              <a:rPr lang="de-CH" dirty="0" err="1" smtClean="0"/>
+              <a:t>programs</a:t>
+            </a:r>
+            <a:r>
+              <a:rPr lang="de-CH" dirty="0" smtClean="0"/>
+              <a:t>.</a:t>
+            </a:r>
+            <a:r>
+              <a:rPr lang="de-CH" baseline="0" dirty="0" smtClean="0"/>
+              <a:t> </a:t>
+            </a:r>
+            <a:r>
+              <a:rPr lang="de-CH" baseline="0" dirty="0" err="1" smtClean="0"/>
+              <a:t>Centered</a:t>
+            </a:r>
+            <a:r>
+              <a:rPr lang="de-CH" baseline="0" dirty="0" smtClean="0"/>
+              <a:t> on </a:t>
+            </a:r>
+            <a:r>
+              <a:rPr lang="de-CH" baseline="0" dirty="0" err="1" smtClean="0"/>
+              <a:t>the</a:t>
+            </a:r>
+            <a:r>
+              <a:rPr lang="de-CH" baseline="0" dirty="0" smtClean="0"/>
+              <a:t> </a:t>
+            </a:r>
+            <a:r>
+              <a:rPr lang="de-CH" baseline="0" dirty="0" err="1" smtClean="0"/>
+              <a:t>idea</a:t>
+            </a:r>
+            <a:r>
+              <a:rPr lang="de-CH" baseline="0" dirty="0" smtClean="0"/>
+              <a:t> </a:t>
+            </a:r>
+            <a:r>
+              <a:rPr lang="de-CH" baseline="0" dirty="0" err="1" smtClean="0"/>
+              <a:t>of</a:t>
+            </a:r>
+            <a:r>
+              <a:rPr lang="de-CH" baseline="0" dirty="0" smtClean="0"/>
+              <a:t> </a:t>
+            </a:r>
+            <a:r>
+              <a:rPr lang="de-CH" baseline="0" dirty="0" err="1" smtClean="0"/>
+              <a:t>passing</a:t>
+            </a:r>
+            <a:r>
+              <a:rPr lang="de-CH" baseline="0" dirty="0" smtClean="0"/>
+              <a:t> </a:t>
+            </a:r>
+            <a:r>
+              <a:rPr lang="de-CH" baseline="0" dirty="0" err="1" smtClean="0"/>
+              <a:t>permissions</a:t>
+            </a:r>
+            <a:r>
+              <a:rPr lang="de-CH" baseline="0" dirty="0" smtClean="0"/>
+              <a:t> back </a:t>
+            </a:r>
+            <a:r>
+              <a:rPr lang="de-CH" baseline="0" dirty="0" err="1" smtClean="0"/>
+              <a:t>and</a:t>
+            </a:r>
+            <a:r>
+              <a:rPr lang="de-CH" baseline="0" dirty="0" smtClean="0"/>
+              <a:t> </a:t>
+            </a:r>
+            <a:r>
+              <a:rPr lang="de-CH" baseline="0" dirty="0" err="1" smtClean="0"/>
+              <a:t>forth</a:t>
+            </a:r>
+            <a:r>
+              <a:rPr lang="de-CH" baseline="0" dirty="0" smtClean="0"/>
+              <a:t> </a:t>
+            </a:r>
+            <a:r>
+              <a:rPr lang="de-CH" baseline="0" dirty="0" err="1" smtClean="0"/>
+              <a:t>permissions</a:t>
+            </a:r>
+            <a:r>
+              <a:rPr lang="de-CH" baseline="0" dirty="0" smtClean="0"/>
+              <a:t>. </a:t>
+            </a:r>
+          </a:p>
+          <a:p>
+            <a:r>
+              <a:rPr lang="de-CH" baseline="0" dirty="0" smtClean="0"/>
+              <a:t>SIL: intermediate </a:t>
+            </a:r>
+            <a:r>
+              <a:rPr lang="de-CH" baseline="0" dirty="0" err="1" smtClean="0"/>
+              <a:t>language</a:t>
+            </a:r>
+            <a:r>
+              <a:rPr lang="de-CH" baseline="0" dirty="0" smtClean="0"/>
+              <a:t> </a:t>
+            </a:r>
+            <a:r>
+              <a:rPr lang="de-CH" baseline="0" dirty="0" err="1" smtClean="0"/>
+              <a:t>of</a:t>
+            </a:r>
+            <a:r>
+              <a:rPr lang="de-CH" baseline="0" dirty="0" smtClean="0"/>
+              <a:t> </a:t>
+            </a:r>
+            <a:r>
+              <a:rPr lang="de-CH" baseline="0" dirty="0" err="1" smtClean="0"/>
+              <a:t>the</a:t>
+            </a:r>
+            <a:r>
+              <a:rPr lang="de-CH" baseline="0" dirty="0" smtClean="0"/>
+              <a:t> Semper </a:t>
+            </a:r>
+            <a:r>
+              <a:rPr lang="de-CH" baseline="0" dirty="0" err="1" smtClean="0"/>
+              <a:t>project</a:t>
+            </a:r>
+            <a:r>
+              <a:rPr lang="de-CH" baseline="0" dirty="0" smtClean="0"/>
+              <a:t>. </a:t>
+            </a:r>
+            <a:r>
+              <a:rPr lang="de-CH" baseline="0" dirty="0" err="1" smtClean="0"/>
+              <a:t>Knows</a:t>
+            </a:r>
+            <a:r>
+              <a:rPr lang="de-CH" baseline="0" dirty="0" smtClean="0"/>
+              <a:t> </a:t>
+            </a:r>
+            <a:r>
+              <a:rPr lang="de-CH" baseline="0" dirty="0" err="1" smtClean="0"/>
+              <a:t>about</a:t>
+            </a:r>
+            <a:r>
+              <a:rPr lang="de-CH" baseline="0" dirty="0" smtClean="0"/>
+              <a:t> </a:t>
+            </a:r>
+            <a:r>
+              <a:rPr lang="de-CH" baseline="0" dirty="0" err="1" smtClean="0"/>
+              <a:t>permissions</a:t>
+            </a:r>
+            <a:r>
+              <a:rPr lang="de-CH" baseline="0" dirty="0" smtClean="0"/>
+              <a:t>. </a:t>
+            </a:r>
+          </a:p>
+          <a:p>
+            <a:r>
+              <a:rPr lang="de-CH" baseline="0" dirty="0" err="1" smtClean="0"/>
+              <a:t>Isn’t</a:t>
+            </a:r>
+            <a:r>
+              <a:rPr lang="de-CH" baseline="0" dirty="0" smtClean="0"/>
+              <a:t> </a:t>
+            </a:r>
+            <a:r>
+              <a:rPr lang="de-CH" baseline="0" dirty="0" err="1" smtClean="0"/>
+              <a:t>actually</a:t>
+            </a:r>
+            <a:r>
+              <a:rPr lang="de-CH" baseline="0" dirty="0" smtClean="0"/>
+              <a:t> </a:t>
+            </a:r>
+            <a:r>
+              <a:rPr lang="de-CH" baseline="0" dirty="0" err="1" smtClean="0"/>
+              <a:t>translated</a:t>
+            </a:r>
+            <a:r>
+              <a:rPr lang="de-CH" baseline="0" dirty="0" smtClean="0"/>
+              <a:t> </a:t>
+            </a:r>
+            <a:r>
+              <a:rPr lang="de-CH" baseline="0" dirty="0" err="1" smtClean="0"/>
+              <a:t>like</a:t>
+            </a:r>
+            <a:r>
+              <a:rPr lang="de-CH" baseline="0" dirty="0" smtClean="0"/>
+              <a:t> </a:t>
+            </a:r>
+            <a:r>
+              <a:rPr lang="de-CH" baseline="0" dirty="0" err="1" smtClean="0"/>
+              <a:t>this</a:t>
+            </a:r>
+            <a:r>
+              <a:rPr lang="de-CH" baseline="0" dirty="0" smtClean="0"/>
+              <a:t>.</a:t>
+            </a:r>
+            <a:endParaRPr lang="en-GB" dirty="0"/>
+          </a:p>
+        </p:txBody>
+      </p:sp>
+      <p:sp>
+        <p:nvSpPr>
+          <p:cNvPr id="4" name="Slide Number Placeholder 3"/>
+          <p:cNvSpPr>
+            <a:spLocks noGrp="1"/>
+          </p:cNvSpPr>
+          <p:nvPr>
+            <p:ph type="sldNum" sz="quarter" idx="10"/>
+          </p:nvPr>
+        </p:nvSpPr>
+        <p:spPr/>
+        <p:txBody>
+          <a:bodyPr/>
+          <a:lstStyle/>
+          <a:p>
+            <a:fld id="{16B1BCD3-814F-4AEE-A9E6-455F5C1EE547}" type="slidenum">
+              <a:rPr lang="en-GB" smtClean="0"/>
+              <a:t>4</a:t>
+            </a:fld>
+            <a:endParaRPr lang="en-GB"/>
+          </a:p>
+        </p:txBody>
+      </p:sp>
+    </p:spTree>
+    <p:extLst>
+      <p:ext uri="{BB962C8B-B14F-4D97-AF65-F5344CB8AC3E}">
+        <p14:creationId xmlns:p14="http://schemas.microsoft.com/office/powerpoint/2010/main" val="867580933"/>
+      </p:ext>
+    </p:extLst>
+  </p:cSld>
+  <p:clrMapOvr>
+    <a:masterClrMapping/>
+  </p:clrMapOvr>
+</p:notes>
 </file>
 
 <file path=ppt/slideLayouts/slideLayout1.xml><?xml version="1.0" encoding="utf-8"?>
@@ -6811,6 +7503,1728 @@
 </p:sld>
 </file>
 
+<file path=ppt/slides/slide3.xml><?xml version="1.0" encoding="utf-8"?>
+<p:sld xmlns:a="http://schemas.openxmlformats.org/drawingml/2006/main" xmlns:r="http://schemas.openxmlformats.org/officeDocument/2006/relationships" xmlns:p="http://schemas.openxmlformats.org/presentationml/2006/main">
+  <p:cSld>
+    <p:spTree>
+      <p:nvGrpSpPr>
+        <p:cNvPr id="1" name=""/>
+        <p:cNvGrpSpPr/>
+        <p:nvPr/>
+      </p:nvGrpSpPr>
+      <p:grpSpPr>
+        <a:xfrm>
+          <a:off x="0" y="0"/>
+          <a:ext cx="0" cy="0"/>
+          <a:chOff x="0" y="0"/>
+          <a:chExt cx="0" cy="0"/>
+        </a:xfrm>
+      </p:grpSpPr>
+      <p:sp>
+        <p:nvSpPr>
+          <p:cNvPr id="2" name="Title 1"/>
+          <p:cNvSpPr>
+            <a:spLocks noGrp="1"/>
+          </p:cNvSpPr>
+          <p:nvPr>
+            <p:ph type="title"/>
+          </p:nvPr>
+        </p:nvSpPr>
+        <p:spPr/>
+        <p:txBody>
+          <a:bodyPr/>
+          <a:lstStyle/>
+          <a:p>
+            <a:r>
+              <a:rPr lang="en-GB" smtClean="0"/>
+              <a:t>Semper Architecture Design</a:t>
+            </a:r>
+            <a:endParaRPr lang="en-GB"/>
+          </a:p>
+        </p:txBody>
+      </p:sp>
+      <p:sp>
+        <p:nvSpPr>
+          <p:cNvPr id="4" name="Snip Diagonal Corner Rectangle 3"/>
+          <p:cNvSpPr/>
+          <p:nvPr/>
+        </p:nvSpPr>
+        <p:spPr>
+          <a:xfrm>
+            <a:off x="511007" y="4149080"/>
+            <a:ext cx="1310545" cy="504056"/>
+          </a:xfrm>
+          <a:prstGeom prst="snip2DiagRect">
+            <a:avLst>
+              <a:gd name="adj1" fmla="val 0"/>
+              <a:gd name="adj2" fmla="val 34304"/>
+            </a:avLst>
+          </a:prstGeom>
+        </p:spPr>
+        <p:style>
+          <a:lnRef idx="2">
+            <a:schemeClr val="accent3">
+              <a:shade val="50000"/>
+            </a:schemeClr>
+          </a:lnRef>
+          <a:fillRef idx="1">
+            <a:schemeClr val="accent3"/>
+          </a:fillRef>
+          <a:effectRef idx="0">
+            <a:schemeClr val="accent3"/>
+          </a:effectRef>
+          <a:fontRef idx="minor">
+            <a:schemeClr val="lt1"/>
+          </a:fontRef>
+        </p:style>
+        <p:txBody>
+          <a:bodyPr rtlCol="0" anchor="ctr"/>
+          <a:lstStyle/>
+          <a:p>
+            <a:pPr algn="ctr"/>
+            <a:r>
+              <a:rPr lang="de-CH" dirty="0" smtClean="0"/>
+              <a:t>Scala</a:t>
+            </a:r>
+            <a:endParaRPr lang="en-GB" dirty="0"/>
+          </a:p>
+        </p:txBody>
+      </p:sp>
+      <p:sp>
+        <p:nvSpPr>
+          <p:cNvPr id="7" name="Snip Diagonal Corner Rectangle 6"/>
+          <p:cNvSpPr/>
+          <p:nvPr/>
+        </p:nvSpPr>
+        <p:spPr>
+          <a:xfrm>
+            <a:off x="511005" y="3036075"/>
+            <a:ext cx="1310545" cy="504056"/>
+          </a:xfrm>
+          <a:prstGeom prst="snip2DiagRect">
+            <a:avLst>
+              <a:gd name="adj1" fmla="val 0"/>
+              <a:gd name="adj2" fmla="val 34304"/>
+            </a:avLst>
+          </a:prstGeom>
+        </p:spPr>
+        <p:style>
+          <a:lnRef idx="2">
+            <a:schemeClr val="accent3">
+              <a:shade val="50000"/>
+            </a:schemeClr>
+          </a:lnRef>
+          <a:fillRef idx="1">
+            <a:schemeClr val="accent3"/>
+          </a:fillRef>
+          <a:effectRef idx="0">
+            <a:schemeClr val="accent3"/>
+          </a:effectRef>
+          <a:fontRef idx="minor">
+            <a:schemeClr val="lt1"/>
+          </a:fontRef>
+        </p:style>
+        <p:txBody>
+          <a:bodyPr rtlCol="0" anchor="ctr"/>
+          <a:lstStyle/>
+          <a:p>
+            <a:pPr algn="ctr"/>
+            <a:r>
+              <a:rPr lang="de-CH" dirty="0" smtClean="0"/>
+              <a:t>SIL-PL</a:t>
+            </a:r>
+            <a:endParaRPr lang="en-GB" dirty="0"/>
+          </a:p>
+        </p:txBody>
+      </p:sp>
+      <p:sp>
+        <p:nvSpPr>
+          <p:cNvPr id="8" name="Snip Diagonal Corner Rectangle 7"/>
+          <p:cNvSpPr/>
+          <p:nvPr/>
+        </p:nvSpPr>
+        <p:spPr>
+          <a:xfrm>
+            <a:off x="511007" y="1916832"/>
+            <a:ext cx="1310545" cy="504056"/>
+          </a:xfrm>
+          <a:prstGeom prst="snip2DiagRect">
+            <a:avLst>
+              <a:gd name="adj1" fmla="val 0"/>
+              <a:gd name="adj2" fmla="val 34304"/>
+            </a:avLst>
+          </a:prstGeom>
+        </p:spPr>
+        <p:style>
+          <a:lnRef idx="2">
+            <a:schemeClr val="accent5">
+              <a:shade val="50000"/>
+            </a:schemeClr>
+          </a:lnRef>
+          <a:fillRef idx="1">
+            <a:schemeClr val="accent5"/>
+          </a:fillRef>
+          <a:effectRef idx="0">
+            <a:schemeClr val="accent5"/>
+          </a:effectRef>
+          <a:fontRef idx="minor">
+            <a:schemeClr val="lt1"/>
+          </a:fontRef>
+        </p:style>
+        <p:txBody>
+          <a:bodyPr rtlCol="0" anchor="ctr"/>
+          <a:lstStyle/>
+          <a:p>
+            <a:pPr algn="ctr"/>
+            <a:r>
+              <a:rPr lang="en-GB" smtClean="0"/>
+              <a:t>Chalice</a:t>
+            </a:r>
+            <a:endParaRPr lang="en-GB"/>
+          </a:p>
+        </p:txBody>
+      </p:sp>
+      <p:sp>
+        <p:nvSpPr>
+          <p:cNvPr id="9" name="Snip Diagonal Corner Rectangle 8"/>
+          <p:cNvSpPr/>
+          <p:nvPr/>
+        </p:nvSpPr>
+        <p:spPr>
+          <a:xfrm>
+            <a:off x="2915816" y="3036075"/>
+            <a:ext cx="1310545" cy="504056"/>
+          </a:xfrm>
+          <a:prstGeom prst="snip2DiagRect">
+            <a:avLst>
+              <a:gd name="adj1" fmla="val 0"/>
+              <a:gd name="adj2" fmla="val 34304"/>
+            </a:avLst>
+          </a:prstGeom>
+        </p:spPr>
+        <p:style>
+          <a:lnRef idx="2">
+            <a:schemeClr val="accent6">
+              <a:shade val="50000"/>
+            </a:schemeClr>
+          </a:lnRef>
+          <a:fillRef idx="1">
+            <a:schemeClr val="accent6"/>
+          </a:fillRef>
+          <a:effectRef idx="0">
+            <a:schemeClr val="accent6"/>
+          </a:effectRef>
+          <a:fontRef idx="minor">
+            <a:schemeClr val="lt1"/>
+          </a:fontRef>
+        </p:style>
+        <p:txBody>
+          <a:bodyPr rtlCol="0" anchor="ctr"/>
+          <a:lstStyle/>
+          <a:p>
+            <a:pPr algn="ctr"/>
+            <a:r>
+              <a:rPr lang="de-CH" dirty="0" smtClean="0"/>
+              <a:t>SIL</a:t>
+            </a:r>
+            <a:endParaRPr lang="en-GB" dirty="0"/>
+          </a:p>
+        </p:txBody>
+      </p:sp>
+      <p:sp>
+        <p:nvSpPr>
+          <p:cNvPr id="10" name="Snip Diagonal Corner Rectangle 9"/>
+          <p:cNvSpPr/>
+          <p:nvPr/>
+        </p:nvSpPr>
+        <p:spPr>
+          <a:xfrm>
+            <a:off x="7164285" y="3036075"/>
+            <a:ext cx="1310545" cy="504056"/>
+          </a:xfrm>
+          <a:prstGeom prst="snip2DiagRect">
+            <a:avLst>
+              <a:gd name="adj1" fmla="val 0"/>
+              <a:gd name="adj2" fmla="val 34304"/>
+            </a:avLst>
+          </a:prstGeom>
+        </p:spPr>
+        <p:style>
+          <a:lnRef idx="2">
+            <a:schemeClr val="accent6">
+              <a:shade val="50000"/>
+            </a:schemeClr>
+          </a:lnRef>
+          <a:fillRef idx="1">
+            <a:schemeClr val="accent6"/>
+          </a:fillRef>
+          <a:effectRef idx="0">
+            <a:schemeClr val="accent6"/>
+          </a:effectRef>
+          <a:fontRef idx="minor">
+            <a:schemeClr val="lt1"/>
+          </a:fontRef>
+        </p:style>
+        <p:txBody>
+          <a:bodyPr rtlCol="0" anchor="ctr"/>
+          <a:lstStyle/>
+          <a:p>
+            <a:pPr algn="ctr"/>
+            <a:r>
+              <a:rPr lang="en-GB" dirty="0" smtClean="0"/>
+              <a:t>Verifier</a:t>
+            </a:r>
+            <a:endParaRPr lang="en-GB" dirty="0"/>
+          </a:p>
+        </p:txBody>
+      </p:sp>
+      <p:sp>
+        <p:nvSpPr>
+          <p:cNvPr id="11" name="Snip Diagonal Corner Rectangle 10"/>
+          <p:cNvSpPr/>
+          <p:nvPr/>
+        </p:nvSpPr>
+        <p:spPr>
+          <a:xfrm>
+            <a:off x="7164286" y="1920445"/>
+            <a:ext cx="1310545" cy="504056"/>
+          </a:xfrm>
+          <a:prstGeom prst="snip2DiagRect">
+            <a:avLst>
+              <a:gd name="adj1" fmla="val 0"/>
+              <a:gd name="adj2" fmla="val 34304"/>
+            </a:avLst>
+          </a:prstGeom>
+        </p:spPr>
+        <p:style>
+          <a:lnRef idx="2">
+            <a:schemeClr val="accent6">
+              <a:shade val="50000"/>
+            </a:schemeClr>
+          </a:lnRef>
+          <a:fillRef idx="1">
+            <a:schemeClr val="accent6"/>
+          </a:fillRef>
+          <a:effectRef idx="0">
+            <a:schemeClr val="accent6"/>
+          </a:effectRef>
+          <a:fontRef idx="minor">
+            <a:schemeClr val="lt1"/>
+          </a:fontRef>
+        </p:style>
+        <p:txBody>
+          <a:bodyPr rtlCol="0" anchor="ctr"/>
+          <a:lstStyle/>
+          <a:p>
+            <a:pPr algn="ctr"/>
+            <a:r>
+              <a:rPr lang="de-CH" dirty="0" smtClean="0"/>
+              <a:t>Sample</a:t>
+            </a:r>
+            <a:endParaRPr lang="en-GB" dirty="0"/>
+          </a:p>
+        </p:txBody>
+      </p:sp>
+      <p:sp>
+        <p:nvSpPr>
+          <p:cNvPr id="12" name="Snip Diagonal Corner Rectangle 11"/>
+          <p:cNvSpPr/>
+          <p:nvPr/>
+        </p:nvSpPr>
+        <p:spPr>
+          <a:xfrm>
+            <a:off x="4716016" y="4149080"/>
+            <a:ext cx="1310545" cy="504056"/>
+          </a:xfrm>
+          <a:prstGeom prst="snip2DiagRect">
+            <a:avLst>
+              <a:gd name="adj1" fmla="val 0"/>
+              <a:gd name="adj2" fmla="val 34304"/>
+            </a:avLst>
+          </a:prstGeom>
+        </p:spPr>
+        <p:style>
+          <a:lnRef idx="2">
+            <a:schemeClr val="accent3">
+              <a:shade val="50000"/>
+            </a:schemeClr>
+          </a:lnRef>
+          <a:fillRef idx="1">
+            <a:schemeClr val="accent3"/>
+          </a:fillRef>
+          <a:effectRef idx="0">
+            <a:schemeClr val="accent3"/>
+          </a:effectRef>
+          <a:fontRef idx="minor">
+            <a:schemeClr val="lt1"/>
+          </a:fontRef>
+        </p:style>
+        <p:txBody>
+          <a:bodyPr rtlCol="0" anchor="ctr"/>
+          <a:lstStyle/>
+          <a:p>
+            <a:pPr algn="ctr"/>
+            <a:r>
+              <a:rPr lang="en-GB" smtClean="0"/>
+              <a:t>Slicer</a:t>
+            </a:r>
+            <a:endParaRPr lang="en-GB"/>
+          </a:p>
+        </p:txBody>
+      </p:sp>
+      <p:sp>
+        <p:nvSpPr>
+          <p:cNvPr id="13" name="Snip Diagonal Corner Rectangle 12"/>
+          <p:cNvSpPr/>
+          <p:nvPr/>
+        </p:nvSpPr>
+        <p:spPr>
+          <a:xfrm>
+            <a:off x="4716016" y="1920445"/>
+            <a:ext cx="1310545" cy="504056"/>
+          </a:xfrm>
+          <a:prstGeom prst="snip2DiagRect">
+            <a:avLst>
+              <a:gd name="adj1" fmla="val 0"/>
+              <a:gd name="adj2" fmla="val 34304"/>
+            </a:avLst>
+          </a:prstGeom>
+        </p:spPr>
+        <p:style>
+          <a:lnRef idx="2">
+            <a:schemeClr val="accent3">
+              <a:shade val="50000"/>
+            </a:schemeClr>
+          </a:lnRef>
+          <a:fillRef idx="1">
+            <a:schemeClr val="accent3"/>
+          </a:fillRef>
+          <a:effectRef idx="0">
+            <a:schemeClr val="accent3"/>
+          </a:effectRef>
+          <a:fontRef idx="minor">
+            <a:schemeClr val="lt1"/>
+          </a:fontRef>
+        </p:style>
+        <p:txBody>
+          <a:bodyPr rtlCol="0" anchor="ctr"/>
+          <a:lstStyle/>
+          <a:p>
+            <a:pPr algn="ctr"/>
+            <a:r>
+              <a:rPr lang="en-GB" dirty="0" smtClean="0"/>
+              <a:t>Tuner</a:t>
+            </a:r>
+            <a:endParaRPr lang="en-GB" dirty="0"/>
+          </a:p>
+        </p:txBody>
+      </p:sp>
+      <p:sp>
+        <p:nvSpPr>
+          <p:cNvPr id="14" name="Snip Diagonal Corner Rectangle 13"/>
+          <p:cNvSpPr/>
+          <p:nvPr/>
+        </p:nvSpPr>
+        <p:spPr>
+          <a:xfrm>
+            <a:off x="7164287" y="4149080"/>
+            <a:ext cx="1310545" cy="504056"/>
+          </a:xfrm>
+          <a:prstGeom prst="snip2DiagRect">
+            <a:avLst>
+              <a:gd name="adj1" fmla="val 0"/>
+              <a:gd name="adj2" fmla="val 34304"/>
+            </a:avLst>
+          </a:prstGeom>
+        </p:spPr>
+        <p:style>
+          <a:lnRef idx="2">
+            <a:schemeClr val="accent1">
+              <a:shade val="50000"/>
+            </a:schemeClr>
+          </a:lnRef>
+          <a:fillRef idx="1">
+            <a:schemeClr val="accent1"/>
+          </a:fillRef>
+          <a:effectRef idx="0">
+            <a:schemeClr val="accent1"/>
+          </a:effectRef>
+          <a:fontRef idx="minor">
+            <a:schemeClr val="lt1"/>
+          </a:fontRef>
+        </p:style>
+        <p:txBody>
+          <a:bodyPr rtlCol="0" anchor="ctr"/>
+          <a:lstStyle/>
+          <a:p>
+            <a:pPr algn="ctr"/>
+            <a:r>
+              <a:rPr lang="en-GB" dirty="0" smtClean="0"/>
+              <a:t>Z3</a:t>
+            </a:r>
+            <a:endParaRPr lang="en-GB" dirty="0"/>
+          </a:p>
+        </p:txBody>
+      </p:sp>
+      <p:cxnSp>
+        <p:nvCxnSpPr>
+          <p:cNvPr id="29" name="Elbow Connector 28"/>
+          <p:cNvCxnSpPr>
+            <a:stCxn id="9" idx="0"/>
+            <a:endCxn id="10" idx="2"/>
+          </p:cNvCxnSpPr>
+          <p:nvPr/>
+        </p:nvCxnSpPr>
+        <p:spPr>
+          <a:xfrm>
+            <a:off x="4226361" y="3288103"/>
+            <a:ext cx="2937924" cy="0"/>
+          </a:xfrm>
+          <a:prstGeom prst="straightConnector1">
+            <a:avLst/>
+          </a:prstGeom>
+          <a:ln w="28575">
+            <a:solidFill>
+              <a:schemeClr val="tx1"/>
+            </a:solidFill>
+            <a:tailEnd type="arrow"/>
+          </a:ln>
+        </p:spPr>
+        <p:style>
+          <a:lnRef idx="1">
+            <a:schemeClr val="accent1"/>
+          </a:lnRef>
+          <a:fillRef idx="0">
+            <a:schemeClr val="accent1"/>
+          </a:fillRef>
+          <a:effectRef idx="0">
+            <a:schemeClr val="accent1"/>
+          </a:effectRef>
+          <a:fontRef idx="minor">
+            <a:schemeClr val="tx1"/>
+          </a:fontRef>
+        </p:style>
+      </p:cxnSp>
+      <p:cxnSp>
+        <p:nvCxnSpPr>
+          <p:cNvPr id="32" name="Elbow Connector 28"/>
+          <p:cNvCxnSpPr>
+            <a:stCxn id="8" idx="0"/>
+            <a:endCxn id="9" idx="3"/>
+          </p:cNvCxnSpPr>
+          <p:nvPr/>
+        </p:nvCxnSpPr>
+        <p:spPr>
+          <a:xfrm>
+            <a:off x="1821552" y="2168860"/>
+            <a:ext cx="1749537" cy="867215"/>
+          </a:xfrm>
+          <a:prstGeom prst="straightConnector1">
+            <a:avLst/>
+          </a:prstGeom>
+          <a:ln w="28575">
+            <a:solidFill>
+              <a:schemeClr val="tx1"/>
+            </a:solidFill>
+            <a:tailEnd type="arrow"/>
+          </a:ln>
+        </p:spPr>
+        <p:style>
+          <a:lnRef idx="1">
+            <a:schemeClr val="accent1"/>
+          </a:lnRef>
+          <a:fillRef idx="0">
+            <a:schemeClr val="accent1"/>
+          </a:fillRef>
+          <a:effectRef idx="0">
+            <a:schemeClr val="accent1"/>
+          </a:effectRef>
+          <a:fontRef idx="minor">
+            <a:schemeClr val="tx1"/>
+          </a:fontRef>
+        </p:style>
+      </p:cxnSp>
+      <p:cxnSp>
+        <p:nvCxnSpPr>
+          <p:cNvPr id="35" name="Elbow Connector 28"/>
+          <p:cNvCxnSpPr>
+            <a:stCxn id="4" idx="0"/>
+            <a:endCxn id="9" idx="1"/>
+          </p:cNvCxnSpPr>
+          <p:nvPr/>
+        </p:nvCxnSpPr>
+        <p:spPr>
+          <a:xfrm flipV="1">
+            <a:off x="1821552" y="3540131"/>
+            <a:ext cx="1749537" cy="860977"/>
+          </a:xfrm>
+          <a:prstGeom prst="straightConnector1">
+            <a:avLst/>
+          </a:prstGeom>
+          <a:ln w="28575">
+            <a:solidFill>
+              <a:schemeClr val="tx1"/>
+            </a:solidFill>
+            <a:tailEnd type="arrow"/>
+          </a:ln>
+        </p:spPr>
+        <p:style>
+          <a:lnRef idx="1">
+            <a:schemeClr val="accent1"/>
+          </a:lnRef>
+          <a:fillRef idx="0">
+            <a:schemeClr val="accent1"/>
+          </a:fillRef>
+          <a:effectRef idx="0">
+            <a:schemeClr val="accent1"/>
+          </a:effectRef>
+          <a:fontRef idx="minor">
+            <a:schemeClr val="tx1"/>
+          </a:fontRef>
+        </p:style>
+      </p:cxnSp>
+      <p:cxnSp>
+        <p:nvCxnSpPr>
+          <p:cNvPr id="38" name="Elbow Connector 28"/>
+          <p:cNvCxnSpPr/>
+          <p:nvPr/>
+        </p:nvCxnSpPr>
+        <p:spPr>
+          <a:xfrm>
+            <a:off x="1821550" y="3288103"/>
+            <a:ext cx="1094266" cy="0"/>
+          </a:xfrm>
+          <a:prstGeom prst="straightConnector1">
+            <a:avLst/>
+          </a:prstGeom>
+          <a:ln w="28575">
+            <a:solidFill>
+              <a:schemeClr val="tx1"/>
+            </a:solidFill>
+            <a:tailEnd type="arrow"/>
+          </a:ln>
+        </p:spPr>
+        <p:style>
+          <a:lnRef idx="1">
+            <a:schemeClr val="accent1"/>
+          </a:lnRef>
+          <a:fillRef idx="0">
+            <a:schemeClr val="accent1"/>
+          </a:fillRef>
+          <a:effectRef idx="0">
+            <a:schemeClr val="accent1"/>
+          </a:effectRef>
+          <a:fontRef idx="minor">
+            <a:schemeClr val="tx1"/>
+          </a:fontRef>
+        </p:style>
+      </p:cxnSp>
+      <p:cxnSp>
+        <p:nvCxnSpPr>
+          <p:cNvPr id="41" name="Elbow Connector 28"/>
+          <p:cNvCxnSpPr>
+            <a:stCxn id="10" idx="1"/>
+            <a:endCxn id="14" idx="3"/>
+          </p:cNvCxnSpPr>
+          <p:nvPr/>
+        </p:nvCxnSpPr>
+        <p:spPr>
+          <a:xfrm>
+            <a:off x="7819558" y="3540131"/>
+            <a:ext cx="2" cy="608949"/>
+          </a:xfrm>
+          <a:prstGeom prst="straightConnector1">
+            <a:avLst/>
+          </a:prstGeom>
+          <a:ln w="28575">
+            <a:solidFill>
+              <a:schemeClr val="tx1"/>
+            </a:solidFill>
+            <a:tailEnd type="arrow"/>
+          </a:ln>
+        </p:spPr>
+        <p:style>
+          <a:lnRef idx="1">
+            <a:schemeClr val="accent1"/>
+          </a:lnRef>
+          <a:fillRef idx="0">
+            <a:schemeClr val="accent1"/>
+          </a:fillRef>
+          <a:effectRef idx="0">
+            <a:schemeClr val="accent1"/>
+          </a:effectRef>
+          <a:fontRef idx="minor">
+            <a:schemeClr val="tx1"/>
+          </a:fontRef>
+        </p:style>
+      </p:cxnSp>
+      <p:cxnSp>
+        <p:nvCxnSpPr>
+          <p:cNvPr id="48" name="Elbow Connector 28"/>
+          <p:cNvCxnSpPr>
+            <a:stCxn id="10" idx="3"/>
+            <a:endCxn id="13" idx="1"/>
+          </p:cNvCxnSpPr>
+          <p:nvPr/>
+        </p:nvCxnSpPr>
+        <p:spPr>
+          <a:xfrm flipH="1" flipV="1">
+            <a:off x="5371289" y="2424501"/>
+            <a:ext cx="2448269" cy="611574"/>
+          </a:xfrm>
+          <a:prstGeom prst="straightConnector1">
+            <a:avLst/>
+          </a:prstGeom>
+          <a:ln w="28575">
+            <a:solidFill>
+              <a:schemeClr val="tx1"/>
+            </a:solidFill>
+            <a:tailEnd type="arrow"/>
+          </a:ln>
+        </p:spPr>
+        <p:style>
+          <a:lnRef idx="1">
+            <a:schemeClr val="accent1"/>
+          </a:lnRef>
+          <a:fillRef idx="0">
+            <a:schemeClr val="accent1"/>
+          </a:fillRef>
+          <a:effectRef idx="0">
+            <a:schemeClr val="accent1"/>
+          </a:effectRef>
+          <a:fontRef idx="minor">
+            <a:schemeClr val="tx1"/>
+          </a:fontRef>
+        </p:style>
+      </p:cxnSp>
+      <p:cxnSp>
+        <p:nvCxnSpPr>
+          <p:cNvPr id="53" name="Elbow Connector 28"/>
+          <p:cNvCxnSpPr>
+            <a:stCxn id="11" idx="2"/>
+            <a:endCxn id="13" idx="0"/>
+          </p:cNvCxnSpPr>
+          <p:nvPr/>
+        </p:nvCxnSpPr>
+        <p:spPr>
+          <a:xfrm flipH="1">
+            <a:off x="6026561" y="2172473"/>
+            <a:ext cx="1137725" cy="0"/>
+          </a:xfrm>
+          <a:prstGeom prst="straightConnector1">
+            <a:avLst/>
+          </a:prstGeom>
+          <a:ln w="28575">
+            <a:solidFill>
+              <a:schemeClr val="tx1"/>
+            </a:solidFill>
+            <a:headEnd type="arrow" w="med" len="med"/>
+            <a:tailEnd type="arrow" w="med" len="med"/>
+          </a:ln>
+        </p:spPr>
+        <p:style>
+          <a:lnRef idx="1">
+            <a:schemeClr val="accent1"/>
+          </a:lnRef>
+          <a:fillRef idx="0">
+            <a:schemeClr val="accent1"/>
+          </a:fillRef>
+          <a:effectRef idx="0">
+            <a:schemeClr val="accent1"/>
+          </a:effectRef>
+          <a:fontRef idx="minor">
+            <a:schemeClr val="tx1"/>
+          </a:fontRef>
+        </p:style>
+      </p:cxnSp>
+      <p:cxnSp>
+        <p:nvCxnSpPr>
+          <p:cNvPr id="60" name="Elbow Connector 28"/>
+          <p:cNvCxnSpPr>
+            <a:stCxn id="12" idx="2"/>
+            <a:endCxn id="9" idx="1"/>
+          </p:cNvCxnSpPr>
+          <p:nvPr/>
+        </p:nvCxnSpPr>
+        <p:spPr>
+          <a:xfrm flipH="1" flipV="1">
+            <a:off x="3571089" y="3540131"/>
+            <a:ext cx="1144927" cy="860977"/>
+          </a:xfrm>
+          <a:prstGeom prst="straightConnector1">
+            <a:avLst/>
+          </a:prstGeom>
+          <a:ln w="28575">
+            <a:solidFill>
+              <a:schemeClr val="tx1"/>
+            </a:solidFill>
+            <a:headEnd type="arrow" w="med" len="med"/>
+            <a:tailEnd type="arrow" w="med" len="med"/>
+          </a:ln>
+        </p:spPr>
+        <p:style>
+          <a:lnRef idx="1">
+            <a:schemeClr val="accent1"/>
+          </a:lnRef>
+          <a:fillRef idx="0">
+            <a:schemeClr val="accent1"/>
+          </a:fillRef>
+          <a:effectRef idx="0">
+            <a:schemeClr val="accent1"/>
+          </a:effectRef>
+          <a:fontRef idx="minor">
+            <a:schemeClr val="tx1"/>
+          </a:fontRef>
+        </p:style>
+      </p:cxnSp>
+      <p:cxnSp>
+        <p:nvCxnSpPr>
+          <p:cNvPr id="63" name="Elbow Connector 28"/>
+          <p:cNvCxnSpPr>
+            <a:stCxn id="13" idx="2"/>
+            <a:endCxn id="9" idx="3"/>
+          </p:cNvCxnSpPr>
+          <p:nvPr/>
+        </p:nvCxnSpPr>
+        <p:spPr>
+          <a:xfrm flipH="1">
+            <a:off x="3571089" y="2172473"/>
+            <a:ext cx="1144927" cy="863602"/>
+          </a:xfrm>
+          <a:prstGeom prst="straightConnector1">
+            <a:avLst/>
+          </a:prstGeom>
+          <a:ln w="28575">
+            <a:solidFill>
+              <a:schemeClr val="tx1"/>
+            </a:solidFill>
+            <a:headEnd type="arrow" w="med" len="med"/>
+            <a:tailEnd type="arrow" w="med" len="med"/>
+          </a:ln>
+        </p:spPr>
+        <p:style>
+          <a:lnRef idx="1">
+            <a:schemeClr val="accent1"/>
+          </a:lnRef>
+          <a:fillRef idx="0">
+            <a:schemeClr val="accent1"/>
+          </a:fillRef>
+          <a:effectRef idx="0">
+            <a:schemeClr val="accent1"/>
+          </a:effectRef>
+          <a:fontRef idx="minor">
+            <a:schemeClr val="tx1"/>
+          </a:fontRef>
+        </p:style>
+      </p:cxnSp>
+      <p:cxnSp>
+        <p:nvCxnSpPr>
+          <p:cNvPr id="66" name="Elbow Connector 28"/>
+          <p:cNvCxnSpPr>
+            <a:stCxn id="10" idx="1"/>
+            <a:endCxn id="12" idx="3"/>
+          </p:cNvCxnSpPr>
+          <p:nvPr/>
+        </p:nvCxnSpPr>
+        <p:spPr>
+          <a:xfrm flipH="1">
+            <a:off x="5371289" y="3540131"/>
+            <a:ext cx="2448269" cy="608949"/>
+          </a:xfrm>
+          <a:prstGeom prst="straightConnector1">
+            <a:avLst/>
+          </a:prstGeom>
+          <a:ln w="28575">
+            <a:solidFill>
+              <a:schemeClr val="tx1"/>
+            </a:solidFill>
+            <a:tailEnd type="arrow"/>
+          </a:ln>
+        </p:spPr>
+        <p:style>
+          <a:lnRef idx="1">
+            <a:schemeClr val="accent1"/>
+          </a:lnRef>
+          <a:fillRef idx="0">
+            <a:schemeClr val="accent1"/>
+          </a:fillRef>
+          <a:effectRef idx="0">
+            <a:schemeClr val="accent1"/>
+          </a:effectRef>
+          <a:fontRef idx="minor">
+            <a:schemeClr val="tx1"/>
+          </a:fontRef>
+        </p:style>
+      </p:cxnSp>
+    </p:spTree>
+    <p:extLst>
+      <p:ext uri="{BB962C8B-B14F-4D97-AF65-F5344CB8AC3E}">
+        <p14:creationId xmlns:p14="http://schemas.microsoft.com/office/powerpoint/2010/main" val="285753975"/>
+      </p:ext>
+    </p:extLst>
+  </p:cSld>
+  <p:clrMapOvr>
+    <a:masterClrMapping/>
+  </p:clrMapOvr>
+  <p:timing>
+    <p:tnLst>
+      <p:par>
+        <p:cTn id="1" dur="indefinite" restart="never" nodeType="tmRoot"/>
+      </p:par>
+    </p:tnLst>
+  </p:timing>
+</p:sld>
+</file>
+
+<file path=ppt/slides/slide4.xml><?xml version="1.0" encoding="utf-8"?>
+<p:sld xmlns:a="http://schemas.openxmlformats.org/drawingml/2006/main" xmlns:r="http://schemas.openxmlformats.org/officeDocument/2006/relationships" xmlns:p="http://schemas.openxmlformats.org/presentationml/2006/main">
+  <p:cSld>
+    <p:spTree>
+      <p:nvGrpSpPr>
+        <p:cNvPr id="1" name=""/>
+        <p:cNvGrpSpPr/>
+        <p:nvPr/>
+      </p:nvGrpSpPr>
+      <p:grpSpPr>
+        <a:xfrm>
+          <a:off x="0" y="0"/>
+          <a:ext cx="0" cy="0"/>
+          <a:chOff x="0" y="0"/>
+          <a:chExt cx="0" cy="0"/>
+        </a:xfrm>
+      </p:grpSpPr>
+      <p:sp>
+        <p:nvSpPr>
+          <p:cNvPr id="2" name="Title 1"/>
+          <p:cNvSpPr>
+            <a:spLocks noGrp="1"/>
+          </p:cNvSpPr>
+          <p:nvPr>
+            <p:ph type="title"/>
+          </p:nvPr>
+        </p:nvSpPr>
+        <p:spPr/>
+        <p:txBody>
+          <a:bodyPr/>
+          <a:lstStyle/>
+          <a:p>
+            <a:pPr>
+              <a:tabLst>
+                <a:tab pos="4216400" algn="l"/>
+              </a:tabLst>
+            </a:pPr>
+            <a:r>
+              <a:rPr lang="de-CH" dirty="0" err="1" smtClean="0"/>
+              <a:t>Chalice</a:t>
+            </a:r>
+            <a:r>
+              <a:rPr lang="de-CH" dirty="0" smtClean="0"/>
+              <a:t>	SIL</a:t>
+            </a:r>
+            <a:endParaRPr lang="en-GB" dirty="0"/>
+          </a:p>
+        </p:txBody>
+      </p:sp>
+      <p:sp>
+        <p:nvSpPr>
+          <p:cNvPr id="4" name="Content Placeholder 3"/>
+          <p:cNvSpPr>
+            <a:spLocks noGrp="1"/>
+          </p:cNvSpPr>
+          <p:nvPr>
+            <p:ph sz="half" idx="1"/>
+          </p:nvPr>
+        </p:nvSpPr>
+        <p:spPr/>
+        <p:txBody>
+          <a:bodyPr>
+            <a:normAutofit/>
+          </a:bodyPr>
+          <a:lstStyle/>
+          <a:p>
+            <a:pPr marL="0" indent="0">
+              <a:buNone/>
+            </a:pPr>
+            <a:r>
+              <a:rPr lang="de-CH" sz="1800" dirty="0" err="1" smtClean="0">
+                <a:latin typeface="Consolas" pitchFamily="49" charset="0"/>
+                <a:cs typeface="Consolas" pitchFamily="49" charset="0"/>
+              </a:rPr>
+              <a:t>method</a:t>
+            </a:r>
+            <a:r>
+              <a:rPr lang="de-CH" sz="1800" dirty="0" smtClean="0">
+                <a:latin typeface="Consolas" pitchFamily="49" charset="0"/>
+                <a:cs typeface="Consolas" pitchFamily="49" charset="0"/>
+              </a:rPr>
+              <a:t> n()</a:t>
+            </a:r>
+          </a:p>
+          <a:p>
+            <a:pPr marL="0" indent="0">
+              <a:buNone/>
+              <a:tabLst>
+                <a:tab pos="271463" algn="l"/>
+                <a:tab pos="541338" algn="l"/>
+              </a:tabLst>
+            </a:pPr>
+            <a:r>
+              <a:rPr lang="de-CH" sz="1800" dirty="0">
+                <a:latin typeface="Consolas" pitchFamily="49" charset="0"/>
+                <a:cs typeface="Consolas" pitchFamily="49" charset="0"/>
+              </a:rPr>
+              <a:t>	</a:t>
+            </a:r>
+            <a:r>
+              <a:rPr lang="de-CH" sz="1800" dirty="0" err="1" smtClean="0">
+                <a:latin typeface="Consolas" pitchFamily="49" charset="0"/>
+                <a:cs typeface="Consolas" pitchFamily="49" charset="0"/>
+              </a:rPr>
+              <a:t>requires</a:t>
+            </a:r>
+            <a:r>
+              <a:rPr lang="de-CH" sz="1800" dirty="0" smtClean="0">
+                <a:latin typeface="Consolas" pitchFamily="49" charset="0"/>
+                <a:cs typeface="Consolas" pitchFamily="49" charset="0"/>
+              </a:rPr>
+              <a:t> </a:t>
+            </a:r>
+            <a:r>
+              <a:rPr lang="de-CH" sz="1800" dirty="0" err="1" smtClean="0">
+                <a:latin typeface="Consolas" pitchFamily="49" charset="0"/>
+                <a:cs typeface="Consolas" pitchFamily="49" charset="0"/>
+              </a:rPr>
+              <a:t>rd</a:t>
+            </a:r>
+            <a:r>
+              <a:rPr lang="de-CH" sz="1800" dirty="0" smtClean="0">
+                <a:latin typeface="Consolas" pitchFamily="49" charset="0"/>
+                <a:cs typeface="Consolas" pitchFamily="49" charset="0"/>
+              </a:rPr>
+              <a:t>(</a:t>
+            </a:r>
+            <a:r>
+              <a:rPr lang="de-CH" sz="1800" dirty="0" err="1" smtClean="0">
+                <a:latin typeface="Consolas" pitchFamily="49" charset="0"/>
+                <a:cs typeface="Consolas" pitchFamily="49" charset="0"/>
+              </a:rPr>
+              <a:t>this.f</a:t>
+            </a:r>
+            <a:r>
+              <a:rPr lang="de-CH" sz="1800" dirty="0" smtClean="0">
+                <a:latin typeface="Consolas" pitchFamily="49" charset="0"/>
+                <a:cs typeface="Consolas" pitchFamily="49" charset="0"/>
+              </a:rPr>
+              <a:t>) </a:t>
+            </a:r>
+            <a:r>
+              <a:rPr lang="de-CH" sz="1800" dirty="0">
+                <a:latin typeface="Consolas" pitchFamily="49" charset="0"/>
+                <a:cs typeface="Consolas" pitchFamily="49" charset="0"/>
+              </a:rPr>
+              <a:t>	</a:t>
+            </a:r>
+            <a:r>
+              <a:rPr lang="de-CH" sz="1800" dirty="0" err="1" smtClean="0">
+                <a:latin typeface="Consolas" pitchFamily="49" charset="0"/>
+                <a:cs typeface="Consolas" pitchFamily="49" charset="0"/>
+              </a:rPr>
+              <a:t>ensures</a:t>
+            </a:r>
+            <a:r>
+              <a:rPr lang="de-CH" sz="1800" dirty="0" smtClean="0">
+                <a:latin typeface="Consolas" pitchFamily="49" charset="0"/>
+                <a:cs typeface="Consolas" pitchFamily="49" charset="0"/>
+              </a:rPr>
+              <a:t>  </a:t>
+            </a:r>
+            <a:r>
+              <a:rPr lang="de-CH" sz="1800" dirty="0" err="1" smtClean="0">
+                <a:latin typeface="Consolas" pitchFamily="49" charset="0"/>
+                <a:cs typeface="Consolas" pitchFamily="49" charset="0"/>
+              </a:rPr>
+              <a:t>rd</a:t>
+            </a:r>
+            <a:r>
+              <a:rPr lang="de-CH" sz="1800" dirty="0" smtClean="0">
+                <a:latin typeface="Consolas" pitchFamily="49" charset="0"/>
+                <a:cs typeface="Consolas" pitchFamily="49" charset="0"/>
+              </a:rPr>
+              <a:t>(</a:t>
+            </a:r>
+            <a:r>
+              <a:rPr lang="de-CH" sz="1800" dirty="0" err="1" smtClean="0">
+                <a:latin typeface="Consolas" pitchFamily="49" charset="0"/>
+                <a:cs typeface="Consolas" pitchFamily="49" charset="0"/>
+              </a:rPr>
+              <a:t>this.f</a:t>
+            </a:r>
+            <a:r>
+              <a:rPr lang="de-CH" sz="1800" dirty="0" smtClean="0">
+                <a:latin typeface="Consolas" pitchFamily="49" charset="0"/>
+                <a:cs typeface="Consolas" pitchFamily="49" charset="0"/>
+              </a:rPr>
+              <a:t>)</a:t>
+            </a:r>
+          </a:p>
+          <a:p>
+            <a:pPr marL="0" indent="0">
+              <a:buNone/>
+              <a:tabLst>
+                <a:tab pos="271463" algn="l"/>
+                <a:tab pos="541338" algn="l"/>
+              </a:tabLst>
+            </a:pPr>
+            <a:r>
+              <a:rPr lang="de-CH" sz="1800" dirty="0" smtClean="0">
+                <a:latin typeface="Consolas" pitchFamily="49" charset="0"/>
+                <a:cs typeface="Consolas" pitchFamily="49" charset="0"/>
+              </a:rPr>
+              <a:t>{ </a:t>
+            </a:r>
+          </a:p>
+          <a:p>
+            <a:pPr marL="0" indent="0">
+              <a:buNone/>
+              <a:tabLst>
+                <a:tab pos="271463" algn="l"/>
+                <a:tab pos="541338" algn="l"/>
+              </a:tabLst>
+            </a:pPr>
+            <a:r>
+              <a:rPr lang="de-CH" sz="1800" dirty="0" smtClean="0">
+                <a:latin typeface="Consolas" pitchFamily="49" charset="0"/>
+                <a:cs typeface="Consolas" pitchFamily="49" charset="0"/>
+              </a:rPr>
+              <a:t>	… </a:t>
+            </a:r>
+          </a:p>
+          <a:p>
+            <a:pPr marL="0" indent="0">
+              <a:buNone/>
+              <a:tabLst>
+                <a:tab pos="271463" algn="l"/>
+                <a:tab pos="541338" algn="l"/>
+              </a:tabLst>
+            </a:pPr>
+            <a:r>
+              <a:rPr lang="de-CH" sz="1800" dirty="0" smtClean="0">
+                <a:latin typeface="Consolas" pitchFamily="49" charset="0"/>
+                <a:cs typeface="Consolas" pitchFamily="49" charset="0"/>
+              </a:rPr>
+              <a:t>}</a:t>
+            </a:r>
+          </a:p>
+          <a:p>
+            <a:pPr marL="0" indent="0">
+              <a:buNone/>
+              <a:tabLst>
+                <a:tab pos="271463" algn="l"/>
+                <a:tab pos="541338" algn="l"/>
+              </a:tabLst>
+            </a:pPr>
+            <a:endParaRPr lang="de-CH" sz="1800" dirty="0" smtClean="0">
+              <a:latin typeface="Consolas" pitchFamily="49" charset="0"/>
+              <a:cs typeface="Consolas" pitchFamily="49" charset="0"/>
+            </a:endParaRPr>
+          </a:p>
+          <a:p>
+            <a:pPr marL="0" indent="0">
+              <a:buNone/>
+              <a:tabLst>
+                <a:tab pos="271463" algn="l"/>
+                <a:tab pos="541338" algn="l"/>
+              </a:tabLst>
+            </a:pPr>
+            <a:r>
+              <a:rPr lang="de-CH" sz="1800" dirty="0" smtClean="0">
+                <a:latin typeface="Consolas" pitchFamily="49" charset="0"/>
+                <a:cs typeface="Consolas" pitchFamily="49" charset="0"/>
+              </a:rPr>
+              <a:t>…</a:t>
+            </a:r>
+          </a:p>
+          <a:p>
+            <a:pPr marL="0" indent="0">
+              <a:buNone/>
+              <a:tabLst>
+                <a:tab pos="271463" algn="l"/>
+                <a:tab pos="541338" algn="l"/>
+              </a:tabLst>
+            </a:pPr>
+            <a:r>
+              <a:rPr lang="de-CH" sz="1800" dirty="0" smtClean="0">
+                <a:latin typeface="Consolas" pitchFamily="49" charset="0"/>
+                <a:cs typeface="Consolas" pitchFamily="49" charset="0"/>
+              </a:rPr>
+              <a:t>{</a:t>
+            </a:r>
+          </a:p>
+          <a:p>
+            <a:pPr marL="0" indent="0">
+              <a:buNone/>
+              <a:tabLst>
+                <a:tab pos="271463" algn="l"/>
+                <a:tab pos="541338" algn="l"/>
+              </a:tabLst>
+            </a:pPr>
+            <a:r>
+              <a:rPr lang="de-CH" sz="1800" dirty="0" smtClean="0">
+                <a:latin typeface="Consolas" pitchFamily="49" charset="0"/>
+                <a:cs typeface="Consolas" pitchFamily="49" charset="0"/>
+              </a:rPr>
+              <a:t>	</a:t>
+            </a:r>
+            <a:r>
+              <a:rPr lang="de-CH" sz="1800" dirty="0" err="1" smtClean="0">
+                <a:latin typeface="Consolas" pitchFamily="49" charset="0"/>
+                <a:cs typeface="Consolas" pitchFamily="49" charset="0"/>
+              </a:rPr>
+              <a:t>call</a:t>
+            </a:r>
+            <a:r>
+              <a:rPr lang="de-CH" sz="1800" dirty="0" smtClean="0">
+                <a:latin typeface="Consolas" pitchFamily="49" charset="0"/>
+                <a:cs typeface="Consolas" pitchFamily="49" charset="0"/>
+              </a:rPr>
+              <a:t> n();</a:t>
+            </a:r>
+            <a:endParaRPr lang="de-CH" sz="1800" dirty="0">
+              <a:latin typeface="Consolas" pitchFamily="49" charset="0"/>
+              <a:cs typeface="Consolas" pitchFamily="49" charset="0"/>
+            </a:endParaRPr>
+          </a:p>
+          <a:p>
+            <a:pPr marL="0" indent="0">
+              <a:buNone/>
+              <a:tabLst>
+                <a:tab pos="271463" algn="l"/>
+                <a:tab pos="541338" algn="l"/>
+              </a:tabLst>
+            </a:pPr>
+            <a:r>
+              <a:rPr lang="de-CH" sz="1800" dirty="0" smtClean="0">
+                <a:latin typeface="Consolas" pitchFamily="49" charset="0"/>
+                <a:cs typeface="Consolas" pitchFamily="49" charset="0"/>
+              </a:rPr>
+              <a:t>}</a:t>
+            </a:r>
+            <a:endParaRPr lang="de-CH" sz="1800" dirty="0">
+              <a:latin typeface="Consolas" pitchFamily="49" charset="0"/>
+              <a:cs typeface="Consolas" pitchFamily="49" charset="0"/>
+            </a:endParaRPr>
+          </a:p>
+        </p:txBody>
+      </p:sp>
+      <p:sp>
+        <p:nvSpPr>
+          <p:cNvPr id="5" name="Content Placeholder 4"/>
+          <p:cNvSpPr>
+            <a:spLocks noGrp="1"/>
+          </p:cNvSpPr>
+          <p:nvPr>
+            <p:ph sz="half" idx="2"/>
+          </p:nvPr>
+        </p:nvSpPr>
+        <p:spPr>
+          <a:xfrm>
+            <a:off x="4648200" y="1268760"/>
+            <a:ext cx="4038600" cy="4857403"/>
+          </a:xfrm>
+        </p:spPr>
+        <p:txBody>
+          <a:bodyPr/>
+          <a:lstStyle/>
+          <a:p>
+            <a:pPr marL="0" indent="0">
+              <a:buNone/>
+            </a:pPr>
+            <a:r>
+              <a:rPr lang="de-CH" dirty="0" smtClean="0"/>
+              <a:t>«</a:t>
+            </a:r>
+            <a:r>
+              <a:rPr lang="de-CH" dirty="0" err="1" smtClean="0"/>
+              <a:t>Inhale</a:t>
+            </a:r>
+            <a:r>
+              <a:rPr lang="de-CH" dirty="0" smtClean="0"/>
+              <a:t>/</a:t>
+            </a:r>
+            <a:r>
+              <a:rPr lang="de-CH" dirty="0" err="1" smtClean="0"/>
+              <a:t>Exhale</a:t>
+            </a:r>
+            <a:r>
+              <a:rPr lang="de-CH" dirty="0" smtClean="0"/>
+              <a:t>»</a:t>
+            </a:r>
+          </a:p>
+          <a:p>
+            <a:pPr marL="0" indent="0">
+              <a:buNone/>
+            </a:pPr>
+            <a:r>
+              <a:rPr lang="de-CH" sz="1800" dirty="0" err="1" smtClean="0">
+                <a:latin typeface="Consolas" pitchFamily="49" charset="0"/>
+                <a:cs typeface="Consolas" pitchFamily="49" charset="0"/>
+              </a:rPr>
+              <a:t>method</a:t>
+            </a:r>
+            <a:r>
+              <a:rPr lang="de-CH" sz="1800" dirty="0" smtClean="0">
+                <a:latin typeface="Consolas" pitchFamily="49" charset="0"/>
+                <a:cs typeface="Consolas" pitchFamily="49" charset="0"/>
+              </a:rPr>
+              <a:t> n() … </a:t>
+            </a:r>
+          </a:p>
+          <a:p>
+            <a:pPr marL="0" indent="0">
+              <a:buNone/>
+            </a:pPr>
+            <a:r>
+              <a:rPr lang="de-CH" sz="1800" dirty="0" smtClean="0">
+                <a:latin typeface="Consolas" pitchFamily="49" charset="0"/>
+                <a:cs typeface="Consolas" pitchFamily="49" charset="0"/>
+              </a:rPr>
+              <a:t>{</a:t>
+            </a:r>
+          </a:p>
+          <a:p>
+            <a:pPr marL="0" indent="0">
+              <a:buNone/>
+              <a:tabLst>
+                <a:tab pos="271463" algn="l"/>
+              </a:tabLst>
+            </a:pPr>
+            <a:r>
+              <a:rPr lang="de-CH" sz="1800" dirty="0">
+                <a:latin typeface="Consolas" pitchFamily="49" charset="0"/>
+                <a:cs typeface="Consolas" pitchFamily="49" charset="0"/>
+              </a:rPr>
+              <a:t>	</a:t>
+            </a:r>
+            <a:r>
+              <a:rPr lang="de-CH" sz="1800" dirty="0" err="1" smtClean="0">
+                <a:latin typeface="Consolas" pitchFamily="49" charset="0"/>
+                <a:cs typeface="Consolas" pitchFamily="49" charset="0"/>
+              </a:rPr>
+              <a:t>inhale</a:t>
+            </a:r>
+            <a:r>
+              <a:rPr lang="de-CH" sz="1800" dirty="0" smtClean="0">
+                <a:latin typeface="Consolas" pitchFamily="49" charset="0"/>
+                <a:cs typeface="Consolas" pitchFamily="49" charset="0"/>
+              </a:rPr>
+              <a:t> </a:t>
+            </a:r>
+            <a:r>
+              <a:rPr lang="de-CH" sz="1800" dirty="0" err="1" smtClean="0">
+                <a:latin typeface="Consolas" pitchFamily="49" charset="0"/>
+                <a:cs typeface="Consolas" pitchFamily="49" charset="0"/>
+              </a:rPr>
+              <a:t>rd</a:t>
+            </a:r>
+            <a:r>
+              <a:rPr lang="de-CH" sz="1800" dirty="0" smtClean="0">
+                <a:latin typeface="Consolas" pitchFamily="49" charset="0"/>
+                <a:cs typeface="Consolas" pitchFamily="49" charset="0"/>
+              </a:rPr>
+              <a:t>(</a:t>
+            </a:r>
+            <a:r>
+              <a:rPr lang="de-CH" sz="1800" dirty="0" err="1" smtClean="0">
+                <a:latin typeface="Consolas" pitchFamily="49" charset="0"/>
+                <a:cs typeface="Consolas" pitchFamily="49" charset="0"/>
+              </a:rPr>
+              <a:t>this.f</a:t>
+            </a:r>
+            <a:r>
+              <a:rPr lang="de-CH" sz="1800" dirty="0" smtClean="0">
+                <a:latin typeface="Consolas" pitchFamily="49" charset="0"/>
+                <a:cs typeface="Consolas" pitchFamily="49" charset="0"/>
+              </a:rPr>
+              <a:t>);</a:t>
+            </a:r>
+          </a:p>
+          <a:p>
+            <a:pPr marL="0" indent="0">
+              <a:buNone/>
+              <a:tabLst>
+                <a:tab pos="271463" algn="l"/>
+              </a:tabLst>
+            </a:pPr>
+            <a:r>
+              <a:rPr lang="de-CH" sz="1800" dirty="0">
+                <a:latin typeface="Consolas" pitchFamily="49" charset="0"/>
+                <a:cs typeface="Consolas" pitchFamily="49" charset="0"/>
+              </a:rPr>
+              <a:t>	</a:t>
+            </a:r>
+            <a:r>
+              <a:rPr lang="de-CH" sz="1800" dirty="0" smtClean="0">
+                <a:latin typeface="Consolas" pitchFamily="49" charset="0"/>
+                <a:cs typeface="Consolas" pitchFamily="49" charset="0"/>
+              </a:rPr>
+              <a:t>…</a:t>
+            </a:r>
+          </a:p>
+          <a:p>
+            <a:pPr marL="0" indent="0">
+              <a:buNone/>
+              <a:tabLst>
+                <a:tab pos="271463" algn="l"/>
+              </a:tabLst>
+            </a:pPr>
+            <a:r>
+              <a:rPr lang="de-CH" sz="1800" dirty="0">
+                <a:latin typeface="Consolas" pitchFamily="49" charset="0"/>
+                <a:cs typeface="Consolas" pitchFamily="49" charset="0"/>
+              </a:rPr>
+              <a:t>	</a:t>
+            </a:r>
+            <a:r>
+              <a:rPr lang="de-CH" sz="1800" dirty="0" err="1" smtClean="0">
+                <a:latin typeface="Consolas" pitchFamily="49" charset="0"/>
+                <a:cs typeface="Consolas" pitchFamily="49" charset="0"/>
+              </a:rPr>
+              <a:t>exhale</a:t>
+            </a:r>
+            <a:r>
+              <a:rPr lang="de-CH" sz="1800" dirty="0" smtClean="0">
+                <a:latin typeface="Consolas" pitchFamily="49" charset="0"/>
+                <a:cs typeface="Consolas" pitchFamily="49" charset="0"/>
+              </a:rPr>
+              <a:t> </a:t>
+            </a:r>
+            <a:r>
+              <a:rPr lang="de-CH" sz="1800" dirty="0" err="1" smtClean="0">
+                <a:latin typeface="Consolas" pitchFamily="49" charset="0"/>
+                <a:cs typeface="Consolas" pitchFamily="49" charset="0"/>
+              </a:rPr>
+              <a:t>rd</a:t>
+            </a:r>
+            <a:r>
+              <a:rPr lang="de-CH" sz="1800" dirty="0" smtClean="0">
+                <a:latin typeface="Consolas" pitchFamily="49" charset="0"/>
+                <a:cs typeface="Consolas" pitchFamily="49" charset="0"/>
+              </a:rPr>
+              <a:t>(</a:t>
+            </a:r>
+            <a:r>
+              <a:rPr lang="de-CH" sz="1800" dirty="0" err="1" smtClean="0">
+                <a:latin typeface="Consolas" pitchFamily="49" charset="0"/>
+                <a:cs typeface="Consolas" pitchFamily="49" charset="0"/>
+              </a:rPr>
+              <a:t>this.f</a:t>
+            </a:r>
+            <a:r>
+              <a:rPr lang="de-CH" sz="1800" dirty="0" smtClean="0">
+                <a:latin typeface="Consolas" pitchFamily="49" charset="0"/>
+                <a:cs typeface="Consolas" pitchFamily="49" charset="0"/>
+              </a:rPr>
+              <a:t>);</a:t>
+            </a:r>
+            <a:endParaRPr lang="de-CH" sz="1800" dirty="0">
+              <a:latin typeface="Consolas" pitchFamily="49" charset="0"/>
+              <a:cs typeface="Consolas" pitchFamily="49" charset="0"/>
+            </a:endParaRPr>
+          </a:p>
+          <a:p>
+            <a:pPr marL="0" indent="0">
+              <a:buNone/>
+            </a:pPr>
+            <a:r>
+              <a:rPr lang="de-CH" sz="1800" dirty="0" smtClean="0">
+                <a:latin typeface="Consolas" pitchFamily="49" charset="0"/>
+                <a:cs typeface="Consolas" pitchFamily="49" charset="0"/>
+              </a:rPr>
+              <a:t>}</a:t>
+            </a:r>
+            <a:endParaRPr lang="de-CH" sz="1800" dirty="0">
+              <a:latin typeface="Consolas" pitchFamily="49" charset="0"/>
+              <a:cs typeface="Consolas" pitchFamily="49" charset="0"/>
+            </a:endParaRPr>
+          </a:p>
+          <a:p>
+            <a:pPr marL="0" indent="0">
+              <a:buNone/>
+            </a:pPr>
+            <a:r>
+              <a:rPr lang="de-CH" sz="1800" dirty="0" smtClean="0">
+                <a:latin typeface="Consolas" pitchFamily="49" charset="0"/>
+                <a:cs typeface="Consolas" pitchFamily="49" charset="0"/>
+              </a:rPr>
+              <a:t>…</a:t>
+            </a:r>
+          </a:p>
+          <a:p>
+            <a:pPr marL="0" indent="0">
+              <a:buNone/>
+            </a:pPr>
+            <a:r>
+              <a:rPr lang="de-CH" sz="1800" dirty="0" smtClean="0">
+                <a:latin typeface="Consolas" pitchFamily="49" charset="0"/>
+                <a:cs typeface="Consolas" pitchFamily="49" charset="0"/>
+              </a:rPr>
+              <a:t>{</a:t>
+            </a:r>
+          </a:p>
+          <a:p>
+            <a:pPr marL="0" indent="0">
+              <a:buNone/>
+              <a:tabLst>
+                <a:tab pos="271463" algn="l"/>
+              </a:tabLst>
+            </a:pPr>
+            <a:r>
+              <a:rPr lang="de-CH" sz="1800" dirty="0" smtClean="0">
+                <a:latin typeface="Consolas" pitchFamily="49" charset="0"/>
+                <a:cs typeface="Consolas" pitchFamily="49" charset="0"/>
+              </a:rPr>
+              <a:t>	</a:t>
+            </a:r>
+            <a:r>
+              <a:rPr lang="de-CH" sz="1800" dirty="0" err="1" smtClean="0">
+                <a:latin typeface="Consolas" pitchFamily="49" charset="0"/>
+                <a:cs typeface="Consolas" pitchFamily="49" charset="0"/>
+              </a:rPr>
+              <a:t>exhale</a:t>
+            </a:r>
+            <a:r>
+              <a:rPr lang="de-CH" sz="1800" dirty="0" smtClean="0">
+                <a:latin typeface="Consolas" pitchFamily="49" charset="0"/>
+                <a:cs typeface="Consolas" pitchFamily="49" charset="0"/>
+              </a:rPr>
+              <a:t> </a:t>
+            </a:r>
+            <a:r>
+              <a:rPr lang="de-CH" sz="1800" dirty="0" err="1" smtClean="0">
+                <a:latin typeface="Consolas" pitchFamily="49" charset="0"/>
+                <a:cs typeface="Consolas" pitchFamily="49" charset="0"/>
+              </a:rPr>
+              <a:t>rd</a:t>
+            </a:r>
+            <a:r>
+              <a:rPr lang="de-CH" sz="1800" dirty="0" smtClean="0">
+                <a:latin typeface="Consolas" pitchFamily="49" charset="0"/>
+                <a:cs typeface="Consolas" pitchFamily="49" charset="0"/>
+              </a:rPr>
+              <a:t>(</a:t>
+            </a:r>
+            <a:r>
+              <a:rPr lang="de-CH" sz="1800" dirty="0" err="1" smtClean="0">
+                <a:latin typeface="Consolas" pitchFamily="49" charset="0"/>
+                <a:cs typeface="Consolas" pitchFamily="49" charset="0"/>
+              </a:rPr>
+              <a:t>this.f</a:t>
+            </a:r>
+            <a:r>
+              <a:rPr lang="de-CH" sz="1800" dirty="0" smtClean="0">
+                <a:latin typeface="Consolas" pitchFamily="49" charset="0"/>
+                <a:cs typeface="Consolas" pitchFamily="49" charset="0"/>
+              </a:rPr>
+              <a:t>);</a:t>
+            </a:r>
+          </a:p>
+          <a:p>
+            <a:pPr marL="0" indent="0">
+              <a:buNone/>
+              <a:tabLst>
+                <a:tab pos="271463" algn="l"/>
+              </a:tabLst>
+            </a:pPr>
+            <a:r>
+              <a:rPr lang="de-CH" sz="1800" dirty="0">
+                <a:latin typeface="Consolas" pitchFamily="49" charset="0"/>
+                <a:cs typeface="Consolas" pitchFamily="49" charset="0"/>
+              </a:rPr>
+              <a:t>	</a:t>
+            </a:r>
+            <a:r>
+              <a:rPr lang="de-CH" sz="1800" dirty="0" err="1" smtClean="0">
+                <a:latin typeface="Consolas" pitchFamily="49" charset="0"/>
+                <a:cs typeface="Consolas" pitchFamily="49" charset="0"/>
+              </a:rPr>
+              <a:t>inhale</a:t>
+            </a:r>
+            <a:r>
+              <a:rPr lang="de-CH" sz="1800" dirty="0" smtClean="0">
+                <a:latin typeface="Consolas" pitchFamily="49" charset="0"/>
+                <a:cs typeface="Consolas" pitchFamily="49" charset="0"/>
+              </a:rPr>
+              <a:t> </a:t>
+            </a:r>
+            <a:r>
+              <a:rPr lang="de-CH" sz="1800" dirty="0" err="1" smtClean="0">
+                <a:latin typeface="Consolas" pitchFamily="49" charset="0"/>
+                <a:cs typeface="Consolas" pitchFamily="49" charset="0"/>
+              </a:rPr>
+              <a:t>rd</a:t>
+            </a:r>
+            <a:r>
+              <a:rPr lang="de-CH" sz="1800" dirty="0" smtClean="0">
+                <a:latin typeface="Consolas" pitchFamily="49" charset="0"/>
+                <a:cs typeface="Consolas" pitchFamily="49" charset="0"/>
+              </a:rPr>
+              <a:t>(</a:t>
+            </a:r>
+            <a:r>
+              <a:rPr lang="de-CH" sz="1800" dirty="0" err="1" smtClean="0">
+                <a:latin typeface="Consolas" pitchFamily="49" charset="0"/>
+                <a:cs typeface="Consolas" pitchFamily="49" charset="0"/>
+              </a:rPr>
+              <a:t>this.f</a:t>
+            </a:r>
+            <a:r>
+              <a:rPr lang="de-CH" sz="1800" dirty="0" smtClean="0">
+                <a:latin typeface="Consolas" pitchFamily="49" charset="0"/>
+                <a:cs typeface="Consolas" pitchFamily="49" charset="0"/>
+              </a:rPr>
+              <a:t>);</a:t>
+            </a:r>
+            <a:endParaRPr lang="de-CH" sz="1800" dirty="0">
+              <a:latin typeface="Consolas" pitchFamily="49" charset="0"/>
+              <a:cs typeface="Consolas" pitchFamily="49" charset="0"/>
+            </a:endParaRPr>
+          </a:p>
+          <a:p>
+            <a:pPr marL="0" indent="0">
+              <a:buNone/>
+              <a:tabLst>
+                <a:tab pos="271463" algn="l"/>
+              </a:tabLst>
+            </a:pPr>
+            <a:r>
+              <a:rPr lang="de-CH" sz="1800" dirty="0" smtClean="0">
+                <a:latin typeface="Consolas" pitchFamily="49" charset="0"/>
+                <a:cs typeface="Consolas" pitchFamily="49" charset="0"/>
+              </a:rPr>
+              <a:t>}</a:t>
+            </a:r>
+            <a:endParaRPr lang="en-GB" sz="1800" dirty="0">
+              <a:latin typeface="Consolas" pitchFamily="49" charset="0"/>
+              <a:cs typeface="Consolas" pitchFamily="49" charset="0"/>
+            </a:endParaRPr>
+          </a:p>
+        </p:txBody>
+      </p:sp>
+    </p:spTree>
+    <p:extLst>
+      <p:ext uri="{BB962C8B-B14F-4D97-AF65-F5344CB8AC3E}">
+        <p14:creationId xmlns:p14="http://schemas.microsoft.com/office/powerpoint/2010/main" val="3358996916"/>
+      </p:ext>
+    </p:extLst>
+  </p:cSld>
+  <p:clrMapOvr>
+    <a:masterClrMapping/>
+  </p:clrMapOvr>
+  <p:timing>
+    <p:tnLst>
+      <p:par>
+        <p:cTn id="1" dur="indefinite" restart="never" nodeType="tmRoot"/>
+      </p:par>
+    </p:tnLst>
+  </p:timing>
+</p:sld>
+</file>
+
+<file path=ppt/slides/slide5.xml><?xml version="1.0" encoding="utf-8"?>
+<p:sld xmlns:a="http://schemas.openxmlformats.org/drawingml/2006/main" xmlns:r="http://schemas.openxmlformats.org/officeDocument/2006/relationships" xmlns:p="http://schemas.openxmlformats.org/presentationml/2006/main">
+  <p:cSld>
+    <p:spTree>
+      <p:nvGrpSpPr>
+        <p:cNvPr id="1" name=""/>
+        <p:cNvGrpSpPr/>
+        <p:nvPr/>
+      </p:nvGrpSpPr>
+      <p:grpSpPr>
+        <a:xfrm>
+          <a:off x="0" y="0"/>
+          <a:ext cx="0" cy="0"/>
+          <a:chOff x="0" y="0"/>
+          <a:chExt cx="0" cy="0"/>
+        </a:xfrm>
+      </p:grpSpPr>
+      <p:sp>
+        <p:nvSpPr>
+          <p:cNvPr id="2" name="Title 1"/>
+          <p:cNvSpPr>
+            <a:spLocks noGrp="1"/>
+          </p:cNvSpPr>
+          <p:nvPr>
+            <p:ph type="title"/>
+          </p:nvPr>
+        </p:nvSpPr>
+        <p:spPr/>
+        <p:txBody>
+          <a:bodyPr/>
+          <a:lstStyle/>
+          <a:p>
+            <a:r>
+              <a:rPr lang="en-GB" smtClean="0">
+                <a:solidFill>
+                  <a:schemeClr val="bg1">
+                    <a:lumMod val="50000"/>
+                  </a:schemeClr>
+                </a:solidFill>
+              </a:rPr>
+              <a:t>Questions?</a:t>
+            </a:r>
+            <a:endParaRPr lang="en-GB">
+              <a:solidFill>
+                <a:schemeClr val="bg1">
+                  <a:lumMod val="50000"/>
+                </a:schemeClr>
+              </a:solidFill>
+            </a:endParaRPr>
+          </a:p>
+        </p:txBody>
+      </p:sp>
+      <p:sp>
+        <p:nvSpPr>
+          <p:cNvPr id="3" name="Text Placeholder 2"/>
+          <p:cNvSpPr>
+            <a:spLocks noGrp="1"/>
+          </p:cNvSpPr>
+          <p:nvPr>
+            <p:ph type="body" idx="1"/>
+          </p:nvPr>
+        </p:nvSpPr>
+        <p:spPr/>
+        <p:txBody>
+          <a:bodyPr/>
+          <a:lstStyle/>
+          <a:p>
+            <a:r>
+              <a:rPr lang="en-GB" dirty="0" smtClean="0"/>
+              <a:t>Thank you</a:t>
+            </a:r>
+            <a:endParaRPr lang="en-GB" dirty="0"/>
+          </a:p>
+        </p:txBody>
+      </p:sp>
+    </p:spTree>
+    <p:extLst>
+      <p:ext uri="{BB962C8B-B14F-4D97-AF65-F5344CB8AC3E}">
+        <p14:creationId xmlns:p14="http://schemas.microsoft.com/office/powerpoint/2010/main" val="3565493778"/>
+      </p:ext>
+    </p:extLst>
+  </p:cSld>
+  <p:clrMapOvr>
+    <a:masterClrMapping/>
+  </p:clrMapOvr>
+  <p:timing>
+    <p:tnLst>
+      <p:par>
+        <p:cTn id="1" dur="indefinite" restart="never" nodeType="tmRoot"/>
+      </p:par>
+    </p:tnLst>
+  </p:timing>
+</p:sld>
+</file>
+
 <file path=ppt/theme/theme1.xml><?xml version="1.0" encoding="utf-8"?>
 <a:theme xmlns:a="http://schemas.openxmlformats.org/drawingml/2006/main" name="Chalice2SIL">
   <a:themeElements>
@@ -6834,7 +9248,7 @@
         <a:srgbClr val="C0504D"/>
       </a:accent2>
       <a:accent3>
-        <a:srgbClr val="9BBB59"/>
+        <a:srgbClr val="7DB248"/>
       </a:accent3>
       <a:accent4>
         <a:srgbClr val="336299"/>
@@ -7259,4 +9673,289 @@
   <a:objectDefaults/>
   <a:extraClrSchemeLst/>
 </a:theme>
+</file>
+
+<file path=ppt/theme/theme3.xml><?xml version="1.0" encoding="utf-8"?>
+<a:theme xmlns:a="http://schemas.openxmlformats.org/drawingml/2006/main" name="Office Theme">
+  <a:themeElements>
+    <a:clrScheme name="Office">
+      <a:dk1>
+        <a:sysClr val="windowText" lastClr="000000"/>
+      </a:dk1>
+      <a:lt1>
+        <a:sysClr val="window" lastClr="FFFFFF"/>
+      </a:lt1>
+      <a:dk2>
+        <a:srgbClr val="1F497D"/>
+      </a:dk2>
+      <a:lt2>
+        <a:srgbClr val="EEECE1"/>
+      </a:lt2>
+      <a:accent1>
+        <a:srgbClr val="4F81BD"/>
+      </a:accent1>
+      <a:accent2>
+        <a:srgbClr val="C0504D"/>
+      </a:accent2>
+      <a:accent3>
+        <a:srgbClr val="9BBB59"/>
+      </a:accent3>
+      <a:accent4>
+        <a:srgbClr val="8064A2"/>
+      </a:accent4>
+      <a:accent5>
+        <a:srgbClr val="4BACC6"/>
+      </a:accent5>
+      <a:accent6>
+        <a:srgbClr val="F79646"/>
+      </a:accent6>
+      <a:hlink>
+        <a:srgbClr val="0000FF"/>
+      </a:hlink>
+      <a:folHlink>
+        <a:srgbClr val="800080"/>
+      </a:folHlink>
+    </a:clrScheme>
+    <a:fontScheme name="Office">
+      <a:majorFont>
+        <a:latin typeface="Calibri"/>
+        <a:ea typeface=""/>
+        <a:cs typeface=""/>
+        <a:font script="Jpan" typeface="ＭＳ Ｐゴシック"/>
+        <a:font script="Hang" typeface="맑은 고딕"/>
+        <a:font script="Hans" typeface="宋体"/>
+        <a:font script="Hant" typeface="新細明體"/>
+        <a:font script="Arab" typeface="Times New Roman"/>
+        <a:font script="Hebr" typeface="Times New Roman"/>
+        <a:font script="Thai" typeface="Angsana New"/>
+        <a:font script="Ethi" typeface="Nyala"/>
+        <a:font script="Beng" typeface="Vrinda"/>
+        <a:font script="Gujr" typeface="Shruti"/>
+        <a:font script="Khmr" typeface="MoolBoran"/>
+        <a:font script="Knda" typeface="Tunga"/>
+        <a:font script="Guru" typeface="Raavi"/>
+        <a:font script="Cans" typeface="Euphemia"/>
+        <a:font script="Cher" typeface="Plantagenet Cherokee"/>
+        <a:font script="Yiii" typeface="Microsoft Yi Baiti"/>
+        <a:font script="Tibt" typeface="Microsoft Himalaya"/>
+        <a:font script="Thaa" typeface="MV Boli"/>
+        <a:font script="Deva" typeface="Mangal"/>
+        <a:font script="Telu" typeface="Gautami"/>
+        <a:font script="Taml" typeface="Latha"/>
+        <a:font script="Syrc" typeface="Estrangelo Edessa"/>
+        <a:font script="Orya" typeface="Kalinga"/>
+        <a:font script="Mlym" typeface="Kartika"/>
+        <a:font script="Laoo" typeface="DokChampa"/>
+        <a:font script="Sinh" typeface="Iskoola Pota"/>
+        <a:font script="Mong" typeface="Mongolian Baiti"/>
+        <a:font script="Viet" typeface="Times New Roman"/>
+        <a:font script="Uigh" typeface="Microsoft Uighur"/>
+        <a:font script="Geor" typeface="Sylfaen"/>
+      </a:majorFont>
+      <a:minorFont>
+        <a:latin typeface="Calibri"/>
+        <a:ea typeface=""/>
+        <a:cs typeface=""/>
+        <a:font script="Jpan" typeface="ＭＳ Ｐゴシック"/>
+        <a:font script="Hang" typeface="맑은 고딕"/>
+        <a:font script="Hans" typeface="宋体"/>
+        <a:font script="Hant" typeface="新細明體"/>
+        <a:font script="Arab" typeface="Arial"/>
+        <a:font script="Hebr" typeface="Arial"/>
+        <a:font script="Thai" typeface="Cordia New"/>
+        <a:font script="Ethi" typeface="Nyala"/>
+        <a:font script="Beng" typeface="Vrinda"/>
+        <a:font script="Gujr" typeface="Shruti"/>
+        <a:font script="Khmr" typeface="DaunPenh"/>
+        <a:font script="Knda" typeface="Tunga"/>
+        <a:font script="Guru" typeface="Raavi"/>
+        <a:font script="Cans" typeface="Euphemia"/>
+        <a:font script="Cher" typeface="Plantagenet Cherokee"/>
+        <a:font script="Yiii" typeface="Microsoft Yi Baiti"/>
+        <a:font script="Tibt" typeface="Microsoft Himalaya"/>
+        <a:font script="Thaa" typeface="MV Boli"/>
+        <a:font script="Deva" typeface="Mangal"/>
+        <a:font script="Telu" typeface="Gautami"/>
+        <a:font script="Taml" typeface="Latha"/>
+        <a:font script="Syrc" typeface="Estrangelo Edessa"/>
+        <a:font script="Orya" typeface="Kalinga"/>
+        <a:font script="Mlym" typeface="Kartika"/>
+        <a:font script="Laoo" typeface="DokChampa"/>
+        <a:font script="Sinh" typeface="Iskoola Pota"/>
+        <a:font script="Mong" typeface="Mongolian Baiti"/>
+        <a:font script="Viet" typeface="Arial"/>
+        <a:font script="Uigh" typeface="Microsoft Uighur"/>
+        <a:font script="Geor" typeface="Sylfaen"/>
+      </a:minorFont>
+    </a:fontScheme>
+    <a:fmtScheme name="Office">
+      <a:fillStyleLst>
+        <a:solidFill>
+          <a:schemeClr val="phClr"/>
+        </a:solidFill>
+        <a:gradFill rotWithShape="1">
+          <a:gsLst>
+            <a:gs pos="0">
+              <a:schemeClr val="phClr">
+                <a:tint val="50000"/>
+                <a:satMod val="300000"/>
+              </a:schemeClr>
+            </a:gs>
+            <a:gs pos="35000">
+              <a:schemeClr val="phClr">
+                <a:tint val="37000"/>
+                <a:satMod val="300000"/>
+              </a:schemeClr>
+            </a:gs>
+            <a:gs pos="100000">
+              <a:schemeClr val="phClr">
+                <a:tint val="15000"/>
+                <a:satMod val="350000"/>
+              </a:schemeClr>
+            </a:gs>
+          </a:gsLst>
+          <a:lin ang="16200000" scaled="1"/>
+        </a:gradFill>
+        <a:gradFill rotWithShape="1">
+          <a:gsLst>
+            <a:gs pos="0">
+              <a:schemeClr val="phClr">
+                <a:shade val="51000"/>
+                <a:satMod val="130000"/>
+              </a:schemeClr>
+            </a:gs>
+            <a:gs pos="80000">
+              <a:schemeClr val="phClr">
+                <a:shade val="93000"/>
+                <a:satMod val="130000"/>
+              </a:schemeClr>
+            </a:gs>
+            <a:gs pos="100000">
+              <a:schemeClr val="phClr">
+                <a:shade val="94000"/>
+                <a:satMod val="135000"/>
+              </a:schemeClr>
+            </a:gs>
+          </a:gsLst>
+          <a:lin ang="16200000" scaled="0"/>
+        </a:gradFill>
+      </a:fillStyleLst>
+      <a:lnStyleLst>
+        <a:ln w="9525" cap="flat" cmpd="sng" algn="ctr">
+          <a:solidFill>
+            <a:schemeClr val="phClr">
+              <a:shade val="95000"/>
+              <a:satMod val="105000"/>
+            </a:schemeClr>
+          </a:solidFill>
+          <a:prstDash val="solid"/>
+        </a:ln>
+        <a:ln w="25400" cap="flat" cmpd="sng" algn="ctr">
+          <a:solidFill>
+            <a:schemeClr val="phClr"/>
+          </a:solidFill>
+          <a:prstDash val="solid"/>
+        </a:ln>
+        <a:ln w="38100" cap="flat" cmpd="sng" algn="ctr">
+          <a:solidFill>
+            <a:schemeClr val="phClr"/>
+          </a:solidFill>
+          <a:prstDash val="solid"/>
+        </a:ln>
+      </a:lnStyleLst>
+      <a:effectStyleLst>
+        <a:effectStyle>
+          <a:effectLst>
+            <a:outerShdw blurRad="40000" dist="20000" dir="5400000" rotWithShape="0">
+              <a:srgbClr val="000000">
+                <a:alpha val="38000"/>
+              </a:srgbClr>
+            </a:outerShdw>
+          </a:effectLst>
+        </a:effectStyle>
+        <a:effectStyle>
+          <a:effectLst>
+            <a:outerShdw blurRad="40000" dist="23000" dir="5400000" rotWithShape="0">
+              <a:srgbClr val="000000">
+                <a:alpha val="35000"/>
+              </a:srgbClr>
+            </a:outerShdw>
+          </a:effectLst>
+        </a:effectStyle>
+        <a:effectStyle>
+          <a:effectLst>
+            <a:outerShdw blurRad="40000" dist="23000" dir="5400000" rotWithShape="0">
+              <a:srgbClr val="000000">
+                <a:alpha val="35000"/>
+              </a:srgbClr>
+            </a:outerShdw>
+          </a:effectLst>
+          <a:scene3d>
+            <a:camera prst="orthographicFront">
+              <a:rot lat="0" lon="0" rev="0"/>
+            </a:camera>
+            <a:lightRig rig="threePt" dir="t">
+              <a:rot lat="0" lon="0" rev="1200000"/>
+            </a:lightRig>
+          </a:scene3d>
+          <a:sp3d>
+            <a:bevelT w="63500" h="25400"/>
+          </a:sp3d>
+        </a:effectStyle>
+      </a:effectStyleLst>
+      <a:bgFillStyleLst>
+        <a:solidFill>
+          <a:schemeClr val="phClr"/>
+        </a:solidFill>
+        <a:gradFill rotWithShape="1">
+          <a:gsLst>
+            <a:gs pos="0">
+              <a:schemeClr val="phClr">
+                <a:tint val="40000"/>
+                <a:satMod val="350000"/>
+              </a:schemeClr>
+            </a:gs>
+            <a:gs pos="40000">
+              <a:schemeClr val="phClr">
+                <a:tint val="45000"/>
+                <a:shade val="99000"/>
+                <a:satMod val="350000"/>
+              </a:schemeClr>
+            </a:gs>
+            <a:gs pos="100000">
+              <a:schemeClr val="phClr">
+                <a:shade val="20000"/>
+                <a:satMod val="255000"/>
+              </a:schemeClr>
+            </a:gs>
+          </a:gsLst>
+          <a:path path="circle">
+            <a:fillToRect l="50000" t="-80000" r="50000" b="180000"/>
+          </a:path>
+        </a:gradFill>
+        <a:gradFill rotWithShape="1">
+          <a:gsLst>
+            <a:gs pos="0">
+              <a:schemeClr val="phClr">
+                <a:tint val="80000"/>
+                <a:satMod val="300000"/>
+              </a:schemeClr>
+            </a:gs>
+            <a:gs pos="100000">
+              <a:schemeClr val="phClr">
+                <a:shade val="30000"/>
+                <a:satMod val="200000"/>
+              </a:schemeClr>
+            </a:gs>
+          </a:gsLst>
+          <a:path path="circle">
+            <a:fillToRect l="50000" t="50000" r="50000" b="50000"/>
+          </a:path>
+        </a:gradFill>
+      </a:bgFillStyleLst>
+    </a:fmtScheme>
+  </a:themeElements>
+  <a:objectDefaults/>
+  <a:extraClrSchemeLst/>
+</a:theme>
 </file>
--- a/chalice2sil/doc/initial-project-presentation.pptx
+++ b/chalice2sil/doc/initial-project-presentation.pptx
@@ -197,7 +197,7 @@
           <a:p>
             <a:fld id="{6DB6AAD4-3FBA-4F1B-B7C1-5B70ABEEACFC}" type="datetimeFigureOut">
               <a:rPr lang="en-GB" smtClean="0"/>
-              <a:t>16/11/2011</a:t>
+              <a:t>17/11/2011</a:t>
             </a:fld>
             <a:endParaRPr lang="en-GB"/>
           </a:p>
@@ -982,7 +982,7 @@
           <a:p>
             <a:fld id="{21AFF90E-51F9-4729-BBD1-11D1E0841110}" type="datetimeFigureOut">
               <a:rPr lang="de-CH" smtClean="0"/>
-              <a:t>16.11.2011</a:t>
+              <a:t>17.11.2011</a:t>
             </a:fld>
             <a:endParaRPr lang="de-CH"/>
           </a:p>
@@ -1159,7 +1159,7 @@
           <a:p>
             <a:fld id="{21AFF90E-51F9-4729-BBD1-11D1E0841110}" type="datetimeFigureOut">
               <a:rPr lang="de-CH" smtClean="0"/>
-              <a:t>16.11.2011</a:t>
+              <a:t>17.11.2011</a:t>
             </a:fld>
             <a:endParaRPr lang="de-CH"/>
           </a:p>
@@ -1339,7 +1339,7 @@
           <a:p>
             <a:fld id="{21AFF90E-51F9-4729-BBD1-11D1E0841110}" type="datetimeFigureOut">
               <a:rPr lang="de-CH" smtClean="0"/>
-              <a:t>16.11.2011</a:t>
+              <a:t>17.11.2011</a:t>
             </a:fld>
             <a:endParaRPr lang="de-CH"/>
           </a:p>
@@ -1581,7 +1581,7 @@
           <a:p>
             <a:fld id="{86642A0F-B730-4E28-B731-7E298DDE1A66}" type="datetimeFigureOut">
               <a:rPr lang="en-GB" smtClean="0"/>
-              <a:t>16/11/2011</a:t>
+              <a:t>17/11/2011</a:t>
             </a:fld>
             <a:endParaRPr lang="en-GB"/>
           </a:p>
@@ -1758,7 +1758,7 @@
           <a:p>
             <a:fld id="{86642A0F-B730-4E28-B731-7E298DDE1A66}" type="datetimeFigureOut">
               <a:rPr lang="en-GB" smtClean="0"/>
-              <a:t>16/11/2011</a:t>
+              <a:t>17/11/2011</a:t>
             </a:fld>
             <a:endParaRPr lang="en-GB"/>
           </a:p>
@@ -2004,7 +2004,7 @@
           <a:p>
             <a:fld id="{86642A0F-B730-4E28-B731-7E298DDE1A66}" type="datetimeFigureOut">
               <a:rPr lang="en-GB" smtClean="0"/>
-              <a:t>16/11/2011</a:t>
+              <a:t>17/11/2011</a:t>
             </a:fld>
             <a:endParaRPr lang="en-GB"/>
           </a:p>
@@ -2292,7 +2292,7 @@
           <a:p>
             <a:fld id="{86642A0F-B730-4E28-B731-7E298DDE1A66}" type="datetimeFigureOut">
               <a:rPr lang="en-GB" smtClean="0"/>
-              <a:t>16/11/2011</a:t>
+              <a:t>17/11/2011</a:t>
             </a:fld>
             <a:endParaRPr lang="en-GB"/>
           </a:p>
@@ -2714,7 +2714,7 @@
           <a:p>
             <a:fld id="{86642A0F-B730-4E28-B731-7E298DDE1A66}" type="datetimeFigureOut">
               <a:rPr lang="en-GB" smtClean="0"/>
-              <a:t>16/11/2011</a:t>
+              <a:t>17/11/2011</a:t>
             </a:fld>
             <a:endParaRPr lang="en-GB"/>
           </a:p>
@@ -2832,7 +2832,7 @@
           <a:p>
             <a:fld id="{86642A0F-B730-4E28-B731-7E298DDE1A66}" type="datetimeFigureOut">
               <a:rPr lang="en-GB" smtClean="0"/>
-              <a:t>16/11/2011</a:t>
+              <a:t>17/11/2011</a:t>
             </a:fld>
             <a:endParaRPr lang="en-GB"/>
           </a:p>
@@ -2927,7 +2927,7 @@
           <a:p>
             <a:fld id="{86642A0F-B730-4E28-B731-7E298DDE1A66}" type="datetimeFigureOut">
               <a:rPr lang="en-GB" smtClean="0"/>
-              <a:t>16/11/2011</a:t>
+              <a:t>17/11/2011</a:t>
             </a:fld>
             <a:endParaRPr lang="en-GB"/>
           </a:p>
@@ -3204,7 +3204,7 @@
           <a:p>
             <a:fld id="{86642A0F-B730-4E28-B731-7E298DDE1A66}" type="datetimeFigureOut">
               <a:rPr lang="en-GB" smtClean="0"/>
-              <a:t>16/11/2011</a:t>
+              <a:t>17/11/2011</a:t>
             </a:fld>
             <a:endParaRPr lang="en-GB"/>
           </a:p>
@@ -3374,7 +3374,7 @@
           <a:p>
             <a:fld id="{21AFF90E-51F9-4729-BBD1-11D1E0841110}" type="datetimeFigureOut">
               <a:rPr lang="de-CH" smtClean="0"/>
-              <a:t>16.11.2011</a:t>
+              <a:t>17.11.2011</a:t>
             </a:fld>
             <a:endParaRPr lang="de-CH"/>
           </a:p>
@@ -3634,7 +3634,7 @@
           <a:p>
             <a:fld id="{86642A0F-B730-4E28-B731-7E298DDE1A66}" type="datetimeFigureOut">
               <a:rPr lang="en-GB" smtClean="0"/>
-              <a:t>16/11/2011</a:t>
+              <a:t>17/11/2011</a:t>
             </a:fld>
             <a:endParaRPr lang="en-GB"/>
           </a:p>
@@ -3804,7 +3804,7 @@
           <a:p>
             <a:fld id="{86642A0F-B730-4E28-B731-7E298DDE1A66}" type="datetimeFigureOut">
               <a:rPr lang="en-GB" smtClean="0"/>
-              <a:t>16/11/2011</a:t>
+              <a:t>17/11/2011</a:t>
             </a:fld>
             <a:endParaRPr lang="en-GB"/>
           </a:p>
@@ -3984,7 +3984,7 @@
           <a:p>
             <a:fld id="{86642A0F-B730-4E28-B731-7E298DDE1A66}" type="datetimeFigureOut">
               <a:rPr lang="en-GB" smtClean="0"/>
-              <a:t>16/11/2011</a:t>
+              <a:t>17/11/2011</a:t>
             </a:fld>
             <a:endParaRPr lang="en-GB"/>
           </a:p>
@@ -4230,7 +4230,7 @@
           <a:p>
             <a:fld id="{21AFF90E-51F9-4729-BBD1-11D1E0841110}" type="datetimeFigureOut">
               <a:rPr lang="de-CH" smtClean="0"/>
-              <a:t>16.11.2011</a:t>
+              <a:t>17.11.2011</a:t>
             </a:fld>
             <a:endParaRPr lang="de-CH"/>
           </a:p>
@@ -4518,7 +4518,7 @@
           <a:p>
             <a:fld id="{21AFF90E-51F9-4729-BBD1-11D1E0841110}" type="datetimeFigureOut">
               <a:rPr lang="de-CH" smtClean="0"/>
-              <a:t>16.11.2011</a:t>
+              <a:t>17.11.2011</a:t>
             </a:fld>
             <a:endParaRPr lang="de-CH"/>
           </a:p>
@@ -4940,7 +4940,7 @@
           <a:p>
             <a:fld id="{21AFF90E-51F9-4729-BBD1-11D1E0841110}" type="datetimeFigureOut">
               <a:rPr lang="de-CH" smtClean="0"/>
-              <a:t>16.11.2011</a:t>
+              <a:t>17.11.2011</a:t>
             </a:fld>
             <a:endParaRPr lang="de-CH"/>
           </a:p>
@@ -5058,7 +5058,7 @@
           <a:p>
             <a:fld id="{21AFF90E-51F9-4729-BBD1-11D1E0841110}" type="datetimeFigureOut">
               <a:rPr lang="de-CH" smtClean="0"/>
-              <a:t>16.11.2011</a:t>
+              <a:t>17.11.2011</a:t>
             </a:fld>
             <a:endParaRPr lang="de-CH"/>
           </a:p>
@@ -5153,7 +5153,7 @@
           <a:p>
             <a:fld id="{21AFF90E-51F9-4729-BBD1-11D1E0841110}" type="datetimeFigureOut">
               <a:rPr lang="de-CH" smtClean="0"/>
-              <a:t>16.11.2011</a:t>
+              <a:t>17.11.2011</a:t>
             </a:fld>
             <a:endParaRPr lang="de-CH"/>
           </a:p>
@@ -5430,7 +5430,7 @@
           <a:p>
             <a:fld id="{21AFF90E-51F9-4729-BBD1-11D1E0841110}" type="datetimeFigureOut">
               <a:rPr lang="de-CH" smtClean="0"/>
-              <a:t>16.11.2011</a:t>
+              <a:t>17.11.2011</a:t>
             </a:fld>
             <a:endParaRPr lang="de-CH"/>
           </a:p>
@@ -5683,7 +5683,7 @@
           <a:p>
             <a:fld id="{21AFF90E-51F9-4729-BBD1-11D1E0841110}" type="datetimeFigureOut">
               <a:rPr lang="de-CH" smtClean="0"/>
-              <a:t>16.11.2011</a:t>
+              <a:t>17.11.2011</a:t>
             </a:fld>
             <a:endParaRPr lang="de-CH"/>
           </a:p>
@@ -6048,7 +6048,7 @@
           <a:p>
             <a:fld id="{21AFF90E-51F9-4729-BBD1-11D1E0841110}" type="datetimeFigureOut">
               <a:rPr lang="de-CH" smtClean="0"/>
-              <a:t>16.11.2011</a:t>
+              <a:t>17.11.2011</a:t>
             </a:fld>
             <a:endParaRPr lang="de-CH"/>
           </a:p>
@@ -6748,7 +6748,7 @@
           <a:p>
             <a:fld id="{86642A0F-B730-4E28-B731-7E298DDE1A66}" type="datetimeFigureOut">
               <a:rPr lang="en-GB" smtClean="0"/>
-              <a:t>16/11/2011</a:t>
+              <a:t>17/11/2011</a:t>
             </a:fld>
             <a:endParaRPr lang="en-GB"/>
           </a:p>
@@ -7229,6 +7229,25 @@
             <a:r>
               <a:rPr lang="de-CH" dirty="0" err="1" smtClean="0"/>
               <a:t>Klauser</a:t>
+            </a:r>
+            <a:endParaRPr lang="de-CH" dirty="0" smtClean="0"/>
+          </a:p>
+          <a:p>
+            <a:r>
+              <a:rPr lang="de-CH" dirty="0" smtClean="0"/>
+              <a:t>Supervisor: </a:t>
+            </a:r>
+            <a:r>
+              <a:rPr lang="en-GB" dirty="0" err="1"/>
+              <a:t>Dr.</a:t>
+            </a:r>
+            <a:r>
+              <a:rPr lang="en-GB" dirty="0"/>
+              <a:t> </a:t>
+            </a:r>
+            <a:r>
+              <a:rPr lang="en-GB"/>
+              <a:t>Alex Summers</a:t>
             </a:r>
             <a:endParaRPr lang="en-GB" dirty="0"/>
           </a:p>

--- a/chalice2sil/doc/initial-project-presentation.pptx
+++ b/chalice2sil/doc/initial-project-presentation.pptx
@@ -6,14 +6,17 @@
     <p:sldMasterId id="2147483660" r:id="rId2"/>
   </p:sldMasterIdLst>
   <p:notesMasterIdLst>
-    <p:notesMasterId r:id="rId8"/>
+    <p:notesMasterId r:id="rId11"/>
   </p:notesMasterIdLst>
   <p:sldIdLst>
     <p:sldId id="256" r:id="rId3"/>
     <p:sldId id="257" r:id="rId4"/>
     <p:sldId id="258" r:id="rId5"/>
-    <p:sldId id="259" r:id="rId6"/>
-    <p:sldId id="260" r:id="rId7"/>
+    <p:sldId id="262" r:id="rId6"/>
+    <p:sldId id="263" r:id="rId7"/>
+    <p:sldId id="264" r:id="rId8"/>
+    <p:sldId id="261" r:id="rId9"/>
+    <p:sldId id="260" r:id="rId10"/>
   </p:sldIdLst>
   <p:sldSz cx="9144000" cy="6858000" type="screen4x3"/>
   <p:notesSz cx="6858000" cy="9144000"/>
@@ -465,342 +468,6 @@
 </p:notesMaster>
 </file>
 
-<file path=ppt/notesSlides/notesSlide1.xml><?xml version="1.0" encoding="utf-8"?>
-<p:notes xmlns:a="http://schemas.openxmlformats.org/drawingml/2006/main" xmlns:r="http://schemas.openxmlformats.org/officeDocument/2006/relationships" xmlns:p="http://schemas.openxmlformats.org/presentationml/2006/main">
-  <p:cSld>
-    <p:spTree>
-      <p:nvGrpSpPr>
-        <p:cNvPr id="1" name=""/>
-        <p:cNvGrpSpPr/>
-        <p:nvPr/>
-      </p:nvGrpSpPr>
-      <p:grpSpPr>
-        <a:xfrm>
-          <a:off x="0" y="0"/>
-          <a:ext cx="0" cy="0"/>
-          <a:chOff x="0" y="0"/>
-          <a:chExt cx="0" cy="0"/>
-        </a:xfrm>
-      </p:grpSpPr>
-      <p:sp>
-        <p:nvSpPr>
-          <p:cNvPr id="2" name="Slide Image Placeholder 1"/>
-          <p:cNvSpPr>
-            <a:spLocks noGrp="1" noRot="1" noChangeAspect="1"/>
-          </p:cNvSpPr>
-          <p:nvPr>
-            <p:ph type="sldImg"/>
-          </p:nvPr>
-        </p:nvSpPr>
-        <p:spPr/>
-      </p:sp>
-      <p:sp>
-        <p:nvSpPr>
-          <p:cNvPr id="3" name="Notes Placeholder 2"/>
-          <p:cNvSpPr>
-            <a:spLocks noGrp="1"/>
-          </p:cNvSpPr>
-          <p:nvPr>
-            <p:ph type="body" idx="1"/>
-          </p:nvPr>
-        </p:nvSpPr>
-        <p:spPr/>
-        <p:txBody>
-          <a:bodyPr/>
-          <a:lstStyle/>
-          <a:p>
-            <a:r>
-              <a:rPr lang="de-CH" dirty="0" err="1" smtClean="0"/>
-              <a:t>Chalice</a:t>
-            </a:r>
-            <a:r>
-              <a:rPr lang="de-CH" dirty="0" smtClean="0"/>
-              <a:t>: Experimental </a:t>
-            </a:r>
-            <a:r>
-              <a:rPr lang="de-CH" dirty="0" err="1" smtClean="0"/>
-              <a:t>programming</a:t>
-            </a:r>
-            <a:r>
-              <a:rPr lang="de-CH" dirty="0" smtClean="0"/>
-              <a:t> </a:t>
-            </a:r>
-            <a:r>
-              <a:rPr lang="de-CH" dirty="0" err="1" smtClean="0"/>
-              <a:t>language</a:t>
-            </a:r>
-            <a:r>
-              <a:rPr lang="de-CH" dirty="0" smtClean="0"/>
-              <a:t> </a:t>
-            </a:r>
-            <a:r>
-              <a:rPr lang="de-CH" dirty="0" err="1" smtClean="0"/>
-              <a:t>for</a:t>
-            </a:r>
-            <a:r>
-              <a:rPr lang="de-CH" dirty="0" smtClean="0"/>
-              <a:t> </a:t>
-            </a:r>
-            <a:r>
-              <a:rPr lang="de-CH" dirty="0" err="1" smtClean="0"/>
-              <a:t>specifying</a:t>
-            </a:r>
-            <a:r>
-              <a:rPr lang="de-CH" dirty="0" smtClean="0"/>
-              <a:t> </a:t>
-            </a:r>
-            <a:r>
-              <a:rPr lang="de-CH" dirty="0" err="1" smtClean="0"/>
-              <a:t>and</a:t>
-            </a:r>
-            <a:r>
-              <a:rPr lang="de-CH" dirty="0" smtClean="0"/>
-              <a:t> </a:t>
-            </a:r>
-            <a:r>
-              <a:rPr lang="de-CH" dirty="0" err="1" smtClean="0"/>
-              <a:t>verifying</a:t>
-            </a:r>
-            <a:r>
-              <a:rPr lang="de-CH" dirty="0" smtClean="0"/>
-              <a:t> </a:t>
-            </a:r>
-            <a:r>
-              <a:rPr lang="de-CH" dirty="0" err="1" smtClean="0"/>
-              <a:t>concurrent</a:t>
-            </a:r>
-            <a:r>
-              <a:rPr lang="de-CH" dirty="0" smtClean="0"/>
-              <a:t> </a:t>
-            </a:r>
-            <a:r>
-              <a:rPr lang="de-CH" dirty="0" err="1" smtClean="0"/>
-              <a:t>programs</a:t>
-            </a:r>
-            <a:r>
-              <a:rPr lang="de-CH" dirty="0" smtClean="0"/>
-              <a:t>.</a:t>
-            </a:r>
-            <a:r>
-              <a:rPr lang="de-CH" baseline="0" dirty="0" smtClean="0"/>
-              <a:t> </a:t>
-            </a:r>
-            <a:r>
-              <a:rPr lang="de-CH" baseline="0" dirty="0" err="1" smtClean="0"/>
-              <a:t>Centered</a:t>
-            </a:r>
-            <a:r>
-              <a:rPr lang="de-CH" baseline="0" dirty="0" smtClean="0"/>
-              <a:t> on </a:t>
-            </a:r>
-            <a:r>
-              <a:rPr lang="de-CH" baseline="0" dirty="0" err="1" smtClean="0"/>
-              <a:t>the</a:t>
-            </a:r>
-            <a:r>
-              <a:rPr lang="de-CH" baseline="0" dirty="0" smtClean="0"/>
-              <a:t> </a:t>
-            </a:r>
-            <a:r>
-              <a:rPr lang="de-CH" baseline="0" dirty="0" err="1" smtClean="0"/>
-              <a:t>idea</a:t>
-            </a:r>
-            <a:r>
-              <a:rPr lang="de-CH" baseline="0" dirty="0" smtClean="0"/>
-              <a:t> </a:t>
-            </a:r>
-            <a:r>
-              <a:rPr lang="de-CH" baseline="0" dirty="0" err="1" smtClean="0"/>
-              <a:t>of</a:t>
-            </a:r>
-            <a:r>
-              <a:rPr lang="de-CH" baseline="0" dirty="0" smtClean="0"/>
-              <a:t> </a:t>
-            </a:r>
-            <a:r>
-              <a:rPr lang="de-CH" baseline="0" dirty="0" err="1" smtClean="0"/>
-              <a:t>passing</a:t>
-            </a:r>
-            <a:r>
-              <a:rPr lang="de-CH" baseline="0" dirty="0" smtClean="0"/>
-              <a:t> </a:t>
-            </a:r>
-            <a:r>
-              <a:rPr lang="de-CH" baseline="0" dirty="0" err="1" smtClean="0"/>
-              <a:t>permissions</a:t>
-            </a:r>
-            <a:r>
-              <a:rPr lang="de-CH" baseline="0" dirty="0" smtClean="0"/>
-              <a:t> back </a:t>
-            </a:r>
-            <a:r>
-              <a:rPr lang="de-CH" baseline="0" dirty="0" err="1" smtClean="0"/>
-              <a:t>and</a:t>
-            </a:r>
-            <a:r>
-              <a:rPr lang="de-CH" baseline="0" dirty="0" smtClean="0"/>
-              <a:t> </a:t>
-            </a:r>
-            <a:r>
-              <a:rPr lang="de-CH" baseline="0" dirty="0" err="1" smtClean="0"/>
-              <a:t>forth</a:t>
-            </a:r>
-            <a:r>
-              <a:rPr lang="de-CH" baseline="0" dirty="0" smtClean="0"/>
-              <a:t> </a:t>
-            </a:r>
-            <a:r>
-              <a:rPr lang="de-CH" baseline="0" dirty="0" err="1" smtClean="0"/>
-              <a:t>permissions</a:t>
-            </a:r>
-            <a:r>
-              <a:rPr lang="de-CH" baseline="0" dirty="0" smtClean="0"/>
-              <a:t>. </a:t>
-            </a:r>
-          </a:p>
-          <a:p>
-            <a:r>
-              <a:rPr lang="de-CH" baseline="0" dirty="0" smtClean="0"/>
-              <a:t>SIL: intermediate </a:t>
-            </a:r>
-            <a:r>
-              <a:rPr lang="de-CH" baseline="0" dirty="0" err="1" smtClean="0"/>
-              <a:t>language</a:t>
-            </a:r>
-            <a:r>
-              <a:rPr lang="de-CH" baseline="0" dirty="0" smtClean="0"/>
-              <a:t> </a:t>
-            </a:r>
-            <a:r>
-              <a:rPr lang="de-CH" baseline="0" dirty="0" err="1" smtClean="0"/>
-              <a:t>of</a:t>
-            </a:r>
-            <a:r>
-              <a:rPr lang="de-CH" baseline="0" dirty="0" smtClean="0"/>
-              <a:t> </a:t>
-            </a:r>
-            <a:r>
-              <a:rPr lang="de-CH" baseline="0" dirty="0" err="1" smtClean="0"/>
-              <a:t>the</a:t>
-            </a:r>
-            <a:r>
-              <a:rPr lang="de-CH" baseline="0" dirty="0" smtClean="0"/>
-              <a:t> Semper </a:t>
-            </a:r>
-            <a:r>
-              <a:rPr lang="de-CH" baseline="0" dirty="0" err="1" smtClean="0"/>
-              <a:t>project</a:t>
-            </a:r>
-            <a:r>
-              <a:rPr lang="de-CH" baseline="0" dirty="0" smtClean="0"/>
-              <a:t>. </a:t>
-            </a:r>
-            <a:r>
-              <a:rPr lang="de-CH" baseline="0" dirty="0" err="1" smtClean="0"/>
-              <a:t>Knows</a:t>
-            </a:r>
-            <a:r>
-              <a:rPr lang="de-CH" baseline="0" dirty="0" smtClean="0"/>
-              <a:t> </a:t>
-            </a:r>
-            <a:r>
-              <a:rPr lang="de-CH" baseline="0" dirty="0" err="1" smtClean="0"/>
-              <a:t>about</a:t>
-            </a:r>
-            <a:r>
-              <a:rPr lang="de-CH" baseline="0" dirty="0" smtClean="0"/>
-              <a:t> </a:t>
-            </a:r>
-            <a:r>
-              <a:rPr lang="de-CH" baseline="0" dirty="0" err="1" smtClean="0"/>
-              <a:t>permissions</a:t>
-            </a:r>
-            <a:r>
-              <a:rPr lang="de-CH" baseline="0" dirty="0" smtClean="0"/>
-              <a:t>. </a:t>
-            </a:r>
-          </a:p>
-          <a:p>
-            <a:r>
-              <a:rPr lang="de-CH" baseline="0" dirty="0" err="1" smtClean="0"/>
-              <a:t>Isn’t</a:t>
-            </a:r>
-            <a:r>
-              <a:rPr lang="de-CH" baseline="0" dirty="0" smtClean="0"/>
-              <a:t> </a:t>
-            </a:r>
-            <a:r>
-              <a:rPr lang="de-CH" baseline="0" dirty="0" err="1" smtClean="0"/>
-              <a:t>actually</a:t>
-            </a:r>
-            <a:r>
-              <a:rPr lang="de-CH" baseline="0" dirty="0" smtClean="0"/>
-              <a:t> </a:t>
-            </a:r>
-            <a:r>
-              <a:rPr lang="de-CH" baseline="0" dirty="0" err="1" smtClean="0"/>
-              <a:t>translated</a:t>
-            </a:r>
-            <a:r>
-              <a:rPr lang="de-CH" baseline="0" dirty="0" smtClean="0"/>
-              <a:t> </a:t>
-            </a:r>
-            <a:r>
-              <a:rPr lang="de-CH" baseline="0" dirty="0" err="1" smtClean="0"/>
-              <a:t>like</a:t>
-            </a:r>
-            <a:r>
-              <a:rPr lang="de-CH" baseline="0" dirty="0" smtClean="0"/>
-              <a:t> </a:t>
-            </a:r>
-            <a:r>
-              <a:rPr lang="de-CH" baseline="0" dirty="0" err="1" smtClean="0"/>
-              <a:t>this</a:t>
-            </a:r>
-            <a:r>
-              <a:rPr lang="de-CH" baseline="0" dirty="0" smtClean="0"/>
-              <a:t>.</a:t>
-            </a:r>
-            <a:endParaRPr lang="en-GB" dirty="0"/>
-          </a:p>
-        </p:txBody>
-      </p:sp>
-      <p:sp>
-        <p:nvSpPr>
-          <p:cNvPr id="4" name="Slide Number Placeholder 3"/>
-          <p:cNvSpPr>
-            <a:spLocks noGrp="1"/>
-          </p:cNvSpPr>
-          <p:nvPr>
-            <p:ph type="sldNum" sz="quarter" idx="10"/>
-          </p:nvPr>
-        </p:nvSpPr>
-        <p:spPr/>
-        <p:txBody>
-          <a:bodyPr/>
-          <a:lstStyle/>
-          <a:p>
-            <a:fld id="{16B1BCD3-814F-4AEE-A9E6-455F5C1EE547}" type="slidenum">
-              <a:rPr lang="en-GB" smtClean="0"/>
-              <a:t>4</a:t>
-            </a:fld>
-            <a:endParaRPr lang="en-GB"/>
-          </a:p>
-        </p:txBody>
-      </p:sp>
-    </p:spTree>
-    <p:extLst>
-      <p:ext uri="{BB962C8B-B14F-4D97-AF65-F5344CB8AC3E}">
-        <p14:creationId xmlns:p14="http://schemas.microsoft.com/office/powerpoint/2010/main" val="867580933"/>
-      </p:ext>
-    </p:extLst>
-  </p:cSld>
-  <p:clrMapOvr>
-    <a:masterClrMapping/>
-  </p:clrMapOvr>
-</p:notes>
-</file>
-
 <file path=ppt/slideLayouts/slideLayout1.xml><?xml version="1.0" encoding="utf-8"?>
 <p:sldLayout xmlns:a="http://schemas.openxmlformats.org/drawingml/2006/main" xmlns:r="http://schemas.openxmlformats.org/officeDocument/2006/relationships" xmlns:p="http://schemas.openxmlformats.org/presentationml/2006/main" type="title" preserve="1">
   <p:cSld name="Title Slide">
@@ -5911,10 +5578,14 @@
           <a:p>
             <a:pPr algn="ctr"/>
             <a:r>
-              <a:rPr lang="de-CH" sz="2800" dirty="0" smtClean="0"/>
+              <a:rPr lang="de-CH" sz="2800" dirty="0" smtClean="0">
+                <a:latin typeface="+mj-lt"/>
+              </a:rPr>
               <a:t>Chalice2SIL</a:t>
             </a:r>
-            <a:endParaRPr lang="en-GB" sz="2800" dirty="0"/>
+            <a:endParaRPr lang="en-GB" sz="2800" dirty="0">
+              <a:latin typeface="+mj-lt"/>
+            </a:endParaRPr>
           </a:p>
         </p:txBody>
       </p:sp>
@@ -6173,10 +5844,14 @@
           <a:p>
             <a:pPr algn="ctr"/>
             <a:r>
-              <a:rPr lang="de-CH" sz="2800" dirty="0" smtClean="0"/>
+              <a:rPr lang="de-CH" sz="2800" dirty="0" smtClean="0">
+                <a:latin typeface="+mj-lt"/>
+              </a:rPr>
               <a:t>Semper  </a:t>
             </a:r>
-            <a:endParaRPr lang="en-GB" sz="2800" dirty="0"/>
+            <a:endParaRPr lang="en-GB" sz="2800" dirty="0">
+              <a:latin typeface="+mj-lt"/>
+            </a:endParaRPr>
           </a:p>
         </p:txBody>
       </p:sp>
@@ -6873,10 +6548,14 @@
           <a:p>
             <a:pPr algn="ctr"/>
             <a:r>
-              <a:rPr lang="de-CH" sz="2800" dirty="0" smtClean="0"/>
+              <a:rPr lang="de-CH" sz="2800" dirty="0" smtClean="0">
+                <a:latin typeface="+mj-lt"/>
+              </a:rPr>
               <a:t>Semper  </a:t>
             </a:r>
-            <a:endParaRPr lang="en-GB" sz="2800" dirty="0"/>
+            <a:endParaRPr lang="en-GB" sz="2800" dirty="0">
+              <a:latin typeface="+mj-lt"/>
+            </a:endParaRPr>
           </a:p>
         </p:txBody>
       </p:sp>
@@ -7194,10 +6873,10 @@
           <a:lstStyle/>
           <a:p>
             <a:r>
-              <a:rPr lang="en-GB" smtClean="0"/>
+              <a:rPr lang="en-GB" dirty="0" smtClean="0"/>
               <a:t>Translating Chalice into SIL</a:t>
             </a:r>
-            <a:endParaRPr lang="en-GB"/>
+            <a:endParaRPr lang="en-GB" dirty="0"/>
           </a:p>
         </p:txBody>
       </p:sp>
@@ -7555,10 +7234,10 @@
           <a:lstStyle/>
           <a:p>
             <a:r>
-              <a:rPr lang="en-GB" smtClean="0"/>
+              <a:rPr lang="en-GB" dirty="0" smtClean="0"/>
               <a:t>Semper Architecture Design</a:t>
             </a:r>
-            <a:endParaRPr lang="en-GB"/>
+            <a:endParaRPr lang="en-GB" dirty="0"/>
           </a:p>
         </p:txBody>
       </p:sp>
@@ -7602,10 +7281,14 @@
           <a:p>
             <a:pPr algn="ctr"/>
             <a:r>
-              <a:rPr lang="de-CH" dirty="0" smtClean="0"/>
+              <a:rPr lang="de-CH" dirty="0" smtClean="0">
+                <a:latin typeface="+mj-lt"/>
+              </a:rPr>
               <a:t>Scala</a:t>
             </a:r>
-            <a:endParaRPr lang="en-GB" dirty="0"/>
+            <a:endParaRPr lang="en-GB" dirty="0">
+              <a:latin typeface="+mj-lt"/>
+            </a:endParaRPr>
           </a:p>
         </p:txBody>
       </p:sp>
@@ -7649,10 +7332,14 @@
           <a:p>
             <a:pPr algn="ctr"/>
             <a:r>
-              <a:rPr lang="de-CH" dirty="0" smtClean="0"/>
+              <a:rPr lang="de-CH" dirty="0" smtClean="0">
+                <a:latin typeface="+mj-lt"/>
+              </a:rPr>
               <a:t>SIL-PL</a:t>
             </a:r>
-            <a:endParaRPr lang="en-GB" dirty="0"/>
+            <a:endParaRPr lang="en-GB" dirty="0">
+              <a:latin typeface="+mj-lt"/>
+            </a:endParaRPr>
           </a:p>
         </p:txBody>
       </p:sp>
@@ -7696,10 +7383,14 @@
           <a:p>
             <a:pPr algn="ctr"/>
             <a:r>
-              <a:rPr lang="en-GB" smtClean="0"/>
+              <a:rPr lang="en-GB" smtClean="0">
+                <a:latin typeface="+mj-lt"/>
+              </a:rPr>
               <a:t>Chalice</a:t>
             </a:r>
-            <a:endParaRPr lang="en-GB"/>
+            <a:endParaRPr lang="en-GB">
+              <a:latin typeface="+mj-lt"/>
+            </a:endParaRPr>
           </a:p>
         </p:txBody>
       </p:sp>
@@ -7743,10 +7434,14 @@
           <a:p>
             <a:pPr algn="ctr"/>
             <a:r>
-              <a:rPr lang="de-CH" dirty="0" smtClean="0"/>
+              <a:rPr lang="de-CH" dirty="0" smtClean="0">
+                <a:latin typeface="+mj-lt"/>
+              </a:rPr>
               <a:t>SIL</a:t>
             </a:r>
-            <a:endParaRPr lang="en-GB" dirty="0"/>
+            <a:endParaRPr lang="en-GB" dirty="0">
+              <a:latin typeface="+mj-lt"/>
+            </a:endParaRPr>
           </a:p>
         </p:txBody>
       </p:sp>
@@ -7790,10 +7485,14 @@
           <a:p>
             <a:pPr algn="ctr"/>
             <a:r>
-              <a:rPr lang="en-GB" dirty="0" smtClean="0"/>
+              <a:rPr lang="en-GB" dirty="0" smtClean="0">
+                <a:latin typeface="+mj-lt"/>
+              </a:rPr>
               <a:t>Verifier</a:t>
             </a:r>
-            <a:endParaRPr lang="en-GB" dirty="0"/>
+            <a:endParaRPr lang="en-GB" dirty="0">
+              <a:latin typeface="+mj-lt"/>
+            </a:endParaRPr>
           </a:p>
         </p:txBody>
       </p:sp>
@@ -7837,10 +7536,14 @@
           <a:p>
             <a:pPr algn="ctr"/>
             <a:r>
-              <a:rPr lang="de-CH" dirty="0" smtClean="0"/>
+              <a:rPr lang="de-CH" dirty="0" smtClean="0">
+                <a:latin typeface="+mj-lt"/>
+              </a:rPr>
               <a:t>Sample</a:t>
             </a:r>
-            <a:endParaRPr lang="en-GB" dirty="0"/>
+            <a:endParaRPr lang="en-GB" dirty="0">
+              <a:latin typeface="+mj-lt"/>
+            </a:endParaRPr>
           </a:p>
         </p:txBody>
       </p:sp>
@@ -7884,10 +7587,14 @@
           <a:p>
             <a:pPr algn="ctr"/>
             <a:r>
-              <a:rPr lang="en-GB" smtClean="0"/>
+              <a:rPr lang="en-GB" smtClean="0">
+                <a:latin typeface="+mj-lt"/>
+              </a:rPr>
               <a:t>Slicer</a:t>
             </a:r>
-            <a:endParaRPr lang="en-GB"/>
+            <a:endParaRPr lang="en-GB">
+              <a:latin typeface="+mj-lt"/>
+            </a:endParaRPr>
           </a:p>
         </p:txBody>
       </p:sp>
@@ -7931,10 +7638,14 @@
           <a:p>
             <a:pPr algn="ctr"/>
             <a:r>
-              <a:rPr lang="en-GB" dirty="0" smtClean="0"/>
+              <a:rPr lang="en-GB" dirty="0" smtClean="0">
+                <a:latin typeface="+mj-lt"/>
+              </a:rPr>
               <a:t>Tuner</a:t>
             </a:r>
-            <a:endParaRPr lang="en-GB" dirty="0"/>
+            <a:endParaRPr lang="en-GB" dirty="0">
+              <a:latin typeface="+mj-lt"/>
+            </a:endParaRPr>
           </a:p>
         </p:txBody>
       </p:sp>
@@ -7978,10 +7689,14 @@
           <a:p>
             <a:pPr algn="ctr"/>
             <a:r>
-              <a:rPr lang="en-GB" dirty="0" smtClean="0"/>
+              <a:rPr lang="en-GB" dirty="0" smtClean="0">
+                <a:latin typeface="+mj-lt"/>
+              </a:rPr>
               <a:t>Z3</a:t>
             </a:r>
-            <a:endParaRPr lang="en-GB" dirty="0"/>
+            <a:endParaRPr lang="en-GB" dirty="0">
+              <a:latin typeface="+mj-lt"/>
+            </a:endParaRPr>
           </a:p>
         </p:txBody>
       </p:sp>
@@ -8427,18 +8142,40 @@
           <a:bodyPr/>
           <a:lstStyle/>
           <a:p>
-            <a:pPr>
-              <a:tabLst>
-                <a:tab pos="4216400" algn="l"/>
-              </a:tabLst>
-            </a:pPr>
             <a:r>
               <a:rPr lang="de-CH" dirty="0" err="1" smtClean="0"/>
               <a:t>Chalice</a:t>
             </a:r>
+            <a:endParaRPr lang="en-GB" dirty="0"/>
+          </a:p>
+        </p:txBody>
+      </p:sp>
+      <p:sp>
+        <p:nvSpPr>
+          <p:cNvPr id="3" name="Content Placeholder 2"/>
+          <p:cNvSpPr>
+            <a:spLocks noGrp="1"/>
+          </p:cNvSpPr>
+          <p:nvPr>
+            <p:ph sz="half" idx="1"/>
+          </p:nvPr>
+        </p:nvSpPr>
+        <p:spPr/>
+        <p:txBody>
+          <a:bodyPr/>
+          <a:lstStyle/>
+          <a:p>
+            <a:r>
+              <a:rPr lang="de-CH" dirty="0" err="1" smtClean="0"/>
+              <a:t>Annotated</a:t>
+            </a:r>
             <a:r>
               <a:rPr lang="de-CH" dirty="0" smtClean="0"/>
-              <a:t>	SIL</a:t>
+              <a:t> </a:t>
+            </a:r>
+            <a:r>
+              <a:rPr lang="de-CH" dirty="0" err="1" smtClean="0"/>
+              <a:t>Methods</a:t>
             </a:r>
             <a:endParaRPr lang="en-GB" dirty="0"/>
           </a:p>
@@ -8451,7 +8188,7 @@
             <a:spLocks noGrp="1"/>
           </p:cNvSpPr>
           <p:nvPr>
-            <p:ph sz="half" idx="1"/>
+            <p:ph sz="half" idx="2"/>
           </p:nvPr>
         </p:nvSpPr>
         <p:spPr/>
@@ -8463,186 +8200,393 @@
           <a:p>
             <a:pPr marL="0" indent="0">
               <a:buNone/>
+              <a:tabLst>
+                <a:tab pos="177800" algn="l"/>
+                <a:tab pos="355600" algn="l"/>
+              </a:tabLst>
             </a:pPr>
             <a:r>
-              <a:rPr lang="de-CH" sz="1800" dirty="0" err="1" smtClean="0">
+              <a:rPr lang="en-GB" sz="1800" spc="-150" dirty="0">
                 <a:latin typeface="Consolas" pitchFamily="49" charset="0"/>
                 <a:cs typeface="Consolas" pitchFamily="49" charset="0"/>
               </a:rPr>
-              <a:t>method</a:t>
-            </a:r>
-            <a:r>
-              <a:rPr lang="de-CH" sz="1800" dirty="0" smtClean="0">
+              <a:t>class Cell {</a:t>
+            </a:r>
+          </a:p>
+          <a:p>
+            <a:pPr marL="0" indent="0">
+              <a:buNone/>
+              <a:tabLst>
+                <a:tab pos="177800" algn="l"/>
+                <a:tab pos="355600" algn="l"/>
+              </a:tabLst>
+            </a:pPr>
+            <a:r>
+              <a:rPr lang="en-GB" sz="1800" spc="-150" dirty="0">
                 <a:latin typeface="Consolas" pitchFamily="49" charset="0"/>
                 <a:cs typeface="Consolas" pitchFamily="49" charset="0"/>
               </a:rPr>
-              <a:t> n()</a:t>
+              <a:t>    </a:t>
+            </a:r>
+            <a:r>
+              <a:rPr lang="en-GB" sz="1800" spc="-150" dirty="0" err="1">
+                <a:latin typeface="Consolas" pitchFamily="49" charset="0"/>
+                <a:cs typeface="Consolas" pitchFamily="49" charset="0"/>
+              </a:rPr>
+              <a:t>var</a:t>
+            </a:r>
+            <a:r>
+              <a:rPr lang="en-GB" sz="1800" spc="-150" dirty="0">
+                <a:latin typeface="Consolas" pitchFamily="49" charset="0"/>
+                <a:cs typeface="Consolas" pitchFamily="49" charset="0"/>
+              </a:rPr>
+              <a:t> v: </a:t>
+            </a:r>
+            <a:r>
+              <a:rPr lang="en-GB" sz="1800" spc="-150" dirty="0" err="1">
+                <a:latin typeface="Consolas" pitchFamily="49" charset="0"/>
+                <a:cs typeface="Consolas" pitchFamily="49" charset="0"/>
+              </a:rPr>
+              <a:t>int</a:t>
+            </a:r>
+            <a:r>
+              <a:rPr lang="en-GB" sz="1800" spc="-150" dirty="0">
+                <a:latin typeface="Consolas" pitchFamily="49" charset="0"/>
+                <a:cs typeface="Consolas" pitchFamily="49" charset="0"/>
+              </a:rPr>
+              <a:t>;</a:t>
             </a:r>
           </a:p>
           <a:p>
             <a:pPr marL="0" indent="0">
               <a:buNone/>
               <a:tabLst>
-                <a:tab pos="271463" algn="l"/>
-                <a:tab pos="541338" algn="l"/>
+                <a:tab pos="177800" algn="l"/>
+                <a:tab pos="355600" algn="l"/>
               </a:tabLst>
             </a:pPr>
             <a:r>
-              <a:rPr lang="de-CH" sz="1800" dirty="0">
+              <a:rPr lang="en-GB" sz="1800" spc="-150" dirty="0">
                 <a:latin typeface="Consolas" pitchFamily="49" charset="0"/>
                 <a:cs typeface="Consolas" pitchFamily="49" charset="0"/>
               </a:rPr>
-              <a:t>	</a:t>
-            </a:r>
-            <a:r>
-              <a:rPr lang="de-CH" sz="1800" dirty="0" err="1" smtClean="0">
+              <a:t>    </a:t>
+            </a:r>
+          </a:p>
+          <a:p>
+            <a:pPr marL="0" indent="0">
+              <a:buNone/>
+              <a:tabLst>
+                <a:tab pos="177800" algn="l"/>
+                <a:tab pos="355600" algn="l"/>
+              </a:tabLst>
+            </a:pPr>
+            <a:r>
+              <a:rPr lang="en-GB" sz="1800" spc="-150" dirty="0">
                 <a:latin typeface="Consolas" pitchFamily="49" charset="0"/>
                 <a:cs typeface="Consolas" pitchFamily="49" charset="0"/>
               </a:rPr>
-              <a:t>requires</a:t>
-            </a:r>
-            <a:r>
-              <a:rPr lang="de-CH" sz="1800" dirty="0" smtClean="0">
+              <a:t>    method </a:t>
+            </a:r>
+            <a:r>
+              <a:rPr lang="en-GB" sz="1800" spc="-150" dirty="0" err="1">
                 <a:latin typeface="Consolas" pitchFamily="49" charset="0"/>
                 <a:cs typeface="Consolas" pitchFamily="49" charset="0"/>
               </a:rPr>
-              <a:t> </a:t>
-            </a:r>
-            <a:r>
-              <a:rPr lang="de-CH" sz="1800" dirty="0" err="1" smtClean="0">
+              <a:t>inc</a:t>
+            </a:r>
+            <a:r>
+              <a:rPr lang="en-GB" sz="1800" spc="-150" dirty="0">
                 <a:latin typeface="Consolas" pitchFamily="49" charset="0"/>
                 <a:cs typeface="Consolas" pitchFamily="49" charset="0"/>
               </a:rPr>
-              <a:t>rd</a:t>
-            </a:r>
-            <a:r>
-              <a:rPr lang="de-CH" sz="1800" dirty="0" smtClean="0">
+              <a:t>(d: </a:t>
+            </a:r>
+            <a:r>
+              <a:rPr lang="en-GB" sz="1800" spc="-150" dirty="0" err="1">
                 <a:latin typeface="Consolas" pitchFamily="49" charset="0"/>
                 <a:cs typeface="Consolas" pitchFamily="49" charset="0"/>
               </a:rPr>
-              <a:t>(</a:t>
-            </a:r>
-            <a:r>
-              <a:rPr lang="de-CH" sz="1800" dirty="0" err="1" smtClean="0">
+              <a:t>int</a:t>
+            </a:r>
+            <a:r>
+              <a:rPr lang="en-GB" sz="1800" spc="-150" dirty="0">
                 <a:latin typeface="Consolas" pitchFamily="49" charset="0"/>
                 <a:cs typeface="Consolas" pitchFamily="49" charset="0"/>
               </a:rPr>
-              <a:t>this.f</a:t>
-            </a:r>
-            <a:r>
-              <a:rPr lang="de-CH" sz="1800" dirty="0" smtClean="0">
+              <a:t>)</a:t>
+            </a:r>
+          </a:p>
+          <a:p>
+            <a:pPr marL="0" indent="0">
+              <a:buNone/>
+              <a:tabLst>
+                <a:tab pos="177800" algn="l"/>
+                <a:tab pos="355600" algn="l"/>
+              </a:tabLst>
+            </a:pPr>
+            <a:r>
+              <a:rPr lang="en-GB" sz="1800" spc="-150" dirty="0">
                 <a:latin typeface="Consolas" pitchFamily="49" charset="0"/>
                 <a:cs typeface="Consolas" pitchFamily="49" charset="0"/>
               </a:rPr>
-              <a:t>) </a:t>
-            </a:r>
-            <a:r>
-              <a:rPr lang="de-CH" sz="1800" dirty="0">
+              <a:t>        requires 0 &lt; d;</a:t>
+            </a:r>
+          </a:p>
+          <a:p>
+            <a:pPr marL="0" indent="0">
+              <a:buNone/>
+              <a:tabLst>
+                <a:tab pos="177800" algn="l"/>
+                <a:tab pos="355600" algn="l"/>
+              </a:tabLst>
+            </a:pPr>
+            <a:r>
+              <a:rPr lang="en-GB" sz="1800" spc="-150" dirty="0">
                 <a:latin typeface="Consolas" pitchFamily="49" charset="0"/>
                 <a:cs typeface="Consolas" pitchFamily="49" charset="0"/>
               </a:rPr>
-              <a:t>	</a:t>
-            </a:r>
-            <a:r>
-              <a:rPr lang="de-CH" sz="1800" dirty="0" err="1" smtClean="0">
+              <a:t>        ensures v == old(v) + d;</a:t>
+            </a:r>
+          </a:p>
+          <a:p>
+            <a:pPr marL="0" indent="0">
+              <a:buNone/>
+              <a:tabLst>
+                <a:tab pos="177800" algn="l"/>
+                <a:tab pos="355600" algn="l"/>
+              </a:tabLst>
+            </a:pPr>
+            <a:r>
+              <a:rPr lang="en-GB" sz="1800" spc="-150" dirty="0">
                 <a:latin typeface="Consolas" pitchFamily="49" charset="0"/>
                 <a:cs typeface="Consolas" pitchFamily="49" charset="0"/>
               </a:rPr>
-              <a:t>ensures</a:t>
-            </a:r>
-            <a:r>
-              <a:rPr lang="de-CH" sz="1800" dirty="0" smtClean="0">
+              <a:t>    {   v := v + d; }</a:t>
+            </a:r>
+          </a:p>
+          <a:p>
+            <a:pPr marL="0" indent="0">
+              <a:buNone/>
+              <a:tabLst>
+                <a:tab pos="177800" algn="l"/>
+                <a:tab pos="355600" algn="l"/>
+              </a:tabLst>
+            </a:pPr>
+            <a:r>
+              <a:rPr lang="en-GB" sz="1800" spc="-150" dirty="0">
                 <a:latin typeface="Consolas" pitchFamily="49" charset="0"/>
                 <a:cs typeface="Consolas" pitchFamily="49" charset="0"/>
               </a:rPr>
-              <a:t>  </a:t>
-            </a:r>
-            <a:r>
-              <a:rPr lang="de-CH" sz="1800" dirty="0" err="1" smtClean="0">
+              <a:t>}</a:t>
+            </a:r>
+          </a:p>
+        </p:txBody>
+      </p:sp>
+    </p:spTree>
+    <p:extLst>
+      <p:ext uri="{BB962C8B-B14F-4D97-AF65-F5344CB8AC3E}">
+        <p14:creationId xmlns:p14="http://schemas.microsoft.com/office/powerpoint/2010/main" val="996484789"/>
+      </p:ext>
+    </p:extLst>
+  </p:cSld>
+  <p:clrMapOvr>
+    <a:masterClrMapping/>
+  </p:clrMapOvr>
+</p:sld>
+</file>
+
+<file path=ppt/slides/slide5.xml><?xml version="1.0" encoding="utf-8"?>
+<p:sld xmlns:a="http://schemas.openxmlformats.org/drawingml/2006/main" xmlns:r="http://schemas.openxmlformats.org/officeDocument/2006/relationships" xmlns:p="http://schemas.openxmlformats.org/presentationml/2006/main">
+  <p:cSld>
+    <p:spTree>
+      <p:nvGrpSpPr>
+        <p:cNvPr id="1" name=""/>
+        <p:cNvGrpSpPr/>
+        <p:nvPr/>
+      </p:nvGrpSpPr>
+      <p:grpSpPr>
+        <a:xfrm>
+          <a:off x="0" y="0"/>
+          <a:ext cx="0" cy="0"/>
+          <a:chOff x="0" y="0"/>
+          <a:chExt cx="0" cy="0"/>
+        </a:xfrm>
+      </p:grpSpPr>
+      <p:sp>
+        <p:nvSpPr>
+          <p:cNvPr id="2" name="Title 1"/>
+          <p:cNvSpPr>
+            <a:spLocks noGrp="1"/>
+          </p:cNvSpPr>
+          <p:nvPr>
+            <p:ph type="title"/>
+          </p:nvPr>
+        </p:nvSpPr>
+        <p:spPr/>
+        <p:txBody>
+          <a:bodyPr/>
+          <a:lstStyle/>
+          <a:p>
+            <a:r>
+              <a:rPr lang="de-CH" dirty="0" err="1" smtClean="0"/>
+              <a:t>Chalice</a:t>
+            </a:r>
+            <a:endParaRPr lang="en-GB" dirty="0"/>
+          </a:p>
+        </p:txBody>
+      </p:sp>
+      <p:sp>
+        <p:nvSpPr>
+          <p:cNvPr id="3" name="Content Placeholder 2"/>
+          <p:cNvSpPr>
+            <a:spLocks noGrp="1"/>
+          </p:cNvSpPr>
+          <p:nvPr>
+            <p:ph sz="half" idx="1"/>
+          </p:nvPr>
+        </p:nvSpPr>
+        <p:spPr/>
+        <p:txBody>
+          <a:bodyPr>
+            <a:normAutofit/>
+          </a:bodyPr>
+          <a:lstStyle/>
+          <a:p>
+            <a:r>
+              <a:rPr lang="de-CH" dirty="0" err="1" smtClean="0"/>
+              <a:t>Annotated</a:t>
+            </a:r>
+            <a:r>
+              <a:rPr lang="de-CH" dirty="0" smtClean="0"/>
+              <a:t> </a:t>
+            </a:r>
+            <a:r>
+              <a:rPr lang="de-CH" dirty="0" err="1" smtClean="0"/>
+              <a:t>Methods</a:t>
+            </a:r>
+            <a:endParaRPr lang="de-CH" dirty="0" smtClean="0"/>
+          </a:p>
+          <a:p>
+            <a:r>
+              <a:rPr lang="de-CH" dirty="0" smtClean="0"/>
+              <a:t>Monitors</a:t>
+            </a:r>
+          </a:p>
+          <a:p>
+            <a:r>
+              <a:rPr lang="de-CH" dirty="0" err="1" smtClean="0"/>
+              <a:t>Predicates</a:t>
+            </a:r>
+            <a:r>
+              <a:rPr lang="de-CH" dirty="0" smtClean="0"/>
+              <a:t>/</a:t>
+            </a:r>
+            <a:r>
+              <a:rPr lang="de-CH" dirty="0" err="1" smtClean="0"/>
+              <a:t>Functions</a:t>
+            </a:r>
+            <a:endParaRPr lang="de-CH" dirty="0" smtClean="0"/>
+          </a:p>
+        </p:txBody>
+      </p:sp>
+      <p:sp>
+        <p:nvSpPr>
+          <p:cNvPr id="4" name="Content Placeholder 3"/>
+          <p:cNvSpPr>
+            <a:spLocks noGrp="1"/>
+          </p:cNvSpPr>
+          <p:nvPr>
+            <p:ph sz="half" idx="2"/>
+          </p:nvPr>
+        </p:nvSpPr>
+        <p:spPr>
+          <a:xfrm>
+            <a:off x="4648200" y="1600200"/>
+            <a:ext cx="4100264" cy="4853136"/>
+          </a:xfrm>
+        </p:spPr>
+        <p:txBody>
+          <a:bodyPr>
+            <a:normAutofit/>
+          </a:bodyPr>
+          <a:lstStyle/>
+          <a:p>
+            <a:pPr marL="0" indent="0">
+              <a:buNone/>
+              <a:tabLst>
+                <a:tab pos="177800" algn="l"/>
+                <a:tab pos="355600" algn="l"/>
+              </a:tabLst>
+            </a:pPr>
+            <a:r>
+              <a:rPr lang="en-GB" sz="1800" spc="-150" dirty="0">
                 <a:latin typeface="Consolas" pitchFamily="49" charset="0"/>
                 <a:cs typeface="Consolas" pitchFamily="49" charset="0"/>
               </a:rPr>
-              <a:t>rd</a:t>
-            </a:r>
-            <a:r>
-              <a:rPr lang="de-CH" sz="1800" dirty="0" smtClean="0">
+              <a:t>class Cell </a:t>
+            </a:r>
+            <a:r>
+              <a:rPr lang="en-GB" sz="1800" spc="-150" dirty="0" smtClean="0">
                 <a:latin typeface="Consolas" pitchFamily="49" charset="0"/>
                 <a:cs typeface="Consolas" pitchFamily="49" charset="0"/>
               </a:rPr>
-              <a:t>(</a:t>
-            </a:r>
-            <a:r>
-              <a:rPr lang="de-CH" sz="1800" dirty="0" err="1" smtClean="0">
+              <a:t>{</a:t>
+            </a:r>
+          </a:p>
+          <a:p>
+            <a:pPr marL="0" indent="0">
+              <a:buNone/>
+              <a:tabLst>
+                <a:tab pos="177800" algn="l"/>
+                <a:tab pos="355600" algn="l"/>
+              </a:tabLst>
+            </a:pPr>
+            <a:r>
+              <a:rPr lang="en-GB" sz="1800" spc="-150" dirty="0" smtClean="0">
                 <a:latin typeface="Consolas" pitchFamily="49" charset="0"/>
                 <a:cs typeface="Consolas" pitchFamily="49" charset="0"/>
               </a:rPr>
-              <a:t>this.f</a:t>
-            </a:r>
-            <a:r>
-              <a:rPr lang="de-CH" sz="1800" dirty="0" smtClean="0">
+              <a:t>	</a:t>
+            </a:r>
+            <a:r>
+              <a:rPr lang="en-GB" sz="1800" spc="-150" dirty="0" err="1" smtClean="0">
                 <a:latin typeface="Consolas" pitchFamily="49" charset="0"/>
                 <a:cs typeface="Consolas" pitchFamily="49" charset="0"/>
               </a:rPr>
-              <a:t>)</a:t>
+              <a:t>var</a:t>
+            </a:r>
+            <a:r>
+              <a:rPr lang="en-GB" sz="1800" spc="-150" dirty="0" smtClean="0">
+                <a:latin typeface="Consolas" pitchFamily="49" charset="0"/>
+                <a:cs typeface="Consolas" pitchFamily="49" charset="0"/>
+              </a:rPr>
+              <a:t> v: </a:t>
+            </a:r>
+            <a:r>
+              <a:rPr lang="en-GB" sz="1800" spc="-150" dirty="0" err="1" smtClean="0">
+                <a:latin typeface="Consolas" pitchFamily="49" charset="0"/>
+                <a:cs typeface="Consolas" pitchFamily="49" charset="0"/>
+              </a:rPr>
+              <a:t>int</a:t>
+            </a:r>
+            <a:r>
+              <a:rPr lang="en-GB" sz="1800" spc="-150" dirty="0" smtClean="0">
+                <a:latin typeface="Consolas" pitchFamily="49" charset="0"/>
+                <a:cs typeface="Consolas" pitchFamily="49" charset="0"/>
+              </a:rPr>
+              <a:t>;</a:t>
             </a:r>
           </a:p>
           <a:p>
             <a:pPr marL="0" indent="0">
               <a:buNone/>
               <a:tabLst>
-                <a:tab pos="271463" algn="l"/>
-                <a:tab pos="541338" algn="l"/>
+                <a:tab pos="177800" algn="l"/>
+                <a:tab pos="355600" algn="l"/>
               </a:tabLst>
             </a:pPr>
-            <a:r>
-              <a:rPr lang="de-CH" sz="1800" dirty="0" smtClean="0">
-                <a:latin typeface="Consolas" pitchFamily="49" charset="0"/>
-                <a:cs typeface="Consolas" pitchFamily="49" charset="0"/>
-              </a:rPr>
-              <a:t>{ </a:t>
-            </a:r>
-          </a:p>
-          <a:p>
-            <a:pPr marL="0" indent="0">
-              <a:buNone/>
-              <a:tabLst>
-                <a:tab pos="271463" algn="l"/>
-                <a:tab pos="541338" algn="l"/>
-              </a:tabLst>
-            </a:pPr>
-            <a:r>
-              <a:rPr lang="de-CH" sz="1800" dirty="0" smtClean="0">
-                <a:latin typeface="Consolas" pitchFamily="49" charset="0"/>
-                <a:cs typeface="Consolas" pitchFamily="49" charset="0"/>
-              </a:rPr>
-              <a:t>	… </a:t>
-            </a:r>
-          </a:p>
-          <a:p>
-            <a:pPr marL="0" indent="0">
-              <a:buNone/>
-              <a:tabLst>
-                <a:tab pos="271463" algn="l"/>
-                <a:tab pos="541338" algn="l"/>
-              </a:tabLst>
-            </a:pPr>
-            <a:r>
-              <a:rPr lang="de-CH" sz="1800" dirty="0" smtClean="0">
-                <a:latin typeface="Consolas" pitchFamily="49" charset="0"/>
-                <a:cs typeface="Consolas" pitchFamily="49" charset="0"/>
-              </a:rPr>
-              <a:t>}</a:t>
-            </a:r>
-          </a:p>
-          <a:p>
-            <a:pPr marL="0" indent="0">
-              <a:buNone/>
-              <a:tabLst>
-                <a:tab pos="271463" algn="l"/>
-                <a:tab pos="541338" algn="l"/>
-              </a:tabLst>
-            </a:pPr>
-            <a:endParaRPr lang="de-CH" sz="1800" dirty="0" smtClean="0">
+            <a:endParaRPr lang="en-GB" sz="1800" spc="-150" dirty="0" smtClean="0">
               <a:latin typeface="Consolas" pitchFamily="49" charset="0"/>
               <a:cs typeface="Consolas" pitchFamily="49" charset="0"/>
             </a:endParaRPr>
@@ -8651,64 +8595,87 @@
             <a:pPr marL="0" indent="0">
               <a:buNone/>
               <a:tabLst>
-                <a:tab pos="271463" algn="l"/>
-                <a:tab pos="541338" algn="l"/>
+                <a:tab pos="177800" algn="l"/>
+                <a:tab pos="355600" algn="l"/>
               </a:tabLst>
             </a:pPr>
             <a:r>
-              <a:rPr lang="de-CH" sz="1800" dirty="0" smtClean="0">
+              <a:rPr lang="en-GB" sz="1800" spc="-150" dirty="0" smtClean="0">
                 <a:latin typeface="Consolas" pitchFamily="49" charset="0"/>
                 <a:cs typeface="Consolas" pitchFamily="49" charset="0"/>
               </a:rPr>
-              <a:t>…</a:t>
+              <a:t>	predicate valid</a:t>
             </a:r>
           </a:p>
           <a:p>
             <a:pPr marL="0" indent="0">
               <a:buNone/>
               <a:tabLst>
-                <a:tab pos="271463" algn="l"/>
-                <a:tab pos="541338" algn="l"/>
+                <a:tab pos="177800" algn="l"/>
+                <a:tab pos="355600" algn="l"/>
+                <a:tab pos="627063" algn="l"/>
               </a:tabLst>
             </a:pPr>
             <a:r>
-              <a:rPr lang="de-CH" sz="1800" dirty="0" smtClean="0">
+              <a:rPr lang="de-CH" sz="1800" spc="-150" dirty="0" smtClean="0">
                 <a:latin typeface="Consolas" pitchFamily="49" charset="0"/>
                 <a:cs typeface="Consolas" pitchFamily="49" charset="0"/>
               </a:rPr>
-              <a:t>{</a:t>
+              <a:t>	{	</a:t>
+            </a:r>
+            <a:r>
+              <a:rPr lang="de-CH" sz="1800" spc="-150" dirty="0" err="1" smtClean="0">
+                <a:latin typeface="Consolas" pitchFamily="49" charset="0"/>
+                <a:cs typeface="Consolas" pitchFamily="49" charset="0"/>
+              </a:rPr>
+              <a:t>acc</a:t>
+            </a:r>
+            <a:r>
+              <a:rPr lang="de-CH" sz="1800" spc="-150" dirty="0" smtClean="0">
+                <a:latin typeface="Consolas" pitchFamily="49" charset="0"/>
+                <a:cs typeface="Consolas" pitchFamily="49" charset="0"/>
+              </a:rPr>
+              <a:t>(</a:t>
+            </a:r>
+            <a:r>
+              <a:rPr lang="de-CH" sz="1800" spc="-150" dirty="0" err="1" smtClean="0">
+                <a:latin typeface="Consolas" pitchFamily="49" charset="0"/>
+                <a:cs typeface="Consolas" pitchFamily="49" charset="0"/>
+              </a:rPr>
+              <a:t>this.v</a:t>
+            </a:r>
+            <a:r>
+              <a:rPr lang="de-CH" sz="1800" spc="-150" dirty="0" smtClean="0">
+                <a:latin typeface="Consolas" pitchFamily="49" charset="0"/>
+                <a:cs typeface="Consolas" pitchFamily="49" charset="0"/>
+              </a:rPr>
+              <a:t>) &amp;&amp; 0 &lt;= </a:t>
+            </a:r>
+            <a:r>
+              <a:rPr lang="de-CH" sz="1800" spc="-150" dirty="0" err="1" smtClean="0">
+                <a:latin typeface="Consolas" pitchFamily="49" charset="0"/>
+                <a:cs typeface="Consolas" pitchFamily="49" charset="0"/>
+              </a:rPr>
+              <a:t>this.v</a:t>
+            </a:r>
+            <a:r>
+              <a:rPr lang="de-CH" sz="1800" spc="-150" dirty="0" smtClean="0">
+                <a:latin typeface="Consolas" pitchFamily="49" charset="0"/>
+                <a:cs typeface="Consolas" pitchFamily="49" charset="0"/>
+              </a:rPr>
+              <a:t> }</a:t>
             </a:r>
           </a:p>
           <a:p>
             <a:pPr marL="0" indent="0">
               <a:buNone/>
               <a:tabLst>
-                <a:tab pos="271463" algn="l"/>
-                <a:tab pos="541338" algn="l"/>
+                <a:tab pos="177800" algn="l"/>
+                <a:tab pos="355600" algn="l"/>
+                <a:tab pos="627063" algn="l"/>
               </a:tabLst>
             </a:pPr>
-            <a:r>
-              <a:rPr lang="de-CH" sz="1800" dirty="0" smtClean="0">
-                <a:latin typeface="Consolas" pitchFamily="49" charset="0"/>
-                <a:cs typeface="Consolas" pitchFamily="49" charset="0"/>
-              </a:rPr>
-              <a:t>	</a:t>
-            </a:r>
-            <a:r>
-              <a:rPr lang="de-CH" sz="1800" dirty="0" err="1" smtClean="0">
-                <a:latin typeface="Consolas" pitchFamily="49" charset="0"/>
-                <a:cs typeface="Consolas" pitchFamily="49" charset="0"/>
-              </a:rPr>
-              <a:t>call</a:t>
-            </a:r>
-            <a:r>
-              <a:rPr lang="de-CH" sz="1800" dirty="0" smtClean="0">
-                <a:latin typeface="Consolas" pitchFamily="49" charset="0"/>
-                <a:cs typeface="Consolas" pitchFamily="49" charset="0"/>
-              </a:rPr>
-              <a:t> n();</a:t>
-            </a:r>
-            <a:endParaRPr lang="de-CH" sz="1800" dirty="0">
+            <a:endParaRPr lang="de-CH" sz="1800" spc="-150" dirty="0" smtClean="0">
               <a:latin typeface="Consolas" pitchFamily="49" charset="0"/>
               <a:cs typeface="Consolas" pitchFamily="49" charset="0"/>
             </a:endParaRPr>
@@ -8717,251 +8684,714 @@
             <a:pPr marL="0" indent="0">
               <a:buNone/>
               <a:tabLst>
-                <a:tab pos="271463" algn="l"/>
-                <a:tab pos="541338" algn="l"/>
+                <a:tab pos="177800" algn="l"/>
+                <a:tab pos="355600" algn="l"/>
+                <a:tab pos="627063" algn="l"/>
               </a:tabLst>
             </a:pPr>
             <a:r>
-              <a:rPr lang="de-CH" sz="1800" dirty="0" smtClean="0">
+              <a:rPr lang="de-CH" sz="1800" spc="-150" dirty="0" smtClean="0">
                 <a:latin typeface="Consolas" pitchFamily="49" charset="0"/>
                 <a:cs typeface="Consolas" pitchFamily="49" charset="0"/>
               </a:rPr>
-              <a:t>}</a:t>
-            </a:r>
-            <a:endParaRPr lang="de-CH" sz="1800" dirty="0">
+              <a:t>	</a:t>
+            </a:r>
+            <a:r>
+              <a:rPr lang="de-CH" sz="1800" spc="-150" dirty="0" err="1" smtClean="0">
+                <a:latin typeface="Consolas" pitchFamily="49" charset="0"/>
+                <a:cs typeface="Consolas" pitchFamily="49" charset="0"/>
+              </a:rPr>
+              <a:t>function</a:t>
+            </a:r>
+            <a:r>
+              <a:rPr lang="de-CH" sz="1800" spc="-150" dirty="0" smtClean="0">
+                <a:latin typeface="Consolas" pitchFamily="49" charset="0"/>
+                <a:cs typeface="Consolas" pitchFamily="49" charset="0"/>
+              </a:rPr>
+              <a:t> </a:t>
+            </a:r>
+            <a:r>
+              <a:rPr lang="de-CH" sz="1800" spc="-150" dirty="0" err="1" smtClean="0">
+                <a:latin typeface="Consolas" pitchFamily="49" charset="0"/>
+                <a:cs typeface="Consolas" pitchFamily="49" charset="0"/>
+              </a:rPr>
+              <a:t>add</a:t>
+            </a:r>
+            <a:r>
+              <a:rPr lang="de-CH" sz="1800" spc="-150" dirty="0" smtClean="0">
+                <a:latin typeface="Consolas" pitchFamily="49" charset="0"/>
+                <a:cs typeface="Consolas" pitchFamily="49" charset="0"/>
+              </a:rPr>
+              <a:t>(</a:t>
+            </a:r>
+            <a:r>
+              <a:rPr lang="de-CH" sz="1800" spc="-150" dirty="0" err="1" smtClean="0">
+                <a:latin typeface="Consolas" pitchFamily="49" charset="0"/>
+                <a:cs typeface="Consolas" pitchFamily="49" charset="0"/>
+              </a:rPr>
+              <a:t>d:int</a:t>
+            </a:r>
+            <a:r>
+              <a:rPr lang="de-CH" sz="1800" spc="-150" dirty="0" smtClean="0">
+                <a:latin typeface="Consolas" pitchFamily="49" charset="0"/>
+                <a:cs typeface="Consolas" pitchFamily="49" charset="0"/>
+              </a:rPr>
+              <a:t>) </a:t>
+            </a:r>
+            <a:r>
+              <a:rPr lang="de-CH" sz="1800" spc="-150" dirty="0" err="1" smtClean="0">
+                <a:latin typeface="Consolas" pitchFamily="49" charset="0"/>
+                <a:cs typeface="Consolas" pitchFamily="49" charset="0"/>
+              </a:rPr>
+              <a:t>requires</a:t>
+            </a:r>
+            <a:r>
+              <a:rPr lang="de-CH" sz="1800" spc="-150" dirty="0" smtClean="0">
+                <a:latin typeface="Consolas" pitchFamily="49" charset="0"/>
+                <a:cs typeface="Consolas" pitchFamily="49" charset="0"/>
+              </a:rPr>
+              <a:t> valid;</a:t>
+            </a:r>
+          </a:p>
+          <a:p>
+            <a:pPr marL="0" indent="0">
+              <a:buNone/>
+              <a:tabLst>
+                <a:tab pos="177800" algn="l"/>
+                <a:tab pos="355600" algn="l"/>
+                <a:tab pos="627063" algn="l"/>
+              </a:tabLst>
+            </a:pPr>
+            <a:r>
+              <a:rPr lang="de-CH" sz="1800" spc="-150" dirty="0" smtClean="0">
+                <a:latin typeface="Consolas" pitchFamily="49" charset="0"/>
+                <a:cs typeface="Consolas" pitchFamily="49" charset="0"/>
+              </a:rPr>
+              <a:t>	{ </a:t>
+            </a:r>
+            <a:r>
+              <a:rPr lang="de-CH" sz="1800" spc="-150" dirty="0" err="1" smtClean="0">
+                <a:latin typeface="Consolas" pitchFamily="49" charset="0"/>
+                <a:cs typeface="Consolas" pitchFamily="49" charset="0"/>
+              </a:rPr>
+              <a:t>unfolding</a:t>
+            </a:r>
+            <a:r>
+              <a:rPr lang="de-CH" sz="1800" spc="-150" dirty="0" smtClean="0">
+                <a:latin typeface="Consolas" pitchFamily="49" charset="0"/>
+                <a:cs typeface="Consolas" pitchFamily="49" charset="0"/>
+              </a:rPr>
+              <a:t> valid in </a:t>
+            </a:r>
+            <a:r>
+              <a:rPr lang="de-CH" sz="1800" spc="-150" dirty="0" err="1" smtClean="0">
+                <a:latin typeface="Consolas" pitchFamily="49" charset="0"/>
+                <a:cs typeface="Consolas" pitchFamily="49" charset="0"/>
+              </a:rPr>
+              <a:t>this.v</a:t>
+            </a:r>
+            <a:r>
+              <a:rPr lang="de-CH" sz="1800" spc="-150" dirty="0" smtClean="0">
+                <a:latin typeface="Consolas" pitchFamily="49" charset="0"/>
+                <a:cs typeface="Consolas" pitchFamily="49" charset="0"/>
+              </a:rPr>
+              <a:t> + d; }</a:t>
+            </a:r>
+          </a:p>
+          <a:p>
+            <a:pPr marL="0" indent="0">
+              <a:buNone/>
+              <a:tabLst>
+                <a:tab pos="177800" algn="l"/>
+                <a:tab pos="355600" algn="l"/>
+                <a:tab pos="627063" algn="l"/>
+              </a:tabLst>
+            </a:pPr>
+            <a:endParaRPr lang="de-CH" sz="1800" spc="-150" dirty="0" smtClean="0">
               <a:latin typeface="Consolas" pitchFamily="49" charset="0"/>
               <a:cs typeface="Consolas" pitchFamily="49" charset="0"/>
             </a:endParaRPr>
           </a:p>
-        </p:txBody>
-      </p:sp>
-      <p:sp>
-        <p:nvSpPr>
-          <p:cNvPr id="5" name="Content Placeholder 4"/>
-          <p:cNvSpPr>
-            <a:spLocks noGrp="1"/>
-          </p:cNvSpPr>
-          <p:nvPr>
-            <p:ph sz="half" idx="2"/>
-          </p:nvPr>
-        </p:nvSpPr>
-        <p:spPr>
-          <a:xfrm>
-            <a:off x="4648200" y="1268760"/>
-            <a:ext cx="4038600" cy="4857403"/>
-          </a:xfrm>
-        </p:spPr>
-        <p:txBody>
-          <a:bodyPr/>
-          <a:lstStyle/>
           <a:p>
             <a:pPr marL="0" indent="0">
               <a:buNone/>
+              <a:tabLst>
+                <a:tab pos="177800" algn="l"/>
+                <a:tab pos="355600" algn="l"/>
+                <a:tab pos="627063" algn="l"/>
+              </a:tabLst>
             </a:pPr>
             <a:r>
-              <a:rPr lang="de-CH" dirty="0" smtClean="0"/>
-              <a:t>«</a:t>
-            </a:r>
-            <a:r>
-              <a:rPr lang="de-CH" dirty="0" err="1" smtClean="0"/>
-              <a:t>Inhale</a:t>
-            </a:r>
-            <a:r>
-              <a:rPr lang="de-CH" dirty="0" smtClean="0"/>
-              <a:t>/</a:t>
-            </a:r>
-            <a:r>
-              <a:rPr lang="de-CH" dirty="0" err="1" smtClean="0"/>
-              <a:t>Exhale</a:t>
-            </a:r>
-            <a:r>
-              <a:rPr lang="de-CH" dirty="0" smtClean="0"/>
-              <a:t>»</a:t>
-            </a:r>
-          </a:p>
-          <a:p>
-            <a:pPr marL="0" indent="0">
-              <a:buNone/>
-            </a:pPr>
-            <a:r>
-              <a:rPr lang="de-CH" sz="1800" dirty="0" err="1" smtClean="0">
+              <a:rPr lang="de-CH" sz="1800" spc="-150" dirty="0" smtClean="0">
                 <a:latin typeface="Consolas" pitchFamily="49" charset="0"/>
                 <a:cs typeface="Consolas" pitchFamily="49" charset="0"/>
               </a:rPr>
-              <a:t>method</a:t>
-            </a:r>
-            <a:r>
-              <a:rPr lang="de-CH" sz="1800" dirty="0" smtClean="0">
+              <a:t>	…</a:t>
+            </a:r>
+          </a:p>
+          <a:p>
+            <a:pPr marL="0" indent="0">
+              <a:buNone/>
+              <a:tabLst>
+                <a:tab pos="177800" algn="l"/>
+                <a:tab pos="355600" algn="l"/>
+                <a:tab pos="627063" algn="l"/>
+              </a:tabLst>
+            </a:pPr>
+            <a:r>
+              <a:rPr lang="de-CH" sz="1800" spc="-150" dirty="0" smtClean="0">
                 <a:latin typeface="Consolas" pitchFamily="49" charset="0"/>
                 <a:cs typeface="Consolas" pitchFamily="49" charset="0"/>
               </a:rPr>
-              <a:t> n() … </a:t>
-            </a:r>
-          </a:p>
-          <a:p>
-            <a:pPr marL="0" indent="0">
-              <a:buNone/>
-            </a:pPr>
-            <a:r>
-              <a:rPr lang="de-CH" sz="1800" dirty="0" smtClean="0">
-                <a:latin typeface="Consolas" pitchFamily="49" charset="0"/>
-                <a:cs typeface="Consolas" pitchFamily="49" charset="0"/>
-              </a:rPr>
-              <a:t>{</a:t>
-            </a:r>
-          </a:p>
-          <a:p>
-            <a:pPr marL="0" indent="0">
-              <a:buNone/>
-              <a:tabLst>
-                <a:tab pos="271463" algn="l"/>
-              </a:tabLst>
-            </a:pPr>
-            <a:r>
-              <a:rPr lang="de-CH" sz="1800" dirty="0">
-                <a:latin typeface="Consolas" pitchFamily="49" charset="0"/>
-                <a:cs typeface="Consolas" pitchFamily="49" charset="0"/>
-              </a:rPr>
-              <a:t>	</a:t>
-            </a:r>
-            <a:r>
-              <a:rPr lang="de-CH" sz="1800" dirty="0" err="1" smtClean="0">
-                <a:latin typeface="Consolas" pitchFamily="49" charset="0"/>
-                <a:cs typeface="Consolas" pitchFamily="49" charset="0"/>
-              </a:rPr>
-              <a:t>inhale</a:t>
-            </a:r>
-            <a:r>
-              <a:rPr lang="de-CH" sz="1800" dirty="0" smtClean="0">
-                <a:latin typeface="Consolas" pitchFamily="49" charset="0"/>
-                <a:cs typeface="Consolas" pitchFamily="49" charset="0"/>
-              </a:rPr>
-              <a:t> </a:t>
-            </a:r>
-            <a:r>
-              <a:rPr lang="de-CH" sz="1800" dirty="0" err="1" smtClean="0">
-                <a:latin typeface="Consolas" pitchFamily="49" charset="0"/>
-                <a:cs typeface="Consolas" pitchFamily="49" charset="0"/>
-              </a:rPr>
-              <a:t>rd</a:t>
-            </a:r>
-            <a:r>
-              <a:rPr lang="de-CH" sz="1800" dirty="0" smtClean="0">
-                <a:latin typeface="Consolas" pitchFamily="49" charset="0"/>
-                <a:cs typeface="Consolas" pitchFamily="49" charset="0"/>
-              </a:rPr>
-              <a:t>(</a:t>
-            </a:r>
-            <a:r>
-              <a:rPr lang="de-CH" sz="1800" dirty="0" err="1" smtClean="0">
-                <a:latin typeface="Consolas" pitchFamily="49" charset="0"/>
-                <a:cs typeface="Consolas" pitchFamily="49" charset="0"/>
-              </a:rPr>
-              <a:t>this.f</a:t>
-            </a:r>
-            <a:r>
-              <a:rPr lang="de-CH" sz="1800" dirty="0" smtClean="0">
-                <a:latin typeface="Consolas" pitchFamily="49" charset="0"/>
-                <a:cs typeface="Consolas" pitchFamily="49" charset="0"/>
-              </a:rPr>
-              <a:t>);</a:t>
-            </a:r>
-          </a:p>
-          <a:p>
-            <a:pPr marL="0" indent="0">
-              <a:buNone/>
-              <a:tabLst>
-                <a:tab pos="271463" algn="l"/>
-              </a:tabLst>
-            </a:pPr>
-            <a:r>
-              <a:rPr lang="de-CH" sz="1800" dirty="0">
-                <a:latin typeface="Consolas" pitchFamily="49" charset="0"/>
-                <a:cs typeface="Consolas" pitchFamily="49" charset="0"/>
-              </a:rPr>
-              <a:t>	</a:t>
-            </a:r>
-            <a:r>
-              <a:rPr lang="de-CH" sz="1800" dirty="0" smtClean="0">
-                <a:latin typeface="Consolas" pitchFamily="49" charset="0"/>
-                <a:cs typeface="Consolas" pitchFamily="49" charset="0"/>
-              </a:rPr>
-              <a:t>…</a:t>
-            </a:r>
-          </a:p>
-          <a:p>
-            <a:pPr marL="0" indent="0">
-              <a:buNone/>
-              <a:tabLst>
-                <a:tab pos="271463" algn="l"/>
-              </a:tabLst>
-            </a:pPr>
-            <a:r>
-              <a:rPr lang="de-CH" sz="1800" dirty="0">
-                <a:latin typeface="Consolas" pitchFamily="49" charset="0"/>
-                <a:cs typeface="Consolas" pitchFamily="49" charset="0"/>
-              </a:rPr>
-              <a:t>	</a:t>
-            </a:r>
-            <a:r>
-              <a:rPr lang="de-CH" sz="1800" dirty="0" err="1" smtClean="0">
-                <a:latin typeface="Consolas" pitchFamily="49" charset="0"/>
-                <a:cs typeface="Consolas" pitchFamily="49" charset="0"/>
-              </a:rPr>
-              <a:t>exhale</a:t>
-            </a:r>
-            <a:r>
-              <a:rPr lang="de-CH" sz="1800" dirty="0" smtClean="0">
-                <a:latin typeface="Consolas" pitchFamily="49" charset="0"/>
-                <a:cs typeface="Consolas" pitchFamily="49" charset="0"/>
-              </a:rPr>
-              <a:t> </a:t>
-            </a:r>
-            <a:r>
-              <a:rPr lang="de-CH" sz="1800" dirty="0" err="1" smtClean="0">
-                <a:latin typeface="Consolas" pitchFamily="49" charset="0"/>
-                <a:cs typeface="Consolas" pitchFamily="49" charset="0"/>
-              </a:rPr>
-              <a:t>rd</a:t>
-            </a:r>
-            <a:r>
-              <a:rPr lang="de-CH" sz="1800" dirty="0" smtClean="0">
-                <a:latin typeface="Consolas" pitchFamily="49" charset="0"/>
-                <a:cs typeface="Consolas" pitchFamily="49" charset="0"/>
-              </a:rPr>
-              <a:t>(</a:t>
-            </a:r>
-            <a:r>
-              <a:rPr lang="de-CH" sz="1800" dirty="0" err="1" smtClean="0">
-                <a:latin typeface="Consolas" pitchFamily="49" charset="0"/>
-                <a:cs typeface="Consolas" pitchFamily="49" charset="0"/>
-              </a:rPr>
-              <a:t>this.f</a:t>
-            </a:r>
-            <a:r>
-              <a:rPr lang="de-CH" sz="1800" dirty="0" smtClean="0">
-                <a:latin typeface="Consolas" pitchFamily="49" charset="0"/>
-                <a:cs typeface="Consolas" pitchFamily="49" charset="0"/>
-              </a:rPr>
-              <a:t>);</a:t>
-            </a:r>
-            <a:endParaRPr lang="de-CH" sz="1800" dirty="0">
+              <a:t>}</a:t>
+            </a:r>
+            <a:endParaRPr lang="de-CH" sz="1800" spc="-150" dirty="0">
               <a:latin typeface="Consolas" pitchFamily="49" charset="0"/>
               <a:cs typeface="Consolas" pitchFamily="49" charset="0"/>
             </a:endParaRPr>
           </a:p>
+        </p:txBody>
+      </p:sp>
+    </p:spTree>
+    <p:extLst>
+      <p:ext uri="{BB962C8B-B14F-4D97-AF65-F5344CB8AC3E}">
+        <p14:creationId xmlns:p14="http://schemas.microsoft.com/office/powerpoint/2010/main" val="3490366721"/>
+      </p:ext>
+    </p:extLst>
+  </p:cSld>
+  <p:clrMapOvr>
+    <a:masterClrMapping/>
+  </p:clrMapOvr>
+</p:sld>
+</file>
+
+<file path=ppt/slides/slide6.xml><?xml version="1.0" encoding="utf-8"?>
+<p:sld xmlns:a="http://schemas.openxmlformats.org/drawingml/2006/main" xmlns:r="http://schemas.openxmlformats.org/officeDocument/2006/relationships" xmlns:p="http://schemas.openxmlformats.org/presentationml/2006/main">
+  <p:cSld>
+    <p:spTree>
+      <p:nvGrpSpPr>
+        <p:cNvPr id="1" name=""/>
+        <p:cNvGrpSpPr/>
+        <p:nvPr/>
+      </p:nvGrpSpPr>
+      <p:grpSpPr>
+        <a:xfrm>
+          <a:off x="0" y="0"/>
+          <a:ext cx="0" cy="0"/>
+          <a:chOff x="0" y="0"/>
+          <a:chExt cx="0" cy="0"/>
+        </a:xfrm>
+      </p:grpSpPr>
+      <p:sp>
+        <p:nvSpPr>
+          <p:cNvPr id="2" name="Title 1"/>
+          <p:cNvSpPr>
+            <a:spLocks noGrp="1"/>
+          </p:cNvSpPr>
+          <p:nvPr>
+            <p:ph type="title"/>
+          </p:nvPr>
+        </p:nvSpPr>
+        <p:spPr/>
+        <p:txBody>
+          <a:bodyPr/>
+          <a:lstStyle/>
+          <a:p>
+            <a:r>
+              <a:rPr lang="de-CH" dirty="0" err="1" smtClean="0"/>
+              <a:t>Chalice</a:t>
+            </a:r>
+            <a:endParaRPr lang="en-GB" dirty="0"/>
+          </a:p>
+        </p:txBody>
+      </p:sp>
+      <p:sp>
+        <p:nvSpPr>
+          <p:cNvPr id="3" name="Content Placeholder 2"/>
+          <p:cNvSpPr>
+            <a:spLocks noGrp="1"/>
+          </p:cNvSpPr>
+          <p:nvPr>
+            <p:ph sz="half" idx="1"/>
+          </p:nvPr>
+        </p:nvSpPr>
+        <p:spPr/>
+        <p:txBody>
+          <a:bodyPr>
+            <a:normAutofit/>
+          </a:bodyPr>
+          <a:lstStyle/>
+          <a:p>
+            <a:r>
+              <a:rPr lang="de-CH" dirty="0" err="1" smtClean="0"/>
+              <a:t>Annotated</a:t>
+            </a:r>
+            <a:r>
+              <a:rPr lang="de-CH" dirty="0" smtClean="0"/>
+              <a:t> </a:t>
+            </a:r>
+            <a:r>
+              <a:rPr lang="de-CH" dirty="0" err="1" smtClean="0"/>
+              <a:t>Methods</a:t>
+            </a:r>
+            <a:endParaRPr lang="de-CH" dirty="0" smtClean="0"/>
+          </a:p>
+          <a:p>
+            <a:r>
+              <a:rPr lang="de-CH" dirty="0" smtClean="0"/>
+              <a:t>Monitors</a:t>
+            </a:r>
+          </a:p>
+          <a:p>
+            <a:r>
+              <a:rPr lang="de-CH" dirty="0" err="1" smtClean="0"/>
+              <a:t>Predicates</a:t>
+            </a:r>
+            <a:r>
+              <a:rPr lang="de-CH" dirty="0" smtClean="0"/>
+              <a:t>/</a:t>
+            </a:r>
+            <a:r>
+              <a:rPr lang="de-CH" dirty="0" err="1" smtClean="0"/>
+              <a:t>Functions</a:t>
+            </a:r>
+            <a:endParaRPr lang="de-CH" dirty="0" smtClean="0"/>
+          </a:p>
+          <a:p>
+            <a:r>
+              <a:rPr lang="de-CH" dirty="0" err="1" smtClean="0"/>
+              <a:t>Fork-Join</a:t>
+            </a:r>
+            <a:endParaRPr lang="en-GB" dirty="0"/>
+          </a:p>
+        </p:txBody>
+      </p:sp>
+      <p:sp>
+        <p:nvSpPr>
+          <p:cNvPr id="4" name="Content Placeholder 3"/>
+          <p:cNvSpPr>
+            <a:spLocks noGrp="1"/>
+          </p:cNvSpPr>
+          <p:nvPr>
+            <p:ph sz="half" idx="2"/>
+          </p:nvPr>
+        </p:nvSpPr>
+        <p:spPr>
+          <a:xfrm>
+            <a:off x="4648200" y="1600200"/>
+            <a:ext cx="4100264" cy="4853136"/>
+          </a:xfrm>
+        </p:spPr>
+        <p:txBody>
+          <a:bodyPr>
+            <a:normAutofit/>
+          </a:bodyPr>
+          <a:lstStyle/>
           <a:p>
             <a:pPr marL="0" indent="0">
               <a:buNone/>
+              <a:tabLst>
+                <a:tab pos="177800" algn="l"/>
+                <a:tab pos="355600" algn="l"/>
+              </a:tabLst>
             </a:pPr>
             <a:r>
-              <a:rPr lang="de-CH" sz="1800" dirty="0" smtClean="0">
+              <a:rPr lang="en-GB" sz="1800" spc="-150" dirty="0">
                 <a:latin typeface="Consolas" pitchFamily="49" charset="0"/>
                 <a:cs typeface="Consolas" pitchFamily="49" charset="0"/>
               </a:rPr>
-              <a:t>}</a:t>
-            </a:r>
-            <a:endParaRPr lang="de-CH" sz="1800" dirty="0">
+              <a:t>class Cell </a:t>
+            </a:r>
+            <a:r>
+              <a:rPr lang="en-GB" sz="1800" spc="-150" dirty="0" smtClean="0">
+                <a:latin typeface="Consolas" pitchFamily="49" charset="0"/>
+                <a:cs typeface="Consolas" pitchFamily="49" charset="0"/>
+              </a:rPr>
+              <a:t>{ </a:t>
+            </a:r>
+            <a:r>
+              <a:rPr lang="de-CH" sz="1800" spc="-150" dirty="0" smtClean="0">
+                <a:latin typeface="Consolas" pitchFamily="49" charset="0"/>
+                <a:cs typeface="Consolas" pitchFamily="49" charset="0"/>
+              </a:rPr>
+              <a:t>… }</a:t>
+            </a:r>
+          </a:p>
+          <a:p>
+            <a:pPr marL="0" indent="0">
+              <a:buNone/>
+              <a:tabLst>
+                <a:tab pos="177800" algn="l"/>
+                <a:tab pos="355600" algn="l"/>
+              </a:tabLst>
+            </a:pPr>
+            <a:r>
+              <a:rPr lang="de-CH" sz="1800" spc="-150" dirty="0" err="1" smtClean="0">
+                <a:latin typeface="Consolas" pitchFamily="49" charset="0"/>
+                <a:cs typeface="Consolas" pitchFamily="49" charset="0"/>
+              </a:rPr>
+              <a:t>class</a:t>
+            </a:r>
+            <a:r>
+              <a:rPr lang="de-CH" sz="1800" spc="-150" dirty="0" smtClean="0">
+                <a:latin typeface="Consolas" pitchFamily="49" charset="0"/>
+                <a:cs typeface="Consolas" pitchFamily="49" charset="0"/>
+              </a:rPr>
+              <a:t> </a:t>
+            </a:r>
+            <a:r>
+              <a:rPr lang="de-CH" sz="1800" spc="-150" dirty="0" err="1" smtClean="0">
+                <a:latin typeface="Consolas" pitchFamily="49" charset="0"/>
+                <a:cs typeface="Consolas" pitchFamily="49" charset="0"/>
+              </a:rPr>
+              <a:t>Program</a:t>
+            </a:r>
+            <a:r>
+              <a:rPr lang="de-CH" sz="1800" spc="-150" dirty="0" smtClean="0">
+                <a:latin typeface="Consolas" pitchFamily="49" charset="0"/>
+                <a:cs typeface="Consolas" pitchFamily="49" charset="0"/>
+              </a:rPr>
+              <a:t> {</a:t>
+            </a:r>
+          </a:p>
+          <a:p>
+            <a:pPr marL="0" indent="0">
+              <a:buNone/>
+              <a:tabLst>
+                <a:tab pos="177800" algn="l"/>
+                <a:tab pos="355600" algn="l"/>
+              </a:tabLst>
+            </a:pPr>
+            <a:r>
+              <a:rPr lang="de-CH" sz="1800" spc="-150" dirty="0" smtClean="0">
+                <a:latin typeface="Consolas" pitchFamily="49" charset="0"/>
+                <a:cs typeface="Consolas" pitchFamily="49" charset="0"/>
+              </a:rPr>
+              <a:t>	</a:t>
+            </a:r>
+            <a:r>
+              <a:rPr lang="de-CH" sz="1800" spc="-150" dirty="0" err="1" smtClean="0">
+                <a:latin typeface="Consolas" pitchFamily="49" charset="0"/>
+                <a:cs typeface="Consolas" pitchFamily="49" charset="0"/>
+              </a:rPr>
+              <a:t>method</a:t>
+            </a:r>
+            <a:r>
+              <a:rPr lang="de-CH" sz="1800" spc="-150" dirty="0" smtClean="0">
+                <a:latin typeface="Consolas" pitchFamily="49" charset="0"/>
+                <a:cs typeface="Consolas" pitchFamily="49" charset="0"/>
+              </a:rPr>
+              <a:t> </a:t>
+            </a:r>
+            <a:r>
+              <a:rPr lang="de-CH" sz="1800" spc="-150" dirty="0" err="1" smtClean="0">
+                <a:latin typeface="Consolas" pitchFamily="49" charset="0"/>
+                <a:cs typeface="Consolas" pitchFamily="49" charset="0"/>
+              </a:rPr>
+              <a:t>main</a:t>
+            </a:r>
+            <a:r>
+              <a:rPr lang="de-CH" sz="1800" spc="-150" dirty="0" smtClean="0">
+                <a:latin typeface="Consolas" pitchFamily="49" charset="0"/>
+                <a:cs typeface="Consolas" pitchFamily="49" charset="0"/>
+              </a:rPr>
+              <a:t>()  {</a:t>
+            </a:r>
+          </a:p>
+          <a:p>
+            <a:pPr marL="0" indent="0">
+              <a:buNone/>
+              <a:tabLst>
+                <a:tab pos="177800" algn="l"/>
+                <a:tab pos="355600" algn="l"/>
+              </a:tabLst>
+            </a:pPr>
+            <a:r>
+              <a:rPr lang="de-CH" sz="1800" spc="-150" dirty="0" smtClean="0">
+                <a:latin typeface="Consolas" pitchFamily="49" charset="0"/>
+                <a:cs typeface="Consolas" pitchFamily="49" charset="0"/>
+              </a:rPr>
+              <a:t>		</a:t>
+            </a:r>
+            <a:r>
+              <a:rPr lang="de-CH" sz="1800" spc="-150" dirty="0" err="1" smtClean="0">
+                <a:latin typeface="Consolas" pitchFamily="49" charset="0"/>
+                <a:cs typeface="Consolas" pitchFamily="49" charset="0"/>
+              </a:rPr>
+              <a:t>var</a:t>
+            </a:r>
+            <a:r>
+              <a:rPr lang="de-CH" sz="1800" spc="-150" dirty="0" smtClean="0">
+                <a:latin typeface="Consolas" pitchFamily="49" charset="0"/>
+                <a:cs typeface="Consolas" pitchFamily="49" charset="0"/>
+              </a:rPr>
+              <a:t> c1:Cell := </a:t>
+            </a:r>
+            <a:r>
+              <a:rPr lang="de-CH" sz="1800" spc="-150" dirty="0" err="1" smtClean="0">
+                <a:latin typeface="Consolas" pitchFamily="49" charset="0"/>
+                <a:cs typeface="Consolas" pitchFamily="49" charset="0"/>
+              </a:rPr>
+              <a:t>new</a:t>
+            </a:r>
+            <a:r>
+              <a:rPr lang="de-CH" sz="1800" spc="-150" dirty="0" smtClean="0">
+                <a:latin typeface="Consolas" pitchFamily="49" charset="0"/>
+                <a:cs typeface="Consolas" pitchFamily="49" charset="0"/>
+              </a:rPr>
+              <a:t> </a:t>
+            </a:r>
+            <a:r>
+              <a:rPr lang="de-CH" sz="1800" spc="-150" dirty="0" err="1" smtClean="0">
+                <a:latin typeface="Consolas" pitchFamily="49" charset="0"/>
+                <a:cs typeface="Consolas" pitchFamily="49" charset="0"/>
+              </a:rPr>
+              <a:t>Cell</a:t>
+            </a:r>
+            <a:r>
+              <a:rPr lang="de-CH" sz="1800" spc="-150" dirty="0" smtClean="0">
+                <a:latin typeface="Consolas" pitchFamily="49" charset="0"/>
+                <a:cs typeface="Consolas" pitchFamily="49" charset="0"/>
+              </a:rPr>
+              <a:t>;</a:t>
+            </a:r>
+          </a:p>
+          <a:p>
+            <a:pPr marL="0" indent="0">
+              <a:buNone/>
+              <a:tabLst>
+                <a:tab pos="177800" algn="l"/>
+                <a:tab pos="355600" algn="l"/>
+              </a:tabLst>
+            </a:pPr>
+            <a:r>
+              <a:rPr lang="de-CH" sz="1800" spc="-150" dirty="0">
+                <a:latin typeface="Consolas" pitchFamily="49" charset="0"/>
+                <a:cs typeface="Consolas" pitchFamily="49" charset="0"/>
+              </a:rPr>
+              <a:t>	</a:t>
+            </a:r>
+            <a:r>
+              <a:rPr lang="de-CH" sz="1800" spc="-150" dirty="0" smtClean="0">
+                <a:latin typeface="Consolas" pitchFamily="49" charset="0"/>
+                <a:cs typeface="Consolas" pitchFamily="49" charset="0"/>
+              </a:rPr>
+              <a:t>	</a:t>
+            </a:r>
+            <a:r>
+              <a:rPr lang="de-CH" sz="1800" spc="-150" dirty="0" err="1" smtClean="0">
+                <a:latin typeface="Consolas" pitchFamily="49" charset="0"/>
+                <a:cs typeface="Consolas" pitchFamily="49" charset="0"/>
+              </a:rPr>
+              <a:t>var</a:t>
+            </a:r>
+            <a:r>
+              <a:rPr lang="de-CH" sz="1800" spc="-150" dirty="0" smtClean="0">
+                <a:latin typeface="Consolas" pitchFamily="49" charset="0"/>
+                <a:cs typeface="Consolas" pitchFamily="49" charset="0"/>
+              </a:rPr>
+              <a:t> c2:Cell := </a:t>
+            </a:r>
+            <a:r>
+              <a:rPr lang="de-CH" sz="1800" spc="-150" dirty="0" err="1" smtClean="0">
+                <a:latin typeface="Consolas" pitchFamily="49" charset="0"/>
+                <a:cs typeface="Consolas" pitchFamily="49" charset="0"/>
+              </a:rPr>
+              <a:t>new</a:t>
+            </a:r>
+            <a:r>
+              <a:rPr lang="de-CH" sz="1800" spc="-150" dirty="0" smtClean="0">
+                <a:latin typeface="Consolas" pitchFamily="49" charset="0"/>
+                <a:cs typeface="Consolas" pitchFamily="49" charset="0"/>
+              </a:rPr>
+              <a:t> </a:t>
+            </a:r>
+            <a:r>
+              <a:rPr lang="de-CH" sz="1800" spc="-150" dirty="0" err="1" smtClean="0">
+                <a:latin typeface="Consolas" pitchFamily="49" charset="0"/>
+                <a:cs typeface="Consolas" pitchFamily="49" charset="0"/>
+              </a:rPr>
+              <a:t>Cell</a:t>
+            </a:r>
+            <a:r>
+              <a:rPr lang="de-CH" sz="1800" spc="-150" dirty="0" smtClean="0">
+                <a:latin typeface="Consolas" pitchFamily="49" charset="0"/>
+                <a:cs typeface="Consolas" pitchFamily="49" charset="0"/>
+              </a:rPr>
+              <a:t>;</a:t>
+            </a:r>
+          </a:p>
+          <a:p>
+            <a:pPr marL="0" indent="0">
+              <a:buNone/>
+              <a:tabLst>
+                <a:tab pos="177800" algn="l"/>
+                <a:tab pos="355600" algn="l"/>
+              </a:tabLst>
+            </a:pPr>
+            <a:r>
+              <a:rPr lang="de-CH" sz="1800" spc="-150" dirty="0">
+                <a:latin typeface="Consolas" pitchFamily="49" charset="0"/>
+                <a:cs typeface="Consolas" pitchFamily="49" charset="0"/>
+              </a:rPr>
+              <a:t>	</a:t>
+            </a:r>
+            <a:r>
+              <a:rPr lang="de-CH" sz="1800" spc="-150" dirty="0" smtClean="0">
+                <a:latin typeface="Consolas" pitchFamily="49" charset="0"/>
+                <a:cs typeface="Consolas" pitchFamily="49" charset="0"/>
+              </a:rPr>
+              <a:t>	c1.v := 0; c2.v := 5;</a:t>
+            </a:r>
+          </a:p>
+          <a:p>
+            <a:pPr marL="0" indent="0">
+              <a:buNone/>
+              <a:tabLst>
+                <a:tab pos="177800" algn="l"/>
+                <a:tab pos="355600" algn="l"/>
+              </a:tabLst>
+            </a:pPr>
+            <a:r>
+              <a:rPr lang="de-CH" sz="1800" spc="-150" dirty="0">
+                <a:latin typeface="Consolas" pitchFamily="49" charset="0"/>
+                <a:cs typeface="Consolas" pitchFamily="49" charset="0"/>
+              </a:rPr>
+              <a:t>	</a:t>
+            </a:r>
+            <a:r>
+              <a:rPr lang="de-CH" sz="1800" spc="-150" dirty="0" smtClean="0">
+                <a:latin typeface="Consolas" pitchFamily="49" charset="0"/>
+                <a:cs typeface="Consolas" pitchFamily="49" charset="0"/>
+              </a:rPr>
+              <a:t>	</a:t>
+            </a:r>
+            <a:r>
+              <a:rPr lang="de-CH" sz="1800" spc="-150" dirty="0" err="1" smtClean="0">
+                <a:latin typeface="Consolas" pitchFamily="49" charset="0"/>
+                <a:cs typeface="Consolas" pitchFamily="49" charset="0"/>
+              </a:rPr>
+              <a:t>fork</a:t>
+            </a:r>
+            <a:r>
+              <a:rPr lang="de-CH" sz="1800" spc="-150" dirty="0" smtClean="0">
+                <a:latin typeface="Consolas" pitchFamily="49" charset="0"/>
+                <a:cs typeface="Consolas" pitchFamily="49" charset="0"/>
+              </a:rPr>
+              <a:t> tk1 = c1.inc(3);</a:t>
+            </a:r>
+          </a:p>
+          <a:p>
+            <a:pPr marL="0" indent="0">
+              <a:buNone/>
+              <a:tabLst>
+                <a:tab pos="177800" algn="l"/>
+                <a:tab pos="355600" algn="l"/>
+              </a:tabLst>
+            </a:pPr>
+            <a:r>
+              <a:rPr lang="de-CH" sz="1800" spc="-150" dirty="0">
+                <a:latin typeface="Consolas" pitchFamily="49" charset="0"/>
+                <a:cs typeface="Consolas" pitchFamily="49" charset="0"/>
+              </a:rPr>
+              <a:t>	</a:t>
+            </a:r>
+            <a:r>
+              <a:rPr lang="de-CH" sz="1800" spc="-150" dirty="0" smtClean="0">
+                <a:latin typeface="Consolas" pitchFamily="49" charset="0"/>
+                <a:cs typeface="Consolas" pitchFamily="49" charset="0"/>
+              </a:rPr>
+              <a:t>	</a:t>
+            </a:r>
+            <a:r>
+              <a:rPr lang="de-CH" sz="1800" spc="-150" dirty="0" err="1" smtClean="0">
+                <a:latin typeface="Consolas" pitchFamily="49" charset="0"/>
+                <a:cs typeface="Consolas" pitchFamily="49" charset="0"/>
+              </a:rPr>
+              <a:t>fork</a:t>
+            </a:r>
+            <a:r>
+              <a:rPr lang="de-CH" sz="1800" spc="-150" dirty="0" smtClean="0">
+                <a:latin typeface="Consolas" pitchFamily="49" charset="0"/>
+                <a:cs typeface="Consolas" pitchFamily="49" charset="0"/>
+              </a:rPr>
+              <a:t> tk2 = c2.inc(1);</a:t>
+            </a:r>
+          </a:p>
+          <a:p>
+            <a:pPr marL="0" indent="0">
+              <a:buNone/>
+              <a:tabLst>
+                <a:tab pos="177800" algn="l"/>
+                <a:tab pos="355600" algn="l"/>
+              </a:tabLst>
+            </a:pPr>
+            <a:r>
+              <a:rPr lang="de-CH" sz="1800" spc="-150" dirty="0">
+                <a:latin typeface="Consolas" pitchFamily="49" charset="0"/>
+                <a:cs typeface="Consolas" pitchFamily="49" charset="0"/>
+              </a:rPr>
+              <a:t>	</a:t>
+            </a:r>
+            <a:r>
+              <a:rPr lang="de-CH" sz="1800" spc="-150" dirty="0" smtClean="0">
+                <a:latin typeface="Consolas" pitchFamily="49" charset="0"/>
+                <a:cs typeface="Consolas" pitchFamily="49" charset="0"/>
+              </a:rPr>
+              <a:t>	</a:t>
+            </a:r>
+            <a:r>
+              <a:rPr lang="de-CH" sz="1800" spc="-150" dirty="0" err="1" smtClean="0">
+                <a:latin typeface="Consolas" pitchFamily="49" charset="0"/>
+                <a:cs typeface="Consolas" pitchFamily="49" charset="0"/>
+              </a:rPr>
+              <a:t>join</a:t>
+            </a:r>
+            <a:r>
+              <a:rPr lang="de-CH" sz="1800" spc="-150" dirty="0" smtClean="0">
+                <a:latin typeface="Consolas" pitchFamily="49" charset="0"/>
+                <a:cs typeface="Consolas" pitchFamily="49" charset="0"/>
+              </a:rPr>
+              <a:t> f1 := tk1;</a:t>
+            </a:r>
+          </a:p>
+          <a:p>
+            <a:pPr marL="0" indent="0">
+              <a:buNone/>
+              <a:tabLst>
+                <a:tab pos="177800" algn="l"/>
+                <a:tab pos="355600" algn="l"/>
+              </a:tabLst>
+            </a:pPr>
+            <a:r>
+              <a:rPr lang="de-CH" sz="1800" spc="-150" dirty="0">
+                <a:latin typeface="Consolas" pitchFamily="49" charset="0"/>
+                <a:cs typeface="Consolas" pitchFamily="49" charset="0"/>
+              </a:rPr>
+              <a:t>	</a:t>
+            </a:r>
+            <a:r>
+              <a:rPr lang="de-CH" sz="1800" spc="-150" dirty="0" smtClean="0">
+                <a:latin typeface="Consolas" pitchFamily="49" charset="0"/>
+                <a:cs typeface="Consolas" pitchFamily="49" charset="0"/>
+              </a:rPr>
+              <a:t>	</a:t>
+            </a:r>
+            <a:r>
+              <a:rPr lang="de-CH" sz="1800" spc="-150" dirty="0" err="1" smtClean="0">
+                <a:latin typeface="Consolas" pitchFamily="49" charset="0"/>
+                <a:cs typeface="Consolas" pitchFamily="49" charset="0"/>
+              </a:rPr>
+              <a:t>join</a:t>
+            </a:r>
+            <a:r>
+              <a:rPr lang="de-CH" sz="1800" spc="-150" dirty="0" smtClean="0">
+                <a:latin typeface="Consolas" pitchFamily="49" charset="0"/>
+                <a:cs typeface="Consolas" pitchFamily="49" charset="0"/>
+              </a:rPr>
+              <a:t> f2 := tk2;</a:t>
+            </a:r>
+            <a:endParaRPr lang="de-CH" sz="1800" spc="-150" dirty="0">
               <a:latin typeface="Consolas" pitchFamily="49" charset="0"/>
               <a:cs typeface="Consolas" pitchFamily="49" charset="0"/>
             </a:endParaRPr>
@@ -8969,141 +9399,19 @@
           <a:p>
             <a:pPr marL="0" indent="0">
               <a:buNone/>
+              <a:tabLst>
+                <a:tab pos="177800" algn="l"/>
+                <a:tab pos="355600" algn="l"/>
+              </a:tabLst>
             </a:pPr>
             <a:r>
-              <a:rPr lang="de-CH" sz="1800" dirty="0" smtClean="0">
+              <a:rPr lang="de-CH" sz="1800" spc="-150" dirty="0" smtClean="0">
                 <a:latin typeface="Consolas" pitchFamily="49" charset="0"/>
                 <a:cs typeface="Consolas" pitchFamily="49" charset="0"/>
               </a:rPr>
-              <a:t>…</a:t>
-            </a:r>
-          </a:p>
-          <a:p>
-            <a:pPr marL="0" indent="0">
-              <a:buNone/>
-            </a:pPr>
-            <a:r>
-              <a:rPr lang="de-CH" sz="1800" dirty="0" smtClean="0">
-                <a:latin typeface="Consolas" pitchFamily="49" charset="0"/>
-                <a:cs typeface="Consolas" pitchFamily="49" charset="0"/>
-              </a:rPr>
-              <a:t>{</a:t>
-            </a:r>
-          </a:p>
-          <a:p>
-            <a:pPr marL="0" indent="0">
-              <a:buNone/>
-              <a:tabLst>
-                <a:tab pos="271463" algn="l"/>
-              </a:tabLst>
-            </a:pPr>
-            <a:r>
-              <a:rPr lang="de-CH" sz="1800" dirty="0" smtClean="0">
-                <a:latin typeface="Consolas" pitchFamily="49" charset="0"/>
-                <a:cs typeface="Consolas" pitchFamily="49" charset="0"/>
-              </a:rPr>
-              <a:t>	</a:t>
-            </a:r>
-            <a:r>
-              <a:rPr lang="de-CH" sz="1800" dirty="0" err="1" smtClean="0">
-                <a:latin typeface="Consolas" pitchFamily="49" charset="0"/>
-                <a:cs typeface="Consolas" pitchFamily="49" charset="0"/>
-              </a:rPr>
-              <a:t>exhale</a:t>
-            </a:r>
-            <a:r>
-              <a:rPr lang="de-CH" sz="1800" dirty="0" smtClean="0">
-                <a:latin typeface="Consolas" pitchFamily="49" charset="0"/>
-                <a:cs typeface="Consolas" pitchFamily="49" charset="0"/>
-              </a:rPr>
-              <a:t> </a:t>
-            </a:r>
-            <a:r>
-              <a:rPr lang="de-CH" sz="1800" dirty="0" err="1" smtClean="0">
-                <a:latin typeface="Consolas" pitchFamily="49" charset="0"/>
-                <a:cs typeface="Consolas" pitchFamily="49" charset="0"/>
-              </a:rPr>
-              <a:t>rd</a:t>
-            </a:r>
-            <a:r>
-              <a:rPr lang="de-CH" sz="1800" dirty="0" smtClean="0">
-                <a:latin typeface="Consolas" pitchFamily="49" charset="0"/>
-                <a:cs typeface="Consolas" pitchFamily="49" charset="0"/>
-              </a:rPr>
-              <a:t>(</a:t>
-            </a:r>
-            <a:r>
-              <a:rPr lang="de-CH" sz="1800" dirty="0" err="1" smtClean="0">
-                <a:latin typeface="Consolas" pitchFamily="49" charset="0"/>
-                <a:cs typeface="Consolas" pitchFamily="49" charset="0"/>
-              </a:rPr>
-              <a:t>this.f</a:t>
-            </a:r>
-            <a:r>
-              <a:rPr lang="de-CH" sz="1800" dirty="0" smtClean="0">
-                <a:latin typeface="Consolas" pitchFamily="49" charset="0"/>
-                <a:cs typeface="Consolas" pitchFamily="49" charset="0"/>
-              </a:rPr>
-              <a:t>);</a:t>
-            </a:r>
-          </a:p>
-          <a:p>
-            <a:pPr marL="0" indent="0">
-              <a:buNone/>
-              <a:tabLst>
-                <a:tab pos="271463" algn="l"/>
-              </a:tabLst>
-            </a:pPr>
-            <a:r>
-              <a:rPr lang="de-CH" sz="1800" dirty="0">
-                <a:latin typeface="Consolas" pitchFamily="49" charset="0"/>
-                <a:cs typeface="Consolas" pitchFamily="49" charset="0"/>
-              </a:rPr>
-              <a:t>	</a:t>
-            </a:r>
-            <a:r>
-              <a:rPr lang="de-CH" sz="1800" dirty="0" err="1" smtClean="0">
-                <a:latin typeface="Consolas" pitchFamily="49" charset="0"/>
-                <a:cs typeface="Consolas" pitchFamily="49" charset="0"/>
-              </a:rPr>
-              <a:t>inhale</a:t>
-            </a:r>
-            <a:r>
-              <a:rPr lang="de-CH" sz="1800" dirty="0" smtClean="0">
-                <a:latin typeface="Consolas" pitchFamily="49" charset="0"/>
-                <a:cs typeface="Consolas" pitchFamily="49" charset="0"/>
-              </a:rPr>
-              <a:t> </a:t>
-            </a:r>
-            <a:r>
-              <a:rPr lang="de-CH" sz="1800" dirty="0" err="1" smtClean="0">
-                <a:latin typeface="Consolas" pitchFamily="49" charset="0"/>
-                <a:cs typeface="Consolas" pitchFamily="49" charset="0"/>
-              </a:rPr>
-              <a:t>rd</a:t>
-            </a:r>
-            <a:r>
-              <a:rPr lang="de-CH" sz="1800" dirty="0" smtClean="0">
-                <a:latin typeface="Consolas" pitchFamily="49" charset="0"/>
-                <a:cs typeface="Consolas" pitchFamily="49" charset="0"/>
-              </a:rPr>
-              <a:t>(</a:t>
-            </a:r>
-            <a:r>
-              <a:rPr lang="de-CH" sz="1800" dirty="0" err="1" smtClean="0">
-                <a:latin typeface="Consolas" pitchFamily="49" charset="0"/>
-                <a:cs typeface="Consolas" pitchFamily="49" charset="0"/>
-              </a:rPr>
-              <a:t>this.f</a:t>
-            </a:r>
-            <a:r>
-              <a:rPr lang="de-CH" sz="1800" dirty="0" smtClean="0">
-                <a:latin typeface="Consolas" pitchFamily="49" charset="0"/>
-                <a:cs typeface="Consolas" pitchFamily="49" charset="0"/>
-              </a:rPr>
-              <a:t>);</a:t>
-            </a:r>
-            <a:endParaRPr lang="de-CH" sz="1800" dirty="0">
+              <a:t>	}</a:t>
+            </a:r>
+            <a:endParaRPr lang="de-CH" sz="1800" spc="-150" dirty="0">
               <a:latin typeface="Consolas" pitchFamily="49" charset="0"/>
               <a:cs typeface="Consolas" pitchFamily="49" charset="0"/>
             </a:endParaRPr>
@@ -9112,17 +9420,18 @@
             <a:pPr marL="0" indent="0">
               <a:buNone/>
               <a:tabLst>
-                <a:tab pos="271463" algn="l"/>
+                <a:tab pos="177800" algn="l"/>
+                <a:tab pos="355600" algn="l"/>
               </a:tabLst>
             </a:pPr>
             <a:r>
-              <a:rPr lang="de-CH" sz="1800" dirty="0" smtClean="0">
+              <a:rPr lang="de-CH" sz="1800" spc="-150" dirty="0" smtClean="0">
                 <a:latin typeface="Consolas" pitchFamily="49" charset="0"/>
                 <a:cs typeface="Consolas" pitchFamily="49" charset="0"/>
               </a:rPr>
               <a:t>}</a:t>
             </a:r>
-            <a:endParaRPr lang="en-GB" sz="1800" dirty="0">
+            <a:endParaRPr lang="de-CH" sz="1800" spc="-150" dirty="0">
               <a:latin typeface="Consolas" pitchFamily="49" charset="0"/>
               <a:cs typeface="Consolas" pitchFamily="49" charset="0"/>
             </a:endParaRPr>
@@ -9132,7 +9441,124 @@
     </p:spTree>
     <p:extLst>
       <p:ext uri="{BB962C8B-B14F-4D97-AF65-F5344CB8AC3E}">
-        <p14:creationId xmlns:p14="http://schemas.microsoft.com/office/powerpoint/2010/main" val="3358996916"/>
+        <p14:creationId xmlns:p14="http://schemas.microsoft.com/office/powerpoint/2010/main" val="3194332371"/>
+      </p:ext>
+    </p:extLst>
+  </p:cSld>
+  <p:clrMapOvr>
+    <a:masterClrMapping/>
+  </p:clrMapOvr>
+</p:sld>
+</file>
+
+<file path=ppt/slides/slide7.xml><?xml version="1.0" encoding="utf-8"?>
+<p:sld xmlns:a="http://schemas.openxmlformats.org/drawingml/2006/main" xmlns:r="http://schemas.openxmlformats.org/officeDocument/2006/relationships" xmlns:p="http://schemas.openxmlformats.org/presentationml/2006/main">
+  <p:cSld>
+    <p:spTree>
+      <p:nvGrpSpPr>
+        <p:cNvPr id="1" name=""/>
+        <p:cNvGrpSpPr/>
+        <p:nvPr/>
+      </p:nvGrpSpPr>
+      <p:grpSpPr>
+        <a:xfrm>
+          <a:off x="0" y="0"/>
+          <a:ext cx="0" cy="0"/>
+          <a:chOff x="0" y="0"/>
+          <a:chExt cx="0" cy="0"/>
+        </a:xfrm>
+      </p:grpSpPr>
+      <p:sp>
+        <p:nvSpPr>
+          <p:cNvPr id="2" name="Title 1"/>
+          <p:cNvSpPr>
+            <a:spLocks noGrp="1"/>
+          </p:cNvSpPr>
+          <p:nvPr>
+            <p:ph type="title"/>
+          </p:nvPr>
+        </p:nvSpPr>
+        <p:spPr/>
+        <p:txBody>
+          <a:bodyPr/>
+          <a:lstStyle/>
+          <a:p>
+            <a:r>
+              <a:rPr lang="de-CH" dirty="0" smtClean="0"/>
+              <a:t>Chalice2SIL</a:t>
+            </a:r>
+            <a:endParaRPr lang="en-GB" dirty="0"/>
+          </a:p>
+        </p:txBody>
+      </p:sp>
+      <p:sp>
+        <p:nvSpPr>
+          <p:cNvPr id="3" name="Content Placeholder 2"/>
+          <p:cNvSpPr>
+            <a:spLocks noGrp="1"/>
+          </p:cNvSpPr>
+          <p:nvPr>
+            <p:ph idx="1"/>
+          </p:nvPr>
+        </p:nvSpPr>
+        <p:spPr/>
+        <p:txBody>
+          <a:bodyPr/>
+          <a:lstStyle/>
+          <a:p>
+            <a:r>
+              <a:rPr lang="en-GB" dirty="0" smtClean="0"/>
+              <a:t>First front-end for Chalice</a:t>
+            </a:r>
+          </a:p>
+          <a:p>
+            <a:r>
+              <a:rPr lang="en-GB" dirty="0" smtClean="0"/>
+              <a:t>Help establish  and test the tool chain</a:t>
+            </a:r>
+          </a:p>
+          <a:p>
+            <a:r>
+              <a:rPr lang="en-GB" dirty="0" smtClean="0"/>
+              <a:t>Ideally no changes to Chalice</a:t>
+            </a:r>
+          </a:p>
+          <a:p>
+            <a:r>
+              <a:rPr lang="en-GB" dirty="0" smtClean="0"/>
+              <a:t>If enough time is left</a:t>
+            </a:r>
+          </a:p>
+          <a:p>
+            <a:pPr lvl="1"/>
+            <a:r>
+              <a:rPr lang="en-GB" dirty="0" smtClean="0"/>
+              <a:t>Predicates and functions</a:t>
+            </a:r>
+          </a:p>
+          <a:p>
+            <a:pPr lvl="1"/>
+            <a:r>
+              <a:rPr lang="en-GB" dirty="0" smtClean="0"/>
+              <a:t>Deadlock avoidance</a:t>
+            </a:r>
+          </a:p>
+          <a:p>
+            <a:pPr lvl="1"/>
+            <a:r>
+              <a:rPr lang="en-GB" dirty="0" smtClean="0"/>
+              <a:t>Channels (Actor model)</a:t>
+            </a:r>
+          </a:p>
+          <a:p>
+            <a:endParaRPr lang="en-GB" dirty="0"/>
+          </a:p>
+        </p:txBody>
+      </p:sp>
+    </p:spTree>
+    <p:extLst>
+      <p:ext uri="{BB962C8B-B14F-4D97-AF65-F5344CB8AC3E}">
+        <p14:creationId xmlns:p14="http://schemas.microsoft.com/office/powerpoint/2010/main" val="1014776430"/>
       </p:ext>
     </p:extLst>
   </p:cSld>
@@ -9149,7 +9575,7 @@
 </p:sld>
 </file>
 
-<file path=ppt/slides/slide5.xml><?xml version="1.0" encoding="utf-8"?>
+<file path=ppt/slides/slide8.xml><?xml version="1.0" encoding="utf-8"?>
 <p:sld xmlns:a="http://schemas.openxmlformats.org/drawingml/2006/main" xmlns:r="http://schemas.openxmlformats.org/officeDocument/2006/relationships" xmlns:p="http://schemas.openxmlformats.org/presentationml/2006/main">
   <p:cSld>
     <p:spTree>
@@ -9285,9 +9711,9 @@
         <a:srgbClr val="800080"/>
       </a:folHlink>
     </a:clrScheme>
-    <a:fontScheme name="Kozuka Gothic">
+    <a:fontScheme name="Chalice2SIL">
       <a:majorFont>
-        <a:latin typeface="Kozuka Gothic Pro H"/>
+        <a:latin typeface="Bell Gothic Std Black"/>
         <a:ea typeface=""/>
         <a:cs typeface=""/>
       </a:majorFont>
@@ -9510,9 +9936,9 @@
         <a:srgbClr val="800080"/>
       </a:folHlink>
     </a:clrScheme>
-    <a:fontScheme name="Kozuka Gothic">
+    <a:fontScheme name="Chalice2SIL">
       <a:majorFont>
-        <a:latin typeface="Kozuka Gothic Pro H"/>
+        <a:latin typeface="Bell Gothic Std Black"/>
         <a:ea typeface=""/>
         <a:cs typeface=""/>
       </a:majorFont>

--- a/chalice2sil/doc/initial-project-presentation.pptx
+++ b/chalice2sil/doc/initial-project-presentation.pptx
@@ -8330,7 +8330,14 @@
                 <a:latin typeface="Consolas" pitchFamily="49" charset="0"/>
                 <a:cs typeface="Consolas" pitchFamily="49" charset="0"/>
               </a:rPr>
-              <a:t>        requires 0 &lt; d;</a:t>
+              <a:t>        requires 0 &lt; d</a:t>
+            </a:r>
+            <a:r>
+              <a:rPr lang="en-GB" sz="1800" spc="-150" dirty="0" smtClean="0">
+                <a:latin typeface="Consolas" pitchFamily="49" charset="0"/>
+                <a:cs typeface="Consolas" pitchFamily="49" charset="0"/>
+              </a:rPr>
+              <a:t>;</a:t>
             </a:r>
           </a:p>
           <a:p>
@@ -8346,7 +8353,69 @@
                 <a:latin typeface="Consolas" pitchFamily="49" charset="0"/>
                 <a:cs typeface="Consolas" pitchFamily="49" charset="0"/>
               </a:rPr>
-              <a:t>        ensures v == old(v) + d;</a:t>
+              <a:t> </a:t>
+            </a:r>
+            <a:r>
+              <a:rPr lang="en-GB" sz="1800" spc="-150" dirty="0" smtClean="0">
+                <a:latin typeface="Consolas" pitchFamily="49" charset="0"/>
+                <a:cs typeface="Consolas" pitchFamily="49" charset="0"/>
+              </a:rPr>
+              <a:t>       requires </a:t>
+            </a:r>
+            <a:r>
+              <a:rPr lang="en-GB" sz="1800" spc="-150" dirty="0" err="1" smtClean="0">
+                <a:latin typeface="Consolas" pitchFamily="49" charset="0"/>
+                <a:cs typeface="Consolas" pitchFamily="49" charset="0"/>
+              </a:rPr>
+              <a:t>acc</a:t>
+            </a:r>
+            <a:r>
+              <a:rPr lang="en-GB" sz="1800" spc="-150" dirty="0" smtClean="0">
+                <a:latin typeface="Consolas" pitchFamily="49" charset="0"/>
+                <a:cs typeface="Consolas" pitchFamily="49" charset="0"/>
+              </a:rPr>
+              <a:t>(v);</a:t>
+            </a:r>
+            <a:endParaRPr lang="en-GB" sz="1800" spc="-150" dirty="0" smtClean="0">
+              <a:latin typeface="Consolas" pitchFamily="49" charset="0"/>
+              <a:cs typeface="Consolas" pitchFamily="49" charset="0"/>
+            </a:endParaRPr>
+          </a:p>
+          <a:p>
+            <a:pPr marL="0" indent="0">
+              <a:buNone/>
+              <a:tabLst>
+                <a:tab pos="177800" algn="l"/>
+                <a:tab pos="355600" algn="l"/>
+              </a:tabLst>
+            </a:pPr>
+            <a:r>
+              <a:rPr lang="en-GB" sz="1800" spc="-150" dirty="0">
+                <a:latin typeface="Consolas" pitchFamily="49" charset="0"/>
+                <a:cs typeface="Consolas" pitchFamily="49" charset="0"/>
+              </a:rPr>
+              <a:t> </a:t>
+            </a:r>
+            <a:r>
+              <a:rPr lang="en-GB" sz="1800" spc="-150" dirty="0" smtClean="0">
+                <a:latin typeface="Consolas" pitchFamily="49" charset="0"/>
+                <a:cs typeface="Consolas" pitchFamily="49" charset="0"/>
+              </a:rPr>
+              <a:t>       </a:t>
+            </a:r>
+            <a:r>
+              <a:rPr lang="en-GB" sz="1800" spc="-150" dirty="0" smtClean="0">
+                <a:latin typeface="Consolas" pitchFamily="49" charset="0"/>
+                <a:cs typeface="Consolas" pitchFamily="49" charset="0"/>
+              </a:rPr>
+              <a:t>ensures </a:t>
+            </a:r>
+            <a:r>
+              <a:rPr lang="en-GB" sz="1800" spc="-150" dirty="0">
+                <a:latin typeface="Consolas" pitchFamily="49" charset="0"/>
+                <a:cs typeface="Consolas" pitchFamily="49" charset="0"/>
+              </a:rPr>
+              <a:t>v == old(v) + d;</a:t>
             </a:r>
           </a:p>
           <a:p>

--- a/chalice2sil/doc/initial-project-presentation.pptx
+++ b/chalice2sil/doc/initial-project-presentation.pptx
@@ -6,7 +6,7 @@
     <p:sldMasterId id="2147483660" r:id="rId2"/>
   </p:sldMasterIdLst>
   <p:notesMasterIdLst>
-    <p:notesMasterId r:id="rId11"/>
+    <p:notesMasterId r:id="rId12"/>
   </p:notesMasterIdLst>
   <p:sldIdLst>
     <p:sldId id="256" r:id="rId3"/>
@@ -14,9 +14,10 @@
     <p:sldId id="258" r:id="rId5"/>
     <p:sldId id="262" r:id="rId6"/>
     <p:sldId id="263" r:id="rId7"/>
-    <p:sldId id="264" r:id="rId8"/>
-    <p:sldId id="261" r:id="rId9"/>
-    <p:sldId id="260" r:id="rId10"/>
+    <p:sldId id="265" r:id="rId8"/>
+    <p:sldId id="264" r:id="rId9"/>
+    <p:sldId id="261" r:id="rId10"/>
+    <p:sldId id="260" r:id="rId11"/>
   </p:sldIdLst>
   <p:sldSz cx="9144000" cy="6858000" type="screen4x3"/>
   <p:notesSz cx="6858000" cy="9144000"/>
@@ -8376,10 +8377,6 @@
               </a:rPr>
               <a:t>(v);</a:t>
             </a:r>
-            <a:endParaRPr lang="en-GB" sz="1800" spc="-150" dirty="0" smtClean="0">
-              <a:latin typeface="Consolas" pitchFamily="49" charset="0"/>
-              <a:cs typeface="Consolas" pitchFamily="49" charset="0"/>
-            </a:endParaRPr>
           </a:p>
           <a:p>
             <a:pPr marL="0" indent="0">
@@ -8401,14 +8398,7 @@
                 <a:latin typeface="Consolas" pitchFamily="49" charset="0"/>
                 <a:cs typeface="Consolas" pitchFamily="49" charset="0"/>
               </a:rPr>
-              <a:t>       </a:t>
-            </a:r>
-            <a:r>
-              <a:rPr lang="en-GB" sz="1800" spc="-150" dirty="0" smtClean="0">
-                <a:latin typeface="Consolas" pitchFamily="49" charset="0"/>
-                <a:cs typeface="Consolas" pitchFamily="49" charset="0"/>
-              </a:rPr>
-              <a:t>ensures </a:t>
+              <a:t>       ensures </a:t>
             </a:r>
             <a:r>
               <a:rPr lang="en-GB" sz="1800" spc="-150" dirty="0">
@@ -8541,20 +8531,6 @@
               <a:rPr lang="de-CH" dirty="0" smtClean="0"/>
               <a:t>Monitors</a:t>
             </a:r>
-          </a:p>
-          <a:p>
-            <a:r>
-              <a:rPr lang="de-CH" dirty="0" err="1" smtClean="0"/>
-              <a:t>Predicates</a:t>
-            </a:r>
-            <a:r>
-              <a:rPr lang="de-CH" dirty="0" smtClean="0"/>
-              <a:t>/</a:t>
-            </a:r>
-            <a:r>
-              <a:rPr lang="de-CH" dirty="0" err="1" smtClean="0"/>
-              <a:t>Functions</a:t>
-            </a:r>
             <a:endParaRPr lang="de-CH" dirty="0" smtClean="0"/>
           </a:p>
         </p:txBody>
@@ -8572,7 +8548,7 @@
         <p:spPr>
           <a:xfrm>
             <a:off x="4648200" y="1600200"/>
-            <a:ext cx="4100264" cy="4853136"/>
+            <a:ext cx="4388296" cy="4853136"/>
           </a:xfrm>
         </p:spPr>
         <p:txBody>
@@ -8630,7 +8606,14 @@
                 <a:latin typeface="Consolas" pitchFamily="49" charset="0"/>
                 <a:cs typeface="Consolas" pitchFamily="49" charset="0"/>
               </a:rPr>
-              <a:t> v: </a:t>
+              <a:t> </a:t>
+            </a:r>
+            <a:r>
+              <a:rPr lang="en-GB" sz="1800" spc="-150" dirty="0" smtClean="0">
+                <a:latin typeface="Consolas" pitchFamily="49" charset="0"/>
+                <a:cs typeface="Consolas" pitchFamily="49" charset="0"/>
+              </a:rPr>
+              <a:t>v: </a:t>
             </a:r>
             <a:r>
               <a:rPr lang="en-GB" sz="1800" spc="-150" dirty="0" err="1" smtClean="0">
@@ -8645,35 +8628,6 @@
                 <a:cs typeface="Consolas" pitchFamily="49" charset="0"/>
               </a:rPr>
               <a:t>;</a:t>
-            </a:r>
-          </a:p>
-          <a:p>
-            <a:pPr marL="0" indent="0">
-              <a:buNone/>
-              <a:tabLst>
-                <a:tab pos="177800" algn="l"/>
-                <a:tab pos="355600" algn="l"/>
-              </a:tabLst>
-            </a:pPr>
-            <a:endParaRPr lang="en-GB" sz="1800" spc="-150" dirty="0" smtClean="0">
-              <a:latin typeface="Consolas" pitchFamily="49" charset="0"/>
-              <a:cs typeface="Consolas" pitchFamily="49" charset="0"/>
-            </a:endParaRPr>
-          </a:p>
-          <a:p>
-            <a:pPr marL="0" indent="0">
-              <a:buNone/>
-              <a:tabLst>
-                <a:tab pos="177800" algn="l"/>
-                <a:tab pos="355600" algn="l"/>
-              </a:tabLst>
-            </a:pPr>
-            <a:r>
-              <a:rPr lang="en-GB" sz="1800" spc="-150" dirty="0" smtClean="0">
-                <a:latin typeface="Consolas" pitchFamily="49" charset="0"/>
-                <a:cs typeface="Consolas" pitchFamily="49" charset="0"/>
-              </a:rPr>
-              <a:t>	predicate valid</a:t>
             </a:r>
           </a:p>
           <a:p>
@@ -8690,7 +8644,7 @@
                 <a:latin typeface="Consolas" pitchFamily="49" charset="0"/>
                 <a:cs typeface="Consolas" pitchFamily="49" charset="0"/>
               </a:rPr>
-              <a:t>	{	</a:t>
+              <a:t>	invariant </a:t>
             </a:r>
             <a:r>
               <a:rPr lang="de-CH" sz="1800" spc="-150" dirty="0" err="1" smtClean="0">
@@ -8704,35 +8658,7 @@
                 <a:latin typeface="Consolas" pitchFamily="49" charset="0"/>
                 <a:cs typeface="Consolas" pitchFamily="49" charset="0"/>
               </a:rPr>
-              <a:t>(</a:t>
-            </a:r>
-            <a:r>
-              <a:rPr lang="de-CH" sz="1800" spc="-150" dirty="0" err="1" smtClean="0">
-                <a:latin typeface="Consolas" pitchFamily="49" charset="0"/>
-                <a:cs typeface="Consolas" pitchFamily="49" charset="0"/>
-              </a:rPr>
-              <a:t>this.v</a:t>
-            </a:r>
-            <a:r>
-              <a:rPr lang="de-CH" sz="1800" spc="-150" dirty="0" smtClean="0">
-                <a:latin typeface="Consolas" pitchFamily="49" charset="0"/>
-                <a:cs typeface="Consolas" pitchFamily="49" charset="0"/>
-              </a:rPr>
-              <a:t>) &amp;&amp; 0 &lt;= </a:t>
-            </a:r>
-            <a:r>
-              <a:rPr lang="de-CH" sz="1800" spc="-150" dirty="0" err="1" smtClean="0">
-                <a:latin typeface="Consolas" pitchFamily="49" charset="0"/>
-                <a:cs typeface="Consolas" pitchFamily="49" charset="0"/>
-              </a:rPr>
-              <a:t>this.v</a:t>
-            </a:r>
-            <a:r>
-              <a:rPr lang="de-CH" sz="1800" spc="-150" dirty="0" smtClean="0">
-                <a:latin typeface="Consolas" pitchFamily="49" charset="0"/>
-                <a:cs typeface="Consolas" pitchFamily="49" charset="0"/>
-              </a:rPr>
-              <a:t> }</a:t>
+              <a:t>(v) &amp;&amp; 0 &lt;= c;</a:t>
             </a:r>
           </a:p>
           <a:p>
@@ -8744,10 +8670,13 @@
                 <a:tab pos="627063" algn="l"/>
               </a:tabLst>
             </a:pPr>
-            <a:endParaRPr lang="de-CH" sz="1800" spc="-150" dirty="0" smtClean="0">
-              <a:latin typeface="Consolas" pitchFamily="49" charset="0"/>
-              <a:cs typeface="Consolas" pitchFamily="49" charset="0"/>
-            </a:endParaRPr>
+            <a:r>
+              <a:rPr lang="de-CH" sz="1800" spc="-150" dirty="0" smtClean="0">
+                <a:latin typeface="Consolas" pitchFamily="49" charset="0"/>
+                <a:cs typeface="Consolas" pitchFamily="49" charset="0"/>
+              </a:rPr>
+              <a:t>}</a:t>
+            </a:r>
           </a:p>
           <a:p>
             <a:pPr marL="0" indent="0">
@@ -8759,67 +8688,32 @@
               </a:tabLst>
             </a:pPr>
             <a:r>
+              <a:rPr lang="de-CH" sz="1800" spc="-150" dirty="0" err="1" smtClean="0">
+                <a:latin typeface="Consolas" pitchFamily="49" charset="0"/>
+                <a:cs typeface="Consolas" pitchFamily="49" charset="0"/>
+              </a:rPr>
+              <a:t>class</a:t>
+            </a:r>
+            <a:r>
               <a:rPr lang="de-CH" sz="1800" spc="-150" dirty="0" smtClean="0">
                 <a:latin typeface="Consolas" pitchFamily="49" charset="0"/>
                 <a:cs typeface="Consolas" pitchFamily="49" charset="0"/>
               </a:rPr>
-              <a:t>	</a:t>
+              <a:t> </a:t>
             </a:r>
             <a:r>
               <a:rPr lang="de-CH" sz="1800" spc="-150" dirty="0" err="1" smtClean="0">
                 <a:latin typeface="Consolas" pitchFamily="49" charset="0"/>
                 <a:cs typeface="Consolas" pitchFamily="49" charset="0"/>
               </a:rPr>
-              <a:t>function</a:t>
+              <a:t>Program</a:t>
             </a:r>
             <a:r>
               <a:rPr lang="de-CH" sz="1800" spc="-150" dirty="0" smtClean="0">
                 <a:latin typeface="Consolas" pitchFamily="49" charset="0"/>
                 <a:cs typeface="Consolas" pitchFamily="49" charset="0"/>
               </a:rPr>
-              <a:t> </a:t>
-            </a:r>
-            <a:r>
-              <a:rPr lang="de-CH" sz="1800" spc="-150" dirty="0" err="1" smtClean="0">
-                <a:latin typeface="Consolas" pitchFamily="49" charset="0"/>
-                <a:cs typeface="Consolas" pitchFamily="49" charset="0"/>
-              </a:rPr>
-              <a:t>add</a:t>
-            </a:r>
-            <a:r>
-              <a:rPr lang="de-CH" sz="1800" spc="-150" dirty="0" smtClean="0">
-                <a:latin typeface="Consolas" pitchFamily="49" charset="0"/>
-                <a:cs typeface="Consolas" pitchFamily="49" charset="0"/>
-              </a:rPr>
-              <a:t>(</a:t>
-            </a:r>
-            <a:r>
-              <a:rPr lang="de-CH" sz="1800" spc="-150" dirty="0" err="1" smtClean="0">
-                <a:latin typeface="Consolas" pitchFamily="49" charset="0"/>
-                <a:cs typeface="Consolas" pitchFamily="49" charset="0"/>
-              </a:rPr>
-              <a:t>d:int</a:t>
-            </a:r>
-            <a:r>
-              <a:rPr lang="de-CH" sz="1800" spc="-150" dirty="0" smtClean="0">
-                <a:latin typeface="Consolas" pitchFamily="49" charset="0"/>
-                <a:cs typeface="Consolas" pitchFamily="49" charset="0"/>
-              </a:rPr>
-              <a:t>) </a:t>
-            </a:r>
-            <a:r>
-              <a:rPr lang="de-CH" sz="1800" spc="-150" dirty="0" err="1" smtClean="0">
-                <a:latin typeface="Consolas" pitchFamily="49" charset="0"/>
-                <a:cs typeface="Consolas" pitchFamily="49" charset="0"/>
-              </a:rPr>
-              <a:t>requires</a:t>
-            </a:r>
-            <a:r>
-              <a:rPr lang="de-CH" sz="1800" spc="-150" dirty="0" smtClean="0">
-                <a:latin typeface="Consolas" pitchFamily="49" charset="0"/>
-                <a:cs typeface="Consolas" pitchFamily="49" charset="0"/>
-              </a:rPr>
-              <a:t> valid;</a:t>
+              <a:t> {</a:t>
             </a:r>
           </a:p>
           <a:p>
@@ -8836,35 +8730,35 @@
                 <a:latin typeface="Consolas" pitchFamily="49" charset="0"/>
                 <a:cs typeface="Consolas" pitchFamily="49" charset="0"/>
               </a:rPr>
-              <a:t>	{ </a:t>
+              <a:t>	</a:t>
             </a:r>
             <a:r>
               <a:rPr lang="de-CH" sz="1800" spc="-150" dirty="0" err="1" smtClean="0">
                 <a:latin typeface="Consolas" pitchFamily="49" charset="0"/>
                 <a:cs typeface="Consolas" pitchFamily="49" charset="0"/>
               </a:rPr>
-              <a:t>unfolding</a:t>
+              <a:t>method</a:t>
             </a:r>
             <a:r>
               <a:rPr lang="de-CH" sz="1800" spc="-150" dirty="0" smtClean="0">
                 <a:latin typeface="Consolas" pitchFamily="49" charset="0"/>
                 <a:cs typeface="Consolas" pitchFamily="49" charset="0"/>
               </a:rPr>
-              <a:t> valid in </a:t>
+              <a:t> </a:t>
             </a:r>
             <a:r>
               <a:rPr lang="de-CH" sz="1800" spc="-150" dirty="0" err="1" smtClean="0">
                 <a:latin typeface="Consolas" pitchFamily="49" charset="0"/>
                 <a:cs typeface="Consolas" pitchFamily="49" charset="0"/>
               </a:rPr>
-              <a:t>this.v</a:t>
+              <a:t>main</a:t>
             </a:r>
             <a:r>
               <a:rPr lang="de-CH" sz="1800" spc="-150" dirty="0" smtClean="0">
                 <a:latin typeface="Consolas" pitchFamily="49" charset="0"/>
                 <a:cs typeface="Consolas" pitchFamily="49" charset="0"/>
               </a:rPr>
-              <a:t> + d; }</a:t>
+              <a:t>() {</a:t>
             </a:r>
           </a:p>
           <a:p>
@@ -8876,10 +8770,55 @@
                 <a:tab pos="627063" algn="l"/>
               </a:tabLst>
             </a:pPr>
-            <a:endParaRPr lang="de-CH" sz="1800" spc="-150" dirty="0" smtClean="0">
-              <a:latin typeface="Consolas" pitchFamily="49" charset="0"/>
-              <a:cs typeface="Consolas" pitchFamily="49" charset="0"/>
-            </a:endParaRPr>
+            <a:r>
+              <a:rPr lang="de-CH" sz="1800" spc="-150" dirty="0" smtClean="0">
+                <a:latin typeface="Consolas" pitchFamily="49" charset="0"/>
+                <a:cs typeface="Consolas" pitchFamily="49" charset="0"/>
+              </a:rPr>
+              <a:t>		</a:t>
+            </a:r>
+            <a:r>
+              <a:rPr lang="de-CH" sz="1800" spc="-150" dirty="0" err="1" smtClean="0">
+                <a:latin typeface="Consolas" pitchFamily="49" charset="0"/>
+                <a:cs typeface="Consolas" pitchFamily="49" charset="0"/>
+              </a:rPr>
+              <a:t>var</a:t>
+            </a:r>
+            <a:r>
+              <a:rPr lang="de-CH" sz="1800" spc="-150" dirty="0" smtClean="0">
+                <a:latin typeface="Consolas" pitchFamily="49" charset="0"/>
+                <a:cs typeface="Consolas" pitchFamily="49" charset="0"/>
+              </a:rPr>
+              <a:t> c:Cell := </a:t>
+            </a:r>
+            <a:r>
+              <a:rPr lang="de-CH" sz="1800" spc="-150" dirty="0" err="1" smtClean="0">
+                <a:latin typeface="Consolas" pitchFamily="49" charset="0"/>
+                <a:cs typeface="Consolas" pitchFamily="49" charset="0"/>
+              </a:rPr>
+              <a:t>new</a:t>
+            </a:r>
+            <a:r>
+              <a:rPr lang="de-CH" sz="1800" spc="-150" dirty="0" smtClean="0">
+                <a:latin typeface="Consolas" pitchFamily="49" charset="0"/>
+                <a:cs typeface="Consolas" pitchFamily="49" charset="0"/>
+              </a:rPr>
+              <a:t> </a:t>
+            </a:r>
+            <a:r>
+              <a:rPr lang="de-CH" sz="1800" spc="-150" dirty="0" err="1" smtClean="0">
+                <a:latin typeface="Consolas" pitchFamily="49" charset="0"/>
+                <a:cs typeface="Consolas" pitchFamily="49" charset="0"/>
+              </a:rPr>
+              <a:t>Cell</a:t>
+            </a:r>
+            <a:r>
+              <a:rPr lang="de-CH" sz="1800" spc="-150" dirty="0" smtClean="0">
+                <a:latin typeface="Consolas" pitchFamily="49" charset="0"/>
+                <a:cs typeface="Consolas" pitchFamily="49" charset="0"/>
+              </a:rPr>
+              <a:t>;</a:t>
+            </a:r>
           </a:p>
           <a:p>
             <a:pPr marL="0" indent="0">
@@ -8891,12 +8830,169 @@
               </a:tabLst>
             </a:pPr>
             <a:r>
+              <a:rPr lang="de-CH" sz="1800" spc="-150" dirty="0">
+                <a:latin typeface="Consolas" pitchFamily="49" charset="0"/>
+                <a:cs typeface="Consolas" pitchFamily="49" charset="0"/>
+              </a:rPr>
+              <a:t>	</a:t>
+            </a:r>
+            <a:r>
               <a:rPr lang="de-CH" sz="1800" spc="-150" dirty="0" smtClean="0">
                 <a:latin typeface="Consolas" pitchFamily="49" charset="0"/>
                 <a:cs typeface="Consolas" pitchFamily="49" charset="0"/>
               </a:rPr>
-              <a:t>	…</a:t>
-            </a:r>
+              <a:t>	</a:t>
+            </a:r>
+            <a:r>
+              <a:rPr lang="de-CH" sz="1800" spc="-150" dirty="0" err="1" smtClean="0">
+                <a:latin typeface="Consolas" pitchFamily="49" charset="0"/>
+                <a:cs typeface="Consolas" pitchFamily="49" charset="0"/>
+              </a:rPr>
+              <a:t>c.v</a:t>
+            </a:r>
+            <a:r>
+              <a:rPr lang="de-CH" sz="1800" spc="-150" dirty="0" smtClean="0">
+                <a:latin typeface="Consolas" pitchFamily="49" charset="0"/>
+                <a:cs typeface="Consolas" pitchFamily="49" charset="0"/>
+              </a:rPr>
+              <a:t> := 3;</a:t>
+            </a:r>
+          </a:p>
+          <a:p>
+            <a:pPr marL="0" indent="0">
+              <a:buNone/>
+              <a:tabLst>
+                <a:tab pos="177800" algn="l"/>
+                <a:tab pos="355600" algn="l"/>
+                <a:tab pos="627063" algn="l"/>
+              </a:tabLst>
+            </a:pPr>
+            <a:r>
+              <a:rPr lang="de-CH" sz="1800" spc="-150" dirty="0">
+                <a:latin typeface="Consolas" pitchFamily="49" charset="0"/>
+                <a:cs typeface="Consolas" pitchFamily="49" charset="0"/>
+              </a:rPr>
+              <a:t>	</a:t>
+            </a:r>
+            <a:r>
+              <a:rPr lang="de-CH" sz="1800" spc="-150" dirty="0" smtClean="0">
+                <a:latin typeface="Consolas" pitchFamily="49" charset="0"/>
+                <a:cs typeface="Consolas" pitchFamily="49" charset="0"/>
+              </a:rPr>
+              <a:t>	</a:t>
+            </a:r>
+            <a:r>
+              <a:rPr lang="de-CH" sz="1800" spc="-150" dirty="0" err="1" smtClean="0">
+                <a:latin typeface="Consolas" pitchFamily="49" charset="0"/>
+                <a:cs typeface="Consolas" pitchFamily="49" charset="0"/>
+              </a:rPr>
+              <a:t>share</a:t>
+            </a:r>
+            <a:r>
+              <a:rPr lang="de-CH" sz="1800" spc="-150" dirty="0" smtClean="0">
+                <a:latin typeface="Consolas" pitchFamily="49" charset="0"/>
+                <a:cs typeface="Consolas" pitchFamily="49" charset="0"/>
+              </a:rPr>
+              <a:t> c;</a:t>
+            </a:r>
+          </a:p>
+          <a:p>
+            <a:pPr marL="0" indent="0">
+              <a:buNone/>
+              <a:tabLst>
+                <a:tab pos="177800" algn="l"/>
+                <a:tab pos="355600" algn="l"/>
+                <a:tab pos="627063" algn="l"/>
+              </a:tabLst>
+            </a:pPr>
+            <a:endParaRPr lang="de-CH" sz="1800" spc="-150" dirty="0">
+              <a:latin typeface="Consolas" pitchFamily="49" charset="0"/>
+              <a:cs typeface="Consolas" pitchFamily="49" charset="0"/>
+            </a:endParaRPr>
+          </a:p>
+          <a:p>
+            <a:pPr marL="0" indent="0">
+              <a:buNone/>
+              <a:tabLst>
+                <a:tab pos="177800" algn="l"/>
+                <a:tab pos="355600" algn="l"/>
+                <a:tab pos="627063" algn="l"/>
+              </a:tabLst>
+            </a:pPr>
+            <a:r>
+              <a:rPr lang="de-CH" sz="1800" spc="-150" dirty="0" smtClean="0">
+                <a:latin typeface="Consolas" pitchFamily="49" charset="0"/>
+                <a:cs typeface="Consolas" pitchFamily="49" charset="0"/>
+              </a:rPr>
+              <a:t>		</a:t>
+            </a:r>
+            <a:r>
+              <a:rPr lang="de-CH" sz="1800" spc="-150" dirty="0" err="1" smtClean="0">
+                <a:latin typeface="Consolas" pitchFamily="49" charset="0"/>
+                <a:cs typeface="Consolas" pitchFamily="49" charset="0"/>
+              </a:rPr>
+              <a:t>acquire</a:t>
+            </a:r>
+            <a:r>
+              <a:rPr lang="de-CH" sz="1800" spc="-150" dirty="0" smtClean="0">
+                <a:latin typeface="Consolas" pitchFamily="49" charset="0"/>
+                <a:cs typeface="Consolas" pitchFamily="49" charset="0"/>
+              </a:rPr>
+              <a:t> c; </a:t>
+            </a:r>
+            <a:r>
+              <a:rPr lang="de-CH" sz="1800" spc="-150" dirty="0" err="1" smtClean="0">
+                <a:latin typeface="Consolas" pitchFamily="49" charset="0"/>
+                <a:cs typeface="Consolas" pitchFamily="49" charset="0"/>
+              </a:rPr>
+              <a:t>call</a:t>
+            </a:r>
+            <a:r>
+              <a:rPr lang="de-CH" sz="1800" spc="-150" dirty="0" smtClean="0">
+                <a:latin typeface="Consolas" pitchFamily="49" charset="0"/>
+                <a:cs typeface="Consolas" pitchFamily="49" charset="0"/>
+              </a:rPr>
+              <a:t> c.inc(2); </a:t>
+            </a:r>
+            <a:r>
+              <a:rPr lang="de-CH" sz="1800" spc="-150" dirty="0" err="1" smtClean="0">
+                <a:latin typeface="Consolas" pitchFamily="49" charset="0"/>
+                <a:cs typeface="Consolas" pitchFamily="49" charset="0"/>
+              </a:rPr>
+              <a:t>release</a:t>
+            </a:r>
+            <a:r>
+              <a:rPr lang="de-CH" sz="1800" spc="-150" dirty="0" smtClean="0">
+                <a:latin typeface="Consolas" pitchFamily="49" charset="0"/>
+                <a:cs typeface="Consolas" pitchFamily="49" charset="0"/>
+              </a:rPr>
+              <a:t> c;</a:t>
+            </a:r>
+            <a:endParaRPr lang="de-CH" sz="1800" spc="-150" dirty="0">
+              <a:latin typeface="Consolas" pitchFamily="49" charset="0"/>
+              <a:cs typeface="Consolas" pitchFamily="49" charset="0"/>
+            </a:endParaRPr>
+          </a:p>
+          <a:p>
+            <a:pPr marL="0" indent="0">
+              <a:buNone/>
+              <a:tabLst>
+                <a:tab pos="177800" algn="l"/>
+                <a:tab pos="355600" algn="l"/>
+                <a:tab pos="627063" algn="l"/>
+              </a:tabLst>
+            </a:pPr>
+            <a:r>
+              <a:rPr lang="de-CH" sz="1800" spc="-150" dirty="0" smtClean="0">
+                <a:latin typeface="Consolas" pitchFamily="49" charset="0"/>
+                <a:cs typeface="Consolas" pitchFamily="49" charset="0"/>
+              </a:rPr>
+              <a:t>	}</a:t>
+            </a:r>
+            <a:endParaRPr lang="de-CH" sz="1800" spc="-150" dirty="0">
+              <a:latin typeface="Consolas" pitchFamily="49" charset="0"/>
+              <a:cs typeface="Consolas" pitchFamily="49" charset="0"/>
+            </a:endParaRPr>
           </a:p>
           <a:p>
             <a:pPr marL="0" indent="0">
@@ -9026,13 +9122,6 @@
             </a:r>
             <a:endParaRPr lang="de-CH" dirty="0" smtClean="0"/>
           </a:p>
-          <a:p>
-            <a:r>
-              <a:rPr lang="de-CH" dirty="0" err="1" smtClean="0"/>
-              <a:t>Fork-Join</a:t>
-            </a:r>
-            <a:endParaRPr lang="en-GB" dirty="0"/>
-          </a:p>
         </p:txBody>
       </p:sp>
       <p:sp>
@@ -9076,14 +9165,7 @@
                 <a:latin typeface="Consolas" pitchFamily="49" charset="0"/>
                 <a:cs typeface="Consolas" pitchFamily="49" charset="0"/>
               </a:rPr>
-              <a:t>{ </a:t>
-            </a:r>
-            <a:r>
-              <a:rPr lang="de-CH" sz="1800" spc="-150" dirty="0" smtClean="0">
-                <a:latin typeface="Consolas" pitchFamily="49" charset="0"/>
-                <a:cs typeface="Consolas" pitchFamily="49" charset="0"/>
-              </a:rPr>
-              <a:t>… }</a:t>
+              <a:t>{</a:t>
             </a:r>
           </a:p>
           <a:p>
@@ -9095,32 +9177,39 @@
               </a:tabLst>
             </a:pPr>
             <a:r>
-              <a:rPr lang="de-CH" sz="1800" spc="-150" dirty="0" err="1" smtClean="0">
-                <a:latin typeface="Consolas" pitchFamily="49" charset="0"/>
-                <a:cs typeface="Consolas" pitchFamily="49" charset="0"/>
-              </a:rPr>
-              <a:t>class</a:t>
-            </a:r>
-            <a:r>
-              <a:rPr lang="de-CH" sz="1800" spc="-150" dirty="0" smtClean="0">
-                <a:latin typeface="Consolas" pitchFamily="49" charset="0"/>
-                <a:cs typeface="Consolas" pitchFamily="49" charset="0"/>
-              </a:rPr>
-              <a:t> </a:t>
-            </a:r>
-            <a:r>
-              <a:rPr lang="de-CH" sz="1800" spc="-150" dirty="0" err="1" smtClean="0">
-                <a:latin typeface="Consolas" pitchFamily="49" charset="0"/>
-                <a:cs typeface="Consolas" pitchFamily="49" charset="0"/>
-              </a:rPr>
-              <a:t>Program</a:t>
-            </a:r>
-            <a:r>
-              <a:rPr lang="de-CH" sz="1800" spc="-150" dirty="0" smtClean="0">
-                <a:latin typeface="Consolas" pitchFamily="49" charset="0"/>
-                <a:cs typeface="Consolas" pitchFamily="49" charset="0"/>
-              </a:rPr>
-              <a:t> {</a:t>
+              <a:rPr lang="en-GB" sz="1800" spc="-150" dirty="0" smtClean="0">
+                <a:latin typeface="Consolas" pitchFamily="49" charset="0"/>
+                <a:cs typeface="Consolas" pitchFamily="49" charset="0"/>
+              </a:rPr>
+              <a:t>	</a:t>
+            </a:r>
+            <a:r>
+              <a:rPr lang="en-GB" sz="1800" spc="-150" dirty="0" err="1" smtClean="0">
+                <a:latin typeface="Consolas" pitchFamily="49" charset="0"/>
+                <a:cs typeface="Consolas" pitchFamily="49" charset="0"/>
+              </a:rPr>
+              <a:t>var</a:t>
+            </a:r>
+            <a:r>
+              <a:rPr lang="en-GB" sz="1800" spc="-150" dirty="0" smtClean="0">
+                <a:latin typeface="Consolas" pitchFamily="49" charset="0"/>
+                <a:cs typeface="Consolas" pitchFamily="49" charset="0"/>
+              </a:rPr>
+              <a:t> v: </a:t>
+            </a:r>
+            <a:r>
+              <a:rPr lang="en-GB" sz="1800" spc="-150" dirty="0" err="1" smtClean="0">
+                <a:latin typeface="Consolas" pitchFamily="49" charset="0"/>
+                <a:cs typeface="Consolas" pitchFamily="49" charset="0"/>
+              </a:rPr>
+              <a:t>int</a:t>
+            </a:r>
+            <a:r>
+              <a:rPr lang="en-GB" sz="1800" spc="-150" dirty="0" smtClean="0">
+                <a:latin typeface="Consolas" pitchFamily="49" charset="0"/>
+                <a:cs typeface="Consolas" pitchFamily="49" charset="0"/>
+              </a:rPr>
+              <a:t>;</a:t>
             </a:r>
           </a:p>
           <a:p>
@@ -9131,41 +9220,10 @@
                 <a:tab pos="355600" algn="l"/>
               </a:tabLst>
             </a:pPr>
-            <a:r>
-              <a:rPr lang="de-CH" sz="1800" spc="-150" dirty="0" smtClean="0">
-                <a:latin typeface="Consolas" pitchFamily="49" charset="0"/>
-                <a:cs typeface="Consolas" pitchFamily="49" charset="0"/>
-              </a:rPr>
-              <a:t>	</a:t>
-            </a:r>
-            <a:r>
-              <a:rPr lang="de-CH" sz="1800" spc="-150" dirty="0" err="1" smtClean="0">
-                <a:latin typeface="Consolas" pitchFamily="49" charset="0"/>
-                <a:cs typeface="Consolas" pitchFamily="49" charset="0"/>
-              </a:rPr>
-              <a:t>method</a:t>
-            </a:r>
-            <a:r>
-              <a:rPr lang="de-CH" sz="1800" spc="-150" dirty="0" smtClean="0">
-                <a:latin typeface="Consolas" pitchFamily="49" charset="0"/>
-                <a:cs typeface="Consolas" pitchFamily="49" charset="0"/>
-              </a:rPr>
-              <a:t> </a:t>
-            </a:r>
-            <a:r>
-              <a:rPr lang="de-CH" sz="1800" spc="-150" dirty="0" err="1" smtClean="0">
-                <a:latin typeface="Consolas" pitchFamily="49" charset="0"/>
-                <a:cs typeface="Consolas" pitchFamily="49" charset="0"/>
-              </a:rPr>
-              <a:t>main</a:t>
-            </a:r>
-            <a:r>
-              <a:rPr lang="de-CH" sz="1800" spc="-150" dirty="0" smtClean="0">
-                <a:latin typeface="Consolas" pitchFamily="49" charset="0"/>
-                <a:cs typeface="Consolas" pitchFamily="49" charset="0"/>
-              </a:rPr>
-              <a:t>()  {</a:t>
-            </a:r>
+            <a:endParaRPr lang="en-GB" sz="1800" spc="-150" dirty="0" smtClean="0">
+              <a:latin typeface="Consolas" pitchFamily="49" charset="0"/>
+              <a:cs typeface="Consolas" pitchFamily="49" charset="0"/>
+            </a:endParaRPr>
           </a:p>
           <a:p>
             <a:pPr marL="0" indent="0">
@@ -9176,53 +9234,11 @@
               </a:tabLst>
             </a:pPr>
             <a:r>
-              <a:rPr lang="de-CH" sz="1800" spc="-150" dirty="0" smtClean="0">
-                <a:latin typeface="Consolas" pitchFamily="49" charset="0"/>
-                <a:cs typeface="Consolas" pitchFamily="49" charset="0"/>
-              </a:rPr>
-              <a:t>		</a:t>
-            </a:r>
-            <a:r>
-              <a:rPr lang="de-CH" sz="1800" spc="-150" dirty="0" err="1" smtClean="0">
-                <a:latin typeface="Consolas" pitchFamily="49" charset="0"/>
-                <a:cs typeface="Consolas" pitchFamily="49" charset="0"/>
-              </a:rPr>
-              <a:t>var</a:t>
-            </a:r>
-            <a:r>
-              <a:rPr lang="de-CH" sz="1800" spc="-150" dirty="0" smtClean="0">
-                <a:latin typeface="Consolas" pitchFamily="49" charset="0"/>
-                <a:cs typeface="Consolas" pitchFamily="49" charset="0"/>
-              </a:rPr>
-              <a:t> c1:Cell := </a:t>
-            </a:r>
-            <a:r>
-              <a:rPr lang="de-CH" sz="1800" spc="-150" dirty="0" err="1" smtClean="0">
-                <a:latin typeface="Consolas" pitchFamily="49" charset="0"/>
-                <a:cs typeface="Consolas" pitchFamily="49" charset="0"/>
-              </a:rPr>
-              <a:t>new</a:t>
-            </a:r>
-            <a:r>
-              <a:rPr lang="de-CH" sz="1800" spc="-150" dirty="0" smtClean="0">
-                <a:latin typeface="Consolas" pitchFamily="49" charset="0"/>
-                <a:cs typeface="Consolas" pitchFamily="49" charset="0"/>
-              </a:rPr>
-              <a:t> </a:t>
-            </a:r>
-            <a:r>
-              <a:rPr lang="de-CH" sz="1800" spc="-150" dirty="0" err="1" smtClean="0">
-                <a:latin typeface="Consolas" pitchFamily="49" charset="0"/>
-                <a:cs typeface="Consolas" pitchFamily="49" charset="0"/>
-              </a:rPr>
-              <a:t>Cell</a:t>
-            </a:r>
-            <a:r>
-              <a:rPr lang="de-CH" sz="1800" spc="-150" dirty="0" smtClean="0">
-                <a:latin typeface="Consolas" pitchFamily="49" charset="0"/>
-                <a:cs typeface="Consolas" pitchFamily="49" charset="0"/>
-              </a:rPr>
-              <a:t>;</a:t>
+              <a:rPr lang="en-GB" sz="1800" spc="-150" dirty="0" smtClean="0">
+                <a:latin typeface="Consolas" pitchFamily="49" charset="0"/>
+                <a:cs typeface="Consolas" pitchFamily="49" charset="0"/>
+              </a:rPr>
+              <a:t>	predicate valid</a:t>
             </a:r>
           </a:p>
           <a:p>
@@ -9231,63 +9247,57 @@
               <a:tabLst>
                 <a:tab pos="177800" algn="l"/>
                 <a:tab pos="355600" algn="l"/>
+                <a:tab pos="627063" algn="l"/>
               </a:tabLst>
             </a:pPr>
             <a:r>
-              <a:rPr lang="de-CH" sz="1800" spc="-150" dirty="0">
-                <a:latin typeface="Consolas" pitchFamily="49" charset="0"/>
-                <a:cs typeface="Consolas" pitchFamily="49" charset="0"/>
-              </a:rPr>
-              <a:t>	</a:t>
-            </a:r>
-            <a:r>
               <a:rPr lang="de-CH" sz="1800" spc="-150" dirty="0" smtClean="0">
                 <a:latin typeface="Consolas" pitchFamily="49" charset="0"/>
                 <a:cs typeface="Consolas" pitchFamily="49" charset="0"/>
               </a:rPr>
-              <a:t>	</a:t>
+              <a:t>	{	</a:t>
             </a:r>
             <a:r>
               <a:rPr lang="de-CH" sz="1800" spc="-150" dirty="0" err="1" smtClean="0">
                 <a:latin typeface="Consolas" pitchFamily="49" charset="0"/>
                 <a:cs typeface="Consolas" pitchFamily="49" charset="0"/>
               </a:rPr>
-              <a:t>var</a:t>
+              <a:t>acc</a:t>
             </a:r>
             <a:r>
               <a:rPr lang="de-CH" sz="1800" spc="-150" dirty="0" smtClean="0">
                 <a:latin typeface="Consolas" pitchFamily="49" charset="0"/>
                 <a:cs typeface="Consolas" pitchFamily="49" charset="0"/>
               </a:rPr>
-              <a:t> c2:Cell := </a:t>
+              <a:t>(</a:t>
             </a:r>
             <a:r>
               <a:rPr lang="de-CH" sz="1800" spc="-150" dirty="0" err="1" smtClean="0">
                 <a:latin typeface="Consolas" pitchFamily="49" charset="0"/>
                 <a:cs typeface="Consolas" pitchFamily="49" charset="0"/>
               </a:rPr>
-              <a:t>new</a:t>
+              <a:t>this.v</a:t>
             </a:r>
             <a:r>
               <a:rPr lang="de-CH" sz="1800" spc="-150" dirty="0" smtClean="0">
                 <a:latin typeface="Consolas" pitchFamily="49" charset="0"/>
                 <a:cs typeface="Consolas" pitchFamily="49" charset="0"/>
               </a:rPr>
-              <a:t> </a:t>
+              <a:t>) &amp;&amp; 0 &lt;= </a:t>
             </a:r>
             <a:r>
               <a:rPr lang="de-CH" sz="1800" spc="-150" dirty="0" err="1" smtClean="0">
                 <a:latin typeface="Consolas" pitchFamily="49" charset="0"/>
                 <a:cs typeface="Consolas" pitchFamily="49" charset="0"/>
               </a:rPr>
-              <a:t>Cell</a:t>
+              <a:t>this.v</a:t>
             </a:r>
             <a:r>
               <a:rPr lang="de-CH" sz="1800" spc="-150" dirty="0" smtClean="0">
                 <a:latin typeface="Consolas" pitchFamily="49" charset="0"/>
                 <a:cs typeface="Consolas" pitchFamily="49" charset="0"/>
               </a:rPr>
-              <a:t>;</a:t>
+              <a:t> }</a:t>
             </a:r>
           </a:p>
           <a:p>
@@ -9296,22 +9306,13 @@
               <a:tabLst>
                 <a:tab pos="177800" algn="l"/>
                 <a:tab pos="355600" algn="l"/>
+                <a:tab pos="627063" algn="l"/>
               </a:tabLst>
             </a:pPr>
-            <a:r>
-              <a:rPr lang="de-CH" sz="1800" spc="-150" dirty="0">
-                <a:latin typeface="Consolas" pitchFamily="49" charset="0"/>
-                <a:cs typeface="Consolas" pitchFamily="49" charset="0"/>
-              </a:rPr>
-              <a:t>	</a:t>
-            </a:r>
-            <a:r>
-              <a:rPr lang="de-CH" sz="1800" spc="-150" dirty="0" smtClean="0">
-                <a:latin typeface="Consolas" pitchFamily="49" charset="0"/>
-                <a:cs typeface="Consolas" pitchFamily="49" charset="0"/>
-              </a:rPr>
-              <a:t>	c1.v := 0; c2.v := 5;</a:t>
-            </a:r>
+            <a:endParaRPr lang="de-CH" sz="1800" spc="-150" dirty="0" smtClean="0">
+              <a:latin typeface="Consolas" pitchFamily="49" charset="0"/>
+              <a:cs typeface="Consolas" pitchFamily="49" charset="0"/>
+            </a:endParaRPr>
           </a:p>
           <a:p>
             <a:pPr marL="0" indent="0">
@@ -9319,35 +9320,71 @@
               <a:tabLst>
                 <a:tab pos="177800" algn="l"/>
                 <a:tab pos="355600" algn="l"/>
+                <a:tab pos="627063" algn="l"/>
               </a:tabLst>
             </a:pPr>
             <a:r>
-              <a:rPr lang="de-CH" sz="1800" spc="-150" dirty="0">
+              <a:rPr lang="de-CH" sz="1800" spc="-150" dirty="0" smtClean="0">
                 <a:latin typeface="Consolas" pitchFamily="49" charset="0"/>
                 <a:cs typeface="Consolas" pitchFamily="49" charset="0"/>
               </a:rPr>
               <a:t>	</a:t>
             </a:r>
             <a:r>
+              <a:rPr lang="de-CH" sz="1800" spc="-150" dirty="0" err="1" smtClean="0">
+                <a:latin typeface="Consolas" pitchFamily="49" charset="0"/>
+                <a:cs typeface="Consolas" pitchFamily="49" charset="0"/>
+              </a:rPr>
+              <a:t>function</a:t>
+            </a:r>
+            <a:r>
               <a:rPr lang="de-CH" sz="1800" spc="-150" dirty="0" smtClean="0">
                 <a:latin typeface="Consolas" pitchFamily="49" charset="0"/>
                 <a:cs typeface="Consolas" pitchFamily="49" charset="0"/>
               </a:rPr>
-              <a:t>	</a:t>
+              <a:t> </a:t>
             </a:r>
             <a:r>
               <a:rPr lang="de-CH" sz="1800" spc="-150" dirty="0" err="1" smtClean="0">
                 <a:latin typeface="Consolas" pitchFamily="49" charset="0"/>
                 <a:cs typeface="Consolas" pitchFamily="49" charset="0"/>
               </a:rPr>
-              <a:t>fork</a:t>
+              <a:t>add</a:t>
             </a:r>
             <a:r>
               <a:rPr lang="de-CH" sz="1800" spc="-150" dirty="0" smtClean="0">
                 <a:latin typeface="Consolas" pitchFamily="49" charset="0"/>
                 <a:cs typeface="Consolas" pitchFamily="49" charset="0"/>
               </a:rPr>
-              <a:t> tk1 = c1.inc(3);</a:t>
+              <a:t>(</a:t>
+            </a:r>
+            <a:r>
+              <a:rPr lang="de-CH" sz="1800" spc="-150" dirty="0" err="1" smtClean="0">
+                <a:latin typeface="Consolas" pitchFamily="49" charset="0"/>
+                <a:cs typeface="Consolas" pitchFamily="49" charset="0"/>
+              </a:rPr>
+              <a:t>d:int</a:t>
+            </a:r>
+            <a:r>
+              <a:rPr lang="de-CH" sz="1800" spc="-150" dirty="0" smtClean="0">
+                <a:latin typeface="Consolas" pitchFamily="49" charset="0"/>
+                <a:cs typeface="Consolas" pitchFamily="49" charset="0"/>
+              </a:rPr>
+              <a:t>) </a:t>
+            </a:r>
+            <a:r>
+              <a:rPr lang="de-CH" sz="1800" spc="-150" dirty="0" err="1" smtClean="0">
+                <a:latin typeface="Consolas" pitchFamily="49" charset="0"/>
+                <a:cs typeface="Consolas" pitchFamily="49" charset="0"/>
+              </a:rPr>
+              <a:t>requires</a:t>
+            </a:r>
+            <a:r>
+              <a:rPr lang="de-CH" sz="1800" spc="-150" dirty="0" smtClean="0">
+                <a:latin typeface="Consolas" pitchFamily="49" charset="0"/>
+                <a:cs typeface="Consolas" pitchFamily="49" charset="0"/>
+              </a:rPr>
+              <a:t> valid;</a:t>
             </a:r>
           </a:p>
           <a:p>
@@ -9356,35 +9393,43 @@
               <a:tabLst>
                 <a:tab pos="177800" algn="l"/>
                 <a:tab pos="355600" algn="l"/>
+                <a:tab pos="627063" algn="l"/>
               </a:tabLst>
             </a:pPr>
             <a:r>
-              <a:rPr lang="de-CH" sz="1800" spc="-150" dirty="0">
-                <a:latin typeface="Consolas" pitchFamily="49" charset="0"/>
-                <a:cs typeface="Consolas" pitchFamily="49" charset="0"/>
-              </a:rPr>
-              <a:t>	</a:t>
-            </a:r>
-            <a:r>
               <a:rPr lang="de-CH" sz="1800" spc="-150" dirty="0" smtClean="0">
                 <a:latin typeface="Consolas" pitchFamily="49" charset="0"/>
                 <a:cs typeface="Consolas" pitchFamily="49" charset="0"/>
               </a:rPr>
-              <a:t>	</a:t>
+              <a:t>	{ </a:t>
             </a:r>
             <a:r>
               <a:rPr lang="de-CH" sz="1800" spc="-150" dirty="0" err="1" smtClean="0">
                 <a:latin typeface="Consolas" pitchFamily="49" charset="0"/>
                 <a:cs typeface="Consolas" pitchFamily="49" charset="0"/>
               </a:rPr>
-              <a:t>fork</a:t>
+              <a:t>unfolding</a:t>
             </a:r>
             <a:r>
               <a:rPr lang="de-CH" sz="1800" spc="-150" dirty="0" smtClean="0">
                 <a:latin typeface="Consolas" pitchFamily="49" charset="0"/>
                 <a:cs typeface="Consolas" pitchFamily="49" charset="0"/>
               </a:rPr>
-              <a:t> tk2 = c2.inc(1);</a:t>
+              <a:t> valid in </a:t>
+            </a:r>
+            <a:r>
+              <a:rPr lang="de-CH" sz="1800" spc="-150" dirty="0" err="1" smtClean="0">
+                <a:latin typeface="Consolas" pitchFamily="49" charset="0"/>
+                <a:cs typeface="Consolas" pitchFamily="49" charset="0"/>
+              </a:rPr>
+              <a:t>this.v</a:t>
+            </a:r>
+            <a:r>
+              <a:rPr lang="de-CH" sz="1800" spc="-150" dirty="0" smtClean="0">
+                <a:latin typeface="Consolas" pitchFamily="49" charset="0"/>
+                <a:cs typeface="Consolas" pitchFamily="49" charset="0"/>
+              </a:rPr>
+              <a:t> + d; }</a:t>
             </a:r>
           </a:p>
           <a:p>
@@ -9393,36 +9438,13 @@
               <a:tabLst>
                 <a:tab pos="177800" algn="l"/>
                 <a:tab pos="355600" algn="l"/>
+                <a:tab pos="627063" algn="l"/>
               </a:tabLst>
             </a:pPr>
-            <a:r>
-              <a:rPr lang="de-CH" sz="1800" spc="-150" dirty="0">
-                <a:latin typeface="Consolas" pitchFamily="49" charset="0"/>
-                <a:cs typeface="Consolas" pitchFamily="49" charset="0"/>
-              </a:rPr>
-              <a:t>	</a:t>
-            </a:r>
-            <a:r>
-              <a:rPr lang="de-CH" sz="1800" spc="-150" dirty="0" smtClean="0">
-                <a:latin typeface="Consolas" pitchFamily="49" charset="0"/>
-                <a:cs typeface="Consolas" pitchFamily="49" charset="0"/>
-              </a:rPr>
-              <a:t>	</a:t>
-            </a:r>
-            <a:r>
-              <a:rPr lang="de-CH" sz="1800" spc="-150" dirty="0" err="1" smtClean="0">
-                <a:latin typeface="Consolas" pitchFamily="49" charset="0"/>
-                <a:cs typeface="Consolas" pitchFamily="49" charset="0"/>
-              </a:rPr>
-              <a:t>join</a:t>
-            </a:r>
-            <a:r>
-              <a:rPr lang="de-CH" sz="1800" spc="-150" dirty="0" smtClean="0">
-                <a:latin typeface="Consolas" pitchFamily="49" charset="0"/>
-                <a:cs typeface="Consolas" pitchFamily="49" charset="0"/>
-              </a:rPr>
-              <a:t> f1 := tk1;</a:t>
-            </a:r>
+            <a:endParaRPr lang="de-CH" sz="1800" spc="-150" dirty="0" smtClean="0">
+              <a:latin typeface="Consolas" pitchFamily="49" charset="0"/>
+              <a:cs typeface="Consolas" pitchFamily="49" charset="0"/>
+            </a:endParaRPr>
           </a:p>
           <a:p>
             <a:pPr marL="0" indent="0">
@@ -9430,87 +9452,44 @@
               <a:tabLst>
                 <a:tab pos="177800" algn="l"/>
                 <a:tab pos="355600" algn="l"/>
+                <a:tab pos="627063" algn="l"/>
               </a:tabLst>
             </a:pPr>
             <a:r>
-              <a:rPr lang="de-CH" sz="1800" spc="-150" dirty="0">
-                <a:latin typeface="Consolas" pitchFamily="49" charset="0"/>
-                <a:cs typeface="Consolas" pitchFamily="49" charset="0"/>
-              </a:rPr>
-              <a:t>	</a:t>
-            </a:r>
-            <a:r>
               <a:rPr lang="de-CH" sz="1800" spc="-150" dirty="0" smtClean="0">
                 <a:latin typeface="Consolas" pitchFamily="49" charset="0"/>
                 <a:cs typeface="Consolas" pitchFamily="49" charset="0"/>
               </a:rPr>
-              <a:t>	</a:t>
-            </a:r>
-            <a:r>
-              <a:rPr lang="de-CH" sz="1800" spc="-150" dirty="0" err="1" smtClean="0">
-                <a:latin typeface="Consolas" pitchFamily="49" charset="0"/>
-                <a:cs typeface="Consolas" pitchFamily="49" charset="0"/>
-              </a:rPr>
-              <a:t>join</a:t>
-            </a:r>
+              <a:t>	…</a:t>
+            </a:r>
+          </a:p>
+          <a:p>
+            <a:pPr marL="0" indent="0">
+              <a:buNone/>
+              <a:tabLst>
+                <a:tab pos="177800" algn="l"/>
+                <a:tab pos="355600" algn="l"/>
+                <a:tab pos="627063" algn="l"/>
+              </a:tabLst>
+            </a:pPr>
             <a:r>
               <a:rPr lang="de-CH" sz="1800" spc="-150" dirty="0" smtClean="0">
                 <a:latin typeface="Consolas" pitchFamily="49" charset="0"/>
                 <a:cs typeface="Consolas" pitchFamily="49" charset="0"/>
               </a:rPr>
-              <a:t> f2 := tk2;</a:t>
+              <a:t>}</a:t>
             </a:r>
             <a:endParaRPr lang="de-CH" sz="1800" spc="-150" dirty="0">
               <a:latin typeface="Consolas" pitchFamily="49" charset="0"/>
               <a:cs typeface="Consolas" pitchFamily="49" charset="0"/>
             </a:endParaRPr>
           </a:p>
-          <a:p>
-            <a:pPr marL="0" indent="0">
-              <a:buNone/>
-              <a:tabLst>
-                <a:tab pos="177800" algn="l"/>
-                <a:tab pos="355600" algn="l"/>
-              </a:tabLst>
-            </a:pPr>
-            <a:r>
-              <a:rPr lang="de-CH" sz="1800" spc="-150" dirty="0" smtClean="0">
-                <a:latin typeface="Consolas" pitchFamily="49" charset="0"/>
-                <a:cs typeface="Consolas" pitchFamily="49" charset="0"/>
-              </a:rPr>
-              <a:t>	}</a:t>
-            </a:r>
-            <a:endParaRPr lang="de-CH" sz="1800" spc="-150" dirty="0">
-              <a:latin typeface="Consolas" pitchFamily="49" charset="0"/>
-              <a:cs typeface="Consolas" pitchFamily="49" charset="0"/>
-            </a:endParaRPr>
-          </a:p>
-          <a:p>
-            <a:pPr marL="0" indent="0">
-              <a:buNone/>
-              <a:tabLst>
-                <a:tab pos="177800" algn="l"/>
-                <a:tab pos="355600" algn="l"/>
-              </a:tabLst>
-            </a:pPr>
-            <a:r>
-              <a:rPr lang="de-CH" sz="1800" spc="-150" dirty="0" smtClean="0">
-                <a:latin typeface="Consolas" pitchFamily="49" charset="0"/>
-                <a:cs typeface="Consolas" pitchFamily="49" charset="0"/>
-              </a:rPr>
-              <a:t>}</a:t>
-            </a:r>
-            <a:endParaRPr lang="de-CH" sz="1800" spc="-150" dirty="0">
-              <a:latin typeface="Consolas" pitchFamily="49" charset="0"/>
-              <a:cs typeface="Consolas" pitchFamily="49" charset="0"/>
-            </a:endParaRPr>
-          </a:p>
         </p:txBody>
       </p:sp>
     </p:spTree>
     <p:extLst>
       <p:ext uri="{BB962C8B-B14F-4D97-AF65-F5344CB8AC3E}">
-        <p14:creationId xmlns:p14="http://schemas.microsoft.com/office/powerpoint/2010/main" val="3194332371"/>
+        <p14:creationId xmlns:p14="http://schemas.microsoft.com/office/powerpoint/2010/main" val="1962121807"/>
       </p:ext>
     </p:extLst>
   </p:cSld>
@@ -9553,6 +9532,592 @@
           <a:lstStyle/>
           <a:p>
             <a:r>
+              <a:rPr lang="de-CH" dirty="0" err="1" smtClean="0"/>
+              <a:t>Chalice</a:t>
+            </a:r>
+            <a:endParaRPr lang="en-GB" dirty="0"/>
+          </a:p>
+        </p:txBody>
+      </p:sp>
+      <p:sp>
+        <p:nvSpPr>
+          <p:cNvPr id="3" name="Content Placeholder 2"/>
+          <p:cNvSpPr>
+            <a:spLocks noGrp="1"/>
+          </p:cNvSpPr>
+          <p:nvPr>
+            <p:ph sz="half" idx="1"/>
+          </p:nvPr>
+        </p:nvSpPr>
+        <p:spPr/>
+        <p:txBody>
+          <a:bodyPr>
+            <a:normAutofit/>
+          </a:bodyPr>
+          <a:lstStyle/>
+          <a:p>
+            <a:r>
+              <a:rPr lang="de-CH" dirty="0" err="1" smtClean="0"/>
+              <a:t>Annotated</a:t>
+            </a:r>
+            <a:r>
+              <a:rPr lang="de-CH" dirty="0" smtClean="0"/>
+              <a:t> </a:t>
+            </a:r>
+            <a:r>
+              <a:rPr lang="de-CH" dirty="0" err="1" smtClean="0"/>
+              <a:t>Methods</a:t>
+            </a:r>
+            <a:endParaRPr lang="de-CH" dirty="0" smtClean="0"/>
+          </a:p>
+          <a:p>
+            <a:r>
+              <a:rPr lang="de-CH" dirty="0" smtClean="0"/>
+              <a:t>Monitors</a:t>
+            </a:r>
+          </a:p>
+          <a:p>
+            <a:r>
+              <a:rPr lang="de-CH" dirty="0" err="1" smtClean="0"/>
+              <a:t>Predicates</a:t>
+            </a:r>
+            <a:r>
+              <a:rPr lang="de-CH" dirty="0" smtClean="0"/>
+              <a:t>/</a:t>
+            </a:r>
+            <a:r>
+              <a:rPr lang="de-CH" dirty="0" err="1" smtClean="0"/>
+              <a:t>Functions</a:t>
+            </a:r>
+            <a:endParaRPr lang="de-CH" dirty="0" smtClean="0"/>
+          </a:p>
+          <a:p>
+            <a:r>
+              <a:rPr lang="de-CH" dirty="0" err="1" smtClean="0"/>
+              <a:t>Fork-Join</a:t>
+            </a:r>
+            <a:endParaRPr lang="en-GB" dirty="0"/>
+          </a:p>
+        </p:txBody>
+      </p:sp>
+      <p:sp>
+        <p:nvSpPr>
+          <p:cNvPr id="4" name="Content Placeholder 3"/>
+          <p:cNvSpPr>
+            <a:spLocks noGrp="1"/>
+          </p:cNvSpPr>
+          <p:nvPr>
+            <p:ph sz="half" idx="2"/>
+          </p:nvPr>
+        </p:nvSpPr>
+        <p:spPr>
+          <a:xfrm>
+            <a:off x="4648200" y="1600200"/>
+            <a:ext cx="4100264" cy="4853136"/>
+          </a:xfrm>
+        </p:spPr>
+        <p:txBody>
+          <a:bodyPr>
+            <a:normAutofit/>
+          </a:bodyPr>
+          <a:lstStyle/>
+          <a:p>
+            <a:pPr marL="0" indent="0">
+              <a:buNone/>
+              <a:tabLst>
+                <a:tab pos="177800" algn="l"/>
+                <a:tab pos="355600" algn="l"/>
+              </a:tabLst>
+            </a:pPr>
+            <a:r>
+              <a:rPr lang="en-GB" sz="1800" spc="-150" dirty="0">
+                <a:latin typeface="Consolas" pitchFamily="49" charset="0"/>
+                <a:cs typeface="Consolas" pitchFamily="49" charset="0"/>
+              </a:rPr>
+              <a:t>class Cell </a:t>
+            </a:r>
+            <a:r>
+              <a:rPr lang="en-GB" sz="1800" spc="-150" dirty="0" smtClean="0">
+                <a:latin typeface="Consolas" pitchFamily="49" charset="0"/>
+                <a:cs typeface="Consolas" pitchFamily="49" charset="0"/>
+              </a:rPr>
+              <a:t>{ </a:t>
+            </a:r>
+            <a:r>
+              <a:rPr lang="de-CH" sz="1800" spc="-150" dirty="0" smtClean="0">
+                <a:latin typeface="Consolas" pitchFamily="49" charset="0"/>
+                <a:cs typeface="Consolas" pitchFamily="49" charset="0"/>
+              </a:rPr>
+              <a:t>… }</a:t>
+            </a:r>
+          </a:p>
+          <a:p>
+            <a:pPr marL="0" indent="0">
+              <a:buNone/>
+              <a:tabLst>
+                <a:tab pos="177800" algn="l"/>
+                <a:tab pos="355600" algn="l"/>
+              </a:tabLst>
+            </a:pPr>
+            <a:r>
+              <a:rPr lang="de-CH" sz="1800" spc="-150" dirty="0" err="1" smtClean="0">
+                <a:latin typeface="Consolas" pitchFamily="49" charset="0"/>
+                <a:cs typeface="Consolas" pitchFamily="49" charset="0"/>
+              </a:rPr>
+              <a:t>class</a:t>
+            </a:r>
+            <a:r>
+              <a:rPr lang="de-CH" sz="1800" spc="-150" dirty="0" smtClean="0">
+                <a:latin typeface="Consolas" pitchFamily="49" charset="0"/>
+                <a:cs typeface="Consolas" pitchFamily="49" charset="0"/>
+              </a:rPr>
+              <a:t> </a:t>
+            </a:r>
+            <a:r>
+              <a:rPr lang="de-CH" sz="1800" spc="-150" dirty="0" err="1" smtClean="0">
+                <a:latin typeface="Consolas" pitchFamily="49" charset="0"/>
+                <a:cs typeface="Consolas" pitchFamily="49" charset="0"/>
+              </a:rPr>
+              <a:t>Program</a:t>
+            </a:r>
+            <a:r>
+              <a:rPr lang="de-CH" sz="1800" spc="-150" dirty="0" smtClean="0">
+                <a:latin typeface="Consolas" pitchFamily="49" charset="0"/>
+                <a:cs typeface="Consolas" pitchFamily="49" charset="0"/>
+              </a:rPr>
+              <a:t> {</a:t>
+            </a:r>
+          </a:p>
+          <a:p>
+            <a:pPr marL="0" indent="0">
+              <a:buNone/>
+              <a:tabLst>
+                <a:tab pos="177800" algn="l"/>
+                <a:tab pos="355600" algn="l"/>
+              </a:tabLst>
+            </a:pPr>
+            <a:r>
+              <a:rPr lang="de-CH" sz="1800" spc="-150" dirty="0" smtClean="0">
+                <a:latin typeface="Consolas" pitchFamily="49" charset="0"/>
+                <a:cs typeface="Consolas" pitchFamily="49" charset="0"/>
+              </a:rPr>
+              <a:t>	</a:t>
+            </a:r>
+            <a:r>
+              <a:rPr lang="de-CH" sz="1800" spc="-150" dirty="0" err="1" smtClean="0">
+                <a:latin typeface="Consolas" pitchFamily="49" charset="0"/>
+                <a:cs typeface="Consolas" pitchFamily="49" charset="0"/>
+              </a:rPr>
+              <a:t>method</a:t>
+            </a:r>
+            <a:r>
+              <a:rPr lang="de-CH" sz="1800" spc="-150" dirty="0" smtClean="0">
+                <a:latin typeface="Consolas" pitchFamily="49" charset="0"/>
+                <a:cs typeface="Consolas" pitchFamily="49" charset="0"/>
+              </a:rPr>
+              <a:t> </a:t>
+            </a:r>
+            <a:r>
+              <a:rPr lang="de-CH" sz="1800" spc="-150" dirty="0" err="1" smtClean="0">
+                <a:latin typeface="Consolas" pitchFamily="49" charset="0"/>
+                <a:cs typeface="Consolas" pitchFamily="49" charset="0"/>
+              </a:rPr>
+              <a:t>main</a:t>
+            </a:r>
+            <a:r>
+              <a:rPr lang="de-CH" sz="1800" spc="-150" dirty="0" smtClean="0">
+                <a:latin typeface="Consolas" pitchFamily="49" charset="0"/>
+                <a:cs typeface="Consolas" pitchFamily="49" charset="0"/>
+              </a:rPr>
+              <a:t>()  {</a:t>
+            </a:r>
+          </a:p>
+          <a:p>
+            <a:pPr marL="0" indent="0">
+              <a:buNone/>
+              <a:tabLst>
+                <a:tab pos="177800" algn="l"/>
+                <a:tab pos="355600" algn="l"/>
+              </a:tabLst>
+            </a:pPr>
+            <a:r>
+              <a:rPr lang="de-CH" sz="1800" spc="-150" dirty="0" smtClean="0">
+                <a:latin typeface="Consolas" pitchFamily="49" charset="0"/>
+                <a:cs typeface="Consolas" pitchFamily="49" charset="0"/>
+              </a:rPr>
+              <a:t>		</a:t>
+            </a:r>
+            <a:r>
+              <a:rPr lang="de-CH" sz="1800" spc="-150" dirty="0" err="1" smtClean="0">
+                <a:latin typeface="Consolas" pitchFamily="49" charset="0"/>
+                <a:cs typeface="Consolas" pitchFamily="49" charset="0"/>
+              </a:rPr>
+              <a:t>var</a:t>
+            </a:r>
+            <a:r>
+              <a:rPr lang="de-CH" sz="1800" spc="-150" dirty="0" smtClean="0">
+                <a:latin typeface="Consolas" pitchFamily="49" charset="0"/>
+                <a:cs typeface="Consolas" pitchFamily="49" charset="0"/>
+              </a:rPr>
+              <a:t> c1:Cell := </a:t>
+            </a:r>
+            <a:r>
+              <a:rPr lang="de-CH" sz="1800" spc="-150" dirty="0" err="1" smtClean="0">
+                <a:latin typeface="Consolas" pitchFamily="49" charset="0"/>
+                <a:cs typeface="Consolas" pitchFamily="49" charset="0"/>
+              </a:rPr>
+              <a:t>new</a:t>
+            </a:r>
+            <a:r>
+              <a:rPr lang="de-CH" sz="1800" spc="-150" dirty="0" smtClean="0">
+                <a:latin typeface="Consolas" pitchFamily="49" charset="0"/>
+                <a:cs typeface="Consolas" pitchFamily="49" charset="0"/>
+              </a:rPr>
+              <a:t> </a:t>
+            </a:r>
+            <a:r>
+              <a:rPr lang="de-CH" sz="1800" spc="-150" dirty="0" err="1" smtClean="0">
+                <a:latin typeface="Consolas" pitchFamily="49" charset="0"/>
+                <a:cs typeface="Consolas" pitchFamily="49" charset="0"/>
+              </a:rPr>
+              <a:t>Cell</a:t>
+            </a:r>
+            <a:r>
+              <a:rPr lang="de-CH" sz="1800" spc="-150" dirty="0" smtClean="0">
+                <a:latin typeface="Consolas" pitchFamily="49" charset="0"/>
+                <a:cs typeface="Consolas" pitchFamily="49" charset="0"/>
+              </a:rPr>
+              <a:t>;</a:t>
+            </a:r>
+          </a:p>
+          <a:p>
+            <a:pPr marL="0" indent="0">
+              <a:buNone/>
+              <a:tabLst>
+                <a:tab pos="177800" algn="l"/>
+                <a:tab pos="355600" algn="l"/>
+              </a:tabLst>
+            </a:pPr>
+            <a:r>
+              <a:rPr lang="de-CH" sz="1800" spc="-150" dirty="0">
+                <a:latin typeface="Consolas" pitchFamily="49" charset="0"/>
+                <a:cs typeface="Consolas" pitchFamily="49" charset="0"/>
+              </a:rPr>
+              <a:t>	</a:t>
+            </a:r>
+            <a:r>
+              <a:rPr lang="de-CH" sz="1800" spc="-150" dirty="0" smtClean="0">
+                <a:latin typeface="Consolas" pitchFamily="49" charset="0"/>
+                <a:cs typeface="Consolas" pitchFamily="49" charset="0"/>
+              </a:rPr>
+              <a:t>	</a:t>
+            </a:r>
+            <a:r>
+              <a:rPr lang="de-CH" sz="1800" spc="-150" dirty="0" err="1" smtClean="0">
+                <a:latin typeface="Consolas" pitchFamily="49" charset="0"/>
+                <a:cs typeface="Consolas" pitchFamily="49" charset="0"/>
+              </a:rPr>
+              <a:t>var</a:t>
+            </a:r>
+            <a:r>
+              <a:rPr lang="de-CH" sz="1800" spc="-150" dirty="0" smtClean="0">
+                <a:latin typeface="Consolas" pitchFamily="49" charset="0"/>
+                <a:cs typeface="Consolas" pitchFamily="49" charset="0"/>
+              </a:rPr>
+              <a:t> c2:Cell := </a:t>
+            </a:r>
+            <a:r>
+              <a:rPr lang="de-CH" sz="1800" spc="-150" dirty="0" err="1" smtClean="0">
+                <a:latin typeface="Consolas" pitchFamily="49" charset="0"/>
+                <a:cs typeface="Consolas" pitchFamily="49" charset="0"/>
+              </a:rPr>
+              <a:t>new</a:t>
+            </a:r>
+            <a:r>
+              <a:rPr lang="de-CH" sz="1800" spc="-150" dirty="0" smtClean="0">
+                <a:latin typeface="Consolas" pitchFamily="49" charset="0"/>
+                <a:cs typeface="Consolas" pitchFamily="49" charset="0"/>
+              </a:rPr>
+              <a:t> </a:t>
+            </a:r>
+            <a:r>
+              <a:rPr lang="de-CH" sz="1800" spc="-150" dirty="0" err="1" smtClean="0">
+                <a:latin typeface="Consolas" pitchFamily="49" charset="0"/>
+                <a:cs typeface="Consolas" pitchFamily="49" charset="0"/>
+              </a:rPr>
+              <a:t>Cell</a:t>
+            </a:r>
+            <a:r>
+              <a:rPr lang="de-CH" sz="1800" spc="-150" dirty="0" smtClean="0">
+                <a:latin typeface="Consolas" pitchFamily="49" charset="0"/>
+                <a:cs typeface="Consolas" pitchFamily="49" charset="0"/>
+              </a:rPr>
+              <a:t>;</a:t>
+            </a:r>
+          </a:p>
+          <a:p>
+            <a:pPr marL="0" indent="0">
+              <a:buNone/>
+              <a:tabLst>
+                <a:tab pos="177800" algn="l"/>
+                <a:tab pos="355600" algn="l"/>
+              </a:tabLst>
+            </a:pPr>
+            <a:r>
+              <a:rPr lang="de-CH" sz="1800" spc="-150" dirty="0">
+                <a:latin typeface="Consolas" pitchFamily="49" charset="0"/>
+                <a:cs typeface="Consolas" pitchFamily="49" charset="0"/>
+              </a:rPr>
+              <a:t>	</a:t>
+            </a:r>
+            <a:r>
+              <a:rPr lang="de-CH" sz="1800" spc="-150" dirty="0" smtClean="0">
+                <a:latin typeface="Consolas" pitchFamily="49" charset="0"/>
+                <a:cs typeface="Consolas" pitchFamily="49" charset="0"/>
+              </a:rPr>
+              <a:t>	c1.v := 0; c2.v := 5;</a:t>
+            </a:r>
+          </a:p>
+          <a:p>
+            <a:pPr marL="0" indent="0">
+              <a:buNone/>
+              <a:tabLst>
+                <a:tab pos="177800" algn="l"/>
+                <a:tab pos="355600" algn="l"/>
+              </a:tabLst>
+            </a:pPr>
+            <a:r>
+              <a:rPr lang="de-CH" sz="1800" spc="-150" dirty="0">
+                <a:latin typeface="Consolas" pitchFamily="49" charset="0"/>
+                <a:cs typeface="Consolas" pitchFamily="49" charset="0"/>
+              </a:rPr>
+              <a:t>	</a:t>
+            </a:r>
+            <a:r>
+              <a:rPr lang="de-CH" sz="1800" spc="-150" dirty="0" smtClean="0">
+                <a:latin typeface="Consolas" pitchFamily="49" charset="0"/>
+                <a:cs typeface="Consolas" pitchFamily="49" charset="0"/>
+              </a:rPr>
+              <a:t>	</a:t>
+            </a:r>
+            <a:r>
+              <a:rPr lang="de-CH" sz="1800" spc="-150" dirty="0" err="1" smtClean="0">
+                <a:latin typeface="Consolas" pitchFamily="49" charset="0"/>
+                <a:cs typeface="Consolas" pitchFamily="49" charset="0"/>
+              </a:rPr>
+              <a:t>fork</a:t>
+            </a:r>
+            <a:r>
+              <a:rPr lang="de-CH" sz="1800" spc="-150" dirty="0" smtClean="0">
+                <a:latin typeface="Consolas" pitchFamily="49" charset="0"/>
+                <a:cs typeface="Consolas" pitchFamily="49" charset="0"/>
+              </a:rPr>
+              <a:t> tk1 = c1.inc(3);</a:t>
+            </a:r>
+          </a:p>
+          <a:p>
+            <a:pPr marL="0" indent="0">
+              <a:buNone/>
+              <a:tabLst>
+                <a:tab pos="177800" algn="l"/>
+                <a:tab pos="355600" algn="l"/>
+              </a:tabLst>
+            </a:pPr>
+            <a:r>
+              <a:rPr lang="de-CH" sz="1800" spc="-150" dirty="0">
+                <a:latin typeface="Consolas" pitchFamily="49" charset="0"/>
+                <a:cs typeface="Consolas" pitchFamily="49" charset="0"/>
+              </a:rPr>
+              <a:t>	</a:t>
+            </a:r>
+            <a:r>
+              <a:rPr lang="de-CH" sz="1800" spc="-150" dirty="0" smtClean="0">
+                <a:latin typeface="Consolas" pitchFamily="49" charset="0"/>
+                <a:cs typeface="Consolas" pitchFamily="49" charset="0"/>
+              </a:rPr>
+              <a:t>	</a:t>
+            </a:r>
+            <a:r>
+              <a:rPr lang="de-CH" sz="1800" spc="-150" dirty="0" err="1" smtClean="0">
+                <a:latin typeface="Consolas" pitchFamily="49" charset="0"/>
+                <a:cs typeface="Consolas" pitchFamily="49" charset="0"/>
+              </a:rPr>
+              <a:t>fork</a:t>
+            </a:r>
+            <a:r>
+              <a:rPr lang="de-CH" sz="1800" spc="-150" dirty="0" smtClean="0">
+                <a:latin typeface="Consolas" pitchFamily="49" charset="0"/>
+                <a:cs typeface="Consolas" pitchFamily="49" charset="0"/>
+              </a:rPr>
+              <a:t> tk2 = c2.inc(1);</a:t>
+            </a:r>
+          </a:p>
+          <a:p>
+            <a:pPr marL="0" indent="0">
+              <a:buNone/>
+              <a:tabLst>
+                <a:tab pos="177800" algn="l"/>
+                <a:tab pos="355600" algn="l"/>
+              </a:tabLst>
+            </a:pPr>
+            <a:r>
+              <a:rPr lang="de-CH" sz="1800" spc="-150" dirty="0">
+                <a:latin typeface="Consolas" pitchFamily="49" charset="0"/>
+                <a:cs typeface="Consolas" pitchFamily="49" charset="0"/>
+              </a:rPr>
+              <a:t>	</a:t>
+            </a:r>
+            <a:r>
+              <a:rPr lang="de-CH" sz="1800" spc="-150" dirty="0" smtClean="0">
+                <a:latin typeface="Consolas" pitchFamily="49" charset="0"/>
+                <a:cs typeface="Consolas" pitchFamily="49" charset="0"/>
+              </a:rPr>
+              <a:t>	</a:t>
+            </a:r>
+            <a:r>
+              <a:rPr lang="de-CH" sz="1800" spc="-150" dirty="0" err="1" smtClean="0">
+                <a:latin typeface="Consolas" pitchFamily="49" charset="0"/>
+                <a:cs typeface="Consolas" pitchFamily="49" charset="0"/>
+              </a:rPr>
+              <a:t>join</a:t>
+            </a:r>
+            <a:r>
+              <a:rPr lang="de-CH" sz="1800" spc="-150" dirty="0" smtClean="0">
+                <a:latin typeface="Consolas" pitchFamily="49" charset="0"/>
+                <a:cs typeface="Consolas" pitchFamily="49" charset="0"/>
+              </a:rPr>
+              <a:t> f1 := tk1;</a:t>
+            </a:r>
+          </a:p>
+          <a:p>
+            <a:pPr marL="0" indent="0">
+              <a:buNone/>
+              <a:tabLst>
+                <a:tab pos="177800" algn="l"/>
+                <a:tab pos="355600" algn="l"/>
+              </a:tabLst>
+            </a:pPr>
+            <a:r>
+              <a:rPr lang="de-CH" sz="1800" spc="-150" dirty="0">
+                <a:latin typeface="Consolas" pitchFamily="49" charset="0"/>
+                <a:cs typeface="Consolas" pitchFamily="49" charset="0"/>
+              </a:rPr>
+              <a:t>	</a:t>
+            </a:r>
+            <a:r>
+              <a:rPr lang="de-CH" sz="1800" spc="-150" dirty="0" smtClean="0">
+                <a:latin typeface="Consolas" pitchFamily="49" charset="0"/>
+                <a:cs typeface="Consolas" pitchFamily="49" charset="0"/>
+              </a:rPr>
+              <a:t>	</a:t>
+            </a:r>
+            <a:r>
+              <a:rPr lang="de-CH" sz="1800" spc="-150" dirty="0" err="1" smtClean="0">
+                <a:latin typeface="Consolas" pitchFamily="49" charset="0"/>
+                <a:cs typeface="Consolas" pitchFamily="49" charset="0"/>
+              </a:rPr>
+              <a:t>join</a:t>
+            </a:r>
+            <a:r>
+              <a:rPr lang="de-CH" sz="1800" spc="-150" dirty="0" smtClean="0">
+                <a:latin typeface="Consolas" pitchFamily="49" charset="0"/>
+                <a:cs typeface="Consolas" pitchFamily="49" charset="0"/>
+              </a:rPr>
+              <a:t> f2 := tk2;</a:t>
+            </a:r>
+            <a:endParaRPr lang="de-CH" sz="1800" spc="-150" dirty="0">
+              <a:latin typeface="Consolas" pitchFamily="49" charset="0"/>
+              <a:cs typeface="Consolas" pitchFamily="49" charset="0"/>
+            </a:endParaRPr>
+          </a:p>
+          <a:p>
+            <a:pPr marL="0" indent="0">
+              <a:buNone/>
+              <a:tabLst>
+                <a:tab pos="177800" algn="l"/>
+                <a:tab pos="355600" algn="l"/>
+              </a:tabLst>
+            </a:pPr>
+            <a:r>
+              <a:rPr lang="de-CH" sz="1800" spc="-150" dirty="0" smtClean="0">
+                <a:latin typeface="Consolas" pitchFamily="49" charset="0"/>
+                <a:cs typeface="Consolas" pitchFamily="49" charset="0"/>
+              </a:rPr>
+              <a:t>	}</a:t>
+            </a:r>
+            <a:endParaRPr lang="de-CH" sz="1800" spc="-150" dirty="0">
+              <a:latin typeface="Consolas" pitchFamily="49" charset="0"/>
+              <a:cs typeface="Consolas" pitchFamily="49" charset="0"/>
+            </a:endParaRPr>
+          </a:p>
+          <a:p>
+            <a:pPr marL="0" indent="0">
+              <a:buNone/>
+              <a:tabLst>
+                <a:tab pos="177800" algn="l"/>
+                <a:tab pos="355600" algn="l"/>
+              </a:tabLst>
+            </a:pPr>
+            <a:r>
+              <a:rPr lang="de-CH" sz="1800" spc="-150" dirty="0" smtClean="0">
+                <a:latin typeface="Consolas" pitchFamily="49" charset="0"/>
+                <a:cs typeface="Consolas" pitchFamily="49" charset="0"/>
+              </a:rPr>
+              <a:t>}</a:t>
+            </a:r>
+            <a:endParaRPr lang="de-CH" sz="1800" spc="-150" dirty="0">
+              <a:latin typeface="Consolas" pitchFamily="49" charset="0"/>
+              <a:cs typeface="Consolas" pitchFamily="49" charset="0"/>
+            </a:endParaRPr>
+          </a:p>
+        </p:txBody>
+      </p:sp>
+    </p:spTree>
+    <p:extLst>
+      <p:ext uri="{BB962C8B-B14F-4D97-AF65-F5344CB8AC3E}">
+        <p14:creationId xmlns:p14="http://schemas.microsoft.com/office/powerpoint/2010/main" val="3194332371"/>
+      </p:ext>
+    </p:extLst>
+  </p:cSld>
+  <p:clrMapOvr>
+    <a:masterClrMapping/>
+  </p:clrMapOvr>
+</p:sld>
+</file>
+
+<file path=ppt/slides/slide8.xml><?xml version="1.0" encoding="utf-8"?>
+<p:sld xmlns:a="http://schemas.openxmlformats.org/drawingml/2006/main" xmlns:r="http://schemas.openxmlformats.org/officeDocument/2006/relationships" xmlns:p="http://schemas.openxmlformats.org/presentationml/2006/main">
+  <p:cSld>
+    <p:spTree>
+      <p:nvGrpSpPr>
+        <p:cNvPr id="1" name=""/>
+        <p:cNvGrpSpPr/>
+        <p:nvPr/>
+      </p:nvGrpSpPr>
+      <p:grpSpPr>
+        <a:xfrm>
+          <a:off x="0" y="0"/>
+          <a:ext cx="0" cy="0"/>
+          <a:chOff x="0" y="0"/>
+          <a:chExt cx="0" cy="0"/>
+        </a:xfrm>
+      </p:grpSpPr>
+      <p:sp>
+        <p:nvSpPr>
+          <p:cNvPr id="2" name="Title 1"/>
+          <p:cNvSpPr>
+            <a:spLocks noGrp="1"/>
+          </p:cNvSpPr>
+          <p:nvPr>
+            <p:ph type="title"/>
+          </p:nvPr>
+        </p:nvSpPr>
+        <p:spPr/>
+        <p:txBody>
+          <a:bodyPr/>
+          <a:lstStyle/>
+          <a:p>
+            <a:r>
               <a:rPr lang="de-CH" dirty="0" smtClean="0"/>
               <a:t>Chalice2SIL</a:t>
             </a:r>
@@ -9644,7 +10209,7 @@
 </p:sld>
 </file>
 
-<file path=ppt/slides/slide8.xml><?xml version="1.0" encoding="utf-8"?>
+<file path=ppt/slides/slide9.xml><?xml version="1.0" encoding="utf-8"?>
 <p:sld xmlns:a="http://schemas.openxmlformats.org/drawingml/2006/main" xmlns:r="http://schemas.openxmlformats.org/officeDocument/2006/relationships" xmlns:p="http://schemas.openxmlformats.org/presentationml/2006/main">
   <p:cSld>
     <p:spTree>

--- a/chalice2sil/doc/initial-project-presentation.pptx
+++ b/chalice2sil/doc/initial-project-presentation.pptx
@@ -201,7 +201,7 @@
           <a:p>
             <a:fld id="{6DB6AAD4-3FBA-4F1B-B7C1-5B70ABEEACFC}" type="datetimeFigureOut">
               <a:rPr lang="en-GB" smtClean="0"/>
-              <a:t>17/11/2011</a:t>
+              <a:t>23/11/2011</a:t>
             </a:fld>
             <a:endParaRPr lang="en-GB"/>
           </a:p>
@@ -650,7 +650,7 @@
           <a:p>
             <a:fld id="{21AFF90E-51F9-4729-BBD1-11D1E0841110}" type="datetimeFigureOut">
               <a:rPr lang="de-CH" smtClean="0"/>
-              <a:t>17.11.2011</a:t>
+              <a:t>23.11.2011</a:t>
             </a:fld>
             <a:endParaRPr lang="de-CH"/>
           </a:p>
@@ -827,7 +827,7 @@
           <a:p>
             <a:fld id="{21AFF90E-51F9-4729-BBD1-11D1E0841110}" type="datetimeFigureOut">
               <a:rPr lang="de-CH" smtClean="0"/>
-              <a:t>17.11.2011</a:t>
+              <a:t>23.11.2011</a:t>
             </a:fld>
             <a:endParaRPr lang="de-CH"/>
           </a:p>
@@ -1007,7 +1007,7 @@
           <a:p>
             <a:fld id="{21AFF90E-51F9-4729-BBD1-11D1E0841110}" type="datetimeFigureOut">
               <a:rPr lang="de-CH" smtClean="0"/>
-              <a:t>17.11.2011</a:t>
+              <a:t>23.11.2011</a:t>
             </a:fld>
             <a:endParaRPr lang="de-CH"/>
           </a:p>
@@ -1249,7 +1249,7 @@
           <a:p>
             <a:fld id="{86642A0F-B730-4E28-B731-7E298DDE1A66}" type="datetimeFigureOut">
               <a:rPr lang="en-GB" smtClean="0"/>
-              <a:t>17/11/2011</a:t>
+              <a:t>23/11/2011</a:t>
             </a:fld>
             <a:endParaRPr lang="en-GB"/>
           </a:p>
@@ -1426,7 +1426,7 @@
           <a:p>
             <a:fld id="{86642A0F-B730-4E28-B731-7E298DDE1A66}" type="datetimeFigureOut">
               <a:rPr lang="en-GB" smtClean="0"/>
-              <a:t>17/11/2011</a:t>
+              <a:t>23/11/2011</a:t>
             </a:fld>
             <a:endParaRPr lang="en-GB"/>
           </a:p>
@@ -1672,7 +1672,7 @@
           <a:p>
             <a:fld id="{86642A0F-B730-4E28-B731-7E298DDE1A66}" type="datetimeFigureOut">
               <a:rPr lang="en-GB" smtClean="0"/>
-              <a:t>17/11/2011</a:t>
+              <a:t>23/11/2011</a:t>
             </a:fld>
             <a:endParaRPr lang="en-GB"/>
           </a:p>
@@ -1960,7 +1960,7 @@
           <a:p>
             <a:fld id="{86642A0F-B730-4E28-B731-7E298DDE1A66}" type="datetimeFigureOut">
               <a:rPr lang="en-GB" smtClean="0"/>
-              <a:t>17/11/2011</a:t>
+              <a:t>23/11/2011</a:t>
             </a:fld>
             <a:endParaRPr lang="en-GB"/>
           </a:p>
@@ -2382,7 +2382,7 @@
           <a:p>
             <a:fld id="{86642A0F-B730-4E28-B731-7E298DDE1A66}" type="datetimeFigureOut">
               <a:rPr lang="en-GB" smtClean="0"/>
-              <a:t>17/11/2011</a:t>
+              <a:t>23/11/2011</a:t>
             </a:fld>
             <a:endParaRPr lang="en-GB"/>
           </a:p>
@@ -2500,7 +2500,7 @@
           <a:p>
             <a:fld id="{86642A0F-B730-4E28-B731-7E298DDE1A66}" type="datetimeFigureOut">
               <a:rPr lang="en-GB" smtClean="0"/>
-              <a:t>17/11/2011</a:t>
+              <a:t>23/11/2011</a:t>
             </a:fld>
             <a:endParaRPr lang="en-GB"/>
           </a:p>
@@ -2595,7 +2595,7 @@
           <a:p>
             <a:fld id="{86642A0F-B730-4E28-B731-7E298DDE1A66}" type="datetimeFigureOut">
               <a:rPr lang="en-GB" smtClean="0"/>
-              <a:t>17/11/2011</a:t>
+              <a:t>23/11/2011</a:t>
             </a:fld>
             <a:endParaRPr lang="en-GB"/>
           </a:p>
@@ -2872,7 +2872,7 @@
           <a:p>
             <a:fld id="{86642A0F-B730-4E28-B731-7E298DDE1A66}" type="datetimeFigureOut">
               <a:rPr lang="en-GB" smtClean="0"/>
-              <a:t>17/11/2011</a:t>
+              <a:t>23/11/2011</a:t>
             </a:fld>
             <a:endParaRPr lang="en-GB"/>
           </a:p>
@@ -3042,7 +3042,7 @@
           <a:p>
             <a:fld id="{21AFF90E-51F9-4729-BBD1-11D1E0841110}" type="datetimeFigureOut">
               <a:rPr lang="de-CH" smtClean="0"/>
-              <a:t>17.11.2011</a:t>
+              <a:t>23.11.2011</a:t>
             </a:fld>
             <a:endParaRPr lang="de-CH"/>
           </a:p>
@@ -3302,7 +3302,7 @@
           <a:p>
             <a:fld id="{86642A0F-B730-4E28-B731-7E298DDE1A66}" type="datetimeFigureOut">
               <a:rPr lang="en-GB" smtClean="0"/>
-              <a:t>17/11/2011</a:t>
+              <a:t>23/11/2011</a:t>
             </a:fld>
             <a:endParaRPr lang="en-GB"/>
           </a:p>
@@ -3472,7 +3472,7 @@
           <a:p>
             <a:fld id="{86642A0F-B730-4E28-B731-7E298DDE1A66}" type="datetimeFigureOut">
               <a:rPr lang="en-GB" smtClean="0"/>
-              <a:t>17/11/2011</a:t>
+              <a:t>23/11/2011</a:t>
             </a:fld>
             <a:endParaRPr lang="en-GB"/>
           </a:p>
@@ -3652,7 +3652,7 @@
           <a:p>
             <a:fld id="{86642A0F-B730-4E28-B731-7E298DDE1A66}" type="datetimeFigureOut">
               <a:rPr lang="en-GB" smtClean="0"/>
-              <a:t>17/11/2011</a:t>
+              <a:t>23/11/2011</a:t>
             </a:fld>
             <a:endParaRPr lang="en-GB"/>
           </a:p>
@@ -3898,7 +3898,7 @@
           <a:p>
             <a:fld id="{21AFF90E-51F9-4729-BBD1-11D1E0841110}" type="datetimeFigureOut">
               <a:rPr lang="de-CH" smtClean="0"/>
-              <a:t>17.11.2011</a:t>
+              <a:t>23.11.2011</a:t>
             </a:fld>
             <a:endParaRPr lang="de-CH"/>
           </a:p>
@@ -4186,7 +4186,7 @@
           <a:p>
             <a:fld id="{21AFF90E-51F9-4729-BBD1-11D1E0841110}" type="datetimeFigureOut">
               <a:rPr lang="de-CH" smtClean="0"/>
-              <a:t>17.11.2011</a:t>
+              <a:t>23.11.2011</a:t>
             </a:fld>
             <a:endParaRPr lang="de-CH"/>
           </a:p>
@@ -4608,7 +4608,7 @@
           <a:p>
             <a:fld id="{21AFF90E-51F9-4729-BBD1-11D1E0841110}" type="datetimeFigureOut">
               <a:rPr lang="de-CH" smtClean="0"/>
-              <a:t>17.11.2011</a:t>
+              <a:t>23.11.2011</a:t>
             </a:fld>
             <a:endParaRPr lang="de-CH"/>
           </a:p>
@@ -4726,7 +4726,7 @@
           <a:p>
             <a:fld id="{21AFF90E-51F9-4729-BBD1-11D1E0841110}" type="datetimeFigureOut">
               <a:rPr lang="de-CH" smtClean="0"/>
-              <a:t>17.11.2011</a:t>
+              <a:t>23.11.2011</a:t>
             </a:fld>
             <a:endParaRPr lang="de-CH"/>
           </a:p>
@@ -4821,7 +4821,7 @@
           <a:p>
             <a:fld id="{21AFF90E-51F9-4729-BBD1-11D1E0841110}" type="datetimeFigureOut">
               <a:rPr lang="de-CH" smtClean="0"/>
-              <a:t>17.11.2011</a:t>
+              <a:t>23.11.2011</a:t>
             </a:fld>
             <a:endParaRPr lang="de-CH"/>
           </a:p>
@@ -5098,7 +5098,7 @@
           <a:p>
             <a:fld id="{21AFF90E-51F9-4729-BBD1-11D1E0841110}" type="datetimeFigureOut">
               <a:rPr lang="de-CH" smtClean="0"/>
-              <a:t>17.11.2011</a:t>
+              <a:t>23.11.2011</a:t>
             </a:fld>
             <a:endParaRPr lang="de-CH"/>
           </a:p>
@@ -5351,7 +5351,7 @@
           <a:p>
             <a:fld id="{21AFF90E-51F9-4729-BBD1-11D1E0841110}" type="datetimeFigureOut">
               <a:rPr lang="de-CH" smtClean="0"/>
-              <a:t>17.11.2011</a:t>
+              <a:t>23.11.2011</a:t>
             </a:fld>
             <a:endParaRPr lang="de-CH"/>
           </a:p>
@@ -5720,7 +5720,7 @@
           <a:p>
             <a:fld id="{21AFF90E-51F9-4729-BBD1-11D1E0841110}" type="datetimeFigureOut">
               <a:rPr lang="de-CH" smtClean="0"/>
-              <a:t>17.11.2011</a:t>
+              <a:t>23.11.2011</a:t>
             </a:fld>
             <a:endParaRPr lang="de-CH"/>
           </a:p>
@@ -6424,7 +6424,7 @@
           <a:p>
             <a:fld id="{86642A0F-B730-4E28-B731-7E298DDE1A66}" type="datetimeFigureOut">
               <a:rPr lang="en-GB" smtClean="0"/>
-              <a:t>17/11/2011</a:t>
+              <a:t>23/11/2011</a:t>
             </a:fld>
             <a:endParaRPr lang="en-GB"/>
           </a:p>
@@ -8531,7 +8531,6 @@
               <a:rPr lang="de-CH" dirty="0" smtClean="0"/>
               <a:t>Monitors</a:t>
             </a:r>
-            <a:endParaRPr lang="de-CH" dirty="0" smtClean="0"/>
           </a:p>
         </p:txBody>
       </p:sp>
@@ -8606,14 +8605,7 @@
                 <a:latin typeface="Consolas" pitchFamily="49" charset="0"/>
                 <a:cs typeface="Consolas" pitchFamily="49" charset="0"/>
               </a:rPr>
-              <a:t> </a:t>
-            </a:r>
-            <a:r>
-              <a:rPr lang="en-GB" sz="1800" spc="-150" dirty="0" smtClean="0">
-                <a:latin typeface="Consolas" pitchFamily="49" charset="0"/>
-                <a:cs typeface="Consolas" pitchFamily="49" charset="0"/>
-              </a:rPr>
-              <a:t>v: </a:t>
+              <a:t> v: </a:t>
             </a:r>
             <a:r>
               <a:rPr lang="en-GB" sz="1800" spc="-150" dirty="0" err="1" smtClean="0">
@@ -10142,8 +10134,17 @@
           <a:p>
             <a:r>
               <a:rPr lang="en-GB" dirty="0" smtClean="0"/>
-              <a:t>First front-end for Chalice</a:t>
-            </a:r>
+              <a:t>First front-end </a:t>
+            </a:r>
+            <a:r>
+              <a:rPr lang="en-GB" smtClean="0"/>
+              <a:t>for </a:t>
+            </a:r>
+            <a:r>
+              <a:rPr lang="en-GB" smtClean="0"/>
+              <a:t>SIL</a:t>
+            </a:r>
+            <a:endParaRPr lang="en-GB" dirty="0" smtClean="0"/>
           </a:p>
           <a:p>
             <a:r>
